--- a/GitTutorial.pptx
+++ b/GitTutorial.pptx
@@ -8,7 +8,7 @@
     <p:sldId id="256" r:id="rId2"/>
     <p:sldId id="258" r:id="rId3"/>
     <p:sldId id="259" r:id="rId4"/>
-    <p:sldId id="260" r:id="rId5"/>
+    <p:sldId id="271" r:id="rId5"/>
     <p:sldId id="261" r:id="rId6"/>
     <p:sldId id="262" r:id="rId7"/>
     <p:sldId id="263" r:id="rId8"/>
@@ -128,7 +128,7 @@
           <p14:sldIdLst>
             <p14:sldId id="258"/>
             <p14:sldId id="259"/>
-            <p14:sldId id="260"/>
+            <p14:sldId id="271"/>
           </p14:sldIdLst>
         </p14:section>
         <p14:section name="New Repository" id="{67FDE11D-5567-46A8-8DFD-D4FA82779F10}">
@@ -153,6 +153,9 @@
           </p14:sldIdLst>
         </p14:section>
       </p14:sectionLst>
+    </p:ext>
+    <p:ext uri="{EFAFB233-063F-42B5-8137-9DF3F51BA10A}">
+      <p15:sldGuideLst xmlns:p15="http://schemas.microsoft.com/office/powerpoint/2012/main"/>
     </p:ext>
   </p:extLst>
 </p:presentation>
@@ -307,7 +310,7 @@
           <a:p>
             <a:fld id="{A3EF3731-9522-4EB1-9841-D2E79EBFA0E7}" type="datetimeFigureOut">
               <a:rPr lang="fa-IR" smtClean="0"/>
-              <a:t>06/10/1442</a:t>
+              <a:t>09/10/1442</a:t>
             </a:fld>
             <a:endParaRPr lang="fa-IR"/>
           </a:p>
@@ -507,7 +510,7 @@
           <a:p>
             <a:fld id="{A3EF3731-9522-4EB1-9841-D2E79EBFA0E7}" type="datetimeFigureOut">
               <a:rPr lang="fa-IR" smtClean="0"/>
-              <a:t>06/10/1442</a:t>
+              <a:t>09/10/1442</a:t>
             </a:fld>
             <a:endParaRPr lang="fa-IR"/>
           </a:p>
@@ -717,7 +720,7 @@
           <a:p>
             <a:fld id="{A3EF3731-9522-4EB1-9841-D2E79EBFA0E7}" type="datetimeFigureOut">
               <a:rPr lang="fa-IR" smtClean="0"/>
-              <a:t>06/10/1442</a:t>
+              <a:t>09/10/1442</a:t>
             </a:fld>
             <a:endParaRPr lang="fa-IR"/>
           </a:p>
@@ -917,7 +920,7 @@
           <a:p>
             <a:fld id="{A3EF3731-9522-4EB1-9841-D2E79EBFA0E7}" type="datetimeFigureOut">
               <a:rPr lang="fa-IR" smtClean="0"/>
-              <a:t>06/10/1442</a:t>
+              <a:t>09/10/1442</a:t>
             </a:fld>
             <a:endParaRPr lang="fa-IR"/>
           </a:p>
@@ -1193,7 +1196,7 @@
           <a:p>
             <a:fld id="{A3EF3731-9522-4EB1-9841-D2E79EBFA0E7}" type="datetimeFigureOut">
               <a:rPr lang="fa-IR" smtClean="0"/>
-              <a:t>06/10/1442</a:t>
+              <a:t>09/10/1442</a:t>
             </a:fld>
             <a:endParaRPr lang="fa-IR"/>
           </a:p>
@@ -1461,7 +1464,7 @@
           <a:p>
             <a:fld id="{A3EF3731-9522-4EB1-9841-D2E79EBFA0E7}" type="datetimeFigureOut">
               <a:rPr lang="fa-IR" smtClean="0"/>
-              <a:t>06/10/1442</a:t>
+              <a:t>09/10/1442</a:t>
             </a:fld>
             <a:endParaRPr lang="fa-IR"/>
           </a:p>
@@ -1876,7 +1879,7 @@
           <a:p>
             <a:fld id="{A3EF3731-9522-4EB1-9841-D2E79EBFA0E7}" type="datetimeFigureOut">
               <a:rPr lang="fa-IR" smtClean="0"/>
-              <a:t>06/10/1442</a:t>
+              <a:t>09/10/1442</a:t>
             </a:fld>
             <a:endParaRPr lang="fa-IR"/>
           </a:p>
@@ -2018,7 +2021,7 @@
           <a:p>
             <a:fld id="{A3EF3731-9522-4EB1-9841-D2E79EBFA0E7}" type="datetimeFigureOut">
               <a:rPr lang="fa-IR" smtClean="0"/>
-              <a:t>06/10/1442</a:t>
+              <a:t>09/10/1442</a:t>
             </a:fld>
             <a:endParaRPr lang="fa-IR"/>
           </a:p>
@@ -2131,7 +2134,7 @@
           <a:p>
             <a:fld id="{A3EF3731-9522-4EB1-9841-D2E79EBFA0E7}" type="datetimeFigureOut">
               <a:rPr lang="fa-IR" smtClean="0"/>
-              <a:t>06/10/1442</a:t>
+              <a:t>09/10/1442</a:t>
             </a:fld>
             <a:endParaRPr lang="fa-IR"/>
           </a:p>
@@ -2444,7 +2447,7 @@
           <a:p>
             <a:fld id="{A3EF3731-9522-4EB1-9841-D2E79EBFA0E7}" type="datetimeFigureOut">
               <a:rPr lang="fa-IR" smtClean="0"/>
-              <a:t>06/10/1442</a:t>
+              <a:t>09/10/1442</a:t>
             </a:fld>
             <a:endParaRPr lang="fa-IR"/>
           </a:p>
@@ -2733,7 +2736,7 @@
           <a:p>
             <a:fld id="{A3EF3731-9522-4EB1-9841-D2E79EBFA0E7}" type="datetimeFigureOut">
               <a:rPr lang="fa-IR" smtClean="0"/>
-              <a:t>06/10/1442</a:t>
+              <a:t>09/10/1442</a:t>
             </a:fld>
             <a:endParaRPr lang="fa-IR"/>
           </a:p>
@@ -2976,7 +2979,7 @@
           <a:p>
             <a:fld id="{A3EF3731-9522-4EB1-9841-D2E79EBFA0E7}" type="datetimeFigureOut">
               <a:rPr lang="fa-IR" smtClean="0"/>
-              <a:t>06/10/1442</a:t>
+              <a:t>09/10/1442</a:t>
             </a:fld>
             <a:endParaRPr lang="fa-IR"/>
           </a:p>
@@ -4404,61 +4407,888 @@
       </p:sp>
       <p:sp>
         <p:nvSpPr>
-          <p:cNvPr id="7" name="Content Placeholder 6">
-            <a:extLst>
-              <a:ext uri="{FF2B5EF4-FFF2-40B4-BE49-F238E27FC236}">
-                <a16:creationId xmlns:a16="http://schemas.microsoft.com/office/drawing/2014/main" id="{2545D441-F541-4F0A-AFA8-C4BB172A581F}"/>
-              </a:ext>
-            </a:extLst>
-          </p:cNvPr>
-          <p:cNvSpPr>
-            <a:spLocks noGrp="1"/>
-          </p:cNvSpPr>
-          <p:nvPr>
-            <p:ph idx="1"/>
-          </p:nvPr>
-        </p:nvSpPr>
-        <p:spPr/>
-        <p:txBody>
-          <a:bodyPr/>
-          <a:lstStyle/>
-          <a:p>
-            <a:r>
-              <a:rPr lang="en-US" dirty="0"/>
-              <a:t>From left panel select </a:t>
-            </a:r>
-            <a:r>
-              <a:rPr lang="en-US" b="1" dirty="0"/>
-              <a:t>Repositories</a:t>
-            </a:r>
-          </a:p>
-          <a:p>
-            <a:r>
-              <a:rPr lang="en-US" dirty="0"/>
-              <a:t>Change the default branch to </a:t>
-            </a:r>
-            <a:r>
-              <a:rPr lang="en-US" b="1" dirty="0"/>
-              <a:t>master</a:t>
-            </a:r>
-          </a:p>
-          <a:p>
-            <a:r>
-              <a:rPr lang="en-US" dirty="0"/>
-              <a:t>Push the upgrade button</a:t>
-            </a:r>
-          </a:p>
-          <a:p>
-            <a:endParaRPr lang="fa-IR" dirty="0"/>
-          </a:p>
-        </p:txBody>
-      </p:sp>
+          <p:cNvPr id="10" name="Block Arc 9">
+            <a:extLst>
+              <a:ext uri="{FF2B5EF4-FFF2-40B4-BE49-F238E27FC236}">
+                <a16:creationId xmlns:a16="http://schemas.microsoft.com/office/drawing/2014/main" id="{E32B4B3F-0EBB-4BCA-9FCC-28C199EB3DAB}"/>
+              </a:ext>
+            </a:extLst>
+          </p:cNvPr>
+          <p:cNvSpPr/>
+          <p:nvPr/>
+        </p:nvSpPr>
+        <p:spPr>
+          <a:xfrm>
+            <a:off x="-2727922" y="1545219"/>
+            <a:ext cx="3970761" cy="3970761"/>
+          </a:xfrm>
+          <a:prstGeom prst="blockArc">
+            <a:avLst>
+              <a:gd name="adj1" fmla="val 18900000"/>
+              <a:gd name="adj2" fmla="val 2700000"/>
+              <a:gd name="adj3" fmla="val 544"/>
+            </a:avLst>
+          </a:prstGeom>
+          <a:ln>
+            <a:solidFill>
+              <a:schemeClr val="accent1">
+                <a:lumMod val="75000"/>
+              </a:schemeClr>
+            </a:solidFill>
+          </a:ln>
+        </p:spPr>
+        <p:style>
+          <a:lnRef idx="2">
+            <a:schemeClr val="accent1">
+              <a:shade val="60000"/>
+              <a:hueOff val="0"/>
+              <a:satOff val="0"/>
+              <a:lumOff val="0"/>
+              <a:alphaOff val="0"/>
+            </a:schemeClr>
+          </a:lnRef>
+          <a:fillRef idx="0">
+            <a:schemeClr val="accent1">
+              <a:hueOff val="0"/>
+              <a:satOff val="0"/>
+              <a:lumOff val="0"/>
+              <a:alphaOff val="0"/>
+            </a:schemeClr>
+          </a:fillRef>
+          <a:effectRef idx="0">
+            <a:schemeClr val="accent1">
+              <a:hueOff val="0"/>
+              <a:satOff val="0"/>
+              <a:lumOff val="0"/>
+              <a:alphaOff val="0"/>
+            </a:schemeClr>
+          </a:effectRef>
+          <a:fontRef idx="minor">
+            <a:schemeClr val="tx1">
+              <a:hueOff val="0"/>
+              <a:satOff val="0"/>
+              <a:lumOff val="0"/>
+              <a:alphaOff val="0"/>
+            </a:schemeClr>
+          </a:fontRef>
+        </p:style>
+      </p:sp>
+      <p:grpSp>
+        <p:nvGrpSpPr>
+          <p:cNvPr id="22" name="Group 21">
+            <a:extLst>
+              <a:ext uri="{FF2B5EF4-FFF2-40B4-BE49-F238E27FC236}">
+                <a16:creationId xmlns:a16="http://schemas.microsoft.com/office/drawing/2014/main" id="{7133A007-EAF2-4EB2-9DD6-CE10315F47E2}"/>
+              </a:ext>
+            </a:extLst>
+          </p:cNvPr>
+          <p:cNvGrpSpPr/>
+          <p:nvPr/>
+        </p:nvGrpSpPr>
+        <p:grpSpPr>
+          <a:xfrm>
+            <a:off x="645766" y="2278379"/>
+            <a:ext cx="4682590" cy="736600"/>
+            <a:chOff x="5441549" y="2501335"/>
+            <a:chExt cx="4682590" cy="736600"/>
+          </a:xfrm>
+        </p:grpSpPr>
+        <p:sp>
+          <p:nvSpPr>
+            <p:cNvPr id="11" name="Freeform: Shape 10">
+              <a:extLst>
+                <a:ext uri="{FF2B5EF4-FFF2-40B4-BE49-F238E27FC236}">
+                  <a16:creationId xmlns:a16="http://schemas.microsoft.com/office/drawing/2014/main" id="{F72D9E4C-4065-446C-A536-0EE68C66869D}"/>
+                </a:ext>
+              </a:extLst>
+            </p:cNvPr>
+            <p:cNvSpPr/>
+            <p:nvPr/>
+          </p:nvSpPr>
+          <p:spPr>
+            <a:xfrm>
+              <a:off x="5809849" y="2574995"/>
+              <a:ext cx="4314290" cy="589280"/>
+            </a:xfrm>
+            <a:custGeom>
+              <a:avLst/>
+              <a:gdLst>
+                <a:gd name="connsiteX0" fmla="*/ 0 w 4314290"/>
+                <a:gd name="connsiteY0" fmla="*/ 0 h 589280"/>
+                <a:gd name="connsiteX1" fmla="*/ 4314290 w 4314290"/>
+                <a:gd name="connsiteY1" fmla="*/ 0 h 589280"/>
+                <a:gd name="connsiteX2" fmla="*/ 4314290 w 4314290"/>
+                <a:gd name="connsiteY2" fmla="*/ 589280 h 589280"/>
+                <a:gd name="connsiteX3" fmla="*/ 0 w 4314290"/>
+                <a:gd name="connsiteY3" fmla="*/ 589280 h 589280"/>
+                <a:gd name="connsiteX4" fmla="*/ 0 w 4314290"/>
+                <a:gd name="connsiteY4" fmla="*/ 0 h 589280"/>
+              </a:gdLst>
+              <a:ahLst/>
+              <a:cxnLst>
+                <a:cxn ang="0">
+                  <a:pos x="connsiteX0" y="connsiteY0"/>
+                </a:cxn>
+                <a:cxn ang="0">
+                  <a:pos x="connsiteX1" y="connsiteY1"/>
+                </a:cxn>
+                <a:cxn ang="0">
+                  <a:pos x="connsiteX2" y="connsiteY2"/>
+                </a:cxn>
+                <a:cxn ang="0">
+                  <a:pos x="connsiteX3" y="connsiteY3"/>
+                </a:cxn>
+                <a:cxn ang="0">
+                  <a:pos x="connsiteX4" y="connsiteY4"/>
+                </a:cxn>
+              </a:cxnLst>
+              <a:rect l="l" t="t" r="r" b="b"/>
+              <a:pathLst>
+                <a:path w="4314290" h="589280">
+                  <a:moveTo>
+                    <a:pt x="0" y="0"/>
+                  </a:moveTo>
+                  <a:lnTo>
+                    <a:pt x="4314290" y="0"/>
+                  </a:lnTo>
+                  <a:lnTo>
+                    <a:pt x="4314290" y="589280"/>
+                  </a:lnTo>
+                  <a:lnTo>
+                    <a:pt x="0" y="589280"/>
+                  </a:lnTo>
+                  <a:lnTo>
+                    <a:pt x="0" y="0"/>
+                  </a:lnTo>
+                  <a:close/>
+                </a:path>
+              </a:pathLst>
+            </a:custGeom>
+            <a:solidFill>
+              <a:schemeClr val="accent1">
+                <a:lumMod val="75000"/>
+              </a:schemeClr>
+            </a:solidFill>
+          </p:spPr>
+          <p:style>
+            <a:lnRef idx="2">
+              <a:schemeClr val="lt1">
+                <a:hueOff val="0"/>
+                <a:satOff val="0"/>
+                <a:lumOff val="0"/>
+                <a:alphaOff val="0"/>
+              </a:schemeClr>
+            </a:lnRef>
+            <a:fillRef idx="1">
+              <a:schemeClr val="accent1">
+                <a:hueOff val="0"/>
+                <a:satOff val="0"/>
+                <a:lumOff val="0"/>
+                <a:alphaOff val="0"/>
+              </a:schemeClr>
+            </a:fillRef>
+            <a:effectRef idx="0">
+              <a:schemeClr val="accent1">
+                <a:hueOff val="0"/>
+                <a:satOff val="0"/>
+                <a:lumOff val="0"/>
+                <a:alphaOff val="0"/>
+              </a:schemeClr>
+            </a:effectRef>
+            <a:fontRef idx="minor">
+              <a:schemeClr val="lt1"/>
+            </a:fontRef>
+          </p:style>
+          <p:txBody>
+            <a:bodyPr spcFirstLastPara="0" vert="horz" wrap="square" lIns="467741" tIns="45720" rIns="45720" bIns="45720" numCol="1" spcCol="1270" anchor="ctr" anchorCtr="0">
+              <a:noAutofit/>
+            </a:bodyPr>
+            <a:lstStyle/>
+            <a:p>
+              <a:pPr marL="0" lvl="0" indent="0" defTabSz="800100">
+                <a:lnSpc>
+                  <a:spcPct val="90000"/>
+                </a:lnSpc>
+                <a:spcBef>
+                  <a:spcPct val="0"/>
+                </a:spcBef>
+                <a:spcAft>
+                  <a:spcPct val="35000"/>
+                </a:spcAft>
+                <a:buNone/>
+              </a:pPr>
+              <a:r>
+                <a:rPr lang="en-US" sz="1800" kern="1200" dirty="0"/>
+                <a:t>From left panel select </a:t>
+              </a:r>
+              <a:r>
+                <a:rPr lang="en-US" sz="1800" b="1" kern="1200" dirty="0"/>
+                <a:t>Repositories</a:t>
+              </a:r>
+              <a:r>
+                <a:rPr lang="fa-IR" sz="1800" b="1" kern="1200" dirty="0"/>
+                <a:t> </a:t>
+              </a:r>
+              <a:endParaRPr lang="fa-IR" sz="1800" kern="1200" dirty="0"/>
+            </a:p>
+          </p:txBody>
+        </p:sp>
+        <p:sp>
+          <p:nvSpPr>
+            <p:cNvPr id="12" name="Oval 11">
+              <a:extLst>
+                <a:ext uri="{FF2B5EF4-FFF2-40B4-BE49-F238E27FC236}">
+                  <a16:creationId xmlns:a16="http://schemas.microsoft.com/office/drawing/2014/main" id="{3E2D700C-8F62-4197-990C-125B229EDB79}"/>
+                </a:ext>
+              </a:extLst>
+            </p:cNvPr>
+            <p:cNvSpPr/>
+            <p:nvPr/>
+          </p:nvSpPr>
+          <p:spPr>
+            <a:xfrm>
+              <a:off x="5441549" y="2501335"/>
+              <a:ext cx="736600" cy="736600"/>
+            </a:xfrm>
+            <a:prstGeom prst="ellipse">
+              <a:avLst/>
+            </a:prstGeom>
+            <a:ln>
+              <a:solidFill>
+                <a:schemeClr val="accent1">
+                  <a:lumMod val="75000"/>
+                </a:schemeClr>
+              </a:solidFill>
+            </a:ln>
+          </p:spPr>
+          <p:style>
+            <a:lnRef idx="2">
+              <a:schemeClr val="accent1">
+                <a:hueOff val="0"/>
+                <a:satOff val="0"/>
+                <a:lumOff val="0"/>
+                <a:alphaOff val="0"/>
+              </a:schemeClr>
+            </a:lnRef>
+            <a:fillRef idx="1">
+              <a:schemeClr val="lt1">
+                <a:hueOff val="0"/>
+                <a:satOff val="0"/>
+                <a:lumOff val="0"/>
+                <a:alphaOff val="0"/>
+              </a:schemeClr>
+            </a:fillRef>
+            <a:effectRef idx="0">
+              <a:schemeClr val="lt1">
+                <a:hueOff val="0"/>
+                <a:satOff val="0"/>
+                <a:lumOff val="0"/>
+                <a:alphaOff val="0"/>
+              </a:schemeClr>
+            </a:effectRef>
+            <a:fontRef idx="minor">
+              <a:schemeClr val="dk1">
+                <a:hueOff val="0"/>
+                <a:satOff val="0"/>
+                <a:lumOff val="0"/>
+                <a:alphaOff val="0"/>
+              </a:schemeClr>
+            </a:fontRef>
+          </p:style>
+        </p:sp>
+        <p:sp>
+          <p:nvSpPr>
+            <p:cNvPr id="18" name="TextBox 17">
+              <a:extLst>
+                <a:ext uri="{FF2B5EF4-FFF2-40B4-BE49-F238E27FC236}">
+                  <a16:creationId xmlns:a16="http://schemas.microsoft.com/office/drawing/2014/main" id="{B1537222-0EA6-4554-812D-05CDB49ED178}"/>
+                </a:ext>
+              </a:extLst>
+            </p:cNvPr>
+            <p:cNvSpPr txBox="1"/>
+            <p:nvPr/>
+          </p:nvSpPr>
+          <p:spPr>
+            <a:xfrm>
+              <a:off x="5586588" y="2588126"/>
+              <a:ext cx="434734" cy="584775"/>
+            </a:xfrm>
+            <a:prstGeom prst="rect">
+              <a:avLst/>
+            </a:prstGeom>
+            <a:noFill/>
+          </p:spPr>
+          <p:txBody>
+            <a:bodyPr wrap="none" rtlCol="1">
+              <a:spAutoFit/>
+            </a:bodyPr>
+            <a:lstStyle/>
+            <a:p>
+              <a:r>
+                <a:rPr lang="en-US" sz="3200" dirty="0">
+                  <a:solidFill>
+                    <a:schemeClr val="bg2">
+                      <a:lumMod val="50000"/>
+                    </a:schemeClr>
+                  </a:solidFill>
+                  <a:latin typeface="Britannic Bold" panose="020B0903060703020204" pitchFamily="34" charset="0"/>
+                </a:rPr>
+                <a:t>1</a:t>
+              </a:r>
+              <a:endParaRPr lang="fa-IR" sz="3200" dirty="0">
+                <a:solidFill>
+                  <a:schemeClr val="bg2">
+                    <a:lumMod val="50000"/>
+                  </a:schemeClr>
+                </a:solidFill>
+                <a:latin typeface="Britannic Bold" panose="020B0903060703020204" pitchFamily="34" charset="0"/>
+              </a:endParaRPr>
+            </a:p>
+          </p:txBody>
+        </p:sp>
+      </p:grpSp>
+      <p:grpSp>
+        <p:nvGrpSpPr>
+          <p:cNvPr id="23" name="Group 22">
+            <a:extLst>
+              <a:ext uri="{FF2B5EF4-FFF2-40B4-BE49-F238E27FC236}">
+                <a16:creationId xmlns:a16="http://schemas.microsoft.com/office/drawing/2014/main" id="{7FE18F92-8FA2-4AB7-9770-4EFBF33A7CD7}"/>
+              </a:ext>
+            </a:extLst>
+          </p:cNvPr>
+          <p:cNvGrpSpPr/>
+          <p:nvPr/>
+        </p:nvGrpSpPr>
+        <p:grpSpPr>
+          <a:xfrm>
+            <a:off x="859969" y="3162299"/>
+            <a:ext cx="4468387" cy="736600"/>
+            <a:chOff x="5655752" y="3385255"/>
+            <a:chExt cx="4468387" cy="736600"/>
+          </a:xfrm>
+        </p:grpSpPr>
+        <p:sp>
+          <p:nvSpPr>
+            <p:cNvPr id="13" name="Freeform: Shape 12">
+              <a:extLst>
+                <a:ext uri="{FF2B5EF4-FFF2-40B4-BE49-F238E27FC236}">
+                  <a16:creationId xmlns:a16="http://schemas.microsoft.com/office/drawing/2014/main" id="{54150796-5A67-484F-8D2D-288FCB7FBF76}"/>
+                </a:ext>
+              </a:extLst>
+            </p:cNvPr>
+            <p:cNvSpPr/>
+            <p:nvPr/>
+          </p:nvSpPr>
+          <p:spPr>
+            <a:xfrm>
+              <a:off x="6024052" y="3458915"/>
+              <a:ext cx="4100087" cy="589280"/>
+            </a:xfrm>
+            <a:custGeom>
+              <a:avLst/>
+              <a:gdLst>
+                <a:gd name="connsiteX0" fmla="*/ 0 w 4100087"/>
+                <a:gd name="connsiteY0" fmla="*/ 0 h 589280"/>
+                <a:gd name="connsiteX1" fmla="*/ 4100087 w 4100087"/>
+                <a:gd name="connsiteY1" fmla="*/ 0 h 589280"/>
+                <a:gd name="connsiteX2" fmla="*/ 4100087 w 4100087"/>
+                <a:gd name="connsiteY2" fmla="*/ 589280 h 589280"/>
+                <a:gd name="connsiteX3" fmla="*/ 0 w 4100087"/>
+                <a:gd name="connsiteY3" fmla="*/ 589280 h 589280"/>
+                <a:gd name="connsiteX4" fmla="*/ 0 w 4100087"/>
+                <a:gd name="connsiteY4" fmla="*/ 0 h 589280"/>
+              </a:gdLst>
+              <a:ahLst/>
+              <a:cxnLst>
+                <a:cxn ang="0">
+                  <a:pos x="connsiteX0" y="connsiteY0"/>
+                </a:cxn>
+                <a:cxn ang="0">
+                  <a:pos x="connsiteX1" y="connsiteY1"/>
+                </a:cxn>
+                <a:cxn ang="0">
+                  <a:pos x="connsiteX2" y="connsiteY2"/>
+                </a:cxn>
+                <a:cxn ang="0">
+                  <a:pos x="connsiteX3" y="connsiteY3"/>
+                </a:cxn>
+                <a:cxn ang="0">
+                  <a:pos x="connsiteX4" y="connsiteY4"/>
+                </a:cxn>
+              </a:cxnLst>
+              <a:rect l="l" t="t" r="r" b="b"/>
+              <a:pathLst>
+                <a:path w="4100087" h="589280">
+                  <a:moveTo>
+                    <a:pt x="0" y="0"/>
+                  </a:moveTo>
+                  <a:lnTo>
+                    <a:pt x="4100087" y="0"/>
+                  </a:lnTo>
+                  <a:lnTo>
+                    <a:pt x="4100087" y="589280"/>
+                  </a:lnTo>
+                  <a:lnTo>
+                    <a:pt x="0" y="589280"/>
+                  </a:lnTo>
+                  <a:lnTo>
+                    <a:pt x="0" y="0"/>
+                  </a:lnTo>
+                  <a:close/>
+                </a:path>
+              </a:pathLst>
+            </a:custGeom>
+            <a:solidFill>
+              <a:schemeClr val="accent1">
+                <a:lumMod val="75000"/>
+              </a:schemeClr>
+            </a:solidFill>
+          </p:spPr>
+          <p:style>
+            <a:lnRef idx="2">
+              <a:schemeClr val="lt1">
+                <a:hueOff val="0"/>
+                <a:satOff val="0"/>
+                <a:lumOff val="0"/>
+                <a:alphaOff val="0"/>
+              </a:schemeClr>
+            </a:lnRef>
+            <a:fillRef idx="1">
+              <a:schemeClr val="accent1">
+                <a:hueOff val="0"/>
+                <a:satOff val="0"/>
+                <a:lumOff val="0"/>
+                <a:alphaOff val="0"/>
+              </a:schemeClr>
+            </a:fillRef>
+            <a:effectRef idx="0">
+              <a:schemeClr val="accent1">
+                <a:hueOff val="0"/>
+                <a:satOff val="0"/>
+                <a:lumOff val="0"/>
+                <a:alphaOff val="0"/>
+              </a:schemeClr>
+            </a:effectRef>
+            <a:fontRef idx="minor">
+              <a:schemeClr val="lt1"/>
+            </a:fontRef>
+          </p:style>
+          <p:txBody>
+            <a:bodyPr spcFirstLastPara="0" vert="horz" wrap="square" lIns="467741" tIns="45720" rIns="45720" bIns="45720" numCol="1" spcCol="1270" anchor="ctr" anchorCtr="0">
+              <a:noAutofit/>
+            </a:bodyPr>
+            <a:lstStyle/>
+            <a:p>
+              <a:pPr marL="0" lvl="0" indent="0" defTabSz="800100">
+                <a:lnSpc>
+                  <a:spcPct val="90000"/>
+                </a:lnSpc>
+                <a:spcBef>
+                  <a:spcPct val="0"/>
+                </a:spcBef>
+                <a:spcAft>
+                  <a:spcPct val="35000"/>
+                </a:spcAft>
+                <a:buNone/>
+              </a:pPr>
+              <a:r>
+                <a:rPr lang="en-US" sz="1800" kern="1200" dirty="0"/>
+                <a:t>Change the default branch to </a:t>
+              </a:r>
+              <a:r>
+                <a:rPr lang="en-US" sz="1800" b="1" kern="1200" dirty="0"/>
+                <a:t>master</a:t>
+              </a:r>
+              <a:endParaRPr lang="fa-IR" sz="1800" kern="1200" dirty="0"/>
+            </a:p>
+          </p:txBody>
+        </p:sp>
+        <p:sp>
+          <p:nvSpPr>
+            <p:cNvPr id="14" name="Oval 13">
+              <a:extLst>
+                <a:ext uri="{FF2B5EF4-FFF2-40B4-BE49-F238E27FC236}">
+                  <a16:creationId xmlns:a16="http://schemas.microsoft.com/office/drawing/2014/main" id="{7F047843-37E7-45AF-AAC7-ABCEEA2B720C}"/>
+                </a:ext>
+              </a:extLst>
+            </p:cNvPr>
+            <p:cNvSpPr/>
+            <p:nvPr/>
+          </p:nvSpPr>
+          <p:spPr>
+            <a:xfrm>
+              <a:off x="5655752" y="3385255"/>
+              <a:ext cx="736600" cy="736600"/>
+            </a:xfrm>
+            <a:prstGeom prst="ellipse">
+              <a:avLst/>
+            </a:prstGeom>
+            <a:ln>
+              <a:solidFill>
+                <a:schemeClr val="accent1">
+                  <a:lumMod val="75000"/>
+                </a:schemeClr>
+              </a:solidFill>
+            </a:ln>
+          </p:spPr>
+          <p:style>
+            <a:lnRef idx="2">
+              <a:schemeClr val="accent1">
+                <a:hueOff val="0"/>
+                <a:satOff val="0"/>
+                <a:lumOff val="0"/>
+                <a:alphaOff val="0"/>
+              </a:schemeClr>
+            </a:lnRef>
+            <a:fillRef idx="1">
+              <a:schemeClr val="lt1">
+                <a:hueOff val="0"/>
+                <a:satOff val="0"/>
+                <a:lumOff val="0"/>
+                <a:alphaOff val="0"/>
+              </a:schemeClr>
+            </a:fillRef>
+            <a:effectRef idx="0">
+              <a:schemeClr val="lt1">
+                <a:hueOff val="0"/>
+                <a:satOff val="0"/>
+                <a:lumOff val="0"/>
+                <a:alphaOff val="0"/>
+              </a:schemeClr>
+            </a:effectRef>
+            <a:fontRef idx="minor">
+              <a:schemeClr val="dk1">
+                <a:hueOff val="0"/>
+                <a:satOff val="0"/>
+                <a:lumOff val="0"/>
+                <a:alphaOff val="0"/>
+              </a:schemeClr>
+            </a:fontRef>
+          </p:style>
+        </p:sp>
+        <p:sp>
+          <p:nvSpPr>
+            <p:cNvPr id="20" name="TextBox 19">
+              <a:extLst>
+                <a:ext uri="{FF2B5EF4-FFF2-40B4-BE49-F238E27FC236}">
+                  <a16:creationId xmlns:a16="http://schemas.microsoft.com/office/drawing/2014/main" id="{2C083E7B-FF5A-41F5-B560-8B84C8860FA2}"/>
+                </a:ext>
+              </a:extLst>
+            </p:cNvPr>
+            <p:cNvSpPr txBox="1"/>
+            <p:nvPr/>
+          </p:nvSpPr>
+          <p:spPr>
+            <a:xfrm>
+              <a:off x="5821255" y="3429000"/>
+              <a:ext cx="434734" cy="584775"/>
+            </a:xfrm>
+            <a:prstGeom prst="rect">
+              <a:avLst/>
+            </a:prstGeom>
+            <a:noFill/>
+          </p:spPr>
+          <p:txBody>
+            <a:bodyPr wrap="none" rtlCol="1">
+              <a:spAutoFit/>
+            </a:bodyPr>
+            <a:lstStyle/>
+            <a:p>
+              <a:r>
+                <a:rPr lang="en-US" sz="3200" dirty="0">
+                  <a:solidFill>
+                    <a:schemeClr val="bg2">
+                      <a:lumMod val="50000"/>
+                    </a:schemeClr>
+                  </a:solidFill>
+                  <a:latin typeface="Britannic Bold" panose="020B0903060703020204" pitchFamily="34" charset="0"/>
+                </a:rPr>
+                <a:t>2</a:t>
+              </a:r>
+              <a:endParaRPr lang="fa-IR" sz="3200" dirty="0">
+                <a:solidFill>
+                  <a:schemeClr val="bg2">
+                    <a:lumMod val="50000"/>
+                  </a:schemeClr>
+                </a:solidFill>
+                <a:latin typeface="Britannic Bold" panose="020B0903060703020204" pitchFamily="34" charset="0"/>
+              </a:endParaRPr>
+            </a:p>
+          </p:txBody>
+        </p:sp>
+      </p:grpSp>
+      <p:grpSp>
+        <p:nvGrpSpPr>
+          <p:cNvPr id="24" name="Group 23">
+            <a:extLst>
+              <a:ext uri="{FF2B5EF4-FFF2-40B4-BE49-F238E27FC236}">
+                <a16:creationId xmlns:a16="http://schemas.microsoft.com/office/drawing/2014/main" id="{BF4E3E70-CAE2-4B7E-9863-CE310C8463E1}"/>
+              </a:ext>
+            </a:extLst>
+          </p:cNvPr>
+          <p:cNvGrpSpPr/>
+          <p:nvPr/>
+        </p:nvGrpSpPr>
+        <p:grpSpPr>
+          <a:xfrm>
+            <a:off x="645766" y="4046219"/>
+            <a:ext cx="4682590" cy="736600"/>
+            <a:chOff x="5441549" y="4269175"/>
+            <a:chExt cx="4682590" cy="736600"/>
+          </a:xfrm>
+        </p:grpSpPr>
+        <p:sp>
+          <p:nvSpPr>
+            <p:cNvPr id="15" name="Freeform: Shape 14">
+              <a:extLst>
+                <a:ext uri="{FF2B5EF4-FFF2-40B4-BE49-F238E27FC236}">
+                  <a16:creationId xmlns:a16="http://schemas.microsoft.com/office/drawing/2014/main" id="{FE8C3F3F-83E7-4201-B1FD-31CA9006ADD6}"/>
+                </a:ext>
+              </a:extLst>
+            </p:cNvPr>
+            <p:cNvSpPr/>
+            <p:nvPr/>
+          </p:nvSpPr>
+          <p:spPr>
+            <a:xfrm>
+              <a:off x="5809849" y="4342835"/>
+              <a:ext cx="4314290" cy="589280"/>
+            </a:xfrm>
+            <a:custGeom>
+              <a:avLst/>
+              <a:gdLst>
+                <a:gd name="connsiteX0" fmla="*/ 0 w 4314290"/>
+                <a:gd name="connsiteY0" fmla="*/ 0 h 589280"/>
+                <a:gd name="connsiteX1" fmla="*/ 4314290 w 4314290"/>
+                <a:gd name="connsiteY1" fmla="*/ 0 h 589280"/>
+                <a:gd name="connsiteX2" fmla="*/ 4314290 w 4314290"/>
+                <a:gd name="connsiteY2" fmla="*/ 589280 h 589280"/>
+                <a:gd name="connsiteX3" fmla="*/ 0 w 4314290"/>
+                <a:gd name="connsiteY3" fmla="*/ 589280 h 589280"/>
+                <a:gd name="connsiteX4" fmla="*/ 0 w 4314290"/>
+                <a:gd name="connsiteY4" fmla="*/ 0 h 589280"/>
+              </a:gdLst>
+              <a:ahLst/>
+              <a:cxnLst>
+                <a:cxn ang="0">
+                  <a:pos x="connsiteX0" y="connsiteY0"/>
+                </a:cxn>
+                <a:cxn ang="0">
+                  <a:pos x="connsiteX1" y="connsiteY1"/>
+                </a:cxn>
+                <a:cxn ang="0">
+                  <a:pos x="connsiteX2" y="connsiteY2"/>
+                </a:cxn>
+                <a:cxn ang="0">
+                  <a:pos x="connsiteX3" y="connsiteY3"/>
+                </a:cxn>
+                <a:cxn ang="0">
+                  <a:pos x="connsiteX4" y="connsiteY4"/>
+                </a:cxn>
+              </a:cxnLst>
+              <a:rect l="l" t="t" r="r" b="b"/>
+              <a:pathLst>
+                <a:path w="4314290" h="589280">
+                  <a:moveTo>
+                    <a:pt x="0" y="0"/>
+                  </a:moveTo>
+                  <a:lnTo>
+                    <a:pt x="4314290" y="0"/>
+                  </a:lnTo>
+                  <a:lnTo>
+                    <a:pt x="4314290" y="589280"/>
+                  </a:lnTo>
+                  <a:lnTo>
+                    <a:pt x="0" y="589280"/>
+                  </a:lnTo>
+                  <a:lnTo>
+                    <a:pt x="0" y="0"/>
+                  </a:lnTo>
+                  <a:close/>
+                </a:path>
+              </a:pathLst>
+            </a:custGeom>
+            <a:solidFill>
+              <a:schemeClr val="accent1">
+                <a:lumMod val="75000"/>
+              </a:schemeClr>
+            </a:solidFill>
+          </p:spPr>
+          <p:style>
+            <a:lnRef idx="2">
+              <a:schemeClr val="lt1">
+                <a:hueOff val="0"/>
+                <a:satOff val="0"/>
+                <a:lumOff val="0"/>
+                <a:alphaOff val="0"/>
+              </a:schemeClr>
+            </a:lnRef>
+            <a:fillRef idx="1">
+              <a:schemeClr val="accent1">
+                <a:hueOff val="0"/>
+                <a:satOff val="0"/>
+                <a:lumOff val="0"/>
+                <a:alphaOff val="0"/>
+              </a:schemeClr>
+            </a:fillRef>
+            <a:effectRef idx="0">
+              <a:schemeClr val="accent1">
+                <a:hueOff val="0"/>
+                <a:satOff val="0"/>
+                <a:lumOff val="0"/>
+                <a:alphaOff val="0"/>
+              </a:schemeClr>
+            </a:effectRef>
+            <a:fontRef idx="minor">
+              <a:schemeClr val="lt1"/>
+            </a:fontRef>
+          </p:style>
+          <p:txBody>
+            <a:bodyPr spcFirstLastPara="0" vert="horz" wrap="square" lIns="467741" tIns="45720" rIns="45720" bIns="45720" numCol="1" spcCol="1270" anchor="ctr" anchorCtr="0">
+              <a:noAutofit/>
+            </a:bodyPr>
+            <a:lstStyle/>
+            <a:p>
+              <a:pPr marL="0" lvl="0" indent="0" defTabSz="800100">
+                <a:lnSpc>
+                  <a:spcPct val="90000"/>
+                </a:lnSpc>
+                <a:spcBef>
+                  <a:spcPct val="0"/>
+                </a:spcBef>
+                <a:spcAft>
+                  <a:spcPct val="35000"/>
+                </a:spcAft>
+                <a:buNone/>
+              </a:pPr>
+              <a:r>
+                <a:rPr lang="en-US" sz="1800" kern="1200"/>
+                <a:t>Push the upgrade button</a:t>
+              </a:r>
+              <a:endParaRPr lang="fa-IR" sz="1800" kern="1200"/>
+            </a:p>
+          </p:txBody>
+        </p:sp>
+        <p:sp>
+          <p:nvSpPr>
+            <p:cNvPr id="16" name="Oval 15">
+              <a:extLst>
+                <a:ext uri="{FF2B5EF4-FFF2-40B4-BE49-F238E27FC236}">
+                  <a16:creationId xmlns:a16="http://schemas.microsoft.com/office/drawing/2014/main" id="{3F49F63D-79D0-46FA-B288-D77C4570F302}"/>
+                </a:ext>
+              </a:extLst>
+            </p:cNvPr>
+            <p:cNvSpPr/>
+            <p:nvPr/>
+          </p:nvSpPr>
+          <p:spPr>
+            <a:xfrm>
+              <a:off x="5441549" y="4269175"/>
+              <a:ext cx="736600" cy="736600"/>
+            </a:xfrm>
+            <a:prstGeom prst="ellipse">
+              <a:avLst/>
+            </a:prstGeom>
+            <a:ln>
+              <a:solidFill>
+                <a:schemeClr val="accent1">
+                  <a:lumMod val="75000"/>
+                </a:schemeClr>
+              </a:solidFill>
+            </a:ln>
+          </p:spPr>
+          <p:style>
+            <a:lnRef idx="2">
+              <a:schemeClr val="accent1">
+                <a:hueOff val="0"/>
+                <a:satOff val="0"/>
+                <a:lumOff val="0"/>
+                <a:alphaOff val="0"/>
+              </a:schemeClr>
+            </a:lnRef>
+            <a:fillRef idx="1">
+              <a:schemeClr val="lt1">
+                <a:hueOff val="0"/>
+                <a:satOff val="0"/>
+                <a:lumOff val="0"/>
+                <a:alphaOff val="0"/>
+              </a:schemeClr>
+            </a:fillRef>
+            <a:effectRef idx="0">
+              <a:schemeClr val="lt1">
+                <a:hueOff val="0"/>
+                <a:satOff val="0"/>
+                <a:lumOff val="0"/>
+                <a:alphaOff val="0"/>
+              </a:schemeClr>
+            </a:effectRef>
+            <a:fontRef idx="minor">
+              <a:schemeClr val="dk1">
+                <a:hueOff val="0"/>
+                <a:satOff val="0"/>
+                <a:lumOff val="0"/>
+                <a:alphaOff val="0"/>
+              </a:schemeClr>
+            </a:fontRef>
+          </p:style>
+        </p:sp>
+        <p:sp>
+          <p:nvSpPr>
+            <p:cNvPr id="21" name="TextBox 20">
+              <a:extLst>
+                <a:ext uri="{FF2B5EF4-FFF2-40B4-BE49-F238E27FC236}">
+                  <a16:creationId xmlns:a16="http://schemas.microsoft.com/office/drawing/2014/main" id="{90D50E3A-9D22-4F5D-97EE-4F6C7161197E}"/>
+                </a:ext>
+              </a:extLst>
+            </p:cNvPr>
+            <p:cNvSpPr txBox="1"/>
+            <p:nvPr/>
+          </p:nvSpPr>
+          <p:spPr>
+            <a:xfrm>
+              <a:off x="5586588" y="4318617"/>
+              <a:ext cx="434734" cy="584775"/>
+            </a:xfrm>
+            <a:prstGeom prst="rect">
+              <a:avLst/>
+            </a:prstGeom>
+            <a:noFill/>
+          </p:spPr>
+          <p:txBody>
+            <a:bodyPr wrap="square" rtlCol="1">
+              <a:spAutoFit/>
+            </a:bodyPr>
+            <a:lstStyle/>
+            <a:p>
+              <a:r>
+                <a:rPr lang="en-US" sz="3200" dirty="0">
+                  <a:solidFill>
+                    <a:schemeClr val="bg2">
+                      <a:lumMod val="50000"/>
+                    </a:schemeClr>
+                  </a:solidFill>
+                  <a:latin typeface="Britannic Bold" panose="020B0903060703020204" pitchFamily="34" charset="0"/>
+                </a:rPr>
+                <a:t>3</a:t>
+              </a:r>
+              <a:endParaRPr lang="fa-IR" sz="3200" dirty="0">
+                <a:solidFill>
+                  <a:schemeClr val="bg2">
+                    <a:lumMod val="50000"/>
+                  </a:schemeClr>
+                </a:solidFill>
+                <a:latin typeface="Britannic Bold" panose="020B0903060703020204" pitchFamily="34" charset="0"/>
+              </a:endParaRPr>
+            </a:p>
+          </p:txBody>
+        </p:sp>
+      </p:grpSp>
       <p:pic>
         <p:nvPicPr>
-          <p:cNvPr id="9" name="Picture 8">
-            <a:extLst>
-              <a:ext uri="{FF2B5EF4-FFF2-40B4-BE49-F238E27FC236}">
-                <a16:creationId xmlns:a16="http://schemas.microsoft.com/office/drawing/2014/main" id="{73A9D3D8-62C2-4426-B3E3-30D831333103}"/>
+          <p:cNvPr id="25" name="Picture 24">
+            <a:extLst>
+              <a:ext uri="{FF2B5EF4-FFF2-40B4-BE49-F238E27FC236}">
+                <a16:creationId xmlns:a16="http://schemas.microsoft.com/office/drawing/2014/main" id="{A7F73245-3240-42BF-B3EA-F0730BBB0767}"/>
               </a:ext>
             </a:extLst>
           </p:cNvPr>
@@ -4481,7 +5311,7 @@
         </p:blipFill>
         <p:spPr>
           <a:xfrm>
-            <a:off x="5973233" y="2848009"/>
+            <a:off x="6246629" y="1856069"/>
             <a:ext cx="5299605" cy="3145861"/>
           </a:xfrm>
           <a:prstGeom prst="rect">
@@ -4492,7 +5322,7 @@
     </p:spTree>
     <p:extLst>
       <p:ext uri="{BB962C8B-B14F-4D97-AF65-F5344CB8AC3E}">
-        <p14:creationId xmlns:p14="http://schemas.microsoft.com/office/powerpoint/2010/main" val="3342449845"/>
+        <p14:creationId xmlns:p14="http://schemas.microsoft.com/office/powerpoint/2010/main" val="3046245645"/>
       </p:ext>
     </p:extLst>
   </p:cSld>

--- a/GitTutorial.pptx
+++ b/GitTutorial.pptx
@@ -4112,6 +4112,7 @@
           </a:bodyPr>
           <a:lstStyle/>
           <a:p>
+            <a:pPr algn="ctr"/>
             <a:r>
               <a:rPr lang="en-US" sz="4000" dirty="0"/>
               <a:t>Register in GitHub.com</a:t>
@@ -4120,93 +4121,613 @@
           </a:p>
         </p:txBody>
       </p:sp>
-      <p:sp>
-        <p:nvSpPr>
-          <p:cNvPr id="7" name="Content Placeholder 6">
-            <a:extLst>
-              <a:ext uri="{FF2B5EF4-FFF2-40B4-BE49-F238E27FC236}">
-                <a16:creationId xmlns:a16="http://schemas.microsoft.com/office/drawing/2014/main" id="{451A1A3D-DD99-4EB2-A253-723E5D87D4D0}"/>
-              </a:ext>
-            </a:extLst>
-          </p:cNvPr>
-          <p:cNvSpPr>
-            <a:spLocks noGrp="1"/>
-          </p:cNvSpPr>
-          <p:nvPr>
-            <p:ph idx="1"/>
-          </p:nvPr>
-        </p:nvSpPr>
-        <p:spPr/>
-        <p:txBody>
-          <a:bodyPr/>
-          <a:lstStyle/>
-          <a:p>
-            <a:r>
-              <a:rPr lang="en-US" sz="2800" dirty="0"/>
-              <a:t>Go to </a:t>
-            </a:r>
-            <a:r>
-              <a:rPr lang="en-US" sz="2800" dirty="0">
-                <a:hlinkClick r:id="rId2"/>
-              </a:rPr>
-              <a:t>www.Github.com</a:t>
-            </a:r>
-            <a:r>
-              <a:rPr lang="en-US" sz="2800" dirty="0"/>
-              <a:t> </a:t>
-            </a:r>
-          </a:p>
-          <a:p>
-            <a:r>
-              <a:rPr lang="en-US" sz="2800" dirty="0"/>
-              <a:t>Sign Up </a:t>
-            </a:r>
-          </a:p>
-          <a:p>
-            <a:r>
-              <a:rPr lang="en-US" sz="2800" dirty="0"/>
-              <a:t>Sign in</a:t>
-            </a:r>
-            <a:endParaRPr lang="fa-IR" dirty="0"/>
-          </a:p>
-        </p:txBody>
-      </p:sp>
-      <p:pic>
-        <p:nvPicPr>
-          <p:cNvPr id="9" name="Picture 8">
-            <a:extLst>
-              <a:ext uri="{FF2B5EF4-FFF2-40B4-BE49-F238E27FC236}">
-                <a16:creationId xmlns:a16="http://schemas.microsoft.com/office/drawing/2014/main" id="{24FFDB99-19FB-433C-9B1F-CEF2B3ECD0BD}"/>
-              </a:ext>
-            </a:extLst>
-          </p:cNvPr>
-          <p:cNvPicPr>
-            <a:picLocks noChangeAspect="1"/>
-          </p:cNvPicPr>
+      <p:grpSp>
+        <p:nvGrpSpPr>
+          <p:cNvPr id="14" name="Group 13">
+            <a:extLst>
+              <a:ext uri="{FF2B5EF4-FFF2-40B4-BE49-F238E27FC236}">
+                <a16:creationId xmlns:a16="http://schemas.microsoft.com/office/drawing/2014/main" id="{0246F5A0-4CC1-4812-BA66-3F122D37B26E}"/>
+              </a:ext>
+            </a:extLst>
+          </p:cNvPr>
+          <p:cNvGrpSpPr/>
           <p:nvPr/>
-        </p:nvPicPr>
-        <p:blipFill>
-          <a:blip r:embed="rId3">
-            <a:extLst>
-              <a:ext uri="{28A0092B-C50C-407E-A947-70E740481C1C}">
-                <a14:useLocalDpi xmlns:a14="http://schemas.microsoft.com/office/drawing/2010/main" val="0"/>
-              </a:ext>
-            </a:extLst>
-          </a:blip>
-          <a:stretch>
-            <a:fillRect/>
-          </a:stretch>
-        </p:blipFill>
-        <p:spPr>
+        </p:nvGrpSpPr>
+        <p:grpSpPr>
           <a:xfrm>
-            <a:off x="4650092" y="2438400"/>
-            <a:ext cx="6703708" cy="3580222"/>
+            <a:off x="1664827" y="1964268"/>
+            <a:ext cx="8562905" cy="3262488"/>
+            <a:chOff x="1664827" y="1964268"/>
+            <a:chExt cx="8562905" cy="3262488"/>
           </a:xfrm>
-          <a:prstGeom prst="rect">
-            <a:avLst/>
-          </a:prstGeom>
-        </p:spPr>
-      </p:pic>
+        </p:grpSpPr>
+        <p:sp>
+          <p:nvSpPr>
+            <p:cNvPr id="10" name="Arrow: Right 9">
+              <a:extLst>
+                <a:ext uri="{FF2B5EF4-FFF2-40B4-BE49-F238E27FC236}">
+                  <a16:creationId xmlns:a16="http://schemas.microsoft.com/office/drawing/2014/main" id="{3D1024DC-3712-4392-B41C-4D562EB7994C}"/>
+                </a:ext>
+              </a:extLst>
+            </p:cNvPr>
+            <p:cNvSpPr/>
+            <p:nvPr/>
+          </p:nvSpPr>
+          <p:spPr>
+            <a:xfrm>
+              <a:off x="1664827" y="1964268"/>
+              <a:ext cx="8562905" cy="3262488"/>
+            </a:xfrm>
+            <a:prstGeom prst="rightArrow">
+              <a:avLst/>
+            </a:prstGeom>
+          </p:spPr>
+          <p:style>
+            <a:lnRef idx="0">
+              <a:schemeClr val="accent1">
+                <a:hueOff val="0"/>
+                <a:satOff val="0"/>
+                <a:lumOff val="0"/>
+                <a:alphaOff val="0"/>
+              </a:schemeClr>
+            </a:lnRef>
+            <a:fillRef idx="1">
+              <a:schemeClr val="accent1">
+                <a:tint val="40000"/>
+                <a:hueOff val="0"/>
+                <a:satOff val="0"/>
+                <a:lumOff val="0"/>
+                <a:alphaOff val="0"/>
+              </a:schemeClr>
+            </a:fillRef>
+            <a:effectRef idx="0">
+              <a:schemeClr val="accent1">
+                <a:tint val="40000"/>
+                <a:hueOff val="0"/>
+                <a:satOff val="0"/>
+                <a:lumOff val="0"/>
+                <a:alphaOff val="0"/>
+              </a:schemeClr>
+            </a:effectRef>
+            <a:fontRef idx="minor">
+              <a:schemeClr val="dk1">
+                <a:hueOff val="0"/>
+                <a:satOff val="0"/>
+                <a:lumOff val="0"/>
+                <a:alphaOff val="0"/>
+              </a:schemeClr>
+            </a:fontRef>
+          </p:style>
+        </p:sp>
+        <p:sp>
+          <p:nvSpPr>
+            <p:cNvPr id="11" name="Freeform: Shape 10">
+              <a:extLst>
+                <a:ext uri="{FF2B5EF4-FFF2-40B4-BE49-F238E27FC236}">
+                  <a16:creationId xmlns:a16="http://schemas.microsoft.com/office/drawing/2014/main" id="{763852DA-944F-44CB-88A3-E12796DD5232}"/>
+                </a:ext>
+              </a:extLst>
+            </p:cNvPr>
+            <p:cNvSpPr/>
+            <p:nvPr/>
+          </p:nvSpPr>
+          <p:spPr>
+            <a:xfrm>
+              <a:off x="1964268" y="3096318"/>
+              <a:ext cx="2247694" cy="1015094"/>
+            </a:xfrm>
+            <a:custGeom>
+              <a:avLst/>
+              <a:gdLst>
+                <a:gd name="connsiteX0" fmla="*/ 0 w 2300075"/>
+                <a:gd name="connsiteY0" fmla="*/ 207720 h 1246293"/>
+                <a:gd name="connsiteX1" fmla="*/ 207720 w 2300075"/>
+                <a:gd name="connsiteY1" fmla="*/ 0 h 1246293"/>
+                <a:gd name="connsiteX2" fmla="*/ 2092355 w 2300075"/>
+                <a:gd name="connsiteY2" fmla="*/ 0 h 1246293"/>
+                <a:gd name="connsiteX3" fmla="*/ 2300075 w 2300075"/>
+                <a:gd name="connsiteY3" fmla="*/ 207720 h 1246293"/>
+                <a:gd name="connsiteX4" fmla="*/ 2300075 w 2300075"/>
+                <a:gd name="connsiteY4" fmla="*/ 1038573 h 1246293"/>
+                <a:gd name="connsiteX5" fmla="*/ 2092355 w 2300075"/>
+                <a:gd name="connsiteY5" fmla="*/ 1246293 h 1246293"/>
+                <a:gd name="connsiteX6" fmla="*/ 207720 w 2300075"/>
+                <a:gd name="connsiteY6" fmla="*/ 1246293 h 1246293"/>
+                <a:gd name="connsiteX7" fmla="*/ 0 w 2300075"/>
+                <a:gd name="connsiteY7" fmla="*/ 1038573 h 1246293"/>
+                <a:gd name="connsiteX8" fmla="*/ 0 w 2300075"/>
+                <a:gd name="connsiteY8" fmla="*/ 207720 h 1246293"/>
+              </a:gdLst>
+              <a:ahLst/>
+              <a:cxnLst>
+                <a:cxn ang="0">
+                  <a:pos x="connsiteX0" y="connsiteY0"/>
+                </a:cxn>
+                <a:cxn ang="0">
+                  <a:pos x="connsiteX1" y="connsiteY1"/>
+                </a:cxn>
+                <a:cxn ang="0">
+                  <a:pos x="connsiteX2" y="connsiteY2"/>
+                </a:cxn>
+                <a:cxn ang="0">
+                  <a:pos x="connsiteX3" y="connsiteY3"/>
+                </a:cxn>
+                <a:cxn ang="0">
+                  <a:pos x="connsiteX4" y="connsiteY4"/>
+                </a:cxn>
+                <a:cxn ang="0">
+                  <a:pos x="connsiteX5" y="connsiteY5"/>
+                </a:cxn>
+                <a:cxn ang="0">
+                  <a:pos x="connsiteX6" y="connsiteY6"/>
+                </a:cxn>
+                <a:cxn ang="0">
+                  <a:pos x="connsiteX7" y="connsiteY7"/>
+                </a:cxn>
+                <a:cxn ang="0">
+                  <a:pos x="connsiteX8" y="connsiteY8"/>
+                </a:cxn>
+              </a:cxnLst>
+              <a:rect l="l" t="t" r="r" b="b"/>
+              <a:pathLst>
+                <a:path w="2300075" h="1246293">
+                  <a:moveTo>
+                    <a:pt x="0" y="207720"/>
+                  </a:moveTo>
+                  <a:cubicBezTo>
+                    <a:pt x="0" y="92999"/>
+                    <a:pt x="92999" y="0"/>
+                    <a:pt x="207720" y="0"/>
+                  </a:cubicBezTo>
+                  <a:lnTo>
+                    <a:pt x="2092355" y="0"/>
+                  </a:lnTo>
+                  <a:cubicBezTo>
+                    <a:pt x="2207076" y="0"/>
+                    <a:pt x="2300075" y="92999"/>
+                    <a:pt x="2300075" y="207720"/>
+                  </a:cubicBezTo>
+                  <a:lnTo>
+                    <a:pt x="2300075" y="1038573"/>
+                  </a:lnTo>
+                  <a:cubicBezTo>
+                    <a:pt x="2300075" y="1153294"/>
+                    <a:pt x="2207076" y="1246293"/>
+                    <a:pt x="2092355" y="1246293"/>
+                  </a:cubicBezTo>
+                  <a:lnTo>
+                    <a:pt x="207720" y="1246293"/>
+                  </a:lnTo>
+                  <a:cubicBezTo>
+                    <a:pt x="92999" y="1246293"/>
+                    <a:pt x="0" y="1153294"/>
+                    <a:pt x="0" y="1038573"/>
+                  </a:cubicBezTo>
+                  <a:lnTo>
+                    <a:pt x="0" y="207720"/>
+                  </a:lnTo>
+                  <a:close/>
+                </a:path>
+              </a:pathLst>
+            </a:custGeom>
+          </p:spPr>
+          <p:style>
+            <a:lnRef idx="2">
+              <a:schemeClr val="lt1">
+                <a:hueOff val="0"/>
+                <a:satOff val="0"/>
+                <a:lumOff val="0"/>
+                <a:alphaOff val="0"/>
+              </a:schemeClr>
+            </a:lnRef>
+            <a:fillRef idx="1">
+              <a:schemeClr val="accent1">
+                <a:hueOff val="0"/>
+                <a:satOff val="0"/>
+                <a:lumOff val="0"/>
+                <a:alphaOff val="0"/>
+              </a:schemeClr>
+            </a:fillRef>
+            <a:effectRef idx="0">
+              <a:schemeClr val="accent1">
+                <a:hueOff val="0"/>
+                <a:satOff val="0"/>
+                <a:lumOff val="0"/>
+                <a:alphaOff val="0"/>
+              </a:schemeClr>
+            </a:effectRef>
+            <a:fontRef idx="minor">
+              <a:schemeClr val="lt1"/>
+            </a:fontRef>
+          </p:style>
+          <p:txBody>
+            <a:bodyPr spcFirstLastPara="0" vert="horz" wrap="square" lIns="140849" tIns="140849" rIns="140849" bIns="140849" numCol="1" spcCol="1270" anchor="ctr" anchorCtr="0">
+              <a:noAutofit/>
+            </a:bodyPr>
+            <a:lstStyle/>
+            <a:p>
+              <a:pPr marL="0" lvl="0" indent="0" algn="ctr" defTabSz="933450" rtl="1">
+                <a:lnSpc>
+                  <a:spcPct val="90000"/>
+                </a:lnSpc>
+                <a:spcBef>
+                  <a:spcPct val="0"/>
+                </a:spcBef>
+                <a:spcAft>
+                  <a:spcPct val="35000"/>
+                </a:spcAft>
+                <a:buNone/>
+              </a:pPr>
+              <a:r>
+                <a:rPr lang="en-US" sz="2100" kern="1200" dirty="0"/>
+                <a:t>Go to </a:t>
+              </a:r>
+              <a:r>
+                <a:rPr lang="en-US" sz="2100" kern="1200" dirty="0">
+                  <a:solidFill>
+                    <a:srgbClr val="FFC000"/>
+                  </a:solidFill>
+                  <a:hlinkClick r:id="rId2">
+                    <a:extLst>
+                      <a:ext uri="{A12FA001-AC4F-418D-AE19-62706E023703}">
+                        <ahyp:hlinkClr xmlns:ahyp="http://schemas.microsoft.com/office/drawing/2018/hyperlinkcolor" val="tx"/>
+                      </a:ext>
+                    </a:extLst>
+                  </a:hlinkClick>
+                </a:rPr>
+                <a:t>www.Github.com</a:t>
+              </a:r>
+              <a:r>
+                <a:rPr lang="en-US" sz="2100" kern="1200" dirty="0">
+                  <a:solidFill>
+                    <a:srgbClr val="FFC000"/>
+                  </a:solidFill>
+                </a:rPr>
+                <a:t> </a:t>
+              </a:r>
+              <a:endParaRPr lang="fa-IR" sz="2100" kern="1200" dirty="0">
+                <a:solidFill>
+                  <a:srgbClr val="FFC000"/>
+                </a:solidFill>
+              </a:endParaRPr>
+            </a:p>
+          </p:txBody>
+        </p:sp>
+        <p:sp>
+          <p:nvSpPr>
+            <p:cNvPr id="12" name="Freeform: Shape 11">
+              <a:extLst>
+                <a:ext uri="{FF2B5EF4-FFF2-40B4-BE49-F238E27FC236}">
+                  <a16:creationId xmlns:a16="http://schemas.microsoft.com/office/drawing/2014/main" id="{4AF93A93-B95D-47D9-A507-6296CCEA583C}"/>
+                </a:ext>
+              </a:extLst>
+            </p:cNvPr>
+            <p:cNvSpPr/>
+            <p:nvPr/>
+          </p:nvSpPr>
+          <p:spPr>
+            <a:xfrm>
+              <a:off x="4511403" y="3096318"/>
+              <a:ext cx="2247694" cy="1015094"/>
+            </a:xfrm>
+            <a:custGeom>
+              <a:avLst/>
+              <a:gdLst>
+                <a:gd name="connsiteX0" fmla="*/ 0 w 2300075"/>
+                <a:gd name="connsiteY0" fmla="*/ 207720 h 1246293"/>
+                <a:gd name="connsiteX1" fmla="*/ 207720 w 2300075"/>
+                <a:gd name="connsiteY1" fmla="*/ 0 h 1246293"/>
+                <a:gd name="connsiteX2" fmla="*/ 2092355 w 2300075"/>
+                <a:gd name="connsiteY2" fmla="*/ 0 h 1246293"/>
+                <a:gd name="connsiteX3" fmla="*/ 2300075 w 2300075"/>
+                <a:gd name="connsiteY3" fmla="*/ 207720 h 1246293"/>
+                <a:gd name="connsiteX4" fmla="*/ 2300075 w 2300075"/>
+                <a:gd name="connsiteY4" fmla="*/ 1038573 h 1246293"/>
+                <a:gd name="connsiteX5" fmla="*/ 2092355 w 2300075"/>
+                <a:gd name="connsiteY5" fmla="*/ 1246293 h 1246293"/>
+                <a:gd name="connsiteX6" fmla="*/ 207720 w 2300075"/>
+                <a:gd name="connsiteY6" fmla="*/ 1246293 h 1246293"/>
+                <a:gd name="connsiteX7" fmla="*/ 0 w 2300075"/>
+                <a:gd name="connsiteY7" fmla="*/ 1038573 h 1246293"/>
+                <a:gd name="connsiteX8" fmla="*/ 0 w 2300075"/>
+                <a:gd name="connsiteY8" fmla="*/ 207720 h 1246293"/>
+              </a:gdLst>
+              <a:ahLst/>
+              <a:cxnLst>
+                <a:cxn ang="0">
+                  <a:pos x="connsiteX0" y="connsiteY0"/>
+                </a:cxn>
+                <a:cxn ang="0">
+                  <a:pos x="connsiteX1" y="connsiteY1"/>
+                </a:cxn>
+                <a:cxn ang="0">
+                  <a:pos x="connsiteX2" y="connsiteY2"/>
+                </a:cxn>
+                <a:cxn ang="0">
+                  <a:pos x="connsiteX3" y="connsiteY3"/>
+                </a:cxn>
+                <a:cxn ang="0">
+                  <a:pos x="connsiteX4" y="connsiteY4"/>
+                </a:cxn>
+                <a:cxn ang="0">
+                  <a:pos x="connsiteX5" y="connsiteY5"/>
+                </a:cxn>
+                <a:cxn ang="0">
+                  <a:pos x="connsiteX6" y="connsiteY6"/>
+                </a:cxn>
+                <a:cxn ang="0">
+                  <a:pos x="connsiteX7" y="connsiteY7"/>
+                </a:cxn>
+                <a:cxn ang="0">
+                  <a:pos x="connsiteX8" y="connsiteY8"/>
+                </a:cxn>
+              </a:cxnLst>
+              <a:rect l="l" t="t" r="r" b="b"/>
+              <a:pathLst>
+                <a:path w="2300075" h="1246293">
+                  <a:moveTo>
+                    <a:pt x="0" y="207720"/>
+                  </a:moveTo>
+                  <a:cubicBezTo>
+                    <a:pt x="0" y="92999"/>
+                    <a:pt x="92999" y="0"/>
+                    <a:pt x="207720" y="0"/>
+                  </a:cubicBezTo>
+                  <a:lnTo>
+                    <a:pt x="2092355" y="0"/>
+                  </a:lnTo>
+                  <a:cubicBezTo>
+                    <a:pt x="2207076" y="0"/>
+                    <a:pt x="2300075" y="92999"/>
+                    <a:pt x="2300075" y="207720"/>
+                  </a:cubicBezTo>
+                  <a:lnTo>
+                    <a:pt x="2300075" y="1038573"/>
+                  </a:lnTo>
+                  <a:cubicBezTo>
+                    <a:pt x="2300075" y="1153294"/>
+                    <a:pt x="2207076" y="1246293"/>
+                    <a:pt x="2092355" y="1246293"/>
+                  </a:cubicBezTo>
+                  <a:lnTo>
+                    <a:pt x="207720" y="1246293"/>
+                  </a:lnTo>
+                  <a:cubicBezTo>
+                    <a:pt x="92999" y="1246293"/>
+                    <a:pt x="0" y="1153294"/>
+                    <a:pt x="0" y="1038573"/>
+                  </a:cubicBezTo>
+                  <a:lnTo>
+                    <a:pt x="0" y="207720"/>
+                  </a:lnTo>
+                  <a:close/>
+                </a:path>
+              </a:pathLst>
+            </a:custGeom>
+          </p:spPr>
+          <p:style>
+            <a:lnRef idx="2">
+              <a:schemeClr val="lt1">
+                <a:hueOff val="0"/>
+                <a:satOff val="0"/>
+                <a:lumOff val="0"/>
+                <a:alphaOff val="0"/>
+              </a:schemeClr>
+            </a:lnRef>
+            <a:fillRef idx="1">
+              <a:schemeClr val="accent1">
+                <a:hueOff val="0"/>
+                <a:satOff val="0"/>
+                <a:lumOff val="0"/>
+                <a:alphaOff val="0"/>
+              </a:schemeClr>
+            </a:fillRef>
+            <a:effectRef idx="0">
+              <a:schemeClr val="accent1">
+                <a:hueOff val="0"/>
+                <a:satOff val="0"/>
+                <a:lumOff val="0"/>
+                <a:alphaOff val="0"/>
+              </a:schemeClr>
+            </a:effectRef>
+            <a:fontRef idx="minor">
+              <a:schemeClr val="lt1"/>
+            </a:fontRef>
+          </p:style>
+          <p:txBody>
+            <a:bodyPr spcFirstLastPara="0" vert="horz" wrap="square" lIns="140849" tIns="140849" rIns="140849" bIns="140849" numCol="1" spcCol="1270" anchor="ctr" anchorCtr="0">
+              <a:noAutofit/>
+            </a:bodyPr>
+            <a:lstStyle/>
+            <a:p>
+              <a:pPr marL="0" lvl="0" indent="0" algn="ctr" defTabSz="933450" rtl="1">
+                <a:lnSpc>
+                  <a:spcPct val="90000"/>
+                </a:lnSpc>
+                <a:spcBef>
+                  <a:spcPct val="0"/>
+                </a:spcBef>
+                <a:spcAft>
+                  <a:spcPct val="35000"/>
+                </a:spcAft>
+                <a:buNone/>
+              </a:pPr>
+              <a:r>
+                <a:rPr lang="en-US" sz="2100" kern="1200"/>
+                <a:t>Sign Up </a:t>
+              </a:r>
+              <a:endParaRPr lang="fa-IR" sz="2100" kern="1200"/>
+            </a:p>
+          </p:txBody>
+        </p:sp>
+        <p:sp>
+          <p:nvSpPr>
+            <p:cNvPr id="13" name="Freeform: Shape 12">
+              <a:extLst>
+                <a:ext uri="{FF2B5EF4-FFF2-40B4-BE49-F238E27FC236}">
+                  <a16:creationId xmlns:a16="http://schemas.microsoft.com/office/drawing/2014/main" id="{4D98F471-1FA0-4B05-BC28-01C87E4A9AB8}"/>
+                </a:ext>
+              </a:extLst>
+            </p:cNvPr>
+            <p:cNvSpPr/>
+            <p:nvPr/>
+          </p:nvSpPr>
+          <p:spPr>
+            <a:xfrm>
+              <a:off x="7031773" y="3096318"/>
+              <a:ext cx="2247694" cy="1015094"/>
+            </a:xfrm>
+            <a:custGeom>
+              <a:avLst/>
+              <a:gdLst>
+                <a:gd name="connsiteX0" fmla="*/ 0 w 2300075"/>
+                <a:gd name="connsiteY0" fmla="*/ 207720 h 1246293"/>
+                <a:gd name="connsiteX1" fmla="*/ 207720 w 2300075"/>
+                <a:gd name="connsiteY1" fmla="*/ 0 h 1246293"/>
+                <a:gd name="connsiteX2" fmla="*/ 2092355 w 2300075"/>
+                <a:gd name="connsiteY2" fmla="*/ 0 h 1246293"/>
+                <a:gd name="connsiteX3" fmla="*/ 2300075 w 2300075"/>
+                <a:gd name="connsiteY3" fmla="*/ 207720 h 1246293"/>
+                <a:gd name="connsiteX4" fmla="*/ 2300075 w 2300075"/>
+                <a:gd name="connsiteY4" fmla="*/ 1038573 h 1246293"/>
+                <a:gd name="connsiteX5" fmla="*/ 2092355 w 2300075"/>
+                <a:gd name="connsiteY5" fmla="*/ 1246293 h 1246293"/>
+                <a:gd name="connsiteX6" fmla="*/ 207720 w 2300075"/>
+                <a:gd name="connsiteY6" fmla="*/ 1246293 h 1246293"/>
+                <a:gd name="connsiteX7" fmla="*/ 0 w 2300075"/>
+                <a:gd name="connsiteY7" fmla="*/ 1038573 h 1246293"/>
+                <a:gd name="connsiteX8" fmla="*/ 0 w 2300075"/>
+                <a:gd name="connsiteY8" fmla="*/ 207720 h 1246293"/>
+              </a:gdLst>
+              <a:ahLst/>
+              <a:cxnLst>
+                <a:cxn ang="0">
+                  <a:pos x="connsiteX0" y="connsiteY0"/>
+                </a:cxn>
+                <a:cxn ang="0">
+                  <a:pos x="connsiteX1" y="connsiteY1"/>
+                </a:cxn>
+                <a:cxn ang="0">
+                  <a:pos x="connsiteX2" y="connsiteY2"/>
+                </a:cxn>
+                <a:cxn ang="0">
+                  <a:pos x="connsiteX3" y="connsiteY3"/>
+                </a:cxn>
+                <a:cxn ang="0">
+                  <a:pos x="connsiteX4" y="connsiteY4"/>
+                </a:cxn>
+                <a:cxn ang="0">
+                  <a:pos x="connsiteX5" y="connsiteY5"/>
+                </a:cxn>
+                <a:cxn ang="0">
+                  <a:pos x="connsiteX6" y="connsiteY6"/>
+                </a:cxn>
+                <a:cxn ang="0">
+                  <a:pos x="connsiteX7" y="connsiteY7"/>
+                </a:cxn>
+                <a:cxn ang="0">
+                  <a:pos x="connsiteX8" y="connsiteY8"/>
+                </a:cxn>
+              </a:cxnLst>
+              <a:rect l="l" t="t" r="r" b="b"/>
+              <a:pathLst>
+                <a:path w="2300075" h="1246293">
+                  <a:moveTo>
+                    <a:pt x="0" y="207720"/>
+                  </a:moveTo>
+                  <a:cubicBezTo>
+                    <a:pt x="0" y="92999"/>
+                    <a:pt x="92999" y="0"/>
+                    <a:pt x="207720" y="0"/>
+                  </a:cubicBezTo>
+                  <a:lnTo>
+                    <a:pt x="2092355" y="0"/>
+                  </a:lnTo>
+                  <a:cubicBezTo>
+                    <a:pt x="2207076" y="0"/>
+                    <a:pt x="2300075" y="92999"/>
+                    <a:pt x="2300075" y="207720"/>
+                  </a:cubicBezTo>
+                  <a:lnTo>
+                    <a:pt x="2300075" y="1038573"/>
+                  </a:lnTo>
+                  <a:cubicBezTo>
+                    <a:pt x="2300075" y="1153294"/>
+                    <a:pt x="2207076" y="1246293"/>
+                    <a:pt x="2092355" y="1246293"/>
+                  </a:cubicBezTo>
+                  <a:lnTo>
+                    <a:pt x="207720" y="1246293"/>
+                  </a:lnTo>
+                  <a:cubicBezTo>
+                    <a:pt x="92999" y="1246293"/>
+                    <a:pt x="0" y="1153294"/>
+                    <a:pt x="0" y="1038573"/>
+                  </a:cubicBezTo>
+                  <a:lnTo>
+                    <a:pt x="0" y="207720"/>
+                  </a:lnTo>
+                  <a:close/>
+                </a:path>
+              </a:pathLst>
+            </a:custGeom>
+          </p:spPr>
+          <p:style>
+            <a:lnRef idx="2">
+              <a:schemeClr val="lt1">
+                <a:hueOff val="0"/>
+                <a:satOff val="0"/>
+                <a:lumOff val="0"/>
+                <a:alphaOff val="0"/>
+              </a:schemeClr>
+            </a:lnRef>
+            <a:fillRef idx="1">
+              <a:schemeClr val="accent1">
+                <a:hueOff val="0"/>
+                <a:satOff val="0"/>
+                <a:lumOff val="0"/>
+                <a:alphaOff val="0"/>
+              </a:schemeClr>
+            </a:fillRef>
+            <a:effectRef idx="0">
+              <a:schemeClr val="accent1">
+                <a:hueOff val="0"/>
+                <a:satOff val="0"/>
+                <a:lumOff val="0"/>
+                <a:alphaOff val="0"/>
+              </a:schemeClr>
+            </a:effectRef>
+            <a:fontRef idx="minor">
+              <a:schemeClr val="lt1"/>
+            </a:fontRef>
+          </p:style>
+          <p:txBody>
+            <a:bodyPr spcFirstLastPara="0" vert="horz" wrap="square" lIns="140849" tIns="140849" rIns="140849" bIns="140849" numCol="1" spcCol="1270" anchor="ctr" anchorCtr="0">
+              <a:noAutofit/>
+            </a:bodyPr>
+            <a:lstStyle/>
+            <a:p>
+              <a:pPr marL="0" lvl="0" indent="0" algn="ctr" defTabSz="933450" rtl="1">
+                <a:lnSpc>
+                  <a:spcPct val="90000"/>
+                </a:lnSpc>
+                <a:spcBef>
+                  <a:spcPct val="0"/>
+                </a:spcBef>
+                <a:spcAft>
+                  <a:spcPct val="35000"/>
+                </a:spcAft>
+                <a:buNone/>
+              </a:pPr>
+              <a:r>
+                <a:rPr lang="en-US" sz="2100" kern="1200"/>
+                <a:t>Sign in</a:t>
+              </a:r>
+              <a:endParaRPr lang="fa-IR" sz="2100" kern="1200"/>
+            </a:p>
+          </p:txBody>
+        </p:sp>
+      </p:grpSp>
     </p:spTree>
     <p:extLst>
       <p:ext uri="{BB962C8B-B14F-4D97-AF65-F5344CB8AC3E}">

--- a/GitTutorial.pptx
+++ b/GitTutorial.pptx
@@ -9,15 +9,19 @@
     <p:sldId id="258" r:id="rId3"/>
     <p:sldId id="259" r:id="rId4"/>
     <p:sldId id="271" r:id="rId5"/>
-    <p:sldId id="261" r:id="rId6"/>
-    <p:sldId id="262" r:id="rId7"/>
-    <p:sldId id="263" r:id="rId8"/>
-    <p:sldId id="264" r:id="rId9"/>
-    <p:sldId id="265" r:id="rId10"/>
-    <p:sldId id="266" r:id="rId11"/>
-    <p:sldId id="267" r:id="rId12"/>
-    <p:sldId id="268" r:id="rId13"/>
-    <p:sldId id="269" r:id="rId14"/>
+    <p:sldId id="272" r:id="rId6"/>
+    <p:sldId id="273" r:id="rId7"/>
+    <p:sldId id="274" r:id="rId8"/>
+    <p:sldId id="275" r:id="rId9"/>
+    <p:sldId id="261" r:id="rId10"/>
+    <p:sldId id="262" r:id="rId11"/>
+    <p:sldId id="263" r:id="rId12"/>
+    <p:sldId id="264" r:id="rId13"/>
+    <p:sldId id="265" r:id="rId14"/>
+    <p:sldId id="266" r:id="rId15"/>
+    <p:sldId id="267" r:id="rId16"/>
+    <p:sldId id="268" r:id="rId17"/>
+    <p:sldId id="269" r:id="rId18"/>
   </p:sldIdLst>
   <p:sldSz cx="12192000" cy="6858000"/>
   <p:notesSz cx="6858000" cy="9144000"/>
@@ -129,6 +133,10 @@
             <p14:sldId id="258"/>
             <p14:sldId id="259"/>
             <p14:sldId id="271"/>
+            <p14:sldId id="272"/>
+            <p14:sldId id="273"/>
+            <p14:sldId id="274"/>
+            <p14:sldId id="275"/>
           </p14:sldIdLst>
         </p14:section>
         <p14:section name="New Repository" id="{67FDE11D-5567-46A8-8DFD-D4FA82779F10}">
@@ -3514,7 +3522,7 @@
           <p:cNvPr id="2" name="Title 1">
             <a:extLst>
               <a:ext uri="{FF2B5EF4-FFF2-40B4-BE49-F238E27FC236}">
-                <a16:creationId xmlns:a16="http://schemas.microsoft.com/office/drawing/2014/main" id="{9AE67C67-FA9A-4840-99A1-7923BAE96511}"/>
+                <a16:creationId xmlns:a16="http://schemas.microsoft.com/office/drawing/2014/main" id="{1B829746-6489-4094-A453-BB8D65357E78}"/>
               </a:ext>
             </a:extLst>
           </p:cNvPr>
@@ -3533,7 +3541,7 @@
             <a:pPr algn="ctr"/>
             <a:r>
               <a:rPr lang="en-US" dirty="0"/>
-              <a:t>Check the git installation</a:t>
+              <a:t>Fill the fields</a:t>
             </a:r>
             <a:endParaRPr lang="fa-IR" dirty="0"/>
           </a:p>
@@ -3544,7 +3552,7 @@
           <p:cNvPr id="3" name="Content Placeholder 2">
             <a:extLst>
               <a:ext uri="{FF2B5EF4-FFF2-40B4-BE49-F238E27FC236}">
-                <a16:creationId xmlns:a16="http://schemas.microsoft.com/office/drawing/2014/main" id="{CAB4C448-4310-494B-8670-459BD504C6FB}"/>
+                <a16:creationId xmlns:a16="http://schemas.microsoft.com/office/drawing/2014/main" id="{51260559-6D48-45AE-AA24-FE65940AEFCB}"/>
               </a:ext>
             </a:extLst>
           </p:cNvPr>
@@ -3562,22 +3570,85 @@
           <a:p>
             <a:r>
               <a:rPr lang="en-US" dirty="0"/>
-              <a:t>Write </a:t>
-            </a:r>
-            <a:r>
-              <a:rPr lang="en-US" b="1" dirty="0"/>
-              <a:t>git</a:t>
+              <a:t>Name your repository (</a:t>
+            </a:r>
+            <a:r>
+              <a:rPr lang="en-US" dirty="0" err="1"/>
+              <a:t>e.g</a:t>
             </a:r>
             <a:r>
               <a:rPr lang="en-US" dirty="0"/>
-              <a:t> and hit the Enter. if you installed the got correctly you should get result like bellow.</a:t>
-            </a:r>
-          </a:p>
-          <a:p>
+              <a:t>: </a:t>
+            </a:r>
+            <a:r>
+              <a:rPr lang="en-US" dirty="0" err="1"/>
+              <a:t>gittutrial</a:t>
+            </a:r>
             <a:r>
               <a:rPr lang="en-US" dirty="0"/>
-              <a:t>Hurray! You are good!</a:t>
-            </a:r>
+              <a:t>)</a:t>
+            </a:r>
+          </a:p>
+          <a:p>
+            <a:r>
+              <a:rPr lang="en-US" dirty="0"/>
+              <a:t>Descriptions (optional)</a:t>
+            </a:r>
+          </a:p>
+          <a:p>
+            <a:r>
+              <a:rPr lang="en-US" dirty="0"/>
+              <a:t>Public or Private</a:t>
+            </a:r>
+          </a:p>
+          <a:p>
+            <a:r>
+              <a:rPr lang="en-US" dirty="0"/>
+              <a:t>Add a README file (Optional)</a:t>
+            </a:r>
+          </a:p>
+          <a:p>
+            <a:r>
+              <a:rPr lang="en-US" dirty="0"/>
+              <a:t>Add .</a:t>
+            </a:r>
+            <a:r>
+              <a:rPr lang="en-US" dirty="0" err="1"/>
+              <a:t>gitignore</a:t>
+            </a:r>
+            <a:r>
+              <a:rPr lang="en-US" dirty="0"/>
+              <a:t> (</a:t>
+            </a:r>
+            <a:r>
+              <a:rPr lang="en-US" dirty="0" err="1"/>
+              <a:t>Optiona</a:t>
+            </a:r>
+            <a:r>
+              <a:rPr lang="en-US" dirty="0"/>
+              <a:t>)</a:t>
+            </a:r>
+          </a:p>
+          <a:p>
+            <a:r>
+              <a:rPr lang="en-US" dirty="0"/>
+              <a:t>Choose a license (Optional)</a:t>
+            </a:r>
+          </a:p>
+          <a:p>
+            <a:pPr marL="0" indent="0">
+              <a:buNone/>
+            </a:pPr>
+            <a:r>
+              <a:rPr lang="en-US" dirty="0"/>
+              <a:t>We will explain them latter</a:t>
+            </a:r>
+          </a:p>
+          <a:p>
+            <a:endParaRPr lang="en-US" dirty="0"/>
+          </a:p>
+          <a:p>
+            <a:endParaRPr lang="en-US" dirty="0"/>
           </a:p>
           <a:p>
             <a:endParaRPr lang="fa-IR" dirty="0"/>
@@ -3586,10 +3657,10 @@
       </p:sp>
       <p:pic>
         <p:nvPicPr>
-          <p:cNvPr id="7" name="Picture 6">
-            <a:extLst>
-              <a:ext uri="{FF2B5EF4-FFF2-40B4-BE49-F238E27FC236}">
-                <a16:creationId xmlns:a16="http://schemas.microsoft.com/office/drawing/2014/main" id="{1BCAF99A-3BA0-4179-BDB1-BCC93475A5AD}"/>
+          <p:cNvPr id="5" name="Picture 4">
+            <a:extLst>
+              <a:ext uri="{FF2B5EF4-FFF2-40B4-BE49-F238E27FC236}">
+                <a16:creationId xmlns:a16="http://schemas.microsoft.com/office/drawing/2014/main" id="{3D65B76B-DEEB-4CED-97DB-3A9FE22C4E6C}"/>
               </a:ext>
             </a:extLst>
           </p:cNvPr>
@@ -3612,8 +3683,8 @@
         </p:blipFill>
         <p:spPr>
           <a:xfrm>
-            <a:off x="5219285" y="2691782"/>
-            <a:ext cx="6134515" cy="3364089"/>
+            <a:off x="6592847" y="1690688"/>
+            <a:ext cx="4760953" cy="4351337"/>
           </a:xfrm>
           <a:prstGeom prst="rect">
             <a:avLst/>
@@ -3623,7 +3694,7 @@
     </p:spTree>
     <p:extLst>
       <p:ext uri="{BB962C8B-B14F-4D97-AF65-F5344CB8AC3E}">
-        <p14:creationId xmlns:p14="http://schemas.microsoft.com/office/powerpoint/2010/main" val="3898069701"/>
+        <p14:creationId xmlns:p14="http://schemas.microsoft.com/office/powerpoint/2010/main" val="3715271986"/>
       </p:ext>
     </p:extLst>
   </p:cSld>
@@ -3655,7 +3726,7 @@
           <p:cNvPr id="2" name="Title 1">
             <a:extLst>
               <a:ext uri="{FF2B5EF4-FFF2-40B4-BE49-F238E27FC236}">
-                <a16:creationId xmlns:a16="http://schemas.microsoft.com/office/drawing/2014/main" id="{819C1919-A2C3-4945-A02C-7B1DBF9DB87D}"/>
+                <a16:creationId xmlns:a16="http://schemas.microsoft.com/office/drawing/2014/main" id="{DBE99238-54DF-4F2B-B78C-E07991E0CC2F}"/>
               </a:ext>
             </a:extLst>
           </p:cNvPr>
@@ -3671,10 +3742,9 @@
           <a:bodyPr/>
           <a:lstStyle/>
           <a:p>
-            <a:pPr algn="ctr"/>
             <a:r>
               <a:rPr lang="en-US" dirty="0"/>
-              <a:t>Configuring your git</a:t>
+              <a:t>Your Repository</a:t>
             </a:r>
             <a:endParaRPr lang="fa-IR" dirty="0"/>
           </a:p>
@@ -3685,7 +3755,7 @@
           <p:cNvPr id="3" name="Content Placeholder 2">
             <a:extLst>
               <a:ext uri="{FF2B5EF4-FFF2-40B4-BE49-F238E27FC236}">
-                <a16:creationId xmlns:a16="http://schemas.microsoft.com/office/drawing/2014/main" id="{021DD6B5-B2D7-4E10-A08A-49EF37CE14FC}"/>
+                <a16:creationId xmlns:a16="http://schemas.microsoft.com/office/drawing/2014/main" id="{7380E2EC-C999-4528-9554-32EC2969211E}"/>
               </a:ext>
             </a:extLst>
           </p:cNvPr>
@@ -3703,30 +3773,28 @@
           <a:p>
             <a:r>
               <a:rPr lang="en-US" dirty="0"/>
-              <a:t>git config --global user.name “FirstName </a:t>
-            </a:r>
-            <a:r>
-              <a:rPr lang="en-US" dirty="0" err="1"/>
-              <a:t>LastName</a:t>
-            </a:r>
+              <a:t>At left you can see content</a:t>
+            </a:r>
+          </a:p>
+          <a:p>
             <a:r>
               <a:rPr lang="en-US" dirty="0"/>
-              <a:t>“</a:t>
+              <a:t>Branch Name</a:t>
             </a:r>
           </a:p>
           <a:p>
             <a:r>
               <a:rPr lang="en-US" dirty="0"/>
-              <a:t>git config --global </a:t>
-            </a:r>
-            <a:r>
-              <a:rPr lang="en-US" dirty="0" err="1"/>
-              <a:t>user.email</a:t>
-            </a:r>
+              <a:t>Click the code button</a:t>
+            </a:r>
+          </a:p>
+          <a:p>
             <a:r>
               <a:rPr lang="en-US" dirty="0"/>
-              <a:t> “your email address"</a:t>
-            </a:r>
+              <a:t>This is the address of your repo</a:t>
+            </a:r>
+          </a:p>
+          <a:p>
             <a:endParaRPr lang="fa-IR" dirty="0"/>
           </a:p>
         </p:txBody>
@@ -3736,7 +3804,7 @@
           <p:cNvPr id="5" name="Picture 4">
             <a:extLst>
               <a:ext uri="{FF2B5EF4-FFF2-40B4-BE49-F238E27FC236}">
-                <a16:creationId xmlns:a16="http://schemas.microsoft.com/office/drawing/2014/main" id="{A34BE985-DAF4-4266-91FF-AACE938EECD6}"/>
+                <a16:creationId xmlns:a16="http://schemas.microsoft.com/office/drawing/2014/main" id="{CB1D5286-16F7-4A2C-888F-4156CC4CDB27}"/>
               </a:ext>
             </a:extLst>
           </p:cNvPr>
@@ -3759,8 +3827,8 @@
         </p:blipFill>
         <p:spPr>
           <a:xfrm>
-            <a:off x="3156656" y="3799240"/>
-            <a:ext cx="4953000" cy="1743075"/>
+            <a:off x="6378222" y="2011554"/>
+            <a:ext cx="4975578" cy="3059097"/>
           </a:xfrm>
           <a:prstGeom prst="rect">
             <a:avLst/>
@@ -3770,7 +3838,7 @@
     </p:spTree>
     <p:extLst>
       <p:ext uri="{BB962C8B-B14F-4D97-AF65-F5344CB8AC3E}">
-        <p14:creationId xmlns:p14="http://schemas.microsoft.com/office/powerpoint/2010/main" val="2959724069"/>
+        <p14:creationId xmlns:p14="http://schemas.microsoft.com/office/powerpoint/2010/main" val="971089304"/>
       </p:ext>
     </p:extLst>
   </p:cSld>
@@ -3802,6 +3870,612 @@
           <p:cNvPr id="2" name="Title 1">
             <a:extLst>
               <a:ext uri="{FF2B5EF4-FFF2-40B4-BE49-F238E27FC236}">
+                <a16:creationId xmlns:a16="http://schemas.microsoft.com/office/drawing/2014/main" id="{F709BFF1-794C-4D5A-B35E-5F5775D729EF}"/>
+              </a:ext>
+            </a:extLst>
+          </p:cNvPr>
+          <p:cNvSpPr>
+            <a:spLocks noGrp="1"/>
+          </p:cNvSpPr>
+          <p:nvPr>
+            <p:ph type="title"/>
+          </p:nvPr>
+        </p:nvSpPr>
+        <p:spPr/>
+        <p:txBody>
+          <a:bodyPr/>
+          <a:lstStyle/>
+          <a:p>
+            <a:pPr algn="ctr"/>
+            <a:r>
+              <a:rPr lang="en-US" dirty="0"/>
+              <a:t>Git Software</a:t>
+            </a:r>
+            <a:endParaRPr lang="fa-IR" dirty="0"/>
+          </a:p>
+        </p:txBody>
+      </p:sp>
+      <p:sp>
+        <p:nvSpPr>
+          <p:cNvPr id="3" name="Content Placeholder 2">
+            <a:extLst>
+              <a:ext uri="{FF2B5EF4-FFF2-40B4-BE49-F238E27FC236}">
+                <a16:creationId xmlns:a16="http://schemas.microsoft.com/office/drawing/2014/main" id="{FC97E98A-9815-46DA-8777-E53514279787}"/>
+              </a:ext>
+            </a:extLst>
+          </p:cNvPr>
+          <p:cNvSpPr>
+            <a:spLocks noGrp="1"/>
+          </p:cNvSpPr>
+          <p:nvPr>
+            <p:ph idx="1"/>
+          </p:nvPr>
+        </p:nvSpPr>
+        <p:spPr/>
+        <p:txBody>
+          <a:bodyPr/>
+          <a:lstStyle/>
+          <a:p>
+            <a:r>
+              <a:rPr lang="en-US" dirty="0"/>
+              <a:t>Go to </a:t>
+            </a:r>
+            <a:r>
+              <a:rPr lang="en-US" dirty="0">
+                <a:hlinkClick r:id="rId2"/>
+              </a:rPr>
+              <a:t>www.git-scm.com</a:t>
+            </a:r>
+            <a:r>
+              <a:rPr lang="en-US" dirty="0"/>
+              <a:t> </a:t>
+            </a:r>
+          </a:p>
+          <a:p>
+            <a:r>
+              <a:rPr lang="en-US" dirty="0"/>
+              <a:t>Download </a:t>
+            </a:r>
+          </a:p>
+          <a:p>
+            <a:r>
+              <a:rPr lang="en-US" dirty="0"/>
+              <a:t>Install the git software</a:t>
+            </a:r>
+          </a:p>
+          <a:p>
+            <a:endParaRPr lang="fa-IR" dirty="0"/>
+          </a:p>
+        </p:txBody>
+      </p:sp>
+      <p:pic>
+        <p:nvPicPr>
+          <p:cNvPr id="9" name="Picture 8">
+            <a:extLst>
+              <a:ext uri="{FF2B5EF4-FFF2-40B4-BE49-F238E27FC236}">
+                <a16:creationId xmlns:a16="http://schemas.microsoft.com/office/drawing/2014/main" id="{DE384FE6-0EA5-476B-B02B-3B24572D151B}"/>
+              </a:ext>
+            </a:extLst>
+          </p:cNvPr>
+          <p:cNvPicPr>
+            <a:picLocks noChangeAspect="1"/>
+          </p:cNvPicPr>
+          <p:nvPr/>
+        </p:nvPicPr>
+        <p:blipFill>
+          <a:blip r:embed="rId3">
+            <a:extLst>
+              <a:ext uri="{28A0092B-C50C-407E-A947-70E740481C1C}">
+                <a14:useLocalDpi xmlns:a14="http://schemas.microsoft.com/office/drawing/2010/main" val="0"/>
+              </a:ext>
+            </a:extLst>
+          </a:blip>
+          <a:stretch>
+            <a:fillRect/>
+          </a:stretch>
+        </p:blipFill>
+        <p:spPr>
+          <a:xfrm>
+            <a:off x="5245985" y="2562577"/>
+            <a:ext cx="5548132" cy="3270956"/>
+          </a:xfrm>
+          <a:prstGeom prst="rect">
+            <a:avLst/>
+          </a:prstGeom>
+        </p:spPr>
+      </p:pic>
+    </p:spTree>
+    <p:extLst>
+      <p:ext uri="{BB962C8B-B14F-4D97-AF65-F5344CB8AC3E}">
+        <p14:creationId xmlns:p14="http://schemas.microsoft.com/office/powerpoint/2010/main" val="2792918310"/>
+      </p:ext>
+    </p:extLst>
+  </p:cSld>
+  <p:clrMapOvr>
+    <a:masterClrMapping/>
+  </p:clrMapOvr>
+</p:sld>
+</file>
+
+<file path=ppt/slides/slide13.xml><?xml version="1.0" encoding="utf-8"?>
+<p:sld xmlns:a="http://schemas.openxmlformats.org/drawingml/2006/main" xmlns:r="http://schemas.openxmlformats.org/officeDocument/2006/relationships" xmlns:p="http://schemas.openxmlformats.org/presentationml/2006/main">
+  <p:cSld>
+    <p:spTree>
+      <p:nvGrpSpPr>
+        <p:cNvPr id="1" name=""/>
+        <p:cNvGrpSpPr/>
+        <p:nvPr/>
+      </p:nvGrpSpPr>
+      <p:grpSpPr>
+        <a:xfrm>
+          <a:off x="0" y="0"/>
+          <a:ext cx="0" cy="0"/>
+          <a:chOff x="0" y="0"/>
+          <a:chExt cx="0" cy="0"/>
+        </a:xfrm>
+      </p:grpSpPr>
+      <p:sp>
+        <p:nvSpPr>
+          <p:cNvPr id="2" name="Title 1">
+            <a:extLst>
+              <a:ext uri="{FF2B5EF4-FFF2-40B4-BE49-F238E27FC236}">
+                <a16:creationId xmlns:a16="http://schemas.microsoft.com/office/drawing/2014/main" id="{149C9322-7133-47DC-9FFB-0B41B86E6A93}"/>
+              </a:ext>
+            </a:extLst>
+          </p:cNvPr>
+          <p:cNvSpPr>
+            <a:spLocks noGrp="1"/>
+          </p:cNvSpPr>
+          <p:nvPr>
+            <p:ph type="title"/>
+          </p:nvPr>
+        </p:nvSpPr>
+        <p:spPr/>
+        <p:txBody>
+          <a:bodyPr/>
+          <a:lstStyle/>
+          <a:p>
+            <a:pPr algn="ctr"/>
+            <a:r>
+              <a:rPr lang="en-US" dirty="0"/>
+              <a:t>Open Command Prompt</a:t>
+            </a:r>
+            <a:endParaRPr lang="fa-IR" dirty="0"/>
+          </a:p>
+        </p:txBody>
+      </p:sp>
+      <p:sp>
+        <p:nvSpPr>
+          <p:cNvPr id="7" name="Content Placeholder 6">
+            <a:extLst>
+              <a:ext uri="{FF2B5EF4-FFF2-40B4-BE49-F238E27FC236}">
+                <a16:creationId xmlns:a16="http://schemas.microsoft.com/office/drawing/2014/main" id="{FA2B588C-95C3-4086-85E5-75E836394EBF}"/>
+              </a:ext>
+            </a:extLst>
+          </p:cNvPr>
+          <p:cNvSpPr>
+            <a:spLocks noGrp="1"/>
+          </p:cNvSpPr>
+          <p:nvPr>
+            <p:ph idx="1"/>
+          </p:nvPr>
+        </p:nvSpPr>
+        <p:spPr/>
+        <p:txBody>
+          <a:bodyPr>
+            <a:normAutofit/>
+          </a:bodyPr>
+          <a:lstStyle/>
+          <a:p>
+            <a:r>
+              <a:rPr lang="en-US" sz="2400" dirty="0"/>
+              <a:t>Press windows button </a:t>
+            </a:r>
+          </a:p>
+          <a:p>
+            <a:r>
+              <a:rPr lang="en-US" sz="2400" dirty="0"/>
+              <a:t>Type </a:t>
+            </a:r>
+            <a:r>
+              <a:rPr lang="en-US" sz="2400" b="1" dirty="0" err="1"/>
+              <a:t>cmd</a:t>
+            </a:r>
+            <a:endParaRPr lang="en-US" sz="2400" b="1" dirty="0"/>
+          </a:p>
+          <a:p>
+            <a:r>
+              <a:rPr lang="en-US" sz="2400" dirty="0"/>
+              <a:t>Hit the </a:t>
+            </a:r>
+            <a:r>
+              <a:rPr lang="en-US" sz="2400" b="1" dirty="0"/>
+              <a:t>Enter </a:t>
+            </a:r>
+            <a:r>
+              <a:rPr lang="en-US" sz="2400" dirty="0"/>
+              <a:t>(or click by mouse)</a:t>
+            </a:r>
+          </a:p>
+          <a:p>
+            <a:r>
+              <a:rPr lang="en-US" sz="2400" dirty="0"/>
+              <a:t>If you are new to CMD don’t afraid of it. </a:t>
+            </a:r>
+          </a:p>
+          <a:p>
+            <a:r>
+              <a:rPr lang="en-US" sz="2400" dirty="0"/>
+              <a:t>I will add a Section and Explain about it.</a:t>
+            </a:r>
+          </a:p>
+          <a:p>
+            <a:r>
+              <a:rPr lang="en-US" sz="2400" dirty="0"/>
+              <a:t>just follow the steps and write them down.</a:t>
+            </a:r>
+          </a:p>
+        </p:txBody>
+      </p:sp>
+      <p:pic>
+        <p:nvPicPr>
+          <p:cNvPr id="9" name="Picture 8">
+            <a:extLst>
+              <a:ext uri="{FF2B5EF4-FFF2-40B4-BE49-F238E27FC236}">
+                <a16:creationId xmlns:a16="http://schemas.microsoft.com/office/drawing/2014/main" id="{6EE7A356-9F7D-407C-BB59-CB6147C14F15}"/>
+              </a:ext>
+            </a:extLst>
+          </p:cNvPr>
+          <p:cNvPicPr>
+            <a:picLocks noChangeAspect="1"/>
+          </p:cNvPicPr>
+          <p:nvPr/>
+        </p:nvPicPr>
+        <p:blipFill>
+          <a:blip r:embed="rId2">
+            <a:extLst>
+              <a:ext uri="{28A0092B-C50C-407E-A947-70E740481C1C}">
+                <a14:useLocalDpi xmlns:a14="http://schemas.microsoft.com/office/drawing/2010/main" val="0"/>
+              </a:ext>
+            </a:extLst>
+          </a:blip>
+          <a:stretch>
+            <a:fillRect/>
+          </a:stretch>
+        </p:blipFill>
+        <p:spPr>
+          <a:xfrm>
+            <a:off x="6553200" y="1825625"/>
+            <a:ext cx="4800600" cy="4169909"/>
+          </a:xfrm>
+          <a:prstGeom prst="rect">
+            <a:avLst/>
+          </a:prstGeom>
+        </p:spPr>
+      </p:pic>
+    </p:spTree>
+    <p:extLst>
+      <p:ext uri="{BB962C8B-B14F-4D97-AF65-F5344CB8AC3E}">
+        <p14:creationId xmlns:p14="http://schemas.microsoft.com/office/powerpoint/2010/main" val="2988033986"/>
+      </p:ext>
+    </p:extLst>
+  </p:cSld>
+  <p:clrMapOvr>
+    <a:masterClrMapping/>
+  </p:clrMapOvr>
+</p:sld>
+</file>
+
+<file path=ppt/slides/slide14.xml><?xml version="1.0" encoding="utf-8"?>
+<p:sld xmlns:a="http://schemas.openxmlformats.org/drawingml/2006/main" xmlns:r="http://schemas.openxmlformats.org/officeDocument/2006/relationships" xmlns:p="http://schemas.openxmlformats.org/presentationml/2006/main">
+  <p:cSld>
+    <p:spTree>
+      <p:nvGrpSpPr>
+        <p:cNvPr id="1" name=""/>
+        <p:cNvGrpSpPr/>
+        <p:nvPr/>
+      </p:nvGrpSpPr>
+      <p:grpSpPr>
+        <a:xfrm>
+          <a:off x="0" y="0"/>
+          <a:ext cx="0" cy="0"/>
+          <a:chOff x="0" y="0"/>
+          <a:chExt cx="0" cy="0"/>
+        </a:xfrm>
+      </p:grpSpPr>
+      <p:sp>
+        <p:nvSpPr>
+          <p:cNvPr id="2" name="Title 1">
+            <a:extLst>
+              <a:ext uri="{FF2B5EF4-FFF2-40B4-BE49-F238E27FC236}">
+                <a16:creationId xmlns:a16="http://schemas.microsoft.com/office/drawing/2014/main" id="{9AE67C67-FA9A-4840-99A1-7923BAE96511}"/>
+              </a:ext>
+            </a:extLst>
+          </p:cNvPr>
+          <p:cNvSpPr>
+            <a:spLocks noGrp="1"/>
+          </p:cNvSpPr>
+          <p:nvPr>
+            <p:ph type="title"/>
+          </p:nvPr>
+        </p:nvSpPr>
+        <p:spPr/>
+        <p:txBody>
+          <a:bodyPr/>
+          <a:lstStyle/>
+          <a:p>
+            <a:pPr algn="ctr"/>
+            <a:r>
+              <a:rPr lang="en-US" dirty="0"/>
+              <a:t>Check the git installation</a:t>
+            </a:r>
+            <a:endParaRPr lang="fa-IR" dirty="0"/>
+          </a:p>
+        </p:txBody>
+      </p:sp>
+      <p:sp>
+        <p:nvSpPr>
+          <p:cNvPr id="3" name="Content Placeholder 2">
+            <a:extLst>
+              <a:ext uri="{FF2B5EF4-FFF2-40B4-BE49-F238E27FC236}">
+                <a16:creationId xmlns:a16="http://schemas.microsoft.com/office/drawing/2014/main" id="{CAB4C448-4310-494B-8670-459BD504C6FB}"/>
+              </a:ext>
+            </a:extLst>
+          </p:cNvPr>
+          <p:cNvSpPr>
+            <a:spLocks noGrp="1"/>
+          </p:cNvSpPr>
+          <p:nvPr>
+            <p:ph idx="1"/>
+          </p:nvPr>
+        </p:nvSpPr>
+        <p:spPr/>
+        <p:txBody>
+          <a:bodyPr/>
+          <a:lstStyle/>
+          <a:p>
+            <a:r>
+              <a:rPr lang="en-US" dirty="0"/>
+              <a:t>Write </a:t>
+            </a:r>
+            <a:r>
+              <a:rPr lang="en-US" b="1" dirty="0"/>
+              <a:t>git</a:t>
+            </a:r>
+            <a:r>
+              <a:rPr lang="en-US" dirty="0"/>
+              <a:t> and hit the Enter. if you installed the got correctly you should get result like bellow.</a:t>
+            </a:r>
+          </a:p>
+          <a:p>
+            <a:r>
+              <a:rPr lang="en-US" dirty="0"/>
+              <a:t>Hurray! You are good!</a:t>
+            </a:r>
+          </a:p>
+          <a:p>
+            <a:endParaRPr lang="fa-IR" dirty="0"/>
+          </a:p>
+        </p:txBody>
+      </p:sp>
+      <p:pic>
+        <p:nvPicPr>
+          <p:cNvPr id="7" name="Picture 6">
+            <a:extLst>
+              <a:ext uri="{FF2B5EF4-FFF2-40B4-BE49-F238E27FC236}">
+                <a16:creationId xmlns:a16="http://schemas.microsoft.com/office/drawing/2014/main" id="{1BCAF99A-3BA0-4179-BDB1-BCC93475A5AD}"/>
+              </a:ext>
+            </a:extLst>
+          </p:cNvPr>
+          <p:cNvPicPr>
+            <a:picLocks noChangeAspect="1"/>
+          </p:cNvPicPr>
+          <p:nvPr/>
+        </p:nvPicPr>
+        <p:blipFill>
+          <a:blip r:embed="rId2">
+            <a:extLst>
+              <a:ext uri="{28A0092B-C50C-407E-A947-70E740481C1C}">
+                <a14:useLocalDpi xmlns:a14="http://schemas.microsoft.com/office/drawing/2010/main" val="0"/>
+              </a:ext>
+            </a:extLst>
+          </a:blip>
+          <a:stretch>
+            <a:fillRect/>
+          </a:stretch>
+        </p:blipFill>
+        <p:spPr>
+          <a:xfrm>
+            <a:off x="5219285" y="2691782"/>
+            <a:ext cx="6134515" cy="3364089"/>
+          </a:xfrm>
+          <a:prstGeom prst="rect">
+            <a:avLst/>
+          </a:prstGeom>
+        </p:spPr>
+      </p:pic>
+    </p:spTree>
+    <p:extLst>
+      <p:ext uri="{BB962C8B-B14F-4D97-AF65-F5344CB8AC3E}">
+        <p14:creationId xmlns:p14="http://schemas.microsoft.com/office/powerpoint/2010/main" val="3898069701"/>
+      </p:ext>
+    </p:extLst>
+  </p:cSld>
+  <p:clrMapOvr>
+    <a:masterClrMapping/>
+  </p:clrMapOvr>
+</p:sld>
+</file>
+
+<file path=ppt/slides/slide15.xml><?xml version="1.0" encoding="utf-8"?>
+<p:sld xmlns:a="http://schemas.openxmlformats.org/drawingml/2006/main" xmlns:r="http://schemas.openxmlformats.org/officeDocument/2006/relationships" xmlns:p="http://schemas.openxmlformats.org/presentationml/2006/main">
+  <p:cSld>
+    <p:spTree>
+      <p:nvGrpSpPr>
+        <p:cNvPr id="1" name=""/>
+        <p:cNvGrpSpPr/>
+        <p:nvPr/>
+      </p:nvGrpSpPr>
+      <p:grpSpPr>
+        <a:xfrm>
+          <a:off x="0" y="0"/>
+          <a:ext cx="0" cy="0"/>
+          <a:chOff x="0" y="0"/>
+          <a:chExt cx="0" cy="0"/>
+        </a:xfrm>
+      </p:grpSpPr>
+      <p:sp>
+        <p:nvSpPr>
+          <p:cNvPr id="2" name="Title 1">
+            <a:extLst>
+              <a:ext uri="{FF2B5EF4-FFF2-40B4-BE49-F238E27FC236}">
+                <a16:creationId xmlns:a16="http://schemas.microsoft.com/office/drawing/2014/main" id="{819C1919-A2C3-4945-A02C-7B1DBF9DB87D}"/>
+              </a:ext>
+            </a:extLst>
+          </p:cNvPr>
+          <p:cNvSpPr>
+            <a:spLocks noGrp="1"/>
+          </p:cNvSpPr>
+          <p:nvPr>
+            <p:ph type="title"/>
+          </p:nvPr>
+        </p:nvSpPr>
+        <p:spPr/>
+        <p:txBody>
+          <a:bodyPr/>
+          <a:lstStyle/>
+          <a:p>
+            <a:pPr algn="ctr"/>
+            <a:r>
+              <a:rPr lang="en-US" dirty="0"/>
+              <a:t>Configuring your git</a:t>
+            </a:r>
+            <a:endParaRPr lang="fa-IR" dirty="0"/>
+          </a:p>
+        </p:txBody>
+      </p:sp>
+      <p:sp>
+        <p:nvSpPr>
+          <p:cNvPr id="3" name="Content Placeholder 2">
+            <a:extLst>
+              <a:ext uri="{FF2B5EF4-FFF2-40B4-BE49-F238E27FC236}">
+                <a16:creationId xmlns:a16="http://schemas.microsoft.com/office/drawing/2014/main" id="{021DD6B5-B2D7-4E10-A08A-49EF37CE14FC}"/>
+              </a:ext>
+            </a:extLst>
+          </p:cNvPr>
+          <p:cNvSpPr>
+            <a:spLocks noGrp="1"/>
+          </p:cNvSpPr>
+          <p:nvPr>
+            <p:ph idx="1"/>
+          </p:nvPr>
+        </p:nvSpPr>
+        <p:spPr/>
+        <p:txBody>
+          <a:bodyPr/>
+          <a:lstStyle/>
+          <a:p>
+            <a:r>
+              <a:rPr lang="en-US" dirty="0"/>
+              <a:t>git config --global user.name “FirstName </a:t>
+            </a:r>
+            <a:r>
+              <a:rPr lang="en-US" dirty="0" err="1"/>
+              <a:t>LastName</a:t>
+            </a:r>
+            <a:r>
+              <a:rPr lang="en-US" dirty="0"/>
+              <a:t>“</a:t>
+            </a:r>
+          </a:p>
+          <a:p>
+            <a:r>
+              <a:rPr lang="en-US" dirty="0"/>
+              <a:t>git config --global </a:t>
+            </a:r>
+            <a:r>
+              <a:rPr lang="en-US" dirty="0" err="1"/>
+              <a:t>user.email</a:t>
+            </a:r>
+            <a:r>
+              <a:rPr lang="en-US" dirty="0"/>
+              <a:t> “your email address"</a:t>
+            </a:r>
+            <a:endParaRPr lang="fa-IR" dirty="0"/>
+          </a:p>
+        </p:txBody>
+      </p:sp>
+      <p:pic>
+        <p:nvPicPr>
+          <p:cNvPr id="5" name="Picture 4">
+            <a:extLst>
+              <a:ext uri="{FF2B5EF4-FFF2-40B4-BE49-F238E27FC236}">
+                <a16:creationId xmlns:a16="http://schemas.microsoft.com/office/drawing/2014/main" id="{A34BE985-DAF4-4266-91FF-AACE938EECD6}"/>
+              </a:ext>
+            </a:extLst>
+          </p:cNvPr>
+          <p:cNvPicPr>
+            <a:picLocks noChangeAspect="1"/>
+          </p:cNvPicPr>
+          <p:nvPr/>
+        </p:nvPicPr>
+        <p:blipFill>
+          <a:blip r:embed="rId2">
+            <a:extLst>
+              <a:ext uri="{28A0092B-C50C-407E-A947-70E740481C1C}">
+                <a14:useLocalDpi xmlns:a14="http://schemas.microsoft.com/office/drawing/2010/main" val="0"/>
+              </a:ext>
+            </a:extLst>
+          </a:blip>
+          <a:stretch>
+            <a:fillRect/>
+          </a:stretch>
+        </p:blipFill>
+        <p:spPr>
+          <a:xfrm>
+            <a:off x="3156656" y="3799240"/>
+            <a:ext cx="4953000" cy="1743075"/>
+          </a:xfrm>
+          <a:prstGeom prst="rect">
+            <a:avLst/>
+          </a:prstGeom>
+        </p:spPr>
+      </p:pic>
+    </p:spTree>
+    <p:extLst>
+      <p:ext uri="{BB962C8B-B14F-4D97-AF65-F5344CB8AC3E}">
+        <p14:creationId xmlns:p14="http://schemas.microsoft.com/office/powerpoint/2010/main" val="2959724069"/>
+      </p:ext>
+    </p:extLst>
+  </p:cSld>
+  <p:clrMapOvr>
+    <a:masterClrMapping/>
+  </p:clrMapOvr>
+</p:sld>
+</file>
+
+<file path=ppt/slides/slide16.xml><?xml version="1.0" encoding="utf-8"?>
+<p:sld xmlns:a="http://schemas.openxmlformats.org/drawingml/2006/main" xmlns:r="http://schemas.openxmlformats.org/officeDocument/2006/relationships" xmlns:p="http://schemas.openxmlformats.org/presentationml/2006/main">
+  <p:cSld>
+    <p:spTree>
+      <p:nvGrpSpPr>
+        <p:cNvPr id="1" name=""/>
+        <p:cNvGrpSpPr/>
+        <p:nvPr/>
+      </p:nvGrpSpPr>
+      <p:grpSpPr>
+        <a:xfrm>
+          <a:off x="0" y="0"/>
+          <a:ext cx="0" cy="0"/>
+          <a:chOff x="0" y="0"/>
+          <a:chExt cx="0" cy="0"/>
+        </a:xfrm>
+      </p:grpSpPr>
+      <p:sp>
+        <p:nvSpPr>
+          <p:cNvPr id="2" name="Title 1">
+            <a:extLst>
+              <a:ext uri="{FF2B5EF4-FFF2-40B4-BE49-F238E27FC236}">
                 <a16:creationId xmlns:a16="http://schemas.microsoft.com/office/drawing/2014/main" id="{D03AB979-5968-4C4D-B07E-33C0900C0095}"/>
               </a:ext>
             </a:extLst>
@@ -3942,7 +4616,7 @@
 </p:sld>
 </file>
 
-<file path=ppt/slides/slide13.xml><?xml version="1.0" encoding="utf-8"?>
+<file path=ppt/slides/slide17.xml><?xml version="1.0" encoding="utf-8"?>
 <p:sld xmlns:a="http://schemas.openxmlformats.org/drawingml/2006/main" xmlns:r="http://schemas.openxmlformats.org/officeDocument/2006/relationships" xmlns:p="http://schemas.openxmlformats.org/presentationml/2006/main">
   <p:cSld>
     <p:spTree>
@@ -4907,6 +5581,987 @@
         </p:nvSpPr>
         <p:spPr>
           <a:xfrm>
+            <a:off x="710796" y="2605320"/>
+            <a:ext cx="10292644" cy="1350793"/>
+          </a:xfrm>
+        </p:spPr>
+        <p:txBody>
+          <a:bodyPr>
+            <a:normAutofit/>
+          </a:bodyPr>
+          <a:lstStyle/>
+          <a:p>
+            <a:pPr algn="ctr"/>
+            <a:r>
+              <a:rPr lang="en-US" dirty="0"/>
+              <a:t>Change the main branch to master</a:t>
+            </a:r>
+            <a:endParaRPr lang="fa-IR" dirty="0"/>
+          </a:p>
+        </p:txBody>
+      </p:sp>
+      <p:sp>
+        <p:nvSpPr>
+          <p:cNvPr id="10" name="Block Arc 9">
+            <a:extLst>
+              <a:ext uri="{FF2B5EF4-FFF2-40B4-BE49-F238E27FC236}">
+                <a16:creationId xmlns:a16="http://schemas.microsoft.com/office/drawing/2014/main" id="{E32B4B3F-0EBB-4BCA-9FCC-28C199EB3DAB}"/>
+              </a:ext>
+            </a:extLst>
+          </p:cNvPr>
+          <p:cNvSpPr/>
+          <p:nvPr/>
+        </p:nvSpPr>
+        <p:spPr>
+          <a:xfrm>
+            <a:off x="-8228836" y="1327505"/>
+            <a:ext cx="3970761" cy="3970761"/>
+          </a:xfrm>
+          <a:prstGeom prst="blockArc">
+            <a:avLst>
+              <a:gd name="adj1" fmla="val 18900000"/>
+              <a:gd name="adj2" fmla="val 2700000"/>
+              <a:gd name="adj3" fmla="val 544"/>
+            </a:avLst>
+          </a:prstGeom>
+          <a:ln>
+            <a:solidFill>
+              <a:schemeClr val="accent1">
+                <a:lumMod val="75000"/>
+              </a:schemeClr>
+            </a:solidFill>
+          </a:ln>
+        </p:spPr>
+        <p:style>
+          <a:lnRef idx="2">
+            <a:schemeClr val="accent1">
+              <a:shade val="60000"/>
+              <a:hueOff val="0"/>
+              <a:satOff val="0"/>
+              <a:lumOff val="0"/>
+              <a:alphaOff val="0"/>
+            </a:schemeClr>
+          </a:lnRef>
+          <a:fillRef idx="0">
+            <a:schemeClr val="accent1">
+              <a:hueOff val="0"/>
+              <a:satOff val="0"/>
+              <a:lumOff val="0"/>
+              <a:alphaOff val="0"/>
+            </a:schemeClr>
+          </a:fillRef>
+          <a:effectRef idx="0">
+            <a:schemeClr val="accent1">
+              <a:hueOff val="0"/>
+              <a:satOff val="0"/>
+              <a:lumOff val="0"/>
+              <a:alphaOff val="0"/>
+            </a:schemeClr>
+          </a:effectRef>
+          <a:fontRef idx="minor">
+            <a:schemeClr val="tx1">
+              <a:hueOff val="0"/>
+              <a:satOff val="0"/>
+              <a:lumOff val="0"/>
+              <a:alphaOff val="0"/>
+            </a:schemeClr>
+          </a:fontRef>
+        </p:style>
+      </p:sp>
+      <p:grpSp>
+        <p:nvGrpSpPr>
+          <p:cNvPr id="22" name="Group 21">
+            <a:extLst>
+              <a:ext uri="{FF2B5EF4-FFF2-40B4-BE49-F238E27FC236}">
+                <a16:creationId xmlns:a16="http://schemas.microsoft.com/office/drawing/2014/main" id="{7133A007-EAF2-4EB2-9DD6-CE10315F47E2}"/>
+              </a:ext>
+            </a:extLst>
+          </p:cNvPr>
+          <p:cNvGrpSpPr/>
+          <p:nvPr/>
+        </p:nvGrpSpPr>
+        <p:grpSpPr>
+          <a:xfrm>
+            <a:off x="-4855148" y="2060665"/>
+            <a:ext cx="4682590" cy="736600"/>
+            <a:chOff x="5441549" y="2501335"/>
+            <a:chExt cx="4682590" cy="736600"/>
+          </a:xfrm>
+        </p:grpSpPr>
+        <p:sp>
+          <p:nvSpPr>
+            <p:cNvPr id="11" name="Freeform: Shape 10">
+              <a:extLst>
+                <a:ext uri="{FF2B5EF4-FFF2-40B4-BE49-F238E27FC236}">
+                  <a16:creationId xmlns:a16="http://schemas.microsoft.com/office/drawing/2014/main" id="{F72D9E4C-4065-446C-A536-0EE68C66869D}"/>
+                </a:ext>
+              </a:extLst>
+            </p:cNvPr>
+            <p:cNvSpPr/>
+            <p:nvPr/>
+          </p:nvSpPr>
+          <p:spPr>
+            <a:xfrm>
+              <a:off x="5809849" y="2574995"/>
+              <a:ext cx="4314290" cy="589280"/>
+            </a:xfrm>
+            <a:custGeom>
+              <a:avLst/>
+              <a:gdLst>
+                <a:gd name="connsiteX0" fmla="*/ 0 w 4314290"/>
+                <a:gd name="connsiteY0" fmla="*/ 0 h 589280"/>
+                <a:gd name="connsiteX1" fmla="*/ 4314290 w 4314290"/>
+                <a:gd name="connsiteY1" fmla="*/ 0 h 589280"/>
+                <a:gd name="connsiteX2" fmla="*/ 4314290 w 4314290"/>
+                <a:gd name="connsiteY2" fmla="*/ 589280 h 589280"/>
+                <a:gd name="connsiteX3" fmla="*/ 0 w 4314290"/>
+                <a:gd name="connsiteY3" fmla="*/ 589280 h 589280"/>
+                <a:gd name="connsiteX4" fmla="*/ 0 w 4314290"/>
+                <a:gd name="connsiteY4" fmla="*/ 0 h 589280"/>
+              </a:gdLst>
+              <a:ahLst/>
+              <a:cxnLst>
+                <a:cxn ang="0">
+                  <a:pos x="connsiteX0" y="connsiteY0"/>
+                </a:cxn>
+                <a:cxn ang="0">
+                  <a:pos x="connsiteX1" y="connsiteY1"/>
+                </a:cxn>
+                <a:cxn ang="0">
+                  <a:pos x="connsiteX2" y="connsiteY2"/>
+                </a:cxn>
+                <a:cxn ang="0">
+                  <a:pos x="connsiteX3" y="connsiteY3"/>
+                </a:cxn>
+                <a:cxn ang="0">
+                  <a:pos x="connsiteX4" y="connsiteY4"/>
+                </a:cxn>
+              </a:cxnLst>
+              <a:rect l="l" t="t" r="r" b="b"/>
+              <a:pathLst>
+                <a:path w="4314290" h="589280">
+                  <a:moveTo>
+                    <a:pt x="0" y="0"/>
+                  </a:moveTo>
+                  <a:lnTo>
+                    <a:pt x="4314290" y="0"/>
+                  </a:lnTo>
+                  <a:lnTo>
+                    <a:pt x="4314290" y="589280"/>
+                  </a:lnTo>
+                  <a:lnTo>
+                    <a:pt x="0" y="589280"/>
+                  </a:lnTo>
+                  <a:lnTo>
+                    <a:pt x="0" y="0"/>
+                  </a:lnTo>
+                  <a:close/>
+                </a:path>
+              </a:pathLst>
+            </a:custGeom>
+            <a:solidFill>
+              <a:schemeClr val="accent1">
+                <a:lumMod val="75000"/>
+              </a:schemeClr>
+            </a:solidFill>
+          </p:spPr>
+          <p:style>
+            <a:lnRef idx="2">
+              <a:schemeClr val="lt1">
+                <a:hueOff val="0"/>
+                <a:satOff val="0"/>
+                <a:lumOff val="0"/>
+                <a:alphaOff val="0"/>
+              </a:schemeClr>
+            </a:lnRef>
+            <a:fillRef idx="1">
+              <a:schemeClr val="accent1">
+                <a:hueOff val="0"/>
+                <a:satOff val="0"/>
+                <a:lumOff val="0"/>
+                <a:alphaOff val="0"/>
+              </a:schemeClr>
+            </a:fillRef>
+            <a:effectRef idx="0">
+              <a:schemeClr val="accent1">
+                <a:hueOff val="0"/>
+                <a:satOff val="0"/>
+                <a:lumOff val="0"/>
+                <a:alphaOff val="0"/>
+              </a:schemeClr>
+            </a:effectRef>
+            <a:fontRef idx="minor">
+              <a:schemeClr val="lt1"/>
+            </a:fontRef>
+          </p:style>
+          <p:txBody>
+            <a:bodyPr spcFirstLastPara="0" vert="horz" wrap="square" lIns="467741" tIns="45720" rIns="45720" bIns="45720" numCol="1" spcCol="1270" anchor="ctr" anchorCtr="0">
+              <a:noAutofit/>
+            </a:bodyPr>
+            <a:lstStyle/>
+            <a:p>
+              <a:pPr marL="0" lvl="0" indent="0" defTabSz="800100">
+                <a:lnSpc>
+                  <a:spcPct val="90000"/>
+                </a:lnSpc>
+                <a:spcBef>
+                  <a:spcPct val="0"/>
+                </a:spcBef>
+                <a:spcAft>
+                  <a:spcPct val="35000"/>
+                </a:spcAft>
+                <a:buNone/>
+              </a:pPr>
+              <a:r>
+                <a:rPr lang="en-US" sz="1800" kern="1200" dirty="0"/>
+                <a:t>From left panel select </a:t>
+              </a:r>
+              <a:r>
+                <a:rPr lang="en-US" sz="1800" b="1" kern="1200" dirty="0"/>
+                <a:t>Repositories</a:t>
+              </a:r>
+              <a:r>
+                <a:rPr lang="fa-IR" sz="1800" b="1" kern="1200" dirty="0"/>
+                <a:t> </a:t>
+              </a:r>
+              <a:endParaRPr lang="fa-IR" sz="1800" kern="1200" dirty="0"/>
+            </a:p>
+          </p:txBody>
+        </p:sp>
+        <p:sp>
+          <p:nvSpPr>
+            <p:cNvPr id="12" name="Oval 11">
+              <a:extLst>
+                <a:ext uri="{FF2B5EF4-FFF2-40B4-BE49-F238E27FC236}">
+                  <a16:creationId xmlns:a16="http://schemas.microsoft.com/office/drawing/2014/main" id="{3E2D700C-8F62-4197-990C-125B229EDB79}"/>
+                </a:ext>
+              </a:extLst>
+            </p:cNvPr>
+            <p:cNvSpPr/>
+            <p:nvPr/>
+          </p:nvSpPr>
+          <p:spPr>
+            <a:xfrm>
+              <a:off x="5441549" y="2501335"/>
+              <a:ext cx="736600" cy="736600"/>
+            </a:xfrm>
+            <a:prstGeom prst="ellipse">
+              <a:avLst/>
+            </a:prstGeom>
+            <a:ln>
+              <a:solidFill>
+                <a:schemeClr val="accent1">
+                  <a:lumMod val="75000"/>
+                </a:schemeClr>
+              </a:solidFill>
+            </a:ln>
+          </p:spPr>
+          <p:style>
+            <a:lnRef idx="2">
+              <a:schemeClr val="accent1">
+                <a:hueOff val="0"/>
+                <a:satOff val="0"/>
+                <a:lumOff val="0"/>
+                <a:alphaOff val="0"/>
+              </a:schemeClr>
+            </a:lnRef>
+            <a:fillRef idx="1">
+              <a:schemeClr val="lt1">
+                <a:hueOff val="0"/>
+                <a:satOff val="0"/>
+                <a:lumOff val="0"/>
+                <a:alphaOff val="0"/>
+              </a:schemeClr>
+            </a:fillRef>
+            <a:effectRef idx="0">
+              <a:schemeClr val="lt1">
+                <a:hueOff val="0"/>
+                <a:satOff val="0"/>
+                <a:lumOff val="0"/>
+                <a:alphaOff val="0"/>
+              </a:schemeClr>
+            </a:effectRef>
+            <a:fontRef idx="minor">
+              <a:schemeClr val="dk1">
+                <a:hueOff val="0"/>
+                <a:satOff val="0"/>
+                <a:lumOff val="0"/>
+                <a:alphaOff val="0"/>
+              </a:schemeClr>
+            </a:fontRef>
+          </p:style>
+        </p:sp>
+        <p:sp>
+          <p:nvSpPr>
+            <p:cNvPr id="18" name="TextBox 17">
+              <a:extLst>
+                <a:ext uri="{FF2B5EF4-FFF2-40B4-BE49-F238E27FC236}">
+                  <a16:creationId xmlns:a16="http://schemas.microsoft.com/office/drawing/2014/main" id="{B1537222-0EA6-4554-812D-05CDB49ED178}"/>
+                </a:ext>
+              </a:extLst>
+            </p:cNvPr>
+            <p:cNvSpPr txBox="1"/>
+            <p:nvPr/>
+          </p:nvSpPr>
+          <p:spPr>
+            <a:xfrm>
+              <a:off x="5586588" y="2588126"/>
+              <a:ext cx="434734" cy="584775"/>
+            </a:xfrm>
+            <a:prstGeom prst="rect">
+              <a:avLst/>
+            </a:prstGeom>
+            <a:noFill/>
+          </p:spPr>
+          <p:txBody>
+            <a:bodyPr wrap="none" rtlCol="1">
+              <a:spAutoFit/>
+            </a:bodyPr>
+            <a:lstStyle/>
+            <a:p>
+              <a:r>
+                <a:rPr lang="en-US" sz="3200" dirty="0">
+                  <a:solidFill>
+                    <a:schemeClr val="bg2">
+                      <a:lumMod val="50000"/>
+                    </a:schemeClr>
+                  </a:solidFill>
+                  <a:latin typeface="Britannic Bold" panose="020B0903060703020204" pitchFamily="34" charset="0"/>
+                </a:rPr>
+                <a:t>1</a:t>
+              </a:r>
+              <a:endParaRPr lang="fa-IR" sz="3200" dirty="0">
+                <a:solidFill>
+                  <a:schemeClr val="bg2">
+                    <a:lumMod val="50000"/>
+                  </a:schemeClr>
+                </a:solidFill>
+                <a:latin typeface="Britannic Bold" panose="020B0903060703020204" pitchFamily="34" charset="0"/>
+              </a:endParaRPr>
+            </a:p>
+          </p:txBody>
+        </p:sp>
+      </p:grpSp>
+      <p:grpSp>
+        <p:nvGrpSpPr>
+          <p:cNvPr id="23" name="Group 22">
+            <a:extLst>
+              <a:ext uri="{FF2B5EF4-FFF2-40B4-BE49-F238E27FC236}">
+                <a16:creationId xmlns:a16="http://schemas.microsoft.com/office/drawing/2014/main" id="{7FE18F92-8FA2-4AB7-9770-4EFBF33A7CD7}"/>
+              </a:ext>
+            </a:extLst>
+          </p:cNvPr>
+          <p:cNvGrpSpPr/>
+          <p:nvPr/>
+        </p:nvGrpSpPr>
+        <p:grpSpPr>
+          <a:xfrm>
+            <a:off x="-4640945" y="2944585"/>
+            <a:ext cx="4468387" cy="736600"/>
+            <a:chOff x="5655752" y="3385255"/>
+            <a:chExt cx="4468387" cy="736600"/>
+          </a:xfrm>
+        </p:grpSpPr>
+        <p:sp>
+          <p:nvSpPr>
+            <p:cNvPr id="13" name="Freeform: Shape 12">
+              <a:extLst>
+                <a:ext uri="{FF2B5EF4-FFF2-40B4-BE49-F238E27FC236}">
+                  <a16:creationId xmlns:a16="http://schemas.microsoft.com/office/drawing/2014/main" id="{54150796-5A67-484F-8D2D-288FCB7FBF76}"/>
+                </a:ext>
+              </a:extLst>
+            </p:cNvPr>
+            <p:cNvSpPr/>
+            <p:nvPr/>
+          </p:nvSpPr>
+          <p:spPr>
+            <a:xfrm>
+              <a:off x="6024052" y="3458915"/>
+              <a:ext cx="4100087" cy="589280"/>
+            </a:xfrm>
+            <a:custGeom>
+              <a:avLst/>
+              <a:gdLst>
+                <a:gd name="connsiteX0" fmla="*/ 0 w 4100087"/>
+                <a:gd name="connsiteY0" fmla="*/ 0 h 589280"/>
+                <a:gd name="connsiteX1" fmla="*/ 4100087 w 4100087"/>
+                <a:gd name="connsiteY1" fmla="*/ 0 h 589280"/>
+                <a:gd name="connsiteX2" fmla="*/ 4100087 w 4100087"/>
+                <a:gd name="connsiteY2" fmla="*/ 589280 h 589280"/>
+                <a:gd name="connsiteX3" fmla="*/ 0 w 4100087"/>
+                <a:gd name="connsiteY3" fmla="*/ 589280 h 589280"/>
+                <a:gd name="connsiteX4" fmla="*/ 0 w 4100087"/>
+                <a:gd name="connsiteY4" fmla="*/ 0 h 589280"/>
+              </a:gdLst>
+              <a:ahLst/>
+              <a:cxnLst>
+                <a:cxn ang="0">
+                  <a:pos x="connsiteX0" y="connsiteY0"/>
+                </a:cxn>
+                <a:cxn ang="0">
+                  <a:pos x="connsiteX1" y="connsiteY1"/>
+                </a:cxn>
+                <a:cxn ang="0">
+                  <a:pos x="connsiteX2" y="connsiteY2"/>
+                </a:cxn>
+                <a:cxn ang="0">
+                  <a:pos x="connsiteX3" y="connsiteY3"/>
+                </a:cxn>
+                <a:cxn ang="0">
+                  <a:pos x="connsiteX4" y="connsiteY4"/>
+                </a:cxn>
+              </a:cxnLst>
+              <a:rect l="l" t="t" r="r" b="b"/>
+              <a:pathLst>
+                <a:path w="4100087" h="589280">
+                  <a:moveTo>
+                    <a:pt x="0" y="0"/>
+                  </a:moveTo>
+                  <a:lnTo>
+                    <a:pt x="4100087" y="0"/>
+                  </a:lnTo>
+                  <a:lnTo>
+                    <a:pt x="4100087" y="589280"/>
+                  </a:lnTo>
+                  <a:lnTo>
+                    <a:pt x="0" y="589280"/>
+                  </a:lnTo>
+                  <a:lnTo>
+                    <a:pt x="0" y="0"/>
+                  </a:lnTo>
+                  <a:close/>
+                </a:path>
+              </a:pathLst>
+            </a:custGeom>
+            <a:solidFill>
+              <a:schemeClr val="accent1">
+                <a:lumMod val="75000"/>
+              </a:schemeClr>
+            </a:solidFill>
+          </p:spPr>
+          <p:style>
+            <a:lnRef idx="2">
+              <a:schemeClr val="lt1">
+                <a:hueOff val="0"/>
+                <a:satOff val="0"/>
+                <a:lumOff val="0"/>
+                <a:alphaOff val="0"/>
+              </a:schemeClr>
+            </a:lnRef>
+            <a:fillRef idx="1">
+              <a:schemeClr val="accent1">
+                <a:hueOff val="0"/>
+                <a:satOff val="0"/>
+                <a:lumOff val="0"/>
+                <a:alphaOff val="0"/>
+              </a:schemeClr>
+            </a:fillRef>
+            <a:effectRef idx="0">
+              <a:schemeClr val="accent1">
+                <a:hueOff val="0"/>
+                <a:satOff val="0"/>
+                <a:lumOff val="0"/>
+                <a:alphaOff val="0"/>
+              </a:schemeClr>
+            </a:effectRef>
+            <a:fontRef idx="minor">
+              <a:schemeClr val="lt1"/>
+            </a:fontRef>
+          </p:style>
+          <p:txBody>
+            <a:bodyPr spcFirstLastPara="0" vert="horz" wrap="square" lIns="467741" tIns="45720" rIns="45720" bIns="45720" numCol="1" spcCol="1270" anchor="ctr" anchorCtr="0">
+              <a:noAutofit/>
+            </a:bodyPr>
+            <a:lstStyle/>
+            <a:p>
+              <a:pPr marL="0" lvl="0" indent="0" defTabSz="800100">
+                <a:lnSpc>
+                  <a:spcPct val="90000"/>
+                </a:lnSpc>
+                <a:spcBef>
+                  <a:spcPct val="0"/>
+                </a:spcBef>
+                <a:spcAft>
+                  <a:spcPct val="35000"/>
+                </a:spcAft>
+                <a:buNone/>
+              </a:pPr>
+              <a:r>
+                <a:rPr lang="en-US" sz="1800" kern="1200" dirty="0"/>
+                <a:t>Change the default branch to </a:t>
+              </a:r>
+              <a:r>
+                <a:rPr lang="en-US" sz="1800" b="1" kern="1200" dirty="0"/>
+                <a:t>master</a:t>
+              </a:r>
+              <a:endParaRPr lang="fa-IR" sz="1800" kern="1200" dirty="0"/>
+            </a:p>
+          </p:txBody>
+        </p:sp>
+        <p:sp>
+          <p:nvSpPr>
+            <p:cNvPr id="14" name="Oval 13">
+              <a:extLst>
+                <a:ext uri="{FF2B5EF4-FFF2-40B4-BE49-F238E27FC236}">
+                  <a16:creationId xmlns:a16="http://schemas.microsoft.com/office/drawing/2014/main" id="{7F047843-37E7-45AF-AAC7-ABCEEA2B720C}"/>
+                </a:ext>
+              </a:extLst>
+            </p:cNvPr>
+            <p:cNvSpPr/>
+            <p:nvPr/>
+          </p:nvSpPr>
+          <p:spPr>
+            <a:xfrm>
+              <a:off x="5655752" y="3385255"/>
+              <a:ext cx="736600" cy="736600"/>
+            </a:xfrm>
+            <a:prstGeom prst="ellipse">
+              <a:avLst/>
+            </a:prstGeom>
+            <a:ln>
+              <a:solidFill>
+                <a:schemeClr val="accent1">
+                  <a:lumMod val="75000"/>
+                </a:schemeClr>
+              </a:solidFill>
+            </a:ln>
+          </p:spPr>
+          <p:style>
+            <a:lnRef idx="2">
+              <a:schemeClr val="accent1">
+                <a:hueOff val="0"/>
+                <a:satOff val="0"/>
+                <a:lumOff val="0"/>
+                <a:alphaOff val="0"/>
+              </a:schemeClr>
+            </a:lnRef>
+            <a:fillRef idx="1">
+              <a:schemeClr val="lt1">
+                <a:hueOff val="0"/>
+                <a:satOff val="0"/>
+                <a:lumOff val="0"/>
+                <a:alphaOff val="0"/>
+              </a:schemeClr>
+            </a:fillRef>
+            <a:effectRef idx="0">
+              <a:schemeClr val="lt1">
+                <a:hueOff val="0"/>
+                <a:satOff val="0"/>
+                <a:lumOff val="0"/>
+                <a:alphaOff val="0"/>
+              </a:schemeClr>
+            </a:effectRef>
+            <a:fontRef idx="minor">
+              <a:schemeClr val="dk1">
+                <a:hueOff val="0"/>
+                <a:satOff val="0"/>
+                <a:lumOff val="0"/>
+                <a:alphaOff val="0"/>
+              </a:schemeClr>
+            </a:fontRef>
+          </p:style>
+        </p:sp>
+        <p:sp>
+          <p:nvSpPr>
+            <p:cNvPr id="20" name="TextBox 19">
+              <a:extLst>
+                <a:ext uri="{FF2B5EF4-FFF2-40B4-BE49-F238E27FC236}">
+                  <a16:creationId xmlns:a16="http://schemas.microsoft.com/office/drawing/2014/main" id="{2C083E7B-FF5A-41F5-B560-8B84C8860FA2}"/>
+                </a:ext>
+              </a:extLst>
+            </p:cNvPr>
+            <p:cNvSpPr txBox="1"/>
+            <p:nvPr/>
+          </p:nvSpPr>
+          <p:spPr>
+            <a:xfrm>
+              <a:off x="5821255" y="3429000"/>
+              <a:ext cx="434734" cy="584775"/>
+            </a:xfrm>
+            <a:prstGeom prst="rect">
+              <a:avLst/>
+            </a:prstGeom>
+            <a:noFill/>
+          </p:spPr>
+          <p:txBody>
+            <a:bodyPr wrap="none" rtlCol="1">
+              <a:spAutoFit/>
+            </a:bodyPr>
+            <a:lstStyle/>
+            <a:p>
+              <a:r>
+                <a:rPr lang="en-US" sz="3200" dirty="0">
+                  <a:solidFill>
+                    <a:schemeClr val="bg2">
+                      <a:lumMod val="50000"/>
+                    </a:schemeClr>
+                  </a:solidFill>
+                  <a:latin typeface="Britannic Bold" panose="020B0903060703020204" pitchFamily="34" charset="0"/>
+                </a:rPr>
+                <a:t>2</a:t>
+              </a:r>
+              <a:endParaRPr lang="fa-IR" sz="3200" dirty="0">
+                <a:solidFill>
+                  <a:schemeClr val="bg2">
+                    <a:lumMod val="50000"/>
+                  </a:schemeClr>
+                </a:solidFill>
+                <a:latin typeface="Britannic Bold" panose="020B0903060703020204" pitchFamily="34" charset="0"/>
+              </a:endParaRPr>
+            </a:p>
+          </p:txBody>
+        </p:sp>
+      </p:grpSp>
+      <p:grpSp>
+        <p:nvGrpSpPr>
+          <p:cNvPr id="24" name="Group 23">
+            <a:extLst>
+              <a:ext uri="{FF2B5EF4-FFF2-40B4-BE49-F238E27FC236}">
+                <a16:creationId xmlns:a16="http://schemas.microsoft.com/office/drawing/2014/main" id="{BF4E3E70-CAE2-4B7E-9863-CE310C8463E1}"/>
+              </a:ext>
+            </a:extLst>
+          </p:cNvPr>
+          <p:cNvGrpSpPr/>
+          <p:nvPr/>
+        </p:nvGrpSpPr>
+        <p:grpSpPr>
+          <a:xfrm>
+            <a:off x="-4855148" y="3828505"/>
+            <a:ext cx="4682590" cy="736600"/>
+            <a:chOff x="5441549" y="4269175"/>
+            <a:chExt cx="4682590" cy="736600"/>
+          </a:xfrm>
+        </p:grpSpPr>
+        <p:sp>
+          <p:nvSpPr>
+            <p:cNvPr id="15" name="Freeform: Shape 14">
+              <a:extLst>
+                <a:ext uri="{FF2B5EF4-FFF2-40B4-BE49-F238E27FC236}">
+                  <a16:creationId xmlns:a16="http://schemas.microsoft.com/office/drawing/2014/main" id="{FE8C3F3F-83E7-4201-B1FD-31CA9006ADD6}"/>
+                </a:ext>
+              </a:extLst>
+            </p:cNvPr>
+            <p:cNvSpPr/>
+            <p:nvPr/>
+          </p:nvSpPr>
+          <p:spPr>
+            <a:xfrm>
+              <a:off x="5809849" y="4342835"/>
+              <a:ext cx="4314290" cy="589280"/>
+            </a:xfrm>
+            <a:custGeom>
+              <a:avLst/>
+              <a:gdLst>
+                <a:gd name="connsiteX0" fmla="*/ 0 w 4314290"/>
+                <a:gd name="connsiteY0" fmla="*/ 0 h 589280"/>
+                <a:gd name="connsiteX1" fmla="*/ 4314290 w 4314290"/>
+                <a:gd name="connsiteY1" fmla="*/ 0 h 589280"/>
+                <a:gd name="connsiteX2" fmla="*/ 4314290 w 4314290"/>
+                <a:gd name="connsiteY2" fmla="*/ 589280 h 589280"/>
+                <a:gd name="connsiteX3" fmla="*/ 0 w 4314290"/>
+                <a:gd name="connsiteY3" fmla="*/ 589280 h 589280"/>
+                <a:gd name="connsiteX4" fmla="*/ 0 w 4314290"/>
+                <a:gd name="connsiteY4" fmla="*/ 0 h 589280"/>
+              </a:gdLst>
+              <a:ahLst/>
+              <a:cxnLst>
+                <a:cxn ang="0">
+                  <a:pos x="connsiteX0" y="connsiteY0"/>
+                </a:cxn>
+                <a:cxn ang="0">
+                  <a:pos x="connsiteX1" y="connsiteY1"/>
+                </a:cxn>
+                <a:cxn ang="0">
+                  <a:pos x="connsiteX2" y="connsiteY2"/>
+                </a:cxn>
+                <a:cxn ang="0">
+                  <a:pos x="connsiteX3" y="connsiteY3"/>
+                </a:cxn>
+                <a:cxn ang="0">
+                  <a:pos x="connsiteX4" y="connsiteY4"/>
+                </a:cxn>
+              </a:cxnLst>
+              <a:rect l="l" t="t" r="r" b="b"/>
+              <a:pathLst>
+                <a:path w="4314290" h="589280">
+                  <a:moveTo>
+                    <a:pt x="0" y="0"/>
+                  </a:moveTo>
+                  <a:lnTo>
+                    <a:pt x="4314290" y="0"/>
+                  </a:lnTo>
+                  <a:lnTo>
+                    <a:pt x="4314290" y="589280"/>
+                  </a:lnTo>
+                  <a:lnTo>
+                    <a:pt x="0" y="589280"/>
+                  </a:lnTo>
+                  <a:lnTo>
+                    <a:pt x="0" y="0"/>
+                  </a:lnTo>
+                  <a:close/>
+                </a:path>
+              </a:pathLst>
+            </a:custGeom>
+            <a:solidFill>
+              <a:schemeClr val="accent1">
+                <a:lumMod val="75000"/>
+              </a:schemeClr>
+            </a:solidFill>
+          </p:spPr>
+          <p:style>
+            <a:lnRef idx="2">
+              <a:schemeClr val="lt1">
+                <a:hueOff val="0"/>
+                <a:satOff val="0"/>
+                <a:lumOff val="0"/>
+                <a:alphaOff val="0"/>
+              </a:schemeClr>
+            </a:lnRef>
+            <a:fillRef idx="1">
+              <a:schemeClr val="accent1">
+                <a:hueOff val="0"/>
+                <a:satOff val="0"/>
+                <a:lumOff val="0"/>
+                <a:alphaOff val="0"/>
+              </a:schemeClr>
+            </a:fillRef>
+            <a:effectRef idx="0">
+              <a:schemeClr val="accent1">
+                <a:hueOff val="0"/>
+                <a:satOff val="0"/>
+                <a:lumOff val="0"/>
+                <a:alphaOff val="0"/>
+              </a:schemeClr>
+            </a:effectRef>
+            <a:fontRef idx="minor">
+              <a:schemeClr val="lt1"/>
+            </a:fontRef>
+          </p:style>
+          <p:txBody>
+            <a:bodyPr spcFirstLastPara="0" vert="horz" wrap="square" lIns="467741" tIns="45720" rIns="45720" bIns="45720" numCol="1" spcCol="1270" anchor="ctr" anchorCtr="0">
+              <a:noAutofit/>
+            </a:bodyPr>
+            <a:lstStyle/>
+            <a:p>
+              <a:pPr marL="0" lvl="0" indent="0" defTabSz="800100">
+                <a:lnSpc>
+                  <a:spcPct val="90000"/>
+                </a:lnSpc>
+                <a:spcBef>
+                  <a:spcPct val="0"/>
+                </a:spcBef>
+                <a:spcAft>
+                  <a:spcPct val="35000"/>
+                </a:spcAft>
+                <a:buNone/>
+              </a:pPr>
+              <a:r>
+                <a:rPr lang="en-US" sz="1800" kern="1200" dirty="0"/>
+                <a:t>Push the upgrade button</a:t>
+              </a:r>
+              <a:endParaRPr lang="fa-IR" sz="1800" kern="1200" dirty="0"/>
+            </a:p>
+          </p:txBody>
+        </p:sp>
+        <p:sp>
+          <p:nvSpPr>
+            <p:cNvPr id="16" name="Oval 15">
+              <a:extLst>
+                <a:ext uri="{FF2B5EF4-FFF2-40B4-BE49-F238E27FC236}">
+                  <a16:creationId xmlns:a16="http://schemas.microsoft.com/office/drawing/2014/main" id="{3F49F63D-79D0-46FA-B288-D77C4570F302}"/>
+                </a:ext>
+              </a:extLst>
+            </p:cNvPr>
+            <p:cNvSpPr/>
+            <p:nvPr/>
+          </p:nvSpPr>
+          <p:spPr>
+            <a:xfrm>
+              <a:off x="5441549" y="4269175"/>
+              <a:ext cx="736600" cy="736600"/>
+            </a:xfrm>
+            <a:prstGeom prst="ellipse">
+              <a:avLst/>
+            </a:prstGeom>
+            <a:ln>
+              <a:solidFill>
+                <a:schemeClr val="accent1">
+                  <a:lumMod val="75000"/>
+                </a:schemeClr>
+              </a:solidFill>
+            </a:ln>
+          </p:spPr>
+          <p:style>
+            <a:lnRef idx="2">
+              <a:schemeClr val="accent1">
+                <a:hueOff val="0"/>
+                <a:satOff val="0"/>
+                <a:lumOff val="0"/>
+                <a:alphaOff val="0"/>
+              </a:schemeClr>
+            </a:lnRef>
+            <a:fillRef idx="1">
+              <a:schemeClr val="lt1">
+                <a:hueOff val="0"/>
+                <a:satOff val="0"/>
+                <a:lumOff val="0"/>
+                <a:alphaOff val="0"/>
+              </a:schemeClr>
+            </a:fillRef>
+            <a:effectRef idx="0">
+              <a:schemeClr val="lt1">
+                <a:hueOff val="0"/>
+                <a:satOff val="0"/>
+                <a:lumOff val="0"/>
+                <a:alphaOff val="0"/>
+              </a:schemeClr>
+            </a:effectRef>
+            <a:fontRef idx="minor">
+              <a:schemeClr val="dk1">
+                <a:hueOff val="0"/>
+                <a:satOff val="0"/>
+                <a:lumOff val="0"/>
+                <a:alphaOff val="0"/>
+              </a:schemeClr>
+            </a:fontRef>
+          </p:style>
+        </p:sp>
+        <p:sp>
+          <p:nvSpPr>
+            <p:cNvPr id="21" name="TextBox 20">
+              <a:extLst>
+                <a:ext uri="{FF2B5EF4-FFF2-40B4-BE49-F238E27FC236}">
+                  <a16:creationId xmlns:a16="http://schemas.microsoft.com/office/drawing/2014/main" id="{90D50E3A-9D22-4F5D-97EE-4F6C7161197E}"/>
+                </a:ext>
+              </a:extLst>
+            </p:cNvPr>
+            <p:cNvSpPr txBox="1"/>
+            <p:nvPr/>
+          </p:nvSpPr>
+          <p:spPr>
+            <a:xfrm>
+              <a:off x="5586588" y="4318617"/>
+              <a:ext cx="434734" cy="584775"/>
+            </a:xfrm>
+            <a:prstGeom prst="rect">
+              <a:avLst/>
+            </a:prstGeom>
+            <a:noFill/>
+          </p:spPr>
+          <p:txBody>
+            <a:bodyPr wrap="square" rtlCol="1">
+              <a:spAutoFit/>
+            </a:bodyPr>
+            <a:lstStyle/>
+            <a:p>
+              <a:r>
+                <a:rPr lang="en-US" sz="3200" dirty="0">
+                  <a:solidFill>
+                    <a:schemeClr val="bg2">
+                      <a:lumMod val="50000"/>
+                    </a:schemeClr>
+                  </a:solidFill>
+                  <a:latin typeface="Britannic Bold" panose="020B0903060703020204" pitchFamily="34" charset="0"/>
+                </a:rPr>
+                <a:t>3</a:t>
+              </a:r>
+              <a:endParaRPr lang="fa-IR" sz="3200" dirty="0">
+                <a:solidFill>
+                  <a:schemeClr val="bg2">
+                    <a:lumMod val="50000"/>
+                  </a:schemeClr>
+                </a:solidFill>
+                <a:latin typeface="Britannic Bold" panose="020B0903060703020204" pitchFamily="34" charset="0"/>
+              </a:endParaRPr>
+            </a:p>
+          </p:txBody>
+        </p:sp>
+      </p:grpSp>
+      <p:pic>
+        <p:nvPicPr>
+          <p:cNvPr id="25" name="Picture 24">
+            <a:extLst>
+              <a:ext uri="{FF2B5EF4-FFF2-40B4-BE49-F238E27FC236}">
+                <a16:creationId xmlns:a16="http://schemas.microsoft.com/office/drawing/2014/main" id="{A7F73245-3240-42BF-B3EA-F0730BBB0767}"/>
+              </a:ext>
+            </a:extLst>
+          </p:cNvPr>
+          <p:cNvPicPr>
+            <a:picLocks noChangeAspect="1"/>
+          </p:cNvPicPr>
+          <p:nvPr/>
+        </p:nvPicPr>
+        <p:blipFill>
+          <a:blip r:embed="rId2">
+            <a:extLst>
+              <a:ext uri="{28A0092B-C50C-407E-A947-70E740481C1C}">
+                <a14:useLocalDpi xmlns:a14="http://schemas.microsoft.com/office/drawing/2010/main" val="0"/>
+              </a:ext>
+            </a:extLst>
+          </a:blip>
+          <a:stretch>
+            <a:fillRect/>
+          </a:stretch>
+        </p:blipFill>
+        <p:spPr>
+          <a:xfrm>
+            <a:off x="12690972" y="1663028"/>
+            <a:ext cx="5299605" cy="3145861"/>
+          </a:xfrm>
+          <a:prstGeom prst="rect">
+            <a:avLst/>
+          </a:prstGeom>
+        </p:spPr>
+      </p:pic>
+    </p:spTree>
+    <p:extLst>
+      <p:ext uri="{BB962C8B-B14F-4D97-AF65-F5344CB8AC3E}">
+        <p14:creationId xmlns:p14="http://schemas.microsoft.com/office/powerpoint/2010/main" val="3046245645"/>
+      </p:ext>
+    </p:extLst>
+  </p:cSld>
+  <p:clrMapOvr>
+    <a:masterClrMapping/>
+  </p:clrMapOvr>
+</p:sld>
+</file>
+
+<file path=ppt/slides/slide5.xml><?xml version="1.0" encoding="utf-8"?>
+<p:sld xmlns:a="http://schemas.openxmlformats.org/drawingml/2006/main" xmlns:r="http://schemas.openxmlformats.org/officeDocument/2006/relationships" xmlns:p="http://schemas.openxmlformats.org/presentationml/2006/main">
+  <p:cSld>
+    <p:spTree>
+      <p:nvGrpSpPr>
+        <p:cNvPr id="1" name=""/>
+        <p:cNvGrpSpPr/>
+        <p:nvPr/>
+      </p:nvGrpSpPr>
+      <p:grpSpPr>
+        <a:xfrm>
+          <a:off x="0" y="0"/>
+          <a:ext cx="0" cy="0"/>
+          <a:chOff x="0" y="0"/>
+          <a:chExt cx="0" cy="0"/>
+        </a:xfrm>
+      </p:grpSpPr>
+      <p:sp>
+        <p:nvSpPr>
+          <p:cNvPr id="2" name="Title 1">
+            <a:extLst>
+              <a:ext uri="{FF2B5EF4-FFF2-40B4-BE49-F238E27FC236}">
+                <a16:creationId xmlns:a16="http://schemas.microsoft.com/office/drawing/2014/main" id="{AD2EDD45-B24C-4084-8224-2041CF7B581C}"/>
+              </a:ext>
+            </a:extLst>
+          </p:cNvPr>
+          <p:cNvSpPr>
+            <a:spLocks noGrp="1"/>
+          </p:cNvSpPr>
+          <p:nvPr>
+            <p:ph type="title"/>
+          </p:nvPr>
+        </p:nvSpPr>
+        <p:spPr>
+          <a:xfrm>
             <a:off x="826911" y="291739"/>
             <a:ext cx="10292644" cy="1350793"/>
           </a:xfrm>
@@ -4920,7 +6575,7 @@
             <a:pPr algn="ctr"/>
             <a:r>
               <a:rPr lang="en-US" dirty="0"/>
-              <a:t>Change the main branch</a:t>
+              <a:t>Change the main branch to master</a:t>
             </a:r>
             <a:endParaRPr lang="fa-IR" dirty="0"/>
           </a:p>
@@ -5843,143 +7498,25 @@
     </p:spTree>
     <p:extLst>
       <p:ext uri="{BB962C8B-B14F-4D97-AF65-F5344CB8AC3E}">
-        <p14:creationId xmlns:p14="http://schemas.microsoft.com/office/powerpoint/2010/main" val="3046245645"/>
+        <p14:creationId xmlns:p14="http://schemas.microsoft.com/office/powerpoint/2010/main" val="1701820026"/>
       </p:ext>
     </p:extLst>
   </p:cSld>
   <p:clrMapOvr>
     <a:masterClrMapping/>
   </p:clrMapOvr>
-</p:sld>
-</file>
-
-<file path=ppt/slides/slide5.xml><?xml version="1.0" encoding="utf-8"?>
-<p:sld xmlns:a="http://schemas.openxmlformats.org/drawingml/2006/main" xmlns:r="http://schemas.openxmlformats.org/officeDocument/2006/relationships" xmlns:p="http://schemas.openxmlformats.org/presentationml/2006/main">
-  <p:cSld>
-    <p:spTree>
-      <p:nvGrpSpPr>
-        <p:cNvPr id="1" name=""/>
-        <p:cNvGrpSpPr/>
-        <p:nvPr/>
-      </p:nvGrpSpPr>
-      <p:grpSpPr>
-        <a:xfrm>
-          <a:off x="0" y="0"/>
-          <a:ext cx="0" cy="0"/>
-          <a:chOff x="0" y="0"/>
-          <a:chExt cx="0" cy="0"/>
-        </a:xfrm>
-      </p:grpSpPr>
-      <p:sp>
-        <p:nvSpPr>
-          <p:cNvPr id="2" name="Title 1">
-            <a:extLst>
-              <a:ext uri="{FF2B5EF4-FFF2-40B4-BE49-F238E27FC236}">
-                <a16:creationId xmlns:a16="http://schemas.microsoft.com/office/drawing/2014/main" id="{2068D852-1922-4E51-8DAC-A9B47010C3FC}"/>
-              </a:ext>
-            </a:extLst>
-          </p:cNvPr>
-          <p:cNvSpPr>
-            <a:spLocks noGrp="1"/>
-          </p:cNvSpPr>
-          <p:nvPr>
-            <p:ph type="title"/>
-          </p:nvPr>
-        </p:nvSpPr>
-        <p:spPr/>
-        <p:txBody>
-          <a:bodyPr/>
-          <a:lstStyle/>
-          <a:p>
-            <a:r>
-              <a:rPr lang="en-US" dirty="0"/>
-              <a:t>Create a new repository</a:t>
-            </a:r>
-            <a:endParaRPr lang="fa-IR" dirty="0"/>
-          </a:p>
-        </p:txBody>
-      </p:sp>
-      <p:sp>
-        <p:nvSpPr>
-          <p:cNvPr id="3" name="Content Placeholder 2">
-            <a:extLst>
-              <a:ext uri="{FF2B5EF4-FFF2-40B4-BE49-F238E27FC236}">
-                <a16:creationId xmlns:a16="http://schemas.microsoft.com/office/drawing/2014/main" id="{25517601-4D8E-498C-8C85-7A23F3382C0D}"/>
-              </a:ext>
-            </a:extLst>
-          </p:cNvPr>
-          <p:cNvSpPr>
-            <a:spLocks noGrp="1"/>
-          </p:cNvSpPr>
-          <p:nvPr>
-            <p:ph idx="1"/>
-          </p:nvPr>
-        </p:nvSpPr>
-        <p:spPr/>
-        <p:txBody>
-          <a:bodyPr/>
-          <a:lstStyle/>
-          <a:p>
-            <a:r>
-              <a:rPr lang="en-US" dirty="0"/>
-              <a:t>Press the new button </a:t>
-            </a:r>
-          </a:p>
-          <a:p>
-            <a:r>
-              <a:rPr lang="en-US" dirty="0"/>
-              <a:t>Fill the fields</a:t>
-            </a:r>
-            <a:endParaRPr lang="fa-IR" dirty="0"/>
-          </a:p>
-        </p:txBody>
-      </p:sp>
-      <p:pic>
-        <p:nvPicPr>
-          <p:cNvPr id="7" name="Picture 6">
-            <a:extLst>
-              <a:ext uri="{FF2B5EF4-FFF2-40B4-BE49-F238E27FC236}">
-                <a16:creationId xmlns:a16="http://schemas.microsoft.com/office/drawing/2014/main" id="{3B71D0D2-48A6-4AA9-BC85-95A69DAD9BE9}"/>
-              </a:ext>
-            </a:extLst>
-          </p:cNvPr>
-          <p:cNvPicPr>
-            <a:picLocks noChangeAspect="1"/>
-          </p:cNvPicPr>
-          <p:nvPr/>
-        </p:nvPicPr>
-        <p:blipFill>
-          <a:blip r:embed="rId2">
-            <a:extLst>
-              <a:ext uri="{28A0092B-C50C-407E-A947-70E740481C1C}">
-                <a14:useLocalDpi xmlns:a14="http://schemas.microsoft.com/office/drawing/2010/main" val="0"/>
-              </a:ext>
-            </a:extLst>
-          </a:blip>
-          <a:stretch>
-            <a:fillRect/>
-          </a:stretch>
-        </p:blipFill>
-        <p:spPr>
-          <a:xfrm>
-            <a:off x="838200" y="2906543"/>
-            <a:ext cx="4144610" cy="3586332"/>
-          </a:xfrm>
-          <a:prstGeom prst="rect">
-            <a:avLst/>
-          </a:prstGeom>
-        </p:spPr>
-      </p:pic>
-    </p:spTree>
-    <p:extLst>
-      <p:ext uri="{BB962C8B-B14F-4D97-AF65-F5344CB8AC3E}">
-        <p14:creationId xmlns:p14="http://schemas.microsoft.com/office/powerpoint/2010/main" val="1495107205"/>
-      </p:ext>
-    </p:extLst>
-  </p:cSld>
-  <p:clrMapOvr>
-    <a:masterClrMapping/>
-  </p:clrMapOvr>
+  <mc:AlternateContent xmlns:mc="http://schemas.openxmlformats.org/markup-compatibility/2006">
+    <mc:Choice xmlns:p159="http://schemas.microsoft.com/office/powerpoint/2015/09/main" Requires="p159">
+      <p:transition xmlns:p14="http://schemas.microsoft.com/office/powerpoint/2010/main" spd="slow" p14:dur="2000">
+        <p159:morph option="byObject"/>
+      </p:transition>
+    </mc:Choice>
+    <mc:Fallback>
+      <p:transition spd="slow">
+        <p:fade/>
+      </p:transition>
+    </mc:Fallback>
+  </mc:AlternateContent>
 </p:sld>
 </file>
 
@@ -6005,7 +7542,7 @@
           <p:cNvPr id="2" name="Title 1">
             <a:extLst>
               <a:ext uri="{FF2B5EF4-FFF2-40B4-BE49-F238E27FC236}">
-                <a16:creationId xmlns:a16="http://schemas.microsoft.com/office/drawing/2014/main" id="{1B829746-6489-4094-A453-BB8D65357E78}"/>
+                <a16:creationId xmlns:a16="http://schemas.microsoft.com/office/drawing/2014/main" id="{AD2EDD45-B24C-4084-8224-2041CF7B581C}"/>
               </a:ext>
             </a:extLst>
           </p:cNvPr>
@@ -6016,15 +7553,22 @@
             <p:ph type="title"/>
           </p:nvPr>
         </p:nvSpPr>
-        <p:spPr/>
+        <p:spPr>
+          <a:xfrm>
+            <a:off x="859969" y="-1522547"/>
+            <a:ext cx="10292644" cy="1350793"/>
+          </a:xfrm>
+        </p:spPr>
         <p:txBody>
-          <a:bodyPr/>
+          <a:bodyPr>
+            <a:normAutofit/>
+          </a:bodyPr>
           <a:lstStyle/>
           <a:p>
             <a:pPr algn="ctr"/>
             <a:r>
               <a:rPr lang="en-US" dirty="0"/>
-              <a:t>Fill the fields</a:t>
+              <a:t>Change the main branch to master</a:t>
             </a:r>
             <a:endParaRPr lang="fa-IR" dirty="0"/>
           </a:p>
@@ -6032,118 +7576,614 @@
       </p:sp>
       <p:sp>
         <p:nvSpPr>
-          <p:cNvPr id="3" name="Content Placeholder 2">
-            <a:extLst>
-              <a:ext uri="{FF2B5EF4-FFF2-40B4-BE49-F238E27FC236}">
-                <a16:creationId xmlns:a16="http://schemas.microsoft.com/office/drawing/2014/main" id="{51260559-6D48-45AE-AA24-FE65940AEFCB}"/>
-              </a:ext>
-            </a:extLst>
-          </p:cNvPr>
-          <p:cNvSpPr>
-            <a:spLocks noGrp="1"/>
-          </p:cNvSpPr>
-          <p:nvPr>
-            <p:ph idx="1"/>
-          </p:nvPr>
+          <p:cNvPr id="10" name="Block Arc 9">
+            <a:extLst>
+              <a:ext uri="{FF2B5EF4-FFF2-40B4-BE49-F238E27FC236}">
+                <a16:creationId xmlns:a16="http://schemas.microsoft.com/office/drawing/2014/main" id="{E32B4B3F-0EBB-4BCA-9FCC-28C199EB3DAB}"/>
+              </a:ext>
+            </a:extLst>
+          </p:cNvPr>
+          <p:cNvSpPr/>
+          <p:nvPr/>
         </p:nvSpPr>
-        <p:spPr/>
-        <p:txBody>
-          <a:bodyPr/>
-          <a:lstStyle/>
-          <a:p>
-            <a:r>
-              <a:rPr lang="en-US" dirty="0"/>
-              <a:t>Name your repository (</a:t>
-            </a:r>
-            <a:r>
-              <a:rPr lang="en-US" dirty="0" err="1"/>
-              <a:t>e.g</a:t>
-            </a:r>
-            <a:r>
-              <a:rPr lang="en-US" dirty="0"/>
-              <a:t>: </a:t>
-            </a:r>
-            <a:r>
-              <a:rPr lang="en-US" dirty="0" err="1"/>
-              <a:t>gittutrial</a:t>
-            </a:r>
-            <a:r>
-              <a:rPr lang="en-US" dirty="0"/>
-              <a:t>)</a:t>
-            </a:r>
-          </a:p>
-          <a:p>
-            <a:r>
-              <a:rPr lang="en-US" dirty="0"/>
-              <a:t>Descriptions (optional)</a:t>
-            </a:r>
-          </a:p>
-          <a:p>
-            <a:r>
-              <a:rPr lang="en-US" dirty="0"/>
-              <a:t>Public or Private</a:t>
-            </a:r>
-          </a:p>
-          <a:p>
-            <a:r>
-              <a:rPr lang="en-US" dirty="0"/>
-              <a:t>Add a README file (Optional)</a:t>
-            </a:r>
-          </a:p>
-          <a:p>
-            <a:r>
-              <a:rPr lang="en-US" dirty="0"/>
-              <a:t>Add .</a:t>
-            </a:r>
-            <a:r>
-              <a:rPr lang="en-US" dirty="0" err="1"/>
-              <a:t>gitignore</a:t>
-            </a:r>
-            <a:r>
-              <a:rPr lang="en-US" dirty="0"/>
-              <a:t> (</a:t>
-            </a:r>
-            <a:r>
-              <a:rPr lang="en-US" dirty="0" err="1"/>
-              <a:t>Optiona</a:t>
-            </a:r>
-            <a:r>
-              <a:rPr lang="en-US" dirty="0"/>
-              <a:t>)</a:t>
-            </a:r>
-          </a:p>
-          <a:p>
-            <a:r>
-              <a:rPr lang="en-US" dirty="0"/>
-              <a:t>Choose a license (Optional)</a:t>
-            </a:r>
-          </a:p>
-          <a:p>
-            <a:pPr marL="0" indent="0">
-              <a:buNone/>
-            </a:pPr>
-            <a:r>
-              <a:rPr lang="en-US" dirty="0"/>
-              <a:t>We will explain them latter</a:t>
-            </a:r>
-          </a:p>
-          <a:p>
-            <a:endParaRPr lang="en-US" dirty="0"/>
-          </a:p>
-          <a:p>
-            <a:endParaRPr lang="en-US" dirty="0"/>
-          </a:p>
-          <a:p>
-            <a:endParaRPr lang="fa-IR" dirty="0"/>
-          </a:p>
-        </p:txBody>
+        <p:spPr>
+          <a:xfrm>
+            <a:off x="-3885105" y="-1482743"/>
+            <a:ext cx="4713719" cy="10612229"/>
+          </a:xfrm>
+          <a:prstGeom prst="blockArc">
+            <a:avLst>
+              <a:gd name="adj1" fmla="val 18274606"/>
+              <a:gd name="adj2" fmla="val 3089855"/>
+              <a:gd name="adj3" fmla="val 0"/>
+            </a:avLst>
+          </a:prstGeom>
+          <a:ln>
+            <a:solidFill>
+              <a:schemeClr val="accent1">
+                <a:lumMod val="75000"/>
+              </a:schemeClr>
+            </a:solidFill>
+          </a:ln>
+        </p:spPr>
+        <p:style>
+          <a:lnRef idx="2">
+            <a:schemeClr val="accent1">
+              <a:shade val="60000"/>
+              <a:hueOff val="0"/>
+              <a:satOff val="0"/>
+              <a:lumOff val="0"/>
+              <a:alphaOff val="0"/>
+            </a:schemeClr>
+          </a:lnRef>
+          <a:fillRef idx="0">
+            <a:schemeClr val="accent1">
+              <a:hueOff val="0"/>
+              <a:satOff val="0"/>
+              <a:lumOff val="0"/>
+              <a:alphaOff val="0"/>
+            </a:schemeClr>
+          </a:fillRef>
+          <a:effectRef idx="0">
+            <a:schemeClr val="accent1">
+              <a:hueOff val="0"/>
+              <a:satOff val="0"/>
+              <a:lumOff val="0"/>
+              <a:alphaOff val="0"/>
+            </a:schemeClr>
+          </a:effectRef>
+          <a:fontRef idx="minor">
+            <a:schemeClr val="tx1">
+              <a:hueOff val="0"/>
+              <a:satOff val="0"/>
+              <a:lumOff val="0"/>
+              <a:alphaOff val="0"/>
+            </a:schemeClr>
+          </a:fontRef>
+        </p:style>
       </p:sp>
+      <p:grpSp>
+        <p:nvGrpSpPr>
+          <p:cNvPr id="23" name="Group 22">
+            <a:extLst>
+              <a:ext uri="{FF2B5EF4-FFF2-40B4-BE49-F238E27FC236}">
+                <a16:creationId xmlns:a16="http://schemas.microsoft.com/office/drawing/2014/main" id="{7FE18F92-8FA2-4AB7-9770-4EFBF33A7CD7}"/>
+              </a:ext>
+            </a:extLst>
+          </p:cNvPr>
+          <p:cNvGrpSpPr/>
+          <p:nvPr/>
+        </p:nvGrpSpPr>
+        <p:grpSpPr>
+          <a:xfrm>
+            <a:off x="472559" y="4982048"/>
+            <a:ext cx="4468387" cy="736600"/>
+            <a:chOff x="5655752" y="3385255"/>
+            <a:chExt cx="4468387" cy="736600"/>
+          </a:xfrm>
+        </p:grpSpPr>
+        <p:sp>
+          <p:nvSpPr>
+            <p:cNvPr id="13" name="Freeform: Shape 12">
+              <a:extLst>
+                <a:ext uri="{FF2B5EF4-FFF2-40B4-BE49-F238E27FC236}">
+                  <a16:creationId xmlns:a16="http://schemas.microsoft.com/office/drawing/2014/main" id="{54150796-5A67-484F-8D2D-288FCB7FBF76}"/>
+                </a:ext>
+              </a:extLst>
+            </p:cNvPr>
+            <p:cNvSpPr/>
+            <p:nvPr/>
+          </p:nvSpPr>
+          <p:spPr>
+            <a:xfrm>
+              <a:off x="6024052" y="3458915"/>
+              <a:ext cx="4100087" cy="589280"/>
+            </a:xfrm>
+            <a:custGeom>
+              <a:avLst/>
+              <a:gdLst>
+                <a:gd name="connsiteX0" fmla="*/ 0 w 4100087"/>
+                <a:gd name="connsiteY0" fmla="*/ 0 h 589280"/>
+                <a:gd name="connsiteX1" fmla="*/ 4100087 w 4100087"/>
+                <a:gd name="connsiteY1" fmla="*/ 0 h 589280"/>
+                <a:gd name="connsiteX2" fmla="*/ 4100087 w 4100087"/>
+                <a:gd name="connsiteY2" fmla="*/ 589280 h 589280"/>
+                <a:gd name="connsiteX3" fmla="*/ 0 w 4100087"/>
+                <a:gd name="connsiteY3" fmla="*/ 589280 h 589280"/>
+                <a:gd name="connsiteX4" fmla="*/ 0 w 4100087"/>
+                <a:gd name="connsiteY4" fmla="*/ 0 h 589280"/>
+              </a:gdLst>
+              <a:ahLst/>
+              <a:cxnLst>
+                <a:cxn ang="0">
+                  <a:pos x="connsiteX0" y="connsiteY0"/>
+                </a:cxn>
+                <a:cxn ang="0">
+                  <a:pos x="connsiteX1" y="connsiteY1"/>
+                </a:cxn>
+                <a:cxn ang="0">
+                  <a:pos x="connsiteX2" y="connsiteY2"/>
+                </a:cxn>
+                <a:cxn ang="0">
+                  <a:pos x="connsiteX3" y="connsiteY3"/>
+                </a:cxn>
+                <a:cxn ang="0">
+                  <a:pos x="connsiteX4" y="connsiteY4"/>
+                </a:cxn>
+              </a:cxnLst>
+              <a:rect l="l" t="t" r="r" b="b"/>
+              <a:pathLst>
+                <a:path w="4100087" h="589280">
+                  <a:moveTo>
+                    <a:pt x="0" y="0"/>
+                  </a:moveTo>
+                  <a:lnTo>
+                    <a:pt x="4100087" y="0"/>
+                  </a:lnTo>
+                  <a:lnTo>
+                    <a:pt x="4100087" y="589280"/>
+                  </a:lnTo>
+                  <a:lnTo>
+                    <a:pt x="0" y="589280"/>
+                  </a:lnTo>
+                  <a:lnTo>
+                    <a:pt x="0" y="0"/>
+                  </a:lnTo>
+                  <a:close/>
+                </a:path>
+              </a:pathLst>
+            </a:custGeom>
+            <a:solidFill>
+              <a:schemeClr val="accent1">
+                <a:lumMod val="75000"/>
+              </a:schemeClr>
+            </a:solidFill>
+          </p:spPr>
+          <p:style>
+            <a:lnRef idx="2">
+              <a:schemeClr val="lt1">
+                <a:hueOff val="0"/>
+                <a:satOff val="0"/>
+                <a:lumOff val="0"/>
+                <a:alphaOff val="0"/>
+              </a:schemeClr>
+            </a:lnRef>
+            <a:fillRef idx="1">
+              <a:schemeClr val="accent1">
+                <a:hueOff val="0"/>
+                <a:satOff val="0"/>
+                <a:lumOff val="0"/>
+                <a:alphaOff val="0"/>
+              </a:schemeClr>
+            </a:fillRef>
+            <a:effectRef idx="0">
+              <a:schemeClr val="accent1">
+                <a:hueOff val="0"/>
+                <a:satOff val="0"/>
+                <a:lumOff val="0"/>
+                <a:alphaOff val="0"/>
+              </a:schemeClr>
+            </a:effectRef>
+            <a:fontRef idx="minor">
+              <a:schemeClr val="lt1"/>
+            </a:fontRef>
+          </p:style>
+          <p:txBody>
+            <a:bodyPr spcFirstLastPara="0" vert="horz" wrap="square" lIns="467741" tIns="45720" rIns="45720" bIns="45720" numCol="1" spcCol="1270" anchor="ctr" anchorCtr="0">
+              <a:noAutofit/>
+            </a:bodyPr>
+            <a:lstStyle/>
+            <a:p>
+              <a:pPr marL="0" lvl="0" indent="0" defTabSz="800100">
+                <a:lnSpc>
+                  <a:spcPct val="90000"/>
+                </a:lnSpc>
+                <a:spcBef>
+                  <a:spcPct val="0"/>
+                </a:spcBef>
+                <a:spcAft>
+                  <a:spcPct val="35000"/>
+                </a:spcAft>
+                <a:buNone/>
+              </a:pPr>
+              <a:r>
+                <a:rPr lang="en-US" sz="1800" kern="1200" dirty="0"/>
+                <a:t>Change the default branch to </a:t>
+              </a:r>
+              <a:r>
+                <a:rPr lang="en-US" sz="1800" b="1" kern="1200" dirty="0"/>
+                <a:t>master</a:t>
+              </a:r>
+              <a:endParaRPr lang="fa-IR" sz="1800" kern="1200" dirty="0"/>
+            </a:p>
+          </p:txBody>
+        </p:sp>
+        <p:sp>
+          <p:nvSpPr>
+            <p:cNvPr id="14" name="Oval 13">
+              <a:extLst>
+                <a:ext uri="{FF2B5EF4-FFF2-40B4-BE49-F238E27FC236}">
+                  <a16:creationId xmlns:a16="http://schemas.microsoft.com/office/drawing/2014/main" id="{7F047843-37E7-45AF-AAC7-ABCEEA2B720C}"/>
+                </a:ext>
+              </a:extLst>
+            </p:cNvPr>
+            <p:cNvSpPr/>
+            <p:nvPr/>
+          </p:nvSpPr>
+          <p:spPr>
+            <a:xfrm>
+              <a:off x="5655752" y="3385255"/>
+              <a:ext cx="736600" cy="736600"/>
+            </a:xfrm>
+            <a:prstGeom prst="ellipse">
+              <a:avLst/>
+            </a:prstGeom>
+            <a:ln>
+              <a:solidFill>
+                <a:schemeClr val="accent1">
+                  <a:lumMod val="75000"/>
+                </a:schemeClr>
+              </a:solidFill>
+            </a:ln>
+          </p:spPr>
+          <p:style>
+            <a:lnRef idx="2">
+              <a:schemeClr val="accent1">
+                <a:hueOff val="0"/>
+                <a:satOff val="0"/>
+                <a:lumOff val="0"/>
+                <a:alphaOff val="0"/>
+              </a:schemeClr>
+            </a:lnRef>
+            <a:fillRef idx="1">
+              <a:schemeClr val="lt1">
+                <a:hueOff val="0"/>
+                <a:satOff val="0"/>
+                <a:lumOff val="0"/>
+                <a:alphaOff val="0"/>
+              </a:schemeClr>
+            </a:fillRef>
+            <a:effectRef idx="0">
+              <a:schemeClr val="lt1">
+                <a:hueOff val="0"/>
+                <a:satOff val="0"/>
+                <a:lumOff val="0"/>
+                <a:alphaOff val="0"/>
+              </a:schemeClr>
+            </a:effectRef>
+            <a:fontRef idx="minor">
+              <a:schemeClr val="dk1">
+                <a:hueOff val="0"/>
+                <a:satOff val="0"/>
+                <a:lumOff val="0"/>
+                <a:alphaOff val="0"/>
+              </a:schemeClr>
+            </a:fontRef>
+          </p:style>
+        </p:sp>
+        <p:sp>
+          <p:nvSpPr>
+            <p:cNvPr id="20" name="TextBox 19">
+              <a:extLst>
+                <a:ext uri="{FF2B5EF4-FFF2-40B4-BE49-F238E27FC236}">
+                  <a16:creationId xmlns:a16="http://schemas.microsoft.com/office/drawing/2014/main" id="{2C083E7B-FF5A-41F5-B560-8B84C8860FA2}"/>
+                </a:ext>
+              </a:extLst>
+            </p:cNvPr>
+            <p:cNvSpPr txBox="1"/>
+            <p:nvPr/>
+          </p:nvSpPr>
+          <p:spPr>
+            <a:xfrm>
+              <a:off x="5821255" y="3429000"/>
+              <a:ext cx="434734" cy="584775"/>
+            </a:xfrm>
+            <a:prstGeom prst="rect">
+              <a:avLst/>
+            </a:prstGeom>
+            <a:noFill/>
+          </p:spPr>
+          <p:txBody>
+            <a:bodyPr wrap="none" rtlCol="1">
+              <a:spAutoFit/>
+            </a:bodyPr>
+            <a:lstStyle/>
+            <a:p>
+              <a:r>
+                <a:rPr lang="en-US" sz="3200" dirty="0">
+                  <a:solidFill>
+                    <a:schemeClr val="bg2">
+                      <a:lumMod val="50000"/>
+                    </a:schemeClr>
+                  </a:solidFill>
+                  <a:latin typeface="Britannic Bold" panose="020B0903060703020204" pitchFamily="34" charset="0"/>
+                </a:rPr>
+                <a:t>2</a:t>
+              </a:r>
+              <a:endParaRPr lang="fa-IR" sz="3200" dirty="0">
+                <a:solidFill>
+                  <a:schemeClr val="bg2">
+                    <a:lumMod val="50000"/>
+                  </a:schemeClr>
+                </a:solidFill>
+                <a:latin typeface="Britannic Bold" panose="020B0903060703020204" pitchFamily="34" charset="0"/>
+              </a:endParaRPr>
+            </a:p>
+          </p:txBody>
+        </p:sp>
+      </p:grpSp>
+      <p:grpSp>
+        <p:nvGrpSpPr>
+          <p:cNvPr id="24" name="Group 23">
+            <a:extLst>
+              <a:ext uri="{FF2B5EF4-FFF2-40B4-BE49-F238E27FC236}">
+                <a16:creationId xmlns:a16="http://schemas.microsoft.com/office/drawing/2014/main" id="{BF4E3E70-CAE2-4B7E-9863-CE310C8463E1}"/>
+              </a:ext>
+            </a:extLst>
+          </p:cNvPr>
+          <p:cNvGrpSpPr/>
+          <p:nvPr/>
+        </p:nvGrpSpPr>
+        <p:grpSpPr>
+          <a:xfrm>
+            <a:off x="181308" y="5835625"/>
+            <a:ext cx="4682590" cy="736600"/>
+            <a:chOff x="5441549" y="4269175"/>
+            <a:chExt cx="4682590" cy="736600"/>
+          </a:xfrm>
+        </p:grpSpPr>
+        <p:sp>
+          <p:nvSpPr>
+            <p:cNvPr id="15" name="Freeform: Shape 14">
+              <a:extLst>
+                <a:ext uri="{FF2B5EF4-FFF2-40B4-BE49-F238E27FC236}">
+                  <a16:creationId xmlns:a16="http://schemas.microsoft.com/office/drawing/2014/main" id="{FE8C3F3F-83E7-4201-B1FD-31CA9006ADD6}"/>
+                </a:ext>
+              </a:extLst>
+            </p:cNvPr>
+            <p:cNvSpPr/>
+            <p:nvPr/>
+          </p:nvSpPr>
+          <p:spPr>
+            <a:xfrm>
+              <a:off x="5809849" y="4342835"/>
+              <a:ext cx="4314290" cy="589280"/>
+            </a:xfrm>
+            <a:custGeom>
+              <a:avLst/>
+              <a:gdLst>
+                <a:gd name="connsiteX0" fmla="*/ 0 w 4314290"/>
+                <a:gd name="connsiteY0" fmla="*/ 0 h 589280"/>
+                <a:gd name="connsiteX1" fmla="*/ 4314290 w 4314290"/>
+                <a:gd name="connsiteY1" fmla="*/ 0 h 589280"/>
+                <a:gd name="connsiteX2" fmla="*/ 4314290 w 4314290"/>
+                <a:gd name="connsiteY2" fmla="*/ 589280 h 589280"/>
+                <a:gd name="connsiteX3" fmla="*/ 0 w 4314290"/>
+                <a:gd name="connsiteY3" fmla="*/ 589280 h 589280"/>
+                <a:gd name="connsiteX4" fmla="*/ 0 w 4314290"/>
+                <a:gd name="connsiteY4" fmla="*/ 0 h 589280"/>
+              </a:gdLst>
+              <a:ahLst/>
+              <a:cxnLst>
+                <a:cxn ang="0">
+                  <a:pos x="connsiteX0" y="connsiteY0"/>
+                </a:cxn>
+                <a:cxn ang="0">
+                  <a:pos x="connsiteX1" y="connsiteY1"/>
+                </a:cxn>
+                <a:cxn ang="0">
+                  <a:pos x="connsiteX2" y="connsiteY2"/>
+                </a:cxn>
+                <a:cxn ang="0">
+                  <a:pos x="connsiteX3" y="connsiteY3"/>
+                </a:cxn>
+                <a:cxn ang="0">
+                  <a:pos x="connsiteX4" y="connsiteY4"/>
+                </a:cxn>
+              </a:cxnLst>
+              <a:rect l="l" t="t" r="r" b="b"/>
+              <a:pathLst>
+                <a:path w="4314290" h="589280">
+                  <a:moveTo>
+                    <a:pt x="0" y="0"/>
+                  </a:moveTo>
+                  <a:lnTo>
+                    <a:pt x="4314290" y="0"/>
+                  </a:lnTo>
+                  <a:lnTo>
+                    <a:pt x="4314290" y="589280"/>
+                  </a:lnTo>
+                  <a:lnTo>
+                    <a:pt x="0" y="589280"/>
+                  </a:lnTo>
+                  <a:lnTo>
+                    <a:pt x="0" y="0"/>
+                  </a:lnTo>
+                  <a:close/>
+                </a:path>
+              </a:pathLst>
+            </a:custGeom>
+            <a:solidFill>
+              <a:schemeClr val="accent1">
+                <a:lumMod val="75000"/>
+              </a:schemeClr>
+            </a:solidFill>
+          </p:spPr>
+          <p:style>
+            <a:lnRef idx="2">
+              <a:schemeClr val="lt1">
+                <a:hueOff val="0"/>
+                <a:satOff val="0"/>
+                <a:lumOff val="0"/>
+                <a:alphaOff val="0"/>
+              </a:schemeClr>
+            </a:lnRef>
+            <a:fillRef idx="1">
+              <a:schemeClr val="accent1">
+                <a:hueOff val="0"/>
+                <a:satOff val="0"/>
+                <a:lumOff val="0"/>
+                <a:alphaOff val="0"/>
+              </a:schemeClr>
+            </a:fillRef>
+            <a:effectRef idx="0">
+              <a:schemeClr val="accent1">
+                <a:hueOff val="0"/>
+                <a:satOff val="0"/>
+                <a:lumOff val="0"/>
+                <a:alphaOff val="0"/>
+              </a:schemeClr>
+            </a:effectRef>
+            <a:fontRef idx="minor">
+              <a:schemeClr val="lt1"/>
+            </a:fontRef>
+          </p:style>
+          <p:txBody>
+            <a:bodyPr spcFirstLastPara="0" vert="horz" wrap="square" lIns="467741" tIns="45720" rIns="45720" bIns="45720" numCol="1" spcCol="1270" anchor="ctr" anchorCtr="0">
+              <a:noAutofit/>
+            </a:bodyPr>
+            <a:lstStyle/>
+            <a:p>
+              <a:pPr marL="0" lvl="0" indent="0" defTabSz="800100">
+                <a:lnSpc>
+                  <a:spcPct val="90000"/>
+                </a:lnSpc>
+                <a:spcBef>
+                  <a:spcPct val="0"/>
+                </a:spcBef>
+                <a:spcAft>
+                  <a:spcPct val="35000"/>
+                </a:spcAft>
+                <a:buNone/>
+              </a:pPr>
+              <a:r>
+                <a:rPr lang="en-US" sz="1800" kern="1200"/>
+                <a:t>Push the upgrade button</a:t>
+              </a:r>
+              <a:endParaRPr lang="fa-IR" sz="1800" kern="1200"/>
+            </a:p>
+          </p:txBody>
+        </p:sp>
+        <p:sp>
+          <p:nvSpPr>
+            <p:cNvPr id="16" name="Oval 15">
+              <a:extLst>
+                <a:ext uri="{FF2B5EF4-FFF2-40B4-BE49-F238E27FC236}">
+                  <a16:creationId xmlns:a16="http://schemas.microsoft.com/office/drawing/2014/main" id="{3F49F63D-79D0-46FA-B288-D77C4570F302}"/>
+                </a:ext>
+              </a:extLst>
+            </p:cNvPr>
+            <p:cNvSpPr/>
+            <p:nvPr/>
+          </p:nvSpPr>
+          <p:spPr>
+            <a:xfrm>
+              <a:off x="5441549" y="4269175"/>
+              <a:ext cx="736600" cy="736600"/>
+            </a:xfrm>
+            <a:prstGeom prst="ellipse">
+              <a:avLst/>
+            </a:prstGeom>
+            <a:ln>
+              <a:solidFill>
+                <a:schemeClr val="accent1">
+                  <a:lumMod val="75000"/>
+                </a:schemeClr>
+              </a:solidFill>
+            </a:ln>
+          </p:spPr>
+          <p:style>
+            <a:lnRef idx="2">
+              <a:schemeClr val="accent1">
+                <a:hueOff val="0"/>
+                <a:satOff val="0"/>
+                <a:lumOff val="0"/>
+                <a:alphaOff val="0"/>
+              </a:schemeClr>
+            </a:lnRef>
+            <a:fillRef idx="1">
+              <a:schemeClr val="lt1">
+                <a:hueOff val="0"/>
+                <a:satOff val="0"/>
+                <a:lumOff val="0"/>
+                <a:alphaOff val="0"/>
+              </a:schemeClr>
+            </a:fillRef>
+            <a:effectRef idx="0">
+              <a:schemeClr val="lt1">
+                <a:hueOff val="0"/>
+                <a:satOff val="0"/>
+                <a:lumOff val="0"/>
+                <a:alphaOff val="0"/>
+              </a:schemeClr>
+            </a:effectRef>
+            <a:fontRef idx="minor">
+              <a:schemeClr val="dk1">
+                <a:hueOff val="0"/>
+                <a:satOff val="0"/>
+                <a:lumOff val="0"/>
+                <a:alphaOff val="0"/>
+              </a:schemeClr>
+            </a:fontRef>
+          </p:style>
+        </p:sp>
+        <p:sp>
+          <p:nvSpPr>
+            <p:cNvPr id="21" name="TextBox 20">
+              <a:extLst>
+                <a:ext uri="{FF2B5EF4-FFF2-40B4-BE49-F238E27FC236}">
+                  <a16:creationId xmlns:a16="http://schemas.microsoft.com/office/drawing/2014/main" id="{90D50E3A-9D22-4F5D-97EE-4F6C7161197E}"/>
+                </a:ext>
+              </a:extLst>
+            </p:cNvPr>
+            <p:cNvSpPr txBox="1"/>
+            <p:nvPr/>
+          </p:nvSpPr>
+          <p:spPr>
+            <a:xfrm>
+              <a:off x="5586588" y="4318617"/>
+              <a:ext cx="434734" cy="584775"/>
+            </a:xfrm>
+            <a:prstGeom prst="rect">
+              <a:avLst/>
+            </a:prstGeom>
+            <a:noFill/>
+          </p:spPr>
+          <p:txBody>
+            <a:bodyPr wrap="square" rtlCol="1">
+              <a:spAutoFit/>
+            </a:bodyPr>
+            <a:lstStyle/>
+            <a:p>
+              <a:r>
+                <a:rPr lang="en-US" sz="3200" dirty="0">
+                  <a:solidFill>
+                    <a:schemeClr val="bg2">
+                      <a:lumMod val="50000"/>
+                    </a:schemeClr>
+                  </a:solidFill>
+                  <a:latin typeface="Britannic Bold" panose="020B0903060703020204" pitchFamily="34" charset="0"/>
+                </a:rPr>
+                <a:t>3</a:t>
+              </a:r>
+              <a:endParaRPr lang="fa-IR" sz="3200" dirty="0">
+                <a:solidFill>
+                  <a:schemeClr val="bg2">
+                    <a:lumMod val="50000"/>
+                  </a:schemeClr>
+                </a:solidFill>
+                <a:latin typeface="Britannic Bold" panose="020B0903060703020204" pitchFamily="34" charset="0"/>
+              </a:endParaRPr>
+            </a:p>
+          </p:txBody>
+        </p:sp>
+      </p:grpSp>
       <p:pic>
         <p:nvPicPr>
-          <p:cNvPr id="5" name="Picture 4">
-            <a:extLst>
-              <a:ext uri="{FF2B5EF4-FFF2-40B4-BE49-F238E27FC236}">
-                <a16:creationId xmlns:a16="http://schemas.microsoft.com/office/drawing/2014/main" id="{3D65B76B-DEEB-4CED-97DB-3A9FE22C4E6C}"/>
+          <p:cNvPr id="25" name="Picture 24">
+            <a:extLst>
+              <a:ext uri="{FF2B5EF4-FFF2-40B4-BE49-F238E27FC236}">
+                <a16:creationId xmlns:a16="http://schemas.microsoft.com/office/drawing/2014/main" id="{A7F73245-3240-42BF-B3EA-F0730BBB0767}"/>
               </a:ext>
             </a:extLst>
           </p:cNvPr>
@@ -6166,24 +8206,310 @@
         </p:blipFill>
         <p:spPr>
           <a:xfrm>
-            <a:off x="6592847" y="1690688"/>
-            <a:ext cx="4760953" cy="4351337"/>
+            <a:off x="1141169" y="-1712684"/>
+            <a:ext cx="10424177" cy="6187822"/>
           </a:xfrm>
           <a:prstGeom prst="rect">
             <a:avLst/>
           </a:prstGeom>
         </p:spPr>
       </p:pic>
+      <p:grpSp>
+        <p:nvGrpSpPr>
+          <p:cNvPr id="22" name="Group 21">
+            <a:extLst>
+              <a:ext uri="{FF2B5EF4-FFF2-40B4-BE49-F238E27FC236}">
+                <a16:creationId xmlns:a16="http://schemas.microsoft.com/office/drawing/2014/main" id="{7133A007-EAF2-4EB2-9DD6-CE10315F47E2}"/>
+              </a:ext>
+            </a:extLst>
+          </p:cNvPr>
+          <p:cNvGrpSpPr/>
+          <p:nvPr/>
+        </p:nvGrpSpPr>
+        <p:grpSpPr>
+          <a:xfrm>
+            <a:off x="181308" y="285775"/>
+            <a:ext cx="4682590" cy="736600"/>
+            <a:chOff x="5441549" y="2501335"/>
+            <a:chExt cx="4682590" cy="736600"/>
+          </a:xfrm>
+        </p:grpSpPr>
+        <p:sp>
+          <p:nvSpPr>
+            <p:cNvPr id="11" name="Freeform: Shape 10">
+              <a:extLst>
+                <a:ext uri="{FF2B5EF4-FFF2-40B4-BE49-F238E27FC236}">
+                  <a16:creationId xmlns:a16="http://schemas.microsoft.com/office/drawing/2014/main" id="{F72D9E4C-4065-446C-A536-0EE68C66869D}"/>
+                </a:ext>
+              </a:extLst>
+            </p:cNvPr>
+            <p:cNvSpPr/>
+            <p:nvPr/>
+          </p:nvSpPr>
+          <p:spPr>
+            <a:xfrm>
+              <a:off x="5809849" y="2574995"/>
+              <a:ext cx="4314290" cy="589280"/>
+            </a:xfrm>
+            <a:custGeom>
+              <a:avLst/>
+              <a:gdLst>
+                <a:gd name="connsiteX0" fmla="*/ 0 w 4314290"/>
+                <a:gd name="connsiteY0" fmla="*/ 0 h 589280"/>
+                <a:gd name="connsiteX1" fmla="*/ 4314290 w 4314290"/>
+                <a:gd name="connsiteY1" fmla="*/ 0 h 589280"/>
+                <a:gd name="connsiteX2" fmla="*/ 4314290 w 4314290"/>
+                <a:gd name="connsiteY2" fmla="*/ 589280 h 589280"/>
+                <a:gd name="connsiteX3" fmla="*/ 0 w 4314290"/>
+                <a:gd name="connsiteY3" fmla="*/ 589280 h 589280"/>
+                <a:gd name="connsiteX4" fmla="*/ 0 w 4314290"/>
+                <a:gd name="connsiteY4" fmla="*/ 0 h 589280"/>
+              </a:gdLst>
+              <a:ahLst/>
+              <a:cxnLst>
+                <a:cxn ang="0">
+                  <a:pos x="connsiteX0" y="connsiteY0"/>
+                </a:cxn>
+                <a:cxn ang="0">
+                  <a:pos x="connsiteX1" y="connsiteY1"/>
+                </a:cxn>
+                <a:cxn ang="0">
+                  <a:pos x="connsiteX2" y="connsiteY2"/>
+                </a:cxn>
+                <a:cxn ang="0">
+                  <a:pos x="connsiteX3" y="connsiteY3"/>
+                </a:cxn>
+                <a:cxn ang="0">
+                  <a:pos x="connsiteX4" y="connsiteY4"/>
+                </a:cxn>
+              </a:cxnLst>
+              <a:rect l="l" t="t" r="r" b="b"/>
+              <a:pathLst>
+                <a:path w="4314290" h="589280">
+                  <a:moveTo>
+                    <a:pt x="0" y="0"/>
+                  </a:moveTo>
+                  <a:lnTo>
+                    <a:pt x="4314290" y="0"/>
+                  </a:lnTo>
+                  <a:lnTo>
+                    <a:pt x="4314290" y="589280"/>
+                  </a:lnTo>
+                  <a:lnTo>
+                    <a:pt x="0" y="589280"/>
+                  </a:lnTo>
+                  <a:lnTo>
+                    <a:pt x="0" y="0"/>
+                  </a:lnTo>
+                  <a:close/>
+                </a:path>
+              </a:pathLst>
+            </a:custGeom>
+            <a:solidFill>
+              <a:schemeClr val="accent1">
+                <a:lumMod val="75000"/>
+              </a:schemeClr>
+            </a:solidFill>
+          </p:spPr>
+          <p:style>
+            <a:lnRef idx="2">
+              <a:schemeClr val="lt1">
+                <a:hueOff val="0"/>
+                <a:satOff val="0"/>
+                <a:lumOff val="0"/>
+                <a:alphaOff val="0"/>
+              </a:schemeClr>
+            </a:lnRef>
+            <a:fillRef idx="1">
+              <a:schemeClr val="accent1">
+                <a:hueOff val="0"/>
+                <a:satOff val="0"/>
+                <a:lumOff val="0"/>
+                <a:alphaOff val="0"/>
+              </a:schemeClr>
+            </a:fillRef>
+            <a:effectRef idx="0">
+              <a:schemeClr val="accent1">
+                <a:hueOff val="0"/>
+                <a:satOff val="0"/>
+                <a:lumOff val="0"/>
+                <a:alphaOff val="0"/>
+              </a:schemeClr>
+            </a:effectRef>
+            <a:fontRef idx="minor">
+              <a:schemeClr val="lt1"/>
+            </a:fontRef>
+          </p:style>
+          <p:txBody>
+            <a:bodyPr spcFirstLastPara="0" vert="horz" wrap="square" lIns="467741" tIns="45720" rIns="45720" bIns="45720" numCol="1" spcCol="1270" anchor="ctr" anchorCtr="0">
+              <a:noAutofit/>
+            </a:bodyPr>
+            <a:lstStyle/>
+            <a:p>
+              <a:pPr marL="0" lvl="0" indent="0" defTabSz="800100">
+                <a:lnSpc>
+                  <a:spcPct val="90000"/>
+                </a:lnSpc>
+                <a:spcBef>
+                  <a:spcPct val="0"/>
+                </a:spcBef>
+                <a:spcAft>
+                  <a:spcPct val="35000"/>
+                </a:spcAft>
+                <a:buNone/>
+              </a:pPr>
+              <a:r>
+                <a:rPr lang="en-US" sz="1800" kern="1200" dirty="0"/>
+                <a:t>From left panel select </a:t>
+              </a:r>
+              <a:r>
+                <a:rPr lang="en-US" sz="1800" b="1" kern="1200" dirty="0"/>
+                <a:t>Repositories</a:t>
+              </a:r>
+              <a:r>
+                <a:rPr lang="fa-IR" sz="1800" b="1" kern="1200" dirty="0"/>
+                <a:t> </a:t>
+              </a:r>
+              <a:endParaRPr lang="fa-IR" sz="1800" kern="1200" dirty="0"/>
+            </a:p>
+          </p:txBody>
+        </p:sp>
+        <p:sp>
+          <p:nvSpPr>
+            <p:cNvPr id="12" name="Oval 11">
+              <a:extLst>
+                <a:ext uri="{FF2B5EF4-FFF2-40B4-BE49-F238E27FC236}">
+                  <a16:creationId xmlns:a16="http://schemas.microsoft.com/office/drawing/2014/main" id="{3E2D700C-8F62-4197-990C-125B229EDB79}"/>
+                </a:ext>
+              </a:extLst>
+            </p:cNvPr>
+            <p:cNvSpPr/>
+            <p:nvPr/>
+          </p:nvSpPr>
+          <p:spPr>
+            <a:xfrm>
+              <a:off x="5441549" y="2501335"/>
+              <a:ext cx="736600" cy="736600"/>
+            </a:xfrm>
+            <a:prstGeom prst="ellipse">
+              <a:avLst/>
+            </a:prstGeom>
+            <a:ln>
+              <a:solidFill>
+                <a:schemeClr val="accent1">
+                  <a:lumMod val="75000"/>
+                </a:schemeClr>
+              </a:solidFill>
+            </a:ln>
+          </p:spPr>
+          <p:style>
+            <a:lnRef idx="2">
+              <a:schemeClr val="accent1">
+                <a:hueOff val="0"/>
+                <a:satOff val="0"/>
+                <a:lumOff val="0"/>
+                <a:alphaOff val="0"/>
+              </a:schemeClr>
+            </a:lnRef>
+            <a:fillRef idx="1">
+              <a:schemeClr val="lt1">
+                <a:hueOff val="0"/>
+                <a:satOff val="0"/>
+                <a:lumOff val="0"/>
+                <a:alphaOff val="0"/>
+              </a:schemeClr>
+            </a:fillRef>
+            <a:effectRef idx="0">
+              <a:schemeClr val="lt1">
+                <a:hueOff val="0"/>
+                <a:satOff val="0"/>
+                <a:lumOff val="0"/>
+                <a:alphaOff val="0"/>
+              </a:schemeClr>
+            </a:effectRef>
+            <a:fontRef idx="minor">
+              <a:schemeClr val="dk1">
+                <a:hueOff val="0"/>
+                <a:satOff val="0"/>
+                <a:lumOff val="0"/>
+                <a:alphaOff val="0"/>
+              </a:schemeClr>
+            </a:fontRef>
+          </p:style>
+        </p:sp>
+        <p:sp>
+          <p:nvSpPr>
+            <p:cNvPr id="18" name="TextBox 17">
+              <a:extLst>
+                <a:ext uri="{FF2B5EF4-FFF2-40B4-BE49-F238E27FC236}">
+                  <a16:creationId xmlns:a16="http://schemas.microsoft.com/office/drawing/2014/main" id="{B1537222-0EA6-4554-812D-05CDB49ED178}"/>
+                </a:ext>
+              </a:extLst>
+            </p:cNvPr>
+            <p:cNvSpPr txBox="1"/>
+            <p:nvPr/>
+          </p:nvSpPr>
+          <p:spPr>
+            <a:xfrm>
+              <a:off x="5586588" y="2588126"/>
+              <a:ext cx="434734" cy="584775"/>
+            </a:xfrm>
+            <a:prstGeom prst="rect">
+              <a:avLst/>
+            </a:prstGeom>
+            <a:noFill/>
+          </p:spPr>
+          <p:txBody>
+            <a:bodyPr wrap="none" rtlCol="1">
+              <a:spAutoFit/>
+            </a:bodyPr>
+            <a:lstStyle/>
+            <a:p>
+              <a:r>
+                <a:rPr lang="en-US" sz="3200" dirty="0">
+                  <a:solidFill>
+                    <a:schemeClr val="bg2">
+                      <a:lumMod val="50000"/>
+                    </a:schemeClr>
+                  </a:solidFill>
+                  <a:latin typeface="Britannic Bold" panose="020B0903060703020204" pitchFamily="34" charset="0"/>
+                </a:rPr>
+                <a:t>1</a:t>
+              </a:r>
+              <a:endParaRPr lang="fa-IR" sz="3200" dirty="0">
+                <a:solidFill>
+                  <a:schemeClr val="bg2">
+                    <a:lumMod val="50000"/>
+                  </a:schemeClr>
+                </a:solidFill>
+                <a:latin typeface="Britannic Bold" panose="020B0903060703020204" pitchFamily="34" charset="0"/>
+              </a:endParaRPr>
+            </a:p>
+          </p:txBody>
+        </p:sp>
+      </p:grpSp>
     </p:spTree>
     <p:extLst>
       <p:ext uri="{BB962C8B-B14F-4D97-AF65-F5344CB8AC3E}">
-        <p14:creationId xmlns:p14="http://schemas.microsoft.com/office/powerpoint/2010/main" val="3715271986"/>
+        <p14:creationId xmlns:p14="http://schemas.microsoft.com/office/powerpoint/2010/main" val="1465097803"/>
       </p:ext>
     </p:extLst>
   </p:cSld>
   <p:clrMapOvr>
     <a:masterClrMapping/>
   </p:clrMapOvr>
+  <mc:AlternateContent xmlns:mc="http://schemas.openxmlformats.org/markup-compatibility/2006">
+    <mc:Choice xmlns:p159="http://schemas.microsoft.com/office/powerpoint/2015/09/main" Requires="p159">
+      <p:transition xmlns:p14="http://schemas.microsoft.com/office/powerpoint/2010/main" spd="slow" p14:dur="2000">
+        <p159:morph option="byObject"/>
+      </p:transition>
+    </mc:Choice>
+    <mc:Fallback>
+      <p:transition spd="slow">
+        <p:fade/>
+      </p:transition>
+    </mc:Fallback>
+  </mc:AlternateContent>
 </p:sld>
 </file>
 
@@ -6204,12 +8530,48 @@
           <a:chExt cx="0" cy="0"/>
         </a:xfrm>
       </p:grpSpPr>
+      <p:pic>
+        <p:nvPicPr>
+          <p:cNvPr id="25" name="Picture 24">
+            <a:extLst>
+              <a:ext uri="{FF2B5EF4-FFF2-40B4-BE49-F238E27FC236}">
+                <a16:creationId xmlns:a16="http://schemas.microsoft.com/office/drawing/2014/main" id="{A7F73245-3240-42BF-B3EA-F0730BBB0767}"/>
+              </a:ext>
+            </a:extLst>
+          </p:cNvPr>
+          <p:cNvPicPr>
+            <a:picLocks noChangeAspect="1"/>
+          </p:cNvPicPr>
+          <p:nvPr/>
+        </p:nvPicPr>
+        <p:blipFill>
+          <a:blip r:embed="rId2">
+            <a:extLst>
+              <a:ext uri="{28A0092B-C50C-407E-A947-70E740481C1C}">
+                <a14:useLocalDpi xmlns:a14="http://schemas.microsoft.com/office/drawing/2010/main" val="0"/>
+              </a:ext>
+            </a:extLst>
+          </a:blip>
+          <a:stretch>
+            <a:fillRect/>
+          </a:stretch>
+        </p:blipFill>
+        <p:spPr>
+          <a:xfrm>
+            <a:off x="181308" y="654075"/>
+            <a:ext cx="10424177" cy="6187822"/>
+          </a:xfrm>
+          <a:prstGeom prst="rect">
+            <a:avLst/>
+          </a:prstGeom>
+        </p:spPr>
+      </p:pic>
       <p:sp>
         <p:nvSpPr>
           <p:cNvPr id="2" name="Title 1">
             <a:extLst>
               <a:ext uri="{FF2B5EF4-FFF2-40B4-BE49-F238E27FC236}">
-                <a16:creationId xmlns:a16="http://schemas.microsoft.com/office/drawing/2014/main" id="{DBE99238-54DF-4F2B-B78C-E07991E0CC2F}"/>
+                <a16:creationId xmlns:a16="http://schemas.microsoft.com/office/drawing/2014/main" id="{AD2EDD45-B24C-4084-8224-2041CF7B581C}"/>
               </a:ext>
             </a:extLst>
           </p:cNvPr>
@@ -6220,14 +8582,22 @@
             <p:ph type="title"/>
           </p:nvPr>
         </p:nvSpPr>
-        <p:spPr/>
+        <p:spPr>
+          <a:xfrm>
+            <a:off x="859969" y="-1522547"/>
+            <a:ext cx="10292644" cy="1350793"/>
+          </a:xfrm>
+        </p:spPr>
         <p:txBody>
-          <a:bodyPr/>
+          <a:bodyPr>
+            <a:normAutofit/>
+          </a:bodyPr>
           <a:lstStyle/>
           <a:p>
+            <a:pPr algn="ctr"/>
             <a:r>
               <a:rPr lang="en-US" dirty="0"/>
-              <a:t>Your Repository</a:t>
+              <a:t>Change the main branch to master</a:t>
             </a:r>
             <a:endParaRPr lang="fa-IR" dirty="0"/>
           </a:p>
@@ -6235,99 +8605,904 @@
       </p:sp>
       <p:sp>
         <p:nvSpPr>
-          <p:cNvPr id="3" name="Content Placeholder 2">
-            <a:extLst>
-              <a:ext uri="{FF2B5EF4-FFF2-40B4-BE49-F238E27FC236}">
-                <a16:creationId xmlns:a16="http://schemas.microsoft.com/office/drawing/2014/main" id="{7380E2EC-C999-4528-9554-32EC2969211E}"/>
-              </a:ext>
-            </a:extLst>
-          </p:cNvPr>
-          <p:cNvSpPr>
-            <a:spLocks noGrp="1"/>
-          </p:cNvSpPr>
-          <p:nvPr>
-            <p:ph idx="1"/>
-          </p:nvPr>
+          <p:cNvPr id="10" name="Block Arc 9">
+            <a:extLst>
+              <a:ext uri="{FF2B5EF4-FFF2-40B4-BE49-F238E27FC236}">
+                <a16:creationId xmlns:a16="http://schemas.microsoft.com/office/drawing/2014/main" id="{E32B4B3F-0EBB-4BCA-9FCC-28C199EB3DAB}"/>
+              </a:ext>
+            </a:extLst>
+          </p:cNvPr>
+          <p:cNvSpPr/>
+          <p:nvPr/>
         </p:nvSpPr>
-        <p:spPr/>
-        <p:txBody>
-          <a:bodyPr/>
-          <a:lstStyle/>
-          <a:p>
-            <a:r>
-              <a:rPr lang="en-US" dirty="0"/>
-              <a:t>At left you can see content</a:t>
-            </a:r>
-          </a:p>
-          <a:p>
-            <a:r>
-              <a:rPr lang="en-US" dirty="0"/>
-              <a:t>Branch Name</a:t>
-            </a:r>
-          </a:p>
-          <a:p>
-            <a:r>
-              <a:rPr lang="en-US" dirty="0"/>
-              <a:t>Click the code button</a:t>
-            </a:r>
-          </a:p>
-          <a:p>
-            <a:r>
-              <a:rPr lang="en-US" dirty="0"/>
-              <a:t>This is the address of your repo</a:t>
-            </a:r>
-          </a:p>
-          <a:p>
-            <a:endParaRPr lang="fa-IR" dirty="0"/>
-          </a:p>
-        </p:txBody>
-      </p:sp>
-      <p:pic>
-        <p:nvPicPr>
-          <p:cNvPr id="5" name="Picture 4">
-            <a:extLst>
-              <a:ext uri="{FF2B5EF4-FFF2-40B4-BE49-F238E27FC236}">
-                <a16:creationId xmlns:a16="http://schemas.microsoft.com/office/drawing/2014/main" id="{CB1D5286-16F7-4A2C-888F-4156CC4CDB27}"/>
-              </a:ext>
-            </a:extLst>
-          </p:cNvPr>
-          <p:cNvPicPr>
-            <a:picLocks noChangeAspect="1"/>
-          </p:cNvPicPr>
-          <p:nvPr/>
-        </p:nvPicPr>
-        <p:blipFill>
-          <a:blip r:embed="rId2">
-            <a:extLst>
-              <a:ext uri="{28A0092B-C50C-407E-A947-70E740481C1C}">
-                <a14:useLocalDpi xmlns:a14="http://schemas.microsoft.com/office/drawing/2010/main" val="0"/>
-              </a:ext>
-            </a:extLst>
-          </a:blip>
-          <a:stretch>
-            <a:fillRect/>
-          </a:stretch>
-        </p:blipFill>
         <p:spPr>
           <a:xfrm>
-            <a:off x="6378222" y="2011554"/>
-            <a:ext cx="4975578" cy="3059097"/>
+            <a:off x="-3885105" y="-1482743"/>
+            <a:ext cx="4713719" cy="10612229"/>
           </a:xfrm>
-          <a:prstGeom prst="rect">
-            <a:avLst/>
+          <a:prstGeom prst="blockArc">
+            <a:avLst>
+              <a:gd name="adj1" fmla="val 18274606"/>
+              <a:gd name="adj2" fmla="val 3089855"/>
+              <a:gd name="adj3" fmla="val 0"/>
+            </a:avLst>
           </a:prstGeom>
+          <a:ln>
+            <a:solidFill>
+              <a:schemeClr val="accent1">
+                <a:lumMod val="75000"/>
+              </a:schemeClr>
+            </a:solidFill>
+          </a:ln>
         </p:spPr>
-      </p:pic>
+        <p:style>
+          <a:lnRef idx="2">
+            <a:schemeClr val="accent1">
+              <a:shade val="60000"/>
+              <a:hueOff val="0"/>
+              <a:satOff val="0"/>
+              <a:lumOff val="0"/>
+              <a:alphaOff val="0"/>
+            </a:schemeClr>
+          </a:lnRef>
+          <a:fillRef idx="0">
+            <a:schemeClr val="accent1">
+              <a:hueOff val="0"/>
+              <a:satOff val="0"/>
+              <a:lumOff val="0"/>
+              <a:alphaOff val="0"/>
+            </a:schemeClr>
+          </a:fillRef>
+          <a:effectRef idx="0">
+            <a:schemeClr val="accent1">
+              <a:hueOff val="0"/>
+              <a:satOff val="0"/>
+              <a:lumOff val="0"/>
+              <a:alphaOff val="0"/>
+            </a:schemeClr>
+          </a:effectRef>
+          <a:fontRef idx="minor">
+            <a:schemeClr val="tx1">
+              <a:hueOff val="0"/>
+              <a:satOff val="0"/>
+              <a:lumOff val="0"/>
+              <a:alphaOff val="0"/>
+            </a:schemeClr>
+          </a:fontRef>
+        </p:style>
+      </p:sp>
+      <p:grpSp>
+        <p:nvGrpSpPr>
+          <p:cNvPr id="23" name="Group 22">
+            <a:extLst>
+              <a:ext uri="{FF2B5EF4-FFF2-40B4-BE49-F238E27FC236}">
+                <a16:creationId xmlns:a16="http://schemas.microsoft.com/office/drawing/2014/main" id="{7FE18F92-8FA2-4AB7-9770-4EFBF33A7CD7}"/>
+              </a:ext>
+            </a:extLst>
+          </p:cNvPr>
+          <p:cNvGrpSpPr/>
+          <p:nvPr/>
+        </p:nvGrpSpPr>
+        <p:grpSpPr>
+          <a:xfrm>
+            <a:off x="395511" y="1228464"/>
+            <a:ext cx="4468387" cy="736600"/>
+            <a:chOff x="5655752" y="3385255"/>
+            <a:chExt cx="4468387" cy="736600"/>
+          </a:xfrm>
+        </p:grpSpPr>
+        <p:sp>
+          <p:nvSpPr>
+            <p:cNvPr id="13" name="Freeform: Shape 12">
+              <a:extLst>
+                <a:ext uri="{FF2B5EF4-FFF2-40B4-BE49-F238E27FC236}">
+                  <a16:creationId xmlns:a16="http://schemas.microsoft.com/office/drawing/2014/main" id="{54150796-5A67-484F-8D2D-288FCB7FBF76}"/>
+                </a:ext>
+              </a:extLst>
+            </p:cNvPr>
+            <p:cNvSpPr/>
+            <p:nvPr/>
+          </p:nvSpPr>
+          <p:spPr>
+            <a:xfrm>
+              <a:off x="6024052" y="3458915"/>
+              <a:ext cx="4100087" cy="589280"/>
+            </a:xfrm>
+            <a:custGeom>
+              <a:avLst/>
+              <a:gdLst>
+                <a:gd name="connsiteX0" fmla="*/ 0 w 4100087"/>
+                <a:gd name="connsiteY0" fmla="*/ 0 h 589280"/>
+                <a:gd name="connsiteX1" fmla="*/ 4100087 w 4100087"/>
+                <a:gd name="connsiteY1" fmla="*/ 0 h 589280"/>
+                <a:gd name="connsiteX2" fmla="*/ 4100087 w 4100087"/>
+                <a:gd name="connsiteY2" fmla="*/ 589280 h 589280"/>
+                <a:gd name="connsiteX3" fmla="*/ 0 w 4100087"/>
+                <a:gd name="connsiteY3" fmla="*/ 589280 h 589280"/>
+                <a:gd name="connsiteX4" fmla="*/ 0 w 4100087"/>
+                <a:gd name="connsiteY4" fmla="*/ 0 h 589280"/>
+              </a:gdLst>
+              <a:ahLst/>
+              <a:cxnLst>
+                <a:cxn ang="0">
+                  <a:pos x="connsiteX0" y="connsiteY0"/>
+                </a:cxn>
+                <a:cxn ang="0">
+                  <a:pos x="connsiteX1" y="connsiteY1"/>
+                </a:cxn>
+                <a:cxn ang="0">
+                  <a:pos x="connsiteX2" y="connsiteY2"/>
+                </a:cxn>
+                <a:cxn ang="0">
+                  <a:pos x="connsiteX3" y="connsiteY3"/>
+                </a:cxn>
+                <a:cxn ang="0">
+                  <a:pos x="connsiteX4" y="connsiteY4"/>
+                </a:cxn>
+              </a:cxnLst>
+              <a:rect l="l" t="t" r="r" b="b"/>
+              <a:pathLst>
+                <a:path w="4100087" h="589280">
+                  <a:moveTo>
+                    <a:pt x="0" y="0"/>
+                  </a:moveTo>
+                  <a:lnTo>
+                    <a:pt x="4100087" y="0"/>
+                  </a:lnTo>
+                  <a:lnTo>
+                    <a:pt x="4100087" y="589280"/>
+                  </a:lnTo>
+                  <a:lnTo>
+                    <a:pt x="0" y="589280"/>
+                  </a:lnTo>
+                  <a:lnTo>
+                    <a:pt x="0" y="0"/>
+                  </a:lnTo>
+                  <a:close/>
+                </a:path>
+              </a:pathLst>
+            </a:custGeom>
+            <a:solidFill>
+              <a:schemeClr val="accent1">
+                <a:lumMod val="75000"/>
+              </a:schemeClr>
+            </a:solidFill>
+          </p:spPr>
+          <p:style>
+            <a:lnRef idx="2">
+              <a:schemeClr val="lt1">
+                <a:hueOff val="0"/>
+                <a:satOff val="0"/>
+                <a:lumOff val="0"/>
+                <a:alphaOff val="0"/>
+              </a:schemeClr>
+            </a:lnRef>
+            <a:fillRef idx="1">
+              <a:schemeClr val="accent1">
+                <a:hueOff val="0"/>
+                <a:satOff val="0"/>
+                <a:lumOff val="0"/>
+                <a:alphaOff val="0"/>
+              </a:schemeClr>
+            </a:fillRef>
+            <a:effectRef idx="0">
+              <a:schemeClr val="accent1">
+                <a:hueOff val="0"/>
+                <a:satOff val="0"/>
+                <a:lumOff val="0"/>
+                <a:alphaOff val="0"/>
+              </a:schemeClr>
+            </a:effectRef>
+            <a:fontRef idx="minor">
+              <a:schemeClr val="lt1"/>
+            </a:fontRef>
+          </p:style>
+          <p:txBody>
+            <a:bodyPr spcFirstLastPara="0" vert="horz" wrap="square" lIns="467741" tIns="45720" rIns="45720" bIns="45720" numCol="1" spcCol="1270" anchor="ctr" anchorCtr="0">
+              <a:noAutofit/>
+            </a:bodyPr>
+            <a:lstStyle/>
+            <a:p>
+              <a:pPr marL="0" lvl="0" indent="0" defTabSz="800100">
+                <a:lnSpc>
+                  <a:spcPct val="90000"/>
+                </a:lnSpc>
+                <a:spcBef>
+                  <a:spcPct val="0"/>
+                </a:spcBef>
+                <a:spcAft>
+                  <a:spcPct val="35000"/>
+                </a:spcAft>
+                <a:buNone/>
+              </a:pPr>
+              <a:r>
+                <a:rPr lang="en-US" sz="1800" kern="1200" dirty="0"/>
+                <a:t>Change the default branch to </a:t>
+              </a:r>
+              <a:r>
+                <a:rPr lang="en-US" sz="1800" b="1" kern="1200" dirty="0"/>
+                <a:t>master</a:t>
+              </a:r>
+              <a:endParaRPr lang="fa-IR" sz="1800" kern="1200" dirty="0"/>
+            </a:p>
+          </p:txBody>
+        </p:sp>
+        <p:sp>
+          <p:nvSpPr>
+            <p:cNvPr id="14" name="Oval 13">
+              <a:extLst>
+                <a:ext uri="{FF2B5EF4-FFF2-40B4-BE49-F238E27FC236}">
+                  <a16:creationId xmlns:a16="http://schemas.microsoft.com/office/drawing/2014/main" id="{7F047843-37E7-45AF-AAC7-ABCEEA2B720C}"/>
+                </a:ext>
+              </a:extLst>
+            </p:cNvPr>
+            <p:cNvSpPr/>
+            <p:nvPr/>
+          </p:nvSpPr>
+          <p:spPr>
+            <a:xfrm>
+              <a:off x="5655752" y="3385255"/>
+              <a:ext cx="736600" cy="736600"/>
+            </a:xfrm>
+            <a:prstGeom prst="ellipse">
+              <a:avLst/>
+            </a:prstGeom>
+            <a:ln>
+              <a:solidFill>
+                <a:schemeClr val="accent1">
+                  <a:lumMod val="75000"/>
+                </a:schemeClr>
+              </a:solidFill>
+            </a:ln>
+          </p:spPr>
+          <p:style>
+            <a:lnRef idx="2">
+              <a:schemeClr val="accent1">
+                <a:hueOff val="0"/>
+                <a:satOff val="0"/>
+                <a:lumOff val="0"/>
+                <a:alphaOff val="0"/>
+              </a:schemeClr>
+            </a:lnRef>
+            <a:fillRef idx="1">
+              <a:schemeClr val="lt1">
+                <a:hueOff val="0"/>
+                <a:satOff val="0"/>
+                <a:lumOff val="0"/>
+                <a:alphaOff val="0"/>
+              </a:schemeClr>
+            </a:fillRef>
+            <a:effectRef idx="0">
+              <a:schemeClr val="lt1">
+                <a:hueOff val="0"/>
+                <a:satOff val="0"/>
+                <a:lumOff val="0"/>
+                <a:alphaOff val="0"/>
+              </a:schemeClr>
+            </a:effectRef>
+            <a:fontRef idx="minor">
+              <a:schemeClr val="dk1">
+                <a:hueOff val="0"/>
+                <a:satOff val="0"/>
+                <a:lumOff val="0"/>
+                <a:alphaOff val="0"/>
+              </a:schemeClr>
+            </a:fontRef>
+          </p:style>
+        </p:sp>
+        <p:sp>
+          <p:nvSpPr>
+            <p:cNvPr id="20" name="TextBox 19">
+              <a:extLst>
+                <a:ext uri="{FF2B5EF4-FFF2-40B4-BE49-F238E27FC236}">
+                  <a16:creationId xmlns:a16="http://schemas.microsoft.com/office/drawing/2014/main" id="{2C083E7B-FF5A-41F5-B560-8B84C8860FA2}"/>
+                </a:ext>
+              </a:extLst>
+            </p:cNvPr>
+            <p:cNvSpPr txBox="1"/>
+            <p:nvPr/>
+          </p:nvSpPr>
+          <p:spPr>
+            <a:xfrm>
+              <a:off x="5821255" y="3429000"/>
+              <a:ext cx="434734" cy="584775"/>
+            </a:xfrm>
+            <a:prstGeom prst="rect">
+              <a:avLst/>
+            </a:prstGeom>
+            <a:noFill/>
+          </p:spPr>
+          <p:txBody>
+            <a:bodyPr wrap="none" rtlCol="1">
+              <a:spAutoFit/>
+            </a:bodyPr>
+            <a:lstStyle/>
+            <a:p>
+              <a:r>
+                <a:rPr lang="en-US" sz="3200" dirty="0">
+                  <a:solidFill>
+                    <a:schemeClr val="bg2">
+                      <a:lumMod val="50000"/>
+                    </a:schemeClr>
+                  </a:solidFill>
+                  <a:latin typeface="Britannic Bold" panose="020B0903060703020204" pitchFamily="34" charset="0"/>
+                </a:rPr>
+                <a:t>2</a:t>
+              </a:r>
+              <a:endParaRPr lang="fa-IR" sz="3200" dirty="0">
+                <a:solidFill>
+                  <a:schemeClr val="bg2">
+                    <a:lumMod val="50000"/>
+                  </a:schemeClr>
+                </a:solidFill>
+                <a:latin typeface="Britannic Bold" panose="020B0903060703020204" pitchFamily="34" charset="0"/>
+              </a:endParaRPr>
+            </a:p>
+          </p:txBody>
+        </p:sp>
+      </p:grpSp>
+      <p:grpSp>
+        <p:nvGrpSpPr>
+          <p:cNvPr id="24" name="Group 23">
+            <a:extLst>
+              <a:ext uri="{FF2B5EF4-FFF2-40B4-BE49-F238E27FC236}">
+                <a16:creationId xmlns:a16="http://schemas.microsoft.com/office/drawing/2014/main" id="{BF4E3E70-CAE2-4B7E-9863-CE310C8463E1}"/>
+              </a:ext>
+            </a:extLst>
+          </p:cNvPr>
+          <p:cNvGrpSpPr/>
+          <p:nvPr/>
+        </p:nvGrpSpPr>
+        <p:grpSpPr>
+          <a:xfrm>
+            <a:off x="181308" y="5835625"/>
+            <a:ext cx="4682590" cy="736600"/>
+            <a:chOff x="5441549" y="4269175"/>
+            <a:chExt cx="4682590" cy="736600"/>
+          </a:xfrm>
+        </p:grpSpPr>
+        <p:sp>
+          <p:nvSpPr>
+            <p:cNvPr id="15" name="Freeform: Shape 14">
+              <a:extLst>
+                <a:ext uri="{FF2B5EF4-FFF2-40B4-BE49-F238E27FC236}">
+                  <a16:creationId xmlns:a16="http://schemas.microsoft.com/office/drawing/2014/main" id="{FE8C3F3F-83E7-4201-B1FD-31CA9006ADD6}"/>
+                </a:ext>
+              </a:extLst>
+            </p:cNvPr>
+            <p:cNvSpPr/>
+            <p:nvPr/>
+          </p:nvSpPr>
+          <p:spPr>
+            <a:xfrm>
+              <a:off x="5809849" y="4342835"/>
+              <a:ext cx="4314290" cy="589280"/>
+            </a:xfrm>
+            <a:custGeom>
+              <a:avLst/>
+              <a:gdLst>
+                <a:gd name="connsiteX0" fmla="*/ 0 w 4314290"/>
+                <a:gd name="connsiteY0" fmla="*/ 0 h 589280"/>
+                <a:gd name="connsiteX1" fmla="*/ 4314290 w 4314290"/>
+                <a:gd name="connsiteY1" fmla="*/ 0 h 589280"/>
+                <a:gd name="connsiteX2" fmla="*/ 4314290 w 4314290"/>
+                <a:gd name="connsiteY2" fmla="*/ 589280 h 589280"/>
+                <a:gd name="connsiteX3" fmla="*/ 0 w 4314290"/>
+                <a:gd name="connsiteY3" fmla="*/ 589280 h 589280"/>
+                <a:gd name="connsiteX4" fmla="*/ 0 w 4314290"/>
+                <a:gd name="connsiteY4" fmla="*/ 0 h 589280"/>
+              </a:gdLst>
+              <a:ahLst/>
+              <a:cxnLst>
+                <a:cxn ang="0">
+                  <a:pos x="connsiteX0" y="connsiteY0"/>
+                </a:cxn>
+                <a:cxn ang="0">
+                  <a:pos x="connsiteX1" y="connsiteY1"/>
+                </a:cxn>
+                <a:cxn ang="0">
+                  <a:pos x="connsiteX2" y="connsiteY2"/>
+                </a:cxn>
+                <a:cxn ang="0">
+                  <a:pos x="connsiteX3" y="connsiteY3"/>
+                </a:cxn>
+                <a:cxn ang="0">
+                  <a:pos x="connsiteX4" y="connsiteY4"/>
+                </a:cxn>
+              </a:cxnLst>
+              <a:rect l="l" t="t" r="r" b="b"/>
+              <a:pathLst>
+                <a:path w="4314290" h="589280">
+                  <a:moveTo>
+                    <a:pt x="0" y="0"/>
+                  </a:moveTo>
+                  <a:lnTo>
+                    <a:pt x="4314290" y="0"/>
+                  </a:lnTo>
+                  <a:lnTo>
+                    <a:pt x="4314290" y="589280"/>
+                  </a:lnTo>
+                  <a:lnTo>
+                    <a:pt x="0" y="589280"/>
+                  </a:lnTo>
+                  <a:lnTo>
+                    <a:pt x="0" y="0"/>
+                  </a:lnTo>
+                  <a:close/>
+                </a:path>
+              </a:pathLst>
+            </a:custGeom>
+            <a:solidFill>
+              <a:schemeClr val="accent1">
+                <a:lumMod val="75000"/>
+              </a:schemeClr>
+            </a:solidFill>
+          </p:spPr>
+          <p:style>
+            <a:lnRef idx="2">
+              <a:schemeClr val="lt1">
+                <a:hueOff val="0"/>
+                <a:satOff val="0"/>
+                <a:lumOff val="0"/>
+                <a:alphaOff val="0"/>
+              </a:schemeClr>
+            </a:lnRef>
+            <a:fillRef idx="1">
+              <a:schemeClr val="accent1">
+                <a:hueOff val="0"/>
+                <a:satOff val="0"/>
+                <a:lumOff val="0"/>
+                <a:alphaOff val="0"/>
+              </a:schemeClr>
+            </a:fillRef>
+            <a:effectRef idx="0">
+              <a:schemeClr val="accent1">
+                <a:hueOff val="0"/>
+                <a:satOff val="0"/>
+                <a:lumOff val="0"/>
+                <a:alphaOff val="0"/>
+              </a:schemeClr>
+            </a:effectRef>
+            <a:fontRef idx="minor">
+              <a:schemeClr val="lt1"/>
+            </a:fontRef>
+          </p:style>
+          <p:txBody>
+            <a:bodyPr spcFirstLastPara="0" vert="horz" wrap="square" lIns="467741" tIns="45720" rIns="45720" bIns="45720" numCol="1" spcCol="1270" anchor="ctr" anchorCtr="0">
+              <a:noAutofit/>
+            </a:bodyPr>
+            <a:lstStyle/>
+            <a:p>
+              <a:pPr marL="0" lvl="0" indent="0" defTabSz="800100">
+                <a:lnSpc>
+                  <a:spcPct val="90000"/>
+                </a:lnSpc>
+                <a:spcBef>
+                  <a:spcPct val="0"/>
+                </a:spcBef>
+                <a:spcAft>
+                  <a:spcPct val="35000"/>
+                </a:spcAft>
+                <a:buNone/>
+              </a:pPr>
+              <a:r>
+                <a:rPr lang="en-US" sz="1800" kern="1200"/>
+                <a:t>Push the upgrade button</a:t>
+              </a:r>
+              <a:endParaRPr lang="fa-IR" sz="1800" kern="1200"/>
+            </a:p>
+          </p:txBody>
+        </p:sp>
+        <p:sp>
+          <p:nvSpPr>
+            <p:cNvPr id="16" name="Oval 15">
+              <a:extLst>
+                <a:ext uri="{FF2B5EF4-FFF2-40B4-BE49-F238E27FC236}">
+                  <a16:creationId xmlns:a16="http://schemas.microsoft.com/office/drawing/2014/main" id="{3F49F63D-79D0-46FA-B288-D77C4570F302}"/>
+                </a:ext>
+              </a:extLst>
+            </p:cNvPr>
+            <p:cNvSpPr/>
+            <p:nvPr/>
+          </p:nvSpPr>
+          <p:spPr>
+            <a:xfrm>
+              <a:off x="5441549" y="4269175"/>
+              <a:ext cx="736600" cy="736600"/>
+            </a:xfrm>
+            <a:prstGeom prst="ellipse">
+              <a:avLst/>
+            </a:prstGeom>
+            <a:ln>
+              <a:solidFill>
+                <a:schemeClr val="accent1">
+                  <a:lumMod val="75000"/>
+                </a:schemeClr>
+              </a:solidFill>
+            </a:ln>
+          </p:spPr>
+          <p:style>
+            <a:lnRef idx="2">
+              <a:schemeClr val="accent1">
+                <a:hueOff val="0"/>
+                <a:satOff val="0"/>
+                <a:lumOff val="0"/>
+                <a:alphaOff val="0"/>
+              </a:schemeClr>
+            </a:lnRef>
+            <a:fillRef idx="1">
+              <a:schemeClr val="lt1">
+                <a:hueOff val="0"/>
+                <a:satOff val="0"/>
+                <a:lumOff val="0"/>
+                <a:alphaOff val="0"/>
+              </a:schemeClr>
+            </a:fillRef>
+            <a:effectRef idx="0">
+              <a:schemeClr val="lt1">
+                <a:hueOff val="0"/>
+                <a:satOff val="0"/>
+                <a:lumOff val="0"/>
+                <a:alphaOff val="0"/>
+              </a:schemeClr>
+            </a:effectRef>
+            <a:fontRef idx="minor">
+              <a:schemeClr val="dk1">
+                <a:hueOff val="0"/>
+                <a:satOff val="0"/>
+                <a:lumOff val="0"/>
+                <a:alphaOff val="0"/>
+              </a:schemeClr>
+            </a:fontRef>
+          </p:style>
+        </p:sp>
+        <p:sp>
+          <p:nvSpPr>
+            <p:cNvPr id="21" name="TextBox 20">
+              <a:extLst>
+                <a:ext uri="{FF2B5EF4-FFF2-40B4-BE49-F238E27FC236}">
+                  <a16:creationId xmlns:a16="http://schemas.microsoft.com/office/drawing/2014/main" id="{90D50E3A-9D22-4F5D-97EE-4F6C7161197E}"/>
+                </a:ext>
+              </a:extLst>
+            </p:cNvPr>
+            <p:cNvSpPr txBox="1"/>
+            <p:nvPr/>
+          </p:nvSpPr>
+          <p:spPr>
+            <a:xfrm>
+              <a:off x="5586588" y="4318617"/>
+              <a:ext cx="434734" cy="584775"/>
+            </a:xfrm>
+            <a:prstGeom prst="rect">
+              <a:avLst/>
+            </a:prstGeom>
+            <a:noFill/>
+          </p:spPr>
+          <p:txBody>
+            <a:bodyPr wrap="square" rtlCol="1">
+              <a:spAutoFit/>
+            </a:bodyPr>
+            <a:lstStyle/>
+            <a:p>
+              <a:r>
+                <a:rPr lang="en-US" sz="3200" dirty="0">
+                  <a:solidFill>
+                    <a:schemeClr val="bg2">
+                      <a:lumMod val="50000"/>
+                    </a:schemeClr>
+                  </a:solidFill>
+                  <a:latin typeface="Britannic Bold" panose="020B0903060703020204" pitchFamily="34" charset="0"/>
+                </a:rPr>
+                <a:t>3</a:t>
+              </a:r>
+              <a:endParaRPr lang="fa-IR" sz="3200" dirty="0">
+                <a:solidFill>
+                  <a:schemeClr val="bg2">
+                    <a:lumMod val="50000"/>
+                  </a:schemeClr>
+                </a:solidFill>
+                <a:latin typeface="Britannic Bold" panose="020B0903060703020204" pitchFamily="34" charset="0"/>
+              </a:endParaRPr>
+            </a:p>
+          </p:txBody>
+        </p:sp>
+      </p:grpSp>
+      <p:grpSp>
+        <p:nvGrpSpPr>
+          <p:cNvPr id="22" name="Group 21">
+            <a:extLst>
+              <a:ext uri="{FF2B5EF4-FFF2-40B4-BE49-F238E27FC236}">
+                <a16:creationId xmlns:a16="http://schemas.microsoft.com/office/drawing/2014/main" id="{7133A007-EAF2-4EB2-9DD6-CE10315F47E2}"/>
+              </a:ext>
+            </a:extLst>
+          </p:cNvPr>
+          <p:cNvGrpSpPr/>
+          <p:nvPr/>
+        </p:nvGrpSpPr>
+        <p:grpSpPr>
+          <a:xfrm>
+            <a:off x="181308" y="285775"/>
+            <a:ext cx="4682590" cy="736600"/>
+            <a:chOff x="5441549" y="2501335"/>
+            <a:chExt cx="4682590" cy="736600"/>
+          </a:xfrm>
+        </p:grpSpPr>
+        <p:sp>
+          <p:nvSpPr>
+            <p:cNvPr id="11" name="Freeform: Shape 10">
+              <a:extLst>
+                <a:ext uri="{FF2B5EF4-FFF2-40B4-BE49-F238E27FC236}">
+                  <a16:creationId xmlns:a16="http://schemas.microsoft.com/office/drawing/2014/main" id="{F72D9E4C-4065-446C-A536-0EE68C66869D}"/>
+                </a:ext>
+              </a:extLst>
+            </p:cNvPr>
+            <p:cNvSpPr/>
+            <p:nvPr/>
+          </p:nvSpPr>
+          <p:spPr>
+            <a:xfrm>
+              <a:off x="5809849" y="2574995"/>
+              <a:ext cx="4314290" cy="589280"/>
+            </a:xfrm>
+            <a:custGeom>
+              <a:avLst/>
+              <a:gdLst>
+                <a:gd name="connsiteX0" fmla="*/ 0 w 4314290"/>
+                <a:gd name="connsiteY0" fmla="*/ 0 h 589280"/>
+                <a:gd name="connsiteX1" fmla="*/ 4314290 w 4314290"/>
+                <a:gd name="connsiteY1" fmla="*/ 0 h 589280"/>
+                <a:gd name="connsiteX2" fmla="*/ 4314290 w 4314290"/>
+                <a:gd name="connsiteY2" fmla="*/ 589280 h 589280"/>
+                <a:gd name="connsiteX3" fmla="*/ 0 w 4314290"/>
+                <a:gd name="connsiteY3" fmla="*/ 589280 h 589280"/>
+                <a:gd name="connsiteX4" fmla="*/ 0 w 4314290"/>
+                <a:gd name="connsiteY4" fmla="*/ 0 h 589280"/>
+              </a:gdLst>
+              <a:ahLst/>
+              <a:cxnLst>
+                <a:cxn ang="0">
+                  <a:pos x="connsiteX0" y="connsiteY0"/>
+                </a:cxn>
+                <a:cxn ang="0">
+                  <a:pos x="connsiteX1" y="connsiteY1"/>
+                </a:cxn>
+                <a:cxn ang="0">
+                  <a:pos x="connsiteX2" y="connsiteY2"/>
+                </a:cxn>
+                <a:cxn ang="0">
+                  <a:pos x="connsiteX3" y="connsiteY3"/>
+                </a:cxn>
+                <a:cxn ang="0">
+                  <a:pos x="connsiteX4" y="connsiteY4"/>
+                </a:cxn>
+              </a:cxnLst>
+              <a:rect l="l" t="t" r="r" b="b"/>
+              <a:pathLst>
+                <a:path w="4314290" h="589280">
+                  <a:moveTo>
+                    <a:pt x="0" y="0"/>
+                  </a:moveTo>
+                  <a:lnTo>
+                    <a:pt x="4314290" y="0"/>
+                  </a:lnTo>
+                  <a:lnTo>
+                    <a:pt x="4314290" y="589280"/>
+                  </a:lnTo>
+                  <a:lnTo>
+                    <a:pt x="0" y="589280"/>
+                  </a:lnTo>
+                  <a:lnTo>
+                    <a:pt x="0" y="0"/>
+                  </a:lnTo>
+                  <a:close/>
+                </a:path>
+              </a:pathLst>
+            </a:custGeom>
+            <a:solidFill>
+              <a:schemeClr val="accent1">
+                <a:lumMod val="75000"/>
+              </a:schemeClr>
+            </a:solidFill>
+          </p:spPr>
+          <p:style>
+            <a:lnRef idx="2">
+              <a:schemeClr val="lt1">
+                <a:hueOff val="0"/>
+                <a:satOff val="0"/>
+                <a:lumOff val="0"/>
+                <a:alphaOff val="0"/>
+              </a:schemeClr>
+            </a:lnRef>
+            <a:fillRef idx="1">
+              <a:schemeClr val="accent1">
+                <a:hueOff val="0"/>
+                <a:satOff val="0"/>
+                <a:lumOff val="0"/>
+                <a:alphaOff val="0"/>
+              </a:schemeClr>
+            </a:fillRef>
+            <a:effectRef idx="0">
+              <a:schemeClr val="accent1">
+                <a:hueOff val="0"/>
+                <a:satOff val="0"/>
+                <a:lumOff val="0"/>
+                <a:alphaOff val="0"/>
+              </a:schemeClr>
+            </a:effectRef>
+            <a:fontRef idx="minor">
+              <a:schemeClr val="lt1"/>
+            </a:fontRef>
+          </p:style>
+          <p:txBody>
+            <a:bodyPr spcFirstLastPara="0" vert="horz" wrap="square" lIns="467741" tIns="45720" rIns="45720" bIns="45720" numCol="1" spcCol="1270" anchor="ctr" anchorCtr="0">
+              <a:noAutofit/>
+            </a:bodyPr>
+            <a:lstStyle/>
+            <a:p>
+              <a:pPr marL="0" lvl="0" indent="0" defTabSz="800100">
+                <a:lnSpc>
+                  <a:spcPct val="90000"/>
+                </a:lnSpc>
+                <a:spcBef>
+                  <a:spcPct val="0"/>
+                </a:spcBef>
+                <a:spcAft>
+                  <a:spcPct val="35000"/>
+                </a:spcAft>
+                <a:buNone/>
+              </a:pPr>
+              <a:r>
+                <a:rPr lang="en-US" sz="1800" kern="1200" dirty="0"/>
+                <a:t>From left panel select </a:t>
+              </a:r>
+              <a:r>
+                <a:rPr lang="en-US" sz="1800" b="1" kern="1200" dirty="0"/>
+                <a:t>Repositories</a:t>
+              </a:r>
+              <a:r>
+                <a:rPr lang="fa-IR" sz="1800" b="1" kern="1200" dirty="0"/>
+                <a:t> </a:t>
+              </a:r>
+              <a:endParaRPr lang="fa-IR" sz="1800" kern="1200" dirty="0"/>
+            </a:p>
+          </p:txBody>
+        </p:sp>
+        <p:sp>
+          <p:nvSpPr>
+            <p:cNvPr id="12" name="Oval 11">
+              <a:extLst>
+                <a:ext uri="{FF2B5EF4-FFF2-40B4-BE49-F238E27FC236}">
+                  <a16:creationId xmlns:a16="http://schemas.microsoft.com/office/drawing/2014/main" id="{3E2D700C-8F62-4197-990C-125B229EDB79}"/>
+                </a:ext>
+              </a:extLst>
+            </p:cNvPr>
+            <p:cNvSpPr/>
+            <p:nvPr/>
+          </p:nvSpPr>
+          <p:spPr>
+            <a:xfrm>
+              <a:off x="5441549" y="2501335"/>
+              <a:ext cx="736600" cy="736600"/>
+            </a:xfrm>
+            <a:prstGeom prst="ellipse">
+              <a:avLst/>
+            </a:prstGeom>
+            <a:ln>
+              <a:solidFill>
+                <a:schemeClr val="accent1">
+                  <a:lumMod val="75000"/>
+                </a:schemeClr>
+              </a:solidFill>
+            </a:ln>
+          </p:spPr>
+          <p:style>
+            <a:lnRef idx="2">
+              <a:schemeClr val="accent1">
+                <a:hueOff val="0"/>
+                <a:satOff val="0"/>
+                <a:lumOff val="0"/>
+                <a:alphaOff val="0"/>
+              </a:schemeClr>
+            </a:lnRef>
+            <a:fillRef idx="1">
+              <a:schemeClr val="lt1">
+                <a:hueOff val="0"/>
+                <a:satOff val="0"/>
+                <a:lumOff val="0"/>
+                <a:alphaOff val="0"/>
+              </a:schemeClr>
+            </a:fillRef>
+            <a:effectRef idx="0">
+              <a:schemeClr val="lt1">
+                <a:hueOff val="0"/>
+                <a:satOff val="0"/>
+                <a:lumOff val="0"/>
+                <a:alphaOff val="0"/>
+              </a:schemeClr>
+            </a:effectRef>
+            <a:fontRef idx="minor">
+              <a:schemeClr val="dk1">
+                <a:hueOff val="0"/>
+                <a:satOff val="0"/>
+                <a:lumOff val="0"/>
+                <a:alphaOff val="0"/>
+              </a:schemeClr>
+            </a:fontRef>
+          </p:style>
+        </p:sp>
+        <p:sp>
+          <p:nvSpPr>
+            <p:cNvPr id="18" name="TextBox 17">
+              <a:extLst>
+                <a:ext uri="{FF2B5EF4-FFF2-40B4-BE49-F238E27FC236}">
+                  <a16:creationId xmlns:a16="http://schemas.microsoft.com/office/drawing/2014/main" id="{B1537222-0EA6-4554-812D-05CDB49ED178}"/>
+                </a:ext>
+              </a:extLst>
+            </p:cNvPr>
+            <p:cNvSpPr txBox="1"/>
+            <p:nvPr/>
+          </p:nvSpPr>
+          <p:spPr>
+            <a:xfrm>
+              <a:off x="5586588" y="2588126"/>
+              <a:ext cx="434734" cy="584775"/>
+            </a:xfrm>
+            <a:prstGeom prst="rect">
+              <a:avLst/>
+            </a:prstGeom>
+            <a:noFill/>
+          </p:spPr>
+          <p:txBody>
+            <a:bodyPr wrap="none" rtlCol="1">
+              <a:spAutoFit/>
+            </a:bodyPr>
+            <a:lstStyle/>
+            <a:p>
+              <a:r>
+                <a:rPr lang="en-US" sz="3200" dirty="0">
+                  <a:solidFill>
+                    <a:schemeClr val="bg2">
+                      <a:lumMod val="50000"/>
+                    </a:schemeClr>
+                  </a:solidFill>
+                  <a:latin typeface="Britannic Bold" panose="020B0903060703020204" pitchFamily="34" charset="0"/>
+                </a:rPr>
+                <a:t>1</a:t>
+              </a:r>
+              <a:endParaRPr lang="fa-IR" sz="3200" dirty="0">
+                <a:solidFill>
+                  <a:schemeClr val="bg2">
+                    <a:lumMod val="50000"/>
+                  </a:schemeClr>
+                </a:solidFill>
+                <a:latin typeface="Britannic Bold" panose="020B0903060703020204" pitchFamily="34" charset="0"/>
+              </a:endParaRPr>
+            </a:p>
+          </p:txBody>
+        </p:sp>
+      </p:grpSp>
     </p:spTree>
     <p:extLst>
       <p:ext uri="{BB962C8B-B14F-4D97-AF65-F5344CB8AC3E}">
-        <p14:creationId xmlns:p14="http://schemas.microsoft.com/office/powerpoint/2010/main" val="971089304"/>
+        <p14:creationId xmlns:p14="http://schemas.microsoft.com/office/powerpoint/2010/main" val="2068005438"/>
       </p:ext>
     </p:extLst>
   </p:cSld>
   <p:clrMapOvr>
     <a:masterClrMapping/>
   </p:clrMapOvr>
+  <mc:AlternateContent xmlns:mc="http://schemas.openxmlformats.org/markup-compatibility/2006">
+    <mc:Choice xmlns:p159="http://schemas.microsoft.com/office/powerpoint/2015/09/main" Requires="p159">
+      <p:transition xmlns:p14="http://schemas.microsoft.com/office/powerpoint/2010/main" spd="slow" p14:dur="2000">
+        <p159:morph option="byObject"/>
+      </p:transition>
+    </mc:Choice>
+    <mc:Fallback>
+      <p:transition spd="slow">
+        <p:fade/>
+      </p:transition>
+    </mc:Fallback>
+  </mc:AlternateContent>
 </p:sld>
 </file>
 
@@ -6348,12 +9523,48 @@
           <a:chExt cx="0" cy="0"/>
         </a:xfrm>
       </p:grpSpPr>
+      <p:pic>
+        <p:nvPicPr>
+          <p:cNvPr id="25" name="Picture 24">
+            <a:extLst>
+              <a:ext uri="{FF2B5EF4-FFF2-40B4-BE49-F238E27FC236}">
+                <a16:creationId xmlns:a16="http://schemas.microsoft.com/office/drawing/2014/main" id="{A7F73245-3240-42BF-B3EA-F0730BBB0767}"/>
+              </a:ext>
+            </a:extLst>
+          </p:cNvPr>
+          <p:cNvPicPr>
+            <a:picLocks noChangeAspect="1"/>
+          </p:cNvPicPr>
+          <p:nvPr/>
+        </p:nvPicPr>
+        <p:blipFill>
+          <a:blip r:embed="rId2">
+            <a:extLst>
+              <a:ext uri="{28A0092B-C50C-407E-A947-70E740481C1C}">
+                <a14:useLocalDpi xmlns:a14="http://schemas.microsoft.com/office/drawing/2010/main" val="0"/>
+              </a:ext>
+            </a:extLst>
+          </a:blip>
+          <a:stretch>
+            <a:fillRect/>
+          </a:stretch>
+        </p:blipFill>
+        <p:spPr>
+          <a:xfrm>
+            <a:off x="-507848" y="1445641"/>
+            <a:ext cx="10424177" cy="6187822"/>
+          </a:xfrm>
+          <a:prstGeom prst="rect">
+            <a:avLst/>
+          </a:prstGeom>
+        </p:spPr>
+      </p:pic>
       <p:sp>
         <p:nvSpPr>
           <p:cNvPr id="2" name="Title 1">
             <a:extLst>
               <a:ext uri="{FF2B5EF4-FFF2-40B4-BE49-F238E27FC236}">
-                <a16:creationId xmlns:a16="http://schemas.microsoft.com/office/drawing/2014/main" id="{F709BFF1-794C-4D5A-B35E-5F5775D729EF}"/>
+                <a16:creationId xmlns:a16="http://schemas.microsoft.com/office/drawing/2014/main" id="{AD2EDD45-B24C-4084-8224-2041CF7B581C}"/>
               </a:ext>
             </a:extLst>
           </p:cNvPr>
@@ -6364,15 +9575,22 @@
             <p:ph type="title"/>
           </p:nvPr>
         </p:nvSpPr>
-        <p:spPr/>
+        <p:spPr>
+          <a:xfrm>
+            <a:off x="859969" y="-1522547"/>
+            <a:ext cx="10292644" cy="1350793"/>
+          </a:xfrm>
+        </p:spPr>
         <p:txBody>
-          <a:bodyPr/>
+          <a:bodyPr>
+            <a:normAutofit/>
+          </a:bodyPr>
           <a:lstStyle/>
           <a:p>
             <a:pPr algn="ctr"/>
             <a:r>
               <a:rPr lang="en-US" dirty="0"/>
-              <a:t>Git Software</a:t>
+              <a:t>Change the main branch to master</a:t>
             </a:r>
             <a:endParaRPr lang="fa-IR" dirty="0"/>
           </a:p>
@@ -6380,103 +9598,904 @@
       </p:sp>
       <p:sp>
         <p:nvSpPr>
-          <p:cNvPr id="3" name="Content Placeholder 2">
-            <a:extLst>
-              <a:ext uri="{FF2B5EF4-FFF2-40B4-BE49-F238E27FC236}">
-                <a16:creationId xmlns:a16="http://schemas.microsoft.com/office/drawing/2014/main" id="{FC97E98A-9815-46DA-8777-E53514279787}"/>
-              </a:ext>
-            </a:extLst>
-          </p:cNvPr>
-          <p:cNvSpPr>
-            <a:spLocks noGrp="1"/>
-          </p:cNvSpPr>
-          <p:nvPr>
-            <p:ph idx="1"/>
-          </p:nvPr>
+          <p:cNvPr id="10" name="Block Arc 9">
+            <a:extLst>
+              <a:ext uri="{FF2B5EF4-FFF2-40B4-BE49-F238E27FC236}">
+                <a16:creationId xmlns:a16="http://schemas.microsoft.com/office/drawing/2014/main" id="{E32B4B3F-0EBB-4BCA-9FCC-28C199EB3DAB}"/>
+              </a:ext>
+            </a:extLst>
+          </p:cNvPr>
+          <p:cNvSpPr/>
+          <p:nvPr/>
         </p:nvSpPr>
-        <p:spPr/>
-        <p:txBody>
-          <a:bodyPr/>
-          <a:lstStyle/>
-          <a:p>
-            <a:r>
-              <a:rPr lang="en-US" dirty="0"/>
-              <a:t>Go to </a:t>
-            </a:r>
-            <a:r>
-              <a:rPr lang="en-US" dirty="0">
-                <a:hlinkClick r:id="rId2"/>
-              </a:rPr>
-              <a:t>www.git-scm.com</a:t>
-            </a:r>
-            <a:r>
-              <a:rPr lang="en-US" dirty="0"/>
-              <a:t> </a:t>
-            </a:r>
-          </a:p>
-          <a:p>
-            <a:r>
-              <a:rPr lang="en-US" dirty="0"/>
-              <a:t>Download </a:t>
-            </a:r>
-          </a:p>
-          <a:p>
-            <a:r>
-              <a:rPr lang="en-US" dirty="0"/>
-              <a:t>Install the git software</a:t>
-            </a:r>
-          </a:p>
-          <a:p>
-            <a:endParaRPr lang="fa-IR" dirty="0"/>
-          </a:p>
-        </p:txBody>
+        <p:spPr>
+          <a:xfrm rot="21033301">
+            <a:off x="-2038490" y="-383160"/>
+            <a:ext cx="2816434" cy="4549128"/>
+          </a:xfrm>
+          <a:prstGeom prst="blockArc">
+            <a:avLst>
+              <a:gd name="adj1" fmla="val 19276701"/>
+              <a:gd name="adj2" fmla="val 2014657"/>
+              <a:gd name="adj3" fmla="val 0"/>
+            </a:avLst>
+          </a:prstGeom>
+          <a:ln>
+            <a:solidFill>
+              <a:schemeClr val="accent1">
+                <a:lumMod val="75000"/>
+              </a:schemeClr>
+            </a:solidFill>
+          </a:ln>
+        </p:spPr>
+        <p:style>
+          <a:lnRef idx="2">
+            <a:schemeClr val="accent1">
+              <a:shade val="60000"/>
+              <a:hueOff val="0"/>
+              <a:satOff val="0"/>
+              <a:lumOff val="0"/>
+              <a:alphaOff val="0"/>
+            </a:schemeClr>
+          </a:lnRef>
+          <a:fillRef idx="0">
+            <a:schemeClr val="accent1">
+              <a:hueOff val="0"/>
+              <a:satOff val="0"/>
+              <a:lumOff val="0"/>
+              <a:alphaOff val="0"/>
+            </a:schemeClr>
+          </a:fillRef>
+          <a:effectRef idx="0">
+            <a:schemeClr val="accent1">
+              <a:hueOff val="0"/>
+              <a:satOff val="0"/>
+              <a:lumOff val="0"/>
+              <a:alphaOff val="0"/>
+            </a:schemeClr>
+          </a:effectRef>
+          <a:fontRef idx="minor">
+            <a:schemeClr val="tx1">
+              <a:hueOff val="0"/>
+              <a:satOff val="0"/>
+              <a:lumOff val="0"/>
+              <a:alphaOff val="0"/>
+            </a:schemeClr>
+          </a:fontRef>
+        </p:style>
       </p:sp>
-      <p:pic>
-        <p:nvPicPr>
-          <p:cNvPr id="9" name="Picture 8">
-            <a:extLst>
-              <a:ext uri="{FF2B5EF4-FFF2-40B4-BE49-F238E27FC236}">
-                <a16:creationId xmlns:a16="http://schemas.microsoft.com/office/drawing/2014/main" id="{DE384FE6-0EA5-476B-B02B-3B24572D151B}"/>
-              </a:ext>
-            </a:extLst>
-          </p:cNvPr>
-          <p:cNvPicPr>
-            <a:picLocks noChangeAspect="1"/>
-          </p:cNvPicPr>
+      <p:grpSp>
+        <p:nvGrpSpPr>
+          <p:cNvPr id="23" name="Group 22">
+            <a:extLst>
+              <a:ext uri="{FF2B5EF4-FFF2-40B4-BE49-F238E27FC236}">
+                <a16:creationId xmlns:a16="http://schemas.microsoft.com/office/drawing/2014/main" id="{7FE18F92-8FA2-4AB7-9770-4EFBF33A7CD7}"/>
+              </a:ext>
+            </a:extLst>
+          </p:cNvPr>
+          <p:cNvGrpSpPr/>
           <p:nvPr/>
-        </p:nvPicPr>
-        <p:blipFill>
-          <a:blip r:embed="rId3">
-            <a:extLst>
-              <a:ext uri="{28A0092B-C50C-407E-A947-70E740481C1C}">
-                <a14:useLocalDpi xmlns:a14="http://schemas.microsoft.com/office/drawing/2010/main" val="0"/>
-              </a:ext>
-            </a:extLst>
-          </a:blip>
-          <a:stretch>
-            <a:fillRect/>
-          </a:stretch>
-        </p:blipFill>
-        <p:spPr>
+        </p:nvGrpSpPr>
+        <p:grpSpPr>
           <a:xfrm>
-            <a:off x="5245985" y="2562577"/>
-            <a:ext cx="5548132" cy="3270956"/>
+            <a:off x="395511" y="1228464"/>
+            <a:ext cx="4468387" cy="736600"/>
+            <a:chOff x="5655752" y="3385255"/>
+            <a:chExt cx="4468387" cy="736600"/>
           </a:xfrm>
-          <a:prstGeom prst="rect">
-            <a:avLst/>
-          </a:prstGeom>
-        </p:spPr>
-      </p:pic>
+        </p:grpSpPr>
+        <p:sp>
+          <p:nvSpPr>
+            <p:cNvPr id="13" name="Freeform: Shape 12">
+              <a:extLst>
+                <a:ext uri="{FF2B5EF4-FFF2-40B4-BE49-F238E27FC236}">
+                  <a16:creationId xmlns:a16="http://schemas.microsoft.com/office/drawing/2014/main" id="{54150796-5A67-484F-8D2D-288FCB7FBF76}"/>
+                </a:ext>
+              </a:extLst>
+            </p:cNvPr>
+            <p:cNvSpPr/>
+            <p:nvPr/>
+          </p:nvSpPr>
+          <p:spPr>
+            <a:xfrm>
+              <a:off x="6024052" y="3458915"/>
+              <a:ext cx="4100087" cy="589280"/>
+            </a:xfrm>
+            <a:custGeom>
+              <a:avLst/>
+              <a:gdLst>
+                <a:gd name="connsiteX0" fmla="*/ 0 w 4100087"/>
+                <a:gd name="connsiteY0" fmla="*/ 0 h 589280"/>
+                <a:gd name="connsiteX1" fmla="*/ 4100087 w 4100087"/>
+                <a:gd name="connsiteY1" fmla="*/ 0 h 589280"/>
+                <a:gd name="connsiteX2" fmla="*/ 4100087 w 4100087"/>
+                <a:gd name="connsiteY2" fmla="*/ 589280 h 589280"/>
+                <a:gd name="connsiteX3" fmla="*/ 0 w 4100087"/>
+                <a:gd name="connsiteY3" fmla="*/ 589280 h 589280"/>
+                <a:gd name="connsiteX4" fmla="*/ 0 w 4100087"/>
+                <a:gd name="connsiteY4" fmla="*/ 0 h 589280"/>
+              </a:gdLst>
+              <a:ahLst/>
+              <a:cxnLst>
+                <a:cxn ang="0">
+                  <a:pos x="connsiteX0" y="connsiteY0"/>
+                </a:cxn>
+                <a:cxn ang="0">
+                  <a:pos x="connsiteX1" y="connsiteY1"/>
+                </a:cxn>
+                <a:cxn ang="0">
+                  <a:pos x="connsiteX2" y="connsiteY2"/>
+                </a:cxn>
+                <a:cxn ang="0">
+                  <a:pos x="connsiteX3" y="connsiteY3"/>
+                </a:cxn>
+                <a:cxn ang="0">
+                  <a:pos x="connsiteX4" y="connsiteY4"/>
+                </a:cxn>
+              </a:cxnLst>
+              <a:rect l="l" t="t" r="r" b="b"/>
+              <a:pathLst>
+                <a:path w="4100087" h="589280">
+                  <a:moveTo>
+                    <a:pt x="0" y="0"/>
+                  </a:moveTo>
+                  <a:lnTo>
+                    <a:pt x="4100087" y="0"/>
+                  </a:lnTo>
+                  <a:lnTo>
+                    <a:pt x="4100087" y="589280"/>
+                  </a:lnTo>
+                  <a:lnTo>
+                    <a:pt x="0" y="589280"/>
+                  </a:lnTo>
+                  <a:lnTo>
+                    <a:pt x="0" y="0"/>
+                  </a:lnTo>
+                  <a:close/>
+                </a:path>
+              </a:pathLst>
+            </a:custGeom>
+            <a:solidFill>
+              <a:schemeClr val="accent1">
+                <a:lumMod val="75000"/>
+              </a:schemeClr>
+            </a:solidFill>
+          </p:spPr>
+          <p:style>
+            <a:lnRef idx="2">
+              <a:schemeClr val="lt1">
+                <a:hueOff val="0"/>
+                <a:satOff val="0"/>
+                <a:lumOff val="0"/>
+                <a:alphaOff val="0"/>
+              </a:schemeClr>
+            </a:lnRef>
+            <a:fillRef idx="1">
+              <a:schemeClr val="accent1">
+                <a:hueOff val="0"/>
+                <a:satOff val="0"/>
+                <a:lumOff val="0"/>
+                <a:alphaOff val="0"/>
+              </a:schemeClr>
+            </a:fillRef>
+            <a:effectRef idx="0">
+              <a:schemeClr val="accent1">
+                <a:hueOff val="0"/>
+                <a:satOff val="0"/>
+                <a:lumOff val="0"/>
+                <a:alphaOff val="0"/>
+              </a:schemeClr>
+            </a:effectRef>
+            <a:fontRef idx="minor">
+              <a:schemeClr val="lt1"/>
+            </a:fontRef>
+          </p:style>
+          <p:txBody>
+            <a:bodyPr spcFirstLastPara="0" vert="horz" wrap="square" lIns="467741" tIns="45720" rIns="45720" bIns="45720" numCol="1" spcCol="1270" anchor="ctr" anchorCtr="0">
+              <a:noAutofit/>
+            </a:bodyPr>
+            <a:lstStyle/>
+            <a:p>
+              <a:pPr marL="0" lvl="0" indent="0" defTabSz="800100">
+                <a:lnSpc>
+                  <a:spcPct val="90000"/>
+                </a:lnSpc>
+                <a:spcBef>
+                  <a:spcPct val="0"/>
+                </a:spcBef>
+                <a:spcAft>
+                  <a:spcPct val="35000"/>
+                </a:spcAft>
+                <a:buNone/>
+              </a:pPr>
+              <a:r>
+                <a:rPr lang="en-US" sz="1800" kern="1200" dirty="0"/>
+                <a:t>Change the default branch to </a:t>
+              </a:r>
+              <a:r>
+                <a:rPr lang="en-US" sz="1800" b="1" kern="1200" dirty="0"/>
+                <a:t>master</a:t>
+              </a:r>
+              <a:endParaRPr lang="fa-IR" sz="1800" kern="1200" dirty="0"/>
+            </a:p>
+          </p:txBody>
+        </p:sp>
+        <p:sp>
+          <p:nvSpPr>
+            <p:cNvPr id="14" name="Oval 13">
+              <a:extLst>
+                <a:ext uri="{FF2B5EF4-FFF2-40B4-BE49-F238E27FC236}">
+                  <a16:creationId xmlns:a16="http://schemas.microsoft.com/office/drawing/2014/main" id="{7F047843-37E7-45AF-AAC7-ABCEEA2B720C}"/>
+                </a:ext>
+              </a:extLst>
+            </p:cNvPr>
+            <p:cNvSpPr/>
+            <p:nvPr/>
+          </p:nvSpPr>
+          <p:spPr>
+            <a:xfrm>
+              <a:off x="5655752" y="3385255"/>
+              <a:ext cx="736600" cy="736600"/>
+            </a:xfrm>
+            <a:prstGeom prst="ellipse">
+              <a:avLst/>
+            </a:prstGeom>
+            <a:ln>
+              <a:solidFill>
+                <a:schemeClr val="accent1">
+                  <a:lumMod val="75000"/>
+                </a:schemeClr>
+              </a:solidFill>
+            </a:ln>
+          </p:spPr>
+          <p:style>
+            <a:lnRef idx="2">
+              <a:schemeClr val="accent1">
+                <a:hueOff val="0"/>
+                <a:satOff val="0"/>
+                <a:lumOff val="0"/>
+                <a:alphaOff val="0"/>
+              </a:schemeClr>
+            </a:lnRef>
+            <a:fillRef idx="1">
+              <a:schemeClr val="lt1">
+                <a:hueOff val="0"/>
+                <a:satOff val="0"/>
+                <a:lumOff val="0"/>
+                <a:alphaOff val="0"/>
+              </a:schemeClr>
+            </a:fillRef>
+            <a:effectRef idx="0">
+              <a:schemeClr val="lt1">
+                <a:hueOff val="0"/>
+                <a:satOff val="0"/>
+                <a:lumOff val="0"/>
+                <a:alphaOff val="0"/>
+              </a:schemeClr>
+            </a:effectRef>
+            <a:fontRef idx="minor">
+              <a:schemeClr val="dk1">
+                <a:hueOff val="0"/>
+                <a:satOff val="0"/>
+                <a:lumOff val="0"/>
+                <a:alphaOff val="0"/>
+              </a:schemeClr>
+            </a:fontRef>
+          </p:style>
+        </p:sp>
+        <p:sp>
+          <p:nvSpPr>
+            <p:cNvPr id="20" name="TextBox 19">
+              <a:extLst>
+                <a:ext uri="{FF2B5EF4-FFF2-40B4-BE49-F238E27FC236}">
+                  <a16:creationId xmlns:a16="http://schemas.microsoft.com/office/drawing/2014/main" id="{2C083E7B-FF5A-41F5-B560-8B84C8860FA2}"/>
+                </a:ext>
+              </a:extLst>
+            </p:cNvPr>
+            <p:cNvSpPr txBox="1"/>
+            <p:nvPr/>
+          </p:nvSpPr>
+          <p:spPr>
+            <a:xfrm>
+              <a:off x="5821255" y="3429000"/>
+              <a:ext cx="434734" cy="584775"/>
+            </a:xfrm>
+            <a:prstGeom prst="rect">
+              <a:avLst/>
+            </a:prstGeom>
+            <a:noFill/>
+          </p:spPr>
+          <p:txBody>
+            <a:bodyPr wrap="none" rtlCol="1">
+              <a:spAutoFit/>
+            </a:bodyPr>
+            <a:lstStyle/>
+            <a:p>
+              <a:r>
+                <a:rPr lang="en-US" sz="3200" dirty="0">
+                  <a:solidFill>
+                    <a:schemeClr val="bg2">
+                      <a:lumMod val="50000"/>
+                    </a:schemeClr>
+                  </a:solidFill>
+                  <a:latin typeface="Britannic Bold" panose="020B0903060703020204" pitchFamily="34" charset="0"/>
+                </a:rPr>
+                <a:t>2</a:t>
+              </a:r>
+              <a:endParaRPr lang="fa-IR" sz="3200" dirty="0">
+                <a:solidFill>
+                  <a:schemeClr val="bg2">
+                    <a:lumMod val="50000"/>
+                  </a:schemeClr>
+                </a:solidFill>
+                <a:latin typeface="Britannic Bold" panose="020B0903060703020204" pitchFamily="34" charset="0"/>
+              </a:endParaRPr>
+            </a:p>
+          </p:txBody>
+        </p:sp>
+      </p:grpSp>
+      <p:grpSp>
+        <p:nvGrpSpPr>
+          <p:cNvPr id="24" name="Group 23">
+            <a:extLst>
+              <a:ext uri="{FF2B5EF4-FFF2-40B4-BE49-F238E27FC236}">
+                <a16:creationId xmlns:a16="http://schemas.microsoft.com/office/drawing/2014/main" id="{BF4E3E70-CAE2-4B7E-9863-CE310C8463E1}"/>
+              </a:ext>
+            </a:extLst>
+          </p:cNvPr>
+          <p:cNvGrpSpPr/>
+          <p:nvPr/>
+        </p:nvGrpSpPr>
+        <p:grpSpPr>
+          <a:xfrm>
+            <a:off x="561014" y="2181539"/>
+            <a:ext cx="4809272" cy="736600"/>
+            <a:chOff x="5441549" y="4269175"/>
+            <a:chExt cx="4682590" cy="736600"/>
+          </a:xfrm>
+        </p:grpSpPr>
+        <p:sp>
+          <p:nvSpPr>
+            <p:cNvPr id="15" name="Freeform: Shape 14">
+              <a:extLst>
+                <a:ext uri="{FF2B5EF4-FFF2-40B4-BE49-F238E27FC236}">
+                  <a16:creationId xmlns:a16="http://schemas.microsoft.com/office/drawing/2014/main" id="{FE8C3F3F-83E7-4201-B1FD-31CA9006ADD6}"/>
+                </a:ext>
+              </a:extLst>
+            </p:cNvPr>
+            <p:cNvSpPr/>
+            <p:nvPr/>
+          </p:nvSpPr>
+          <p:spPr>
+            <a:xfrm>
+              <a:off x="5809849" y="4342835"/>
+              <a:ext cx="4314290" cy="589280"/>
+            </a:xfrm>
+            <a:custGeom>
+              <a:avLst/>
+              <a:gdLst>
+                <a:gd name="connsiteX0" fmla="*/ 0 w 4314290"/>
+                <a:gd name="connsiteY0" fmla="*/ 0 h 589280"/>
+                <a:gd name="connsiteX1" fmla="*/ 4314290 w 4314290"/>
+                <a:gd name="connsiteY1" fmla="*/ 0 h 589280"/>
+                <a:gd name="connsiteX2" fmla="*/ 4314290 w 4314290"/>
+                <a:gd name="connsiteY2" fmla="*/ 589280 h 589280"/>
+                <a:gd name="connsiteX3" fmla="*/ 0 w 4314290"/>
+                <a:gd name="connsiteY3" fmla="*/ 589280 h 589280"/>
+                <a:gd name="connsiteX4" fmla="*/ 0 w 4314290"/>
+                <a:gd name="connsiteY4" fmla="*/ 0 h 589280"/>
+              </a:gdLst>
+              <a:ahLst/>
+              <a:cxnLst>
+                <a:cxn ang="0">
+                  <a:pos x="connsiteX0" y="connsiteY0"/>
+                </a:cxn>
+                <a:cxn ang="0">
+                  <a:pos x="connsiteX1" y="connsiteY1"/>
+                </a:cxn>
+                <a:cxn ang="0">
+                  <a:pos x="connsiteX2" y="connsiteY2"/>
+                </a:cxn>
+                <a:cxn ang="0">
+                  <a:pos x="connsiteX3" y="connsiteY3"/>
+                </a:cxn>
+                <a:cxn ang="0">
+                  <a:pos x="connsiteX4" y="connsiteY4"/>
+                </a:cxn>
+              </a:cxnLst>
+              <a:rect l="l" t="t" r="r" b="b"/>
+              <a:pathLst>
+                <a:path w="4314290" h="589280">
+                  <a:moveTo>
+                    <a:pt x="0" y="0"/>
+                  </a:moveTo>
+                  <a:lnTo>
+                    <a:pt x="4314290" y="0"/>
+                  </a:lnTo>
+                  <a:lnTo>
+                    <a:pt x="4314290" y="589280"/>
+                  </a:lnTo>
+                  <a:lnTo>
+                    <a:pt x="0" y="589280"/>
+                  </a:lnTo>
+                  <a:lnTo>
+                    <a:pt x="0" y="0"/>
+                  </a:lnTo>
+                  <a:close/>
+                </a:path>
+              </a:pathLst>
+            </a:custGeom>
+            <a:solidFill>
+              <a:schemeClr val="accent1">
+                <a:lumMod val="75000"/>
+              </a:schemeClr>
+            </a:solidFill>
+          </p:spPr>
+          <p:style>
+            <a:lnRef idx="2">
+              <a:schemeClr val="lt1">
+                <a:hueOff val="0"/>
+                <a:satOff val="0"/>
+                <a:lumOff val="0"/>
+                <a:alphaOff val="0"/>
+              </a:schemeClr>
+            </a:lnRef>
+            <a:fillRef idx="1">
+              <a:schemeClr val="accent1">
+                <a:hueOff val="0"/>
+                <a:satOff val="0"/>
+                <a:lumOff val="0"/>
+                <a:alphaOff val="0"/>
+              </a:schemeClr>
+            </a:fillRef>
+            <a:effectRef idx="0">
+              <a:schemeClr val="accent1">
+                <a:hueOff val="0"/>
+                <a:satOff val="0"/>
+                <a:lumOff val="0"/>
+                <a:alphaOff val="0"/>
+              </a:schemeClr>
+            </a:effectRef>
+            <a:fontRef idx="minor">
+              <a:schemeClr val="lt1"/>
+            </a:fontRef>
+          </p:style>
+          <p:txBody>
+            <a:bodyPr spcFirstLastPara="0" vert="horz" wrap="square" lIns="467741" tIns="45720" rIns="45720" bIns="45720" numCol="1" spcCol="1270" anchor="ctr" anchorCtr="0">
+              <a:noAutofit/>
+            </a:bodyPr>
+            <a:lstStyle/>
+            <a:p>
+              <a:pPr marL="0" lvl="0" indent="0" defTabSz="800100">
+                <a:lnSpc>
+                  <a:spcPct val="90000"/>
+                </a:lnSpc>
+                <a:spcBef>
+                  <a:spcPct val="0"/>
+                </a:spcBef>
+                <a:spcAft>
+                  <a:spcPct val="35000"/>
+                </a:spcAft>
+                <a:buNone/>
+              </a:pPr>
+              <a:r>
+                <a:rPr lang="en-US" sz="1800" kern="1200"/>
+                <a:t>Push the upgrade button</a:t>
+              </a:r>
+              <a:endParaRPr lang="fa-IR" sz="1800" kern="1200"/>
+            </a:p>
+          </p:txBody>
+        </p:sp>
+        <p:sp>
+          <p:nvSpPr>
+            <p:cNvPr id="16" name="Oval 15">
+              <a:extLst>
+                <a:ext uri="{FF2B5EF4-FFF2-40B4-BE49-F238E27FC236}">
+                  <a16:creationId xmlns:a16="http://schemas.microsoft.com/office/drawing/2014/main" id="{3F49F63D-79D0-46FA-B288-D77C4570F302}"/>
+                </a:ext>
+              </a:extLst>
+            </p:cNvPr>
+            <p:cNvSpPr/>
+            <p:nvPr/>
+          </p:nvSpPr>
+          <p:spPr>
+            <a:xfrm>
+              <a:off x="5441549" y="4269175"/>
+              <a:ext cx="736600" cy="736600"/>
+            </a:xfrm>
+            <a:prstGeom prst="ellipse">
+              <a:avLst/>
+            </a:prstGeom>
+            <a:ln>
+              <a:solidFill>
+                <a:schemeClr val="accent1">
+                  <a:lumMod val="75000"/>
+                </a:schemeClr>
+              </a:solidFill>
+            </a:ln>
+          </p:spPr>
+          <p:style>
+            <a:lnRef idx="2">
+              <a:schemeClr val="accent1">
+                <a:hueOff val="0"/>
+                <a:satOff val="0"/>
+                <a:lumOff val="0"/>
+                <a:alphaOff val="0"/>
+              </a:schemeClr>
+            </a:lnRef>
+            <a:fillRef idx="1">
+              <a:schemeClr val="lt1">
+                <a:hueOff val="0"/>
+                <a:satOff val="0"/>
+                <a:lumOff val="0"/>
+                <a:alphaOff val="0"/>
+              </a:schemeClr>
+            </a:fillRef>
+            <a:effectRef idx="0">
+              <a:schemeClr val="lt1">
+                <a:hueOff val="0"/>
+                <a:satOff val="0"/>
+                <a:lumOff val="0"/>
+                <a:alphaOff val="0"/>
+              </a:schemeClr>
+            </a:effectRef>
+            <a:fontRef idx="minor">
+              <a:schemeClr val="dk1">
+                <a:hueOff val="0"/>
+                <a:satOff val="0"/>
+                <a:lumOff val="0"/>
+                <a:alphaOff val="0"/>
+              </a:schemeClr>
+            </a:fontRef>
+          </p:style>
+        </p:sp>
+        <p:sp>
+          <p:nvSpPr>
+            <p:cNvPr id="21" name="TextBox 20">
+              <a:extLst>
+                <a:ext uri="{FF2B5EF4-FFF2-40B4-BE49-F238E27FC236}">
+                  <a16:creationId xmlns:a16="http://schemas.microsoft.com/office/drawing/2014/main" id="{90D50E3A-9D22-4F5D-97EE-4F6C7161197E}"/>
+                </a:ext>
+              </a:extLst>
+            </p:cNvPr>
+            <p:cNvSpPr txBox="1"/>
+            <p:nvPr/>
+          </p:nvSpPr>
+          <p:spPr>
+            <a:xfrm>
+              <a:off x="5586588" y="4318617"/>
+              <a:ext cx="434734" cy="584775"/>
+            </a:xfrm>
+            <a:prstGeom prst="rect">
+              <a:avLst/>
+            </a:prstGeom>
+            <a:noFill/>
+          </p:spPr>
+          <p:txBody>
+            <a:bodyPr wrap="square" rtlCol="1">
+              <a:spAutoFit/>
+            </a:bodyPr>
+            <a:lstStyle/>
+            <a:p>
+              <a:r>
+                <a:rPr lang="en-US" sz="3200" dirty="0">
+                  <a:solidFill>
+                    <a:schemeClr val="bg2">
+                      <a:lumMod val="50000"/>
+                    </a:schemeClr>
+                  </a:solidFill>
+                  <a:latin typeface="Britannic Bold" panose="020B0903060703020204" pitchFamily="34" charset="0"/>
+                </a:rPr>
+                <a:t>3</a:t>
+              </a:r>
+              <a:endParaRPr lang="fa-IR" sz="3200" dirty="0">
+                <a:solidFill>
+                  <a:schemeClr val="bg2">
+                    <a:lumMod val="50000"/>
+                  </a:schemeClr>
+                </a:solidFill>
+                <a:latin typeface="Britannic Bold" panose="020B0903060703020204" pitchFamily="34" charset="0"/>
+              </a:endParaRPr>
+            </a:p>
+          </p:txBody>
+        </p:sp>
+      </p:grpSp>
+      <p:grpSp>
+        <p:nvGrpSpPr>
+          <p:cNvPr id="22" name="Group 21">
+            <a:extLst>
+              <a:ext uri="{FF2B5EF4-FFF2-40B4-BE49-F238E27FC236}">
+                <a16:creationId xmlns:a16="http://schemas.microsoft.com/office/drawing/2014/main" id="{7133A007-EAF2-4EB2-9DD6-CE10315F47E2}"/>
+              </a:ext>
+            </a:extLst>
+          </p:cNvPr>
+          <p:cNvGrpSpPr/>
+          <p:nvPr/>
+        </p:nvGrpSpPr>
+        <p:grpSpPr>
+          <a:xfrm>
+            <a:off x="181308" y="285775"/>
+            <a:ext cx="4682590" cy="736600"/>
+            <a:chOff x="5441549" y="2501335"/>
+            <a:chExt cx="4682590" cy="736600"/>
+          </a:xfrm>
+        </p:grpSpPr>
+        <p:sp>
+          <p:nvSpPr>
+            <p:cNvPr id="11" name="Freeform: Shape 10">
+              <a:extLst>
+                <a:ext uri="{FF2B5EF4-FFF2-40B4-BE49-F238E27FC236}">
+                  <a16:creationId xmlns:a16="http://schemas.microsoft.com/office/drawing/2014/main" id="{F72D9E4C-4065-446C-A536-0EE68C66869D}"/>
+                </a:ext>
+              </a:extLst>
+            </p:cNvPr>
+            <p:cNvSpPr/>
+            <p:nvPr/>
+          </p:nvSpPr>
+          <p:spPr>
+            <a:xfrm>
+              <a:off x="5809849" y="2574995"/>
+              <a:ext cx="4314290" cy="589280"/>
+            </a:xfrm>
+            <a:custGeom>
+              <a:avLst/>
+              <a:gdLst>
+                <a:gd name="connsiteX0" fmla="*/ 0 w 4314290"/>
+                <a:gd name="connsiteY0" fmla="*/ 0 h 589280"/>
+                <a:gd name="connsiteX1" fmla="*/ 4314290 w 4314290"/>
+                <a:gd name="connsiteY1" fmla="*/ 0 h 589280"/>
+                <a:gd name="connsiteX2" fmla="*/ 4314290 w 4314290"/>
+                <a:gd name="connsiteY2" fmla="*/ 589280 h 589280"/>
+                <a:gd name="connsiteX3" fmla="*/ 0 w 4314290"/>
+                <a:gd name="connsiteY3" fmla="*/ 589280 h 589280"/>
+                <a:gd name="connsiteX4" fmla="*/ 0 w 4314290"/>
+                <a:gd name="connsiteY4" fmla="*/ 0 h 589280"/>
+              </a:gdLst>
+              <a:ahLst/>
+              <a:cxnLst>
+                <a:cxn ang="0">
+                  <a:pos x="connsiteX0" y="connsiteY0"/>
+                </a:cxn>
+                <a:cxn ang="0">
+                  <a:pos x="connsiteX1" y="connsiteY1"/>
+                </a:cxn>
+                <a:cxn ang="0">
+                  <a:pos x="connsiteX2" y="connsiteY2"/>
+                </a:cxn>
+                <a:cxn ang="0">
+                  <a:pos x="connsiteX3" y="connsiteY3"/>
+                </a:cxn>
+                <a:cxn ang="0">
+                  <a:pos x="connsiteX4" y="connsiteY4"/>
+                </a:cxn>
+              </a:cxnLst>
+              <a:rect l="l" t="t" r="r" b="b"/>
+              <a:pathLst>
+                <a:path w="4314290" h="589280">
+                  <a:moveTo>
+                    <a:pt x="0" y="0"/>
+                  </a:moveTo>
+                  <a:lnTo>
+                    <a:pt x="4314290" y="0"/>
+                  </a:lnTo>
+                  <a:lnTo>
+                    <a:pt x="4314290" y="589280"/>
+                  </a:lnTo>
+                  <a:lnTo>
+                    <a:pt x="0" y="589280"/>
+                  </a:lnTo>
+                  <a:lnTo>
+                    <a:pt x="0" y="0"/>
+                  </a:lnTo>
+                  <a:close/>
+                </a:path>
+              </a:pathLst>
+            </a:custGeom>
+            <a:solidFill>
+              <a:schemeClr val="accent1">
+                <a:lumMod val="75000"/>
+              </a:schemeClr>
+            </a:solidFill>
+          </p:spPr>
+          <p:style>
+            <a:lnRef idx="2">
+              <a:schemeClr val="lt1">
+                <a:hueOff val="0"/>
+                <a:satOff val="0"/>
+                <a:lumOff val="0"/>
+                <a:alphaOff val="0"/>
+              </a:schemeClr>
+            </a:lnRef>
+            <a:fillRef idx="1">
+              <a:schemeClr val="accent1">
+                <a:hueOff val="0"/>
+                <a:satOff val="0"/>
+                <a:lumOff val="0"/>
+                <a:alphaOff val="0"/>
+              </a:schemeClr>
+            </a:fillRef>
+            <a:effectRef idx="0">
+              <a:schemeClr val="accent1">
+                <a:hueOff val="0"/>
+                <a:satOff val="0"/>
+                <a:lumOff val="0"/>
+                <a:alphaOff val="0"/>
+              </a:schemeClr>
+            </a:effectRef>
+            <a:fontRef idx="minor">
+              <a:schemeClr val="lt1"/>
+            </a:fontRef>
+          </p:style>
+          <p:txBody>
+            <a:bodyPr spcFirstLastPara="0" vert="horz" wrap="square" lIns="467741" tIns="45720" rIns="45720" bIns="45720" numCol="1" spcCol="1270" anchor="ctr" anchorCtr="0">
+              <a:noAutofit/>
+            </a:bodyPr>
+            <a:lstStyle/>
+            <a:p>
+              <a:pPr marL="0" lvl="0" indent="0" defTabSz="800100">
+                <a:lnSpc>
+                  <a:spcPct val="90000"/>
+                </a:lnSpc>
+                <a:spcBef>
+                  <a:spcPct val="0"/>
+                </a:spcBef>
+                <a:spcAft>
+                  <a:spcPct val="35000"/>
+                </a:spcAft>
+                <a:buNone/>
+              </a:pPr>
+              <a:r>
+                <a:rPr lang="en-US" sz="1800" kern="1200" dirty="0"/>
+                <a:t>From left panel select </a:t>
+              </a:r>
+              <a:r>
+                <a:rPr lang="en-US" sz="1800" b="1" kern="1200" dirty="0"/>
+                <a:t>Repositories</a:t>
+              </a:r>
+              <a:r>
+                <a:rPr lang="fa-IR" sz="1800" b="1" kern="1200" dirty="0"/>
+                <a:t> </a:t>
+              </a:r>
+              <a:endParaRPr lang="fa-IR" sz="1800" kern="1200" dirty="0"/>
+            </a:p>
+          </p:txBody>
+        </p:sp>
+        <p:sp>
+          <p:nvSpPr>
+            <p:cNvPr id="12" name="Oval 11">
+              <a:extLst>
+                <a:ext uri="{FF2B5EF4-FFF2-40B4-BE49-F238E27FC236}">
+                  <a16:creationId xmlns:a16="http://schemas.microsoft.com/office/drawing/2014/main" id="{3E2D700C-8F62-4197-990C-125B229EDB79}"/>
+                </a:ext>
+              </a:extLst>
+            </p:cNvPr>
+            <p:cNvSpPr/>
+            <p:nvPr/>
+          </p:nvSpPr>
+          <p:spPr>
+            <a:xfrm>
+              <a:off x="5441549" y="2501335"/>
+              <a:ext cx="736600" cy="736600"/>
+            </a:xfrm>
+            <a:prstGeom prst="ellipse">
+              <a:avLst/>
+            </a:prstGeom>
+            <a:ln>
+              <a:solidFill>
+                <a:schemeClr val="accent1">
+                  <a:lumMod val="75000"/>
+                </a:schemeClr>
+              </a:solidFill>
+            </a:ln>
+          </p:spPr>
+          <p:style>
+            <a:lnRef idx="2">
+              <a:schemeClr val="accent1">
+                <a:hueOff val="0"/>
+                <a:satOff val="0"/>
+                <a:lumOff val="0"/>
+                <a:alphaOff val="0"/>
+              </a:schemeClr>
+            </a:lnRef>
+            <a:fillRef idx="1">
+              <a:schemeClr val="lt1">
+                <a:hueOff val="0"/>
+                <a:satOff val="0"/>
+                <a:lumOff val="0"/>
+                <a:alphaOff val="0"/>
+              </a:schemeClr>
+            </a:fillRef>
+            <a:effectRef idx="0">
+              <a:schemeClr val="lt1">
+                <a:hueOff val="0"/>
+                <a:satOff val="0"/>
+                <a:lumOff val="0"/>
+                <a:alphaOff val="0"/>
+              </a:schemeClr>
+            </a:effectRef>
+            <a:fontRef idx="minor">
+              <a:schemeClr val="dk1">
+                <a:hueOff val="0"/>
+                <a:satOff val="0"/>
+                <a:lumOff val="0"/>
+                <a:alphaOff val="0"/>
+              </a:schemeClr>
+            </a:fontRef>
+          </p:style>
+        </p:sp>
+        <p:sp>
+          <p:nvSpPr>
+            <p:cNvPr id="18" name="TextBox 17">
+              <a:extLst>
+                <a:ext uri="{FF2B5EF4-FFF2-40B4-BE49-F238E27FC236}">
+                  <a16:creationId xmlns:a16="http://schemas.microsoft.com/office/drawing/2014/main" id="{B1537222-0EA6-4554-812D-05CDB49ED178}"/>
+                </a:ext>
+              </a:extLst>
+            </p:cNvPr>
+            <p:cNvSpPr txBox="1"/>
+            <p:nvPr/>
+          </p:nvSpPr>
+          <p:spPr>
+            <a:xfrm>
+              <a:off x="5586588" y="2588126"/>
+              <a:ext cx="434734" cy="584775"/>
+            </a:xfrm>
+            <a:prstGeom prst="rect">
+              <a:avLst/>
+            </a:prstGeom>
+            <a:noFill/>
+          </p:spPr>
+          <p:txBody>
+            <a:bodyPr wrap="none" rtlCol="1">
+              <a:spAutoFit/>
+            </a:bodyPr>
+            <a:lstStyle/>
+            <a:p>
+              <a:r>
+                <a:rPr lang="en-US" sz="3200" dirty="0">
+                  <a:solidFill>
+                    <a:schemeClr val="bg2">
+                      <a:lumMod val="50000"/>
+                    </a:schemeClr>
+                  </a:solidFill>
+                  <a:latin typeface="Britannic Bold" panose="020B0903060703020204" pitchFamily="34" charset="0"/>
+                </a:rPr>
+                <a:t>1</a:t>
+              </a:r>
+              <a:endParaRPr lang="fa-IR" sz="3200" dirty="0">
+                <a:solidFill>
+                  <a:schemeClr val="bg2">
+                    <a:lumMod val="50000"/>
+                  </a:schemeClr>
+                </a:solidFill>
+                <a:latin typeface="Britannic Bold" panose="020B0903060703020204" pitchFamily="34" charset="0"/>
+              </a:endParaRPr>
+            </a:p>
+          </p:txBody>
+        </p:sp>
+      </p:grpSp>
     </p:spTree>
     <p:extLst>
       <p:ext uri="{BB962C8B-B14F-4D97-AF65-F5344CB8AC3E}">
-        <p14:creationId xmlns:p14="http://schemas.microsoft.com/office/powerpoint/2010/main" val="2792918310"/>
+        <p14:creationId xmlns:p14="http://schemas.microsoft.com/office/powerpoint/2010/main" val="1077713213"/>
       </p:ext>
     </p:extLst>
   </p:cSld>
   <p:clrMapOvr>
     <a:masterClrMapping/>
   </p:clrMapOvr>
+  <mc:AlternateContent xmlns:mc="http://schemas.openxmlformats.org/markup-compatibility/2006">
+    <mc:Choice xmlns:p159="http://schemas.microsoft.com/office/powerpoint/2015/09/main" Requires="p159">
+      <p:transition xmlns:p14="http://schemas.microsoft.com/office/powerpoint/2010/main" spd="slow" p14:dur="2000">
+        <p159:morph option="byObject"/>
+      </p:transition>
+    </mc:Choice>
+    <mc:Fallback>
+      <p:transition spd="slow">
+        <p:fade/>
+      </p:transition>
+    </mc:Fallback>
+  </mc:AlternateContent>
 </p:sld>
 </file>
 
@@ -6502,7 +10521,7 @@
           <p:cNvPr id="2" name="Title 1">
             <a:extLst>
               <a:ext uri="{FF2B5EF4-FFF2-40B4-BE49-F238E27FC236}">
-                <a16:creationId xmlns:a16="http://schemas.microsoft.com/office/drawing/2014/main" id="{149C9322-7133-47DC-9FFB-0B41B86E6A93}"/>
+                <a16:creationId xmlns:a16="http://schemas.microsoft.com/office/drawing/2014/main" id="{2068D852-1922-4E51-8DAC-A9B47010C3FC}"/>
               </a:ext>
             </a:extLst>
           </p:cNvPr>
@@ -6518,10 +10537,9 @@
           <a:bodyPr/>
           <a:lstStyle/>
           <a:p>
-            <a:pPr algn="ctr"/>
             <a:r>
               <a:rPr lang="en-US" dirty="0"/>
-              <a:t>Open Command Prompt</a:t>
+              <a:t>Create a new repository</a:t>
             </a:r>
             <a:endParaRPr lang="fa-IR" dirty="0"/>
           </a:p>
@@ -6529,10 +10547,10 @@
       </p:sp>
       <p:sp>
         <p:nvSpPr>
-          <p:cNvPr id="7" name="Content Placeholder 6">
-            <a:extLst>
-              <a:ext uri="{FF2B5EF4-FFF2-40B4-BE49-F238E27FC236}">
-                <a16:creationId xmlns:a16="http://schemas.microsoft.com/office/drawing/2014/main" id="{FA2B588C-95C3-4086-85E5-75E836394EBF}"/>
+          <p:cNvPr id="3" name="Content Placeholder 2">
+            <a:extLst>
+              <a:ext uri="{FF2B5EF4-FFF2-40B4-BE49-F238E27FC236}">
+                <a16:creationId xmlns:a16="http://schemas.microsoft.com/office/drawing/2014/main" id="{25517601-4D8E-498C-8C85-7A23F3382C0D}"/>
               </a:ext>
             </a:extLst>
           </p:cNvPr>
@@ -6545,67 +10563,29 @@
         </p:nvSpPr>
         <p:spPr/>
         <p:txBody>
-          <a:bodyPr>
-            <a:normAutofit/>
-          </a:bodyPr>
+          <a:bodyPr/>
           <a:lstStyle/>
           <a:p>
             <a:r>
-              <a:rPr lang="en-US" sz="2400" dirty="0"/>
-              <a:t>Press windows button </a:t>
-            </a:r>
-          </a:p>
-          <a:p>
-            <a:r>
-              <a:rPr lang="en-US" sz="2400" dirty="0"/>
-              <a:t>Type </a:t>
-            </a:r>
-            <a:r>
-              <a:rPr lang="en-US" sz="2400" b="1" dirty="0" err="1"/>
-              <a:t>cmd</a:t>
-            </a:r>
-            <a:endParaRPr lang="en-US" sz="2400" b="1" dirty="0"/>
-          </a:p>
-          <a:p>
-            <a:r>
-              <a:rPr lang="en-US" sz="2400" dirty="0"/>
-              <a:t>Hit the </a:t>
-            </a:r>
-            <a:r>
-              <a:rPr lang="en-US" sz="2400" b="1" dirty="0"/>
-              <a:t>Enter </a:t>
-            </a:r>
-            <a:r>
-              <a:rPr lang="en-US" sz="2400" dirty="0"/>
-              <a:t>(or click by mouse)</a:t>
-            </a:r>
-          </a:p>
-          <a:p>
-            <a:r>
-              <a:rPr lang="en-US" sz="2400" dirty="0"/>
-              <a:t>If you are new to CMD don’t afraid of it. </a:t>
-            </a:r>
-          </a:p>
-          <a:p>
-            <a:r>
-              <a:rPr lang="en-US" sz="2400" dirty="0"/>
-              <a:t>I will add a Section and Explain about it.</a:t>
-            </a:r>
-          </a:p>
-          <a:p>
-            <a:r>
-              <a:rPr lang="en-US" sz="2400" dirty="0"/>
-              <a:t>just follow the steps and write them down.</a:t>
-            </a:r>
+              <a:rPr lang="en-US" dirty="0"/>
+              <a:t>Press the new button </a:t>
+            </a:r>
+          </a:p>
+          <a:p>
+            <a:r>
+              <a:rPr lang="en-US" dirty="0"/>
+              <a:t>Fill the fields</a:t>
+            </a:r>
+            <a:endParaRPr lang="fa-IR" dirty="0"/>
           </a:p>
         </p:txBody>
       </p:sp>
       <p:pic>
         <p:nvPicPr>
-          <p:cNvPr id="9" name="Picture 8">
-            <a:extLst>
-              <a:ext uri="{FF2B5EF4-FFF2-40B4-BE49-F238E27FC236}">
-                <a16:creationId xmlns:a16="http://schemas.microsoft.com/office/drawing/2014/main" id="{6EE7A356-9F7D-407C-BB59-CB6147C14F15}"/>
+          <p:cNvPr id="7" name="Picture 6">
+            <a:extLst>
+              <a:ext uri="{FF2B5EF4-FFF2-40B4-BE49-F238E27FC236}">
+                <a16:creationId xmlns:a16="http://schemas.microsoft.com/office/drawing/2014/main" id="{3B71D0D2-48A6-4AA9-BC85-95A69DAD9BE9}"/>
               </a:ext>
             </a:extLst>
           </p:cNvPr>
@@ -6628,8 +10608,8 @@
         </p:blipFill>
         <p:spPr>
           <a:xfrm>
-            <a:off x="6553200" y="1825625"/>
-            <a:ext cx="4800600" cy="4169909"/>
+            <a:off x="838200" y="2906543"/>
+            <a:ext cx="4144610" cy="3586332"/>
           </a:xfrm>
           <a:prstGeom prst="rect">
             <a:avLst/>
@@ -6639,7 +10619,7 @@
     </p:spTree>
     <p:extLst>
       <p:ext uri="{BB962C8B-B14F-4D97-AF65-F5344CB8AC3E}">
-        <p14:creationId xmlns:p14="http://schemas.microsoft.com/office/powerpoint/2010/main" val="2988033986"/>
+        <p14:creationId xmlns:p14="http://schemas.microsoft.com/office/powerpoint/2010/main" val="1495107205"/>
       </p:ext>
     </p:extLst>
   </p:cSld>

--- a/GitTutorial.pptx
+++ b/GitTutorial.pptx
@@ -167,6 +167,5175 @@
     </p:ext>
   </p:extLst>
 </p:presentation>
+</file>
+
+<file path=ppt/diagrams/colors1.xml><?xml version="1.0" encoding="utf-8"?>
+<dgm:colorsDef xmlns:dgm="http://schemas.openxmlformats.org/drawingml/2006/diagram" xmlns:a="http://schemas.openxmlformats.org/drawingml/2006/main" uniqueId="urn:microsoft.com/office/officeart/2005/8/colors/accent1_2">
+  <dgm:title val=""/>
+  <dgm:desc val=""/>
+  <dgm:catLst>
+    <dgm:cat type="accent1" pri="11200"/>
+  </dgm:catLst>
+  <dgm:styleLbl name="node0">
+    <dgm:fillClrLst meth="repeat">
+      <a:schemeClr val="accent1"/>
+    </dgm:fillClrLst>
+    <dgm:linClrLst meth="repeat">
+      <a:schemeClr val="lt1"/>
+    </dgm:linClrLst>
+    <dgm:effectClrLst/>
+    <dgm:txLinClrLst/>
+    <dgm:txFillClrLst/>
+    <dgm:txEffectClrLst/>
+  </dgm:styleLbl>
+  <dgm:styleLbl name="alignNode1">
+    <dgm:fillClrLst meth="repeat">
+      <a:schemeClr val="accent1"/>
+    </dgm:fillClrLst>
+    <dgm:linClrLst meth="repeat">
+      <a:schemeClr val="accent1"/>
+    </dgm:linClrLst>
+    <dgm:effectClrLst/>
+    <dgm:txLinClrLst/>
+    <dgm:txFillClrLst/>
+    <dgm:txEffectClrLst/>
+  </dgm:styleLbl>
+  <dgm:styleLbl name="node1">
+    <dgm:fillClrLst meth="repeat">
+      <a:schemeClr val="accent1"/>
+    </dgm:fillClrLst>
+    <dgm:linClrLst meth="repeat">
+      <a:schemeClr val="lt1"/>
+    </dgm:linClrLst>
+    <dgm:effectClrLst/>
+    <dgm:txLinClrLst/>
+    <dgm:txFillClrLst/>
+    <dgm:txEffectClrLst/>
+  </dgm:styleLbl>
+  <dgm:styleLbl name="lnNode1">
+    <dgm:fillClrLst meth="repeat">
+      <a:schemeClr val="accent1"/>
+    </dgm:fillClrLst>
+    <dgm:linClrLst meth="repeat">
+      <a:schemeClr val="lt1"/>
+    </dgm:linClrLst>
+    <dgm:effectClrLst/>
+    <dgm:txLinClrLst/>
+    <dgm:txFillClrLst/>
+    <dgm:txEffectClrLst/>
+  </dgm:styleLbl>
+  <dgm:styleLbl name="vennNode1">
+    <dgm:fillClrLst meth="repeat">
+      <a:schemeClr val="accent1">
+        <a:alpha val="50000"/>
+      </a:schemeClr>
+    </dgm:fillClrLst>
+    <dgm:linClrLst meth="repeat">
+      <a:schemeClr val="lt1"/>
+    </dgm:linClrLst>
+    <dgm:effectClrLst/>
+    <dgm:txLinClrLst/>
+    <dgm:txFillClrLst/>
+    <dgm:txEffectClrLst/>
+  </dgm:styleLbl>
+  <dgm:styleLbl name="node2">
+    <dgm:fillClrLst meth="repeat">
+      <a:schemeClr val="accent1"/>
+    </dgm:fillClrLst>
+    <dgm:linClrLst meth="repeat">
+      <a:schemeClr val="lt1"/>
+    </dgm:linClrLst>
+    <dgm:effectClrLst/>
+    <dgm:txLinClrLst/>
+    <dgm:txFillClrLst/>
+    <dgm:txEffectClrLst/>
+  </dgm:styleLbl>
+  <dgm:styleLbl name="node3">
+    <dgm:fillClrLst meth="repeat">
+      <a:schemeClr val="accent1"/>
+    </dgm:fillClrLst>
+    <dgm:linClrLst meth="repeat">
+      <a:schemeClr val="lt1"/>
+    </dgm:linClrLst>
+    <dgm:effectClrLst/>
+    <dgm:txLinClrLst/>
+    <dgm:txFillClrLst/>
+    <dgm:txEffectClrLst/>
+  </dgm:styleLbl>
+  <dgm:styleLbl name="node4">
+    <dgm:fillClrLst meth="repeat">
+      <a:schemeClr val="accent1"/>
+    </dgm:fillClrLst>
+    <dgm:linClrLst meth="repeat">
+      <a:schemeClr val="lt1"/>
+    </dgm:linClrLst>
+    <dgm:effectClrLst/>
+    <dgm:txLinClrLst/>
+    <dgm:txFillClrLst/>
+    <dgm:txEffectClrLst/>
+  </dgm:styleLbl>
+  <dgm:styleLbl name="fgImgPlace1">
+    <dgm:fillClrLst meth="repeat">
+      <a:schemeClr val="accent1">
+        <a:tint val="50000"/>
+      </a:schemeClr>
+    </dgm:fillClrLst>
+    <dgm:linClrLst meth="repeat">
+      <a:schemeClr val="lt1"/>
+    </dgm:linClrLst>
+    <dgm:effectClrLst/>
+    <dgm:txLinClrLst/>
+    <dgm:txFillClrLst meth="repeat">
+      <a:schemeClr val="lt1"/>
+    </dgm:txFillClrLst>
+    <dgm:txEffectClrLst/>
+  </dgm:styleLbl>
+  <dgm:styleLbl name="alignImgPlace1">
+    <dgm:fillClrLst meth="repeat">
+      <a:schemeClr val="accent1">
+        <a:tint val="50000"/>
+      </a:schemeClr>
+    </dgm:fillClrLst>
+    <dgm:linClrLst meth="repeat">
+      <a:schemeClr val="lt1"/>
+    </dgm:linClrLst>
+    <dgm:effectClrLst/>
+    <dgm:txLinClrLst/>
+    <dgm:txFillClrLst meth="repeat">
+      <a:schemeClr val="lt1"/>
+    </dgm:txFillClrLst>
+    <dgm:txEffectClrLst/>
+  </dgm:styleLbl>
+  <dgm:styleLbl name="bgImgPlace1">
+    <dgm:fillClrLst meth="repeat">
+      <a:schemeClr val="accent1">
+        <a:tint val="50000"/>
+      </a:schemeClr>
+    </dgm:fillClrLst>
+    <dgm:linClrLst meth="repeat">
+      <a:schemeClr val="lt1"/>
+    </dgm:linClrLst>
+    <dgm:effectClrLst/>
+    <dgm:txLinClrLst/>
+    <dgm:txFillClrLst meth="repeat">
+      <a:schemeClr val="lt1"/>
+    </dgm:txFillClrLst>
+    <dgm:txEffectClrLst/>
+  </dgm:styleLbl>
+  <dgm:styleLbl name="sibTrans2D1">
+    <dgm:fillClrLst meth="repeat">
+      <a:schemeClr val="accent1">
+        <a:tint val="60000"/>
+      </a:schemeClr>
+    </dgm:fillClrLst>
+    <dgm:linClrLst meth="repeat">
+      <a:schemeClr val="accent1">
+        <a:tint val="60000"/>
+      </a:schemeClr>
+    </dgm:linClrLst>
+    <dgm:effectClrLst/>
+    <dgm:txLinClrLst/>
+    <dgm:txFillClrLst/>
+    <dgm:txEffectClrLst/>
+  </dgm:styleLbl>
+  <dgm:styleLbl name="fgSibTrans2D1">
+    <dgm:fillClrLst meth="repeat">
+      <a:schemeClr val="accent1">
+        <a:tint val="60000"/>
+      </a:schemeClr>
+    </dgm:fillClrLst>
+    <dgm:linClrLst meth="repeat">
+      <a:schemeClr val="accent1">
+        <a:tint val="60000"/>
+      </a:schemeClr>
+    </dgm:linClrLst>
+    <dgm:effectClrLst/>
+    <dgm:txLinClrLst/>
+    <dgm:txFillClrLst/>
+    <dgm:txEffectClrLst/>
+  </dgm:styleLbl>
+  <dgm:styleLbl name="bgSibTrans2D1">
+    <dgm:fillClrLst meth="repeat">
+      <a:schemeClr val="accent1">
+        <a:tint val="60000"/>
+      </a:schemeClr>
+    </dgm:fillClrLst>
+    <dgm:linClrLst meth="repeat">
+      <a:schemeClr val="accent1">
+        <a:tint val="60000"/>
+      </a:schemeClr>
+    </dgm:linClrLst>
+    <dgm:effectClrLst/>
+    <dgm:txLinClrLst/>
+    <dgm:txFillClrLst/>
+    <dgm:txEffectClrLst/>
+  </dgm:styleLbl>
+  <dgm:styleLbl name="sibTrans1D1">
+    <dgm:fillClrLst meth="repeat">
+      <a:schemeClr val="accent1"/>
+    </dgm:fillClrLst>
+    <dgm:linClrLst meth="repeat">
+      <a:schemeClr val="accent1"/>
+    </dgm:linClrLst>
+    <dgm:effectClrLst/>
+    <dgm:txLinClrLst/>
+    <dgm:txFillClrLst meth="repeat">
+      <a:schemeClr val="tx1"/>
+    </dgm:txFillClrLst>
+    <dgm:txEffectClrLst/>
+  </dgm:styleLbl>
+  <dgm:styleLbl name="callout">
+    <dgm:fillClrLst meth="repeat">
+      <a:schemeClr val="accent1"/>
+    </dgm:fillClrLst>
+    <dgm:linClrLst meth="repeat">
+      <a:schemeClr val="accent1">
+        <a:tint val="50000"/>
+      </a:schemeClr>
+    </dgm:linClrLst>
+    <dgm:effectClrLst/>
+    <dgm:txLinClrLst/>
+    <dgm:txFillClrLst meth="repeat">
+      <a:schemeClr val="tx1"/>
+    </dgm:txFillClrLst>
+    <dgm:txEffectClrLst/>
+  </dgm:styleLbl>
+  <dgm:styleLbl name="asst0">
+    <dgm:fillClrLst meth="repeat">
+      <a:schemeClr val="accent1"/>
+    </dgm:fillClrLst>
+    <dgm:linClrLst meth="repeat">
+      <a:schemeClr val="lt1"/>
+    </dgm:linClrLst>
+    <dgm:effectClrLst/>
+    <dgm:txLinClrLst/>
+    <dgm:txFillClrLst/>
+    <dgm:txEffectClrLst/>
+  </dgm:styleLbl>
+  <dgm:styleLbl name="asst1">
+    <dgm:fillClrLst meth="repeat">
+      <a:schemeClr val="accent1"/>
+    </dgm:fillClrLst>
+    <dgm:linClrLst meth="repeat">
+      <a:schemeClr val="lt1"/>
+    </dgm:linClrLst>
+    <dgm:effectClrLst/>
+    <dgm:txLinClrLst/>
+    <dgm:txFillClrLst/>
+    <dgm:txEffectClrLst/>
+  </dgm:styleLbl>
+  <dgm:styleLbl name="asst2">
+    <dgm:fillClrLst meth="repeat">
+      <a:schemeClr val="accent1"/>
+    </dgm:fillClrLst>
+    <dgm:linClrLst meth="repeat">
+      <a:schemeClr val="lt1"/>
+    </dgm:linClrLst>
+    <dgm:effectClrLst/>
+    <dgm:txLinClrLst/>
+    <dgm:txFillClrLst/>
+    <dgm:txEffectClrLst/>
+  </dgm:styleLbl>
+  <dgm:styleLbl name="asst3">
+    <dgm:fillClrLst meth="repeat">
+      <a:schemeClr val="accent1"/>
+    </dgm:fillClrLst>
+    <dgm:linClrLst meth="repeat">
+      <a:schemeClr val="lt1"/>
+    </dgm:linClrLst>
+    <dgm:effectClrLst/>
+    <dgm:txLinClrLst/>
+    <dgm:txFillClrLst/>
+    <dgm:txEffectClrLst/>
+  </dgm:styleLbl>
+  <dgm:styleLbl name="asst4">
+    <dgm:fillClrLst meth="repeat">
+      <a:schemeClr val="accent1"/>
+    </dgm:fillClrLst>
+    <dgm:linClrLst meth="repeat">
+      <a:schemeClr val="lt1"/>
+    </dgm:linClrLst>
+    <dgm:effectClrLst/>
+    <dgm:txLinClrLst/>
+    <dgm:txFillClrLst/>
+    <dgm:txEffectClrLst/>
+  </dgm:styleLbl>
+  <dgm:styleLbl name="parChTrans2D1">
+    <dgm:fillClrLst meth="repeat">
+      <a:schemeClr val="accent1">
+        <a:tint val="60000"/>
+      </a:schemeClr>
+    </dgm:fillClrLst>
+    <dgm:linClrLst meth="repeat">
+      <a:schemeClr val="accent1">
+        <a:tint val="60000"/>
+      </a:schemeClr>
+    </dgm:linClrLst>
+    <dgm:effectClrLst/>
+    <dgm:txLinClrLst/>
+    <dgm:txFillClrLst meth="repeat">
+      <a:schemeClr val="lt1"/>
+    </dgm:txFillClrLst>
+    <dgm:txEffectClrLst/>
+  </dgm:styleLbl>
+  <dgm:styleLbl name="parChTrans2D2">
+    <dgm:fillClrLst meth="repeat">
+      <a:schemeClr val="accent1"/>
+    </dgm:fillClrLst>
+    <dgm:linClrLst meth="repeat">
+      <a:schemeClr val="accent1"/>
+    </dgm:linClrLst>
+    <dgm:effectClrLst/>
+    <dgm:txLinClrLst/>
+    <dgm:txFillClrLst meth="repeat">
+      <a:schemeClr val="lt1"/>
+    </dgm:txFillClrLst>
+    <dgm:txEffectClrLst/>
+  </dgm:styleLbl>
+  <dgm:styleLbl name="parChTrans2D3">
+    <dgm:fillClrLst meth="repeat">
+      <a:schemeClr val="accent1"/>
+    </dgm:fillClrLst>
+    <dgm:linClrLst meth="repeat">
+      <a:schemeClr val="accent1"/>
+    </dgm:linClrLst>
+    <dgm:effectClrLst/>
+    <dgm:txLinClrLst/>
+    <dgm:txFillClrLst meth="repeat">
+      <a:schemeClr val="lt1"/>
+    </dgm:txFillClrLst>
+    <dgm:txEffectClrLst/>
+  </dgm:styleLbl>
+  <dgm:styleLbl name="parChTrans2D4">
+    <dgm:fillClrLst meth="repeat">
+      <a:schemeClr val="accent1"/>
+    </dgm:fillClrLst>
+    <dgm:linClrLst meth="repeat">
+      <a:schemeClr val="accent1"/>
+    </dgm:linClrLst>
+    <dgm:effectClrLst/>
+    <dgm:txLinClrLst/>
+    <dgm:txFillClrLst meth="repeat">
+      <a:schemeClr val="lt1"/>
+    </dgm:txFillClrLst>
+    <dgm:txEffectClrLst/>
+  </dgm:styleLbl>
+  <dgm:styleLbl name="parChTrans1D1">
+    <dgm:fillClrLst meth="repeat">
+      <a:schemeClr val="accent1"/>
+    </dgm:fillClrLst>
+    <dgm:linClrLst meth="repeat">
+      <a:schemeClr val="accent1">
+        <a:shade val="60000"/>
+      </a:schemeClr>
+    </dgm:linClrLst>
+    <dgm:effectClrLst/>
+    <dgm:txLinClrLst/>
+    <dgm:txFillClrLst meth="repeat">
+      <a:schemeClr val="tx1"/>
+    </dgm:txFillClrLst>
+    <dgm:txEffectClrLst/>
+  </dgm:styleLbl>
+  <dgm:styleLbl name="parChTrans1D2">
+    <dgm:fillClrLst meth="repeat">
+      <a:schemeClr val="accent1"/>
+    </dgm:fillClrLst>
+    <dgm:linClrLst meth="repeat">
+      <a:schemeClr val="accent1">
+        <a:shade val="60000"/>
+      </a:schemeClr>
+    </dgm:linClrLst>
+    <dgm:effectClrLst/>
+    <dgm:txLinClrLst/>
+    <dgm:txFillClrLst meth="repeat">
+      <a:schemeClr val="tx1"/>
+    </dgm:txFillClrLst>
+    <dgm:txEffectClrLst/>
+  </dgm:styleLbl>
+  <dgm:styleLbl name="parChTrans1D3">
+    <dgm:fillClrLst meth="repeat">
+      <a:schemeClr val="accent1"/>
+    </dgm:fillClrLst>
+    <dgm:linClrLst meth="repeat">
+      <a:schemeClr val="accent1">
+        <a:shade val="80000"/>
+      </a:schemeClr>
+    </dgm:linClrLst>
+    <dgm:effectClrLst/>
+    <dgm:txLinClrLst/>
+    <dgm:txFillClrLst meth="repeat">
+      <a:schemeClr val="tx1"/>
+    </dgm:txFillClrLst>
+    <dgm:txEffectClrLst/>
+  </dgm:styleLbl>
+  <dgm:styleLbl name="parChTrans1D4">
+    <dgm:fillClrLst meth="repeat">
+      <a:schemeClr val="accent1"/>
+    </dgm:fillClrLst>
+    <dgm:linClrLst meth="repeat">
+      <a:schemeClr val="accent1">
+        <a:shade val="80000"/>
+      </a:schemeClr>
+    </dgm:linClrLst>
+    <dgm:effectClrLst/>
+    <dgm:txLinClrLst/>
+    <dgm:txFillClrLst meth="repeat">
+      <a:schemeClr val="tx1"/>
+    </dgm:txFillClrLst>
+    <dgm:txEffectClrLst/>
+  </dgm:styleLbl>
+  <dgm:styleLbl name="fgAcc1">
+    <dgm:fillClrLst meth="repeat">
+      <a:schemeClr val="lt1">
+        <a:alpha val="90000"/>
+      </a:schemeClr>
+    </dgm:fillClrLst>
+    <dgm:linClrLst meth="repeat">
+      <a:schemeClr val="accent1"/>
+    </dgm:linClrLst>
+    <dgm:effectClrLst/>
+    <dgm:txLinClrLst/>
+    <dgm:txFillClrLst meth="repeat">
+      <a:schemeClr val="dk1"/>
+    </dgm:txFillClrLst>
+    <dgm:txEffectClrLst/>
+  </dgm:styleLbl>
+  <dgm:styleLbl name="conFgAcc1">
+    <dgm:fillClrLst meth="repeat">
+      <a:schemeClr val="lt1">
+        <a:alpha val="90000"/>
+      </a:schemeClr>
+    </dgm:fillClrLst>
+    <dgm:linClrLst meth="repeat">
+      <a:schemeClr val="accent1"/>
+    </dgm:linClrLst>
+    <dgm:effectClrLst/>
+    <dgm:txLinClrLst/>
+    <dgm:txFillClrLst meth="repeat">
+      <a:schemeClr val="dk1"/>
+    </dgm:txFillClrLst>
+    <dgm:txEffectClrLst/>
+  </dgm:styleLbl>
+  <dgm:styleLbl name="alignAcc1">
+    <dgm:fillClrLst meth="repeat">
+      <a:schemeClr val="lt1">
+        <a:alpha val="90000"/>
+      </a:schemeClr>
+    </dgm:fillClrLst>
+    <dgm:linClrLst meth="repeat">
+      <a:schemeClr val="accent1"/>
+    </dgm:linClrLst>
+    <dgm:effectClrLst/>
+    <dgm:txLinClrLst/>
+    <dgm:txFillClrLst meth="repeat">
+      <a:schemeClr val="dk1"/>
+    </dgm:txFillClrLst>
+    <dgm:txEffectClrLst/>
+  </dgm:styleLbl>
+  <dgm:styleLbl name="trAlignAcc1">
+    <dgm:fillClrLst meth="repeat">
+      <a:schemeClr val="lt1">
+        <a:alpha val="40000"/>
+      </a:schemeClr>
+    </dgm:fillClrLst>
+    <dgm:linClrLst meth="repeat">
+      <a:schemeClr val="accent1"/>
+    </dgm:linClrLst>
+    <dgm:effectClrLst/>
+    <dgm:txLinClrLst/>
+    <dgm:txFillClrLst meth="repeat">
+      <a:schemeClr val="dk1"/>
+    </dgm:txFillClrLst>
+    <dgm:txEffectClrLst/>
+  </dgm:styleLbl>
+  <dgm:styleLbl name="bgAcc1">
+    <dgm:fillClrLst meth="repeat">
+      <a:schemeClr val="lt1">
+        <a:alpha val="90000"/>
+      </a:schemeClr>
+    </dgm:fillClrLst>
+    <dgm:linClrLst meth="repeat">
+      <a:schemeClr val="accent1"/>
+    </dgm:linClrLst>
+    <dgm:effectClrLst/>
+    <dgm:txLinClrLst/>
+    <dgm:txFillClrLst meth="repeat">
+      <a:schemeClr val="dk1"/>
+    </dgm:txFillClrLst>
+    <dgm:txEffectClrLst/>
+  </dgm:styleLbl>
+  <dgm:styleLbl name="solidFgAcc1">
+    <dgm:fillClrLst meth="repeat">
+      <a:schemeClr val="lt1"/>
+    </dgm:fillClrLst>
+    <dgm:linClrLst meth="repeat">
+      <a:schemeClr val="accent1"/>
+    </dgm:linClrLst>
+    <dgm:effectClrLst/>
+    <dgm:txLinClrLst/>
+    <dgm:txFillClrLst meth="repeat">
+      <a:schemeClr val="dk1"/>
+    </dgm:txFillClrLst>
+    <dgm:txEffectClrLst/>
+  </dgm:styleLbl>
+  <dgm:styleLbl name="solidAlignAcc1">
+    <dgm:fillClrLst meth="repeat">
+      <a:schemeClr val="lt1"/>
+    </dgm:fillClrLst>
+    <dgm:linClrLst meth="repeat">
+      <a:schemeClr val="accent1"/>
+    </dgm:linClrLst>
+    <dgm:effectClrLst/>
+    <dgm:txLinClrLst/>
+    <dgm:txFillClrLst meth="repeat">
+      <a:schemeClr val="dk1"/>
+    </dgm:txFillClrLst>
+    <dgm:txEffectClrLst/>
+  </dgm:styleLbl>
+  <dgm:styleLbl name="solidBgAcc1">
+    <dgm:fillClrLst meth="repeat">
+      <a:schemeClr val="lt1"/>
+    </dgm:fillClrLst>
+    <dgm:linClrLst meth="repeat">
+      <a:schemeClr val="accent1"/>
+    </dgm:linClrLst>
+    <dgm:effectClrLst/>
+    <dgm:txLinClrLst/>
+    <dgm:txFillClrLst meth="repeat">
+      <a:schemeClr val="dk1"/>
+    </dgm:txFillClrLst>
+    <dgm:txEffectClrLst/>
+  </dgm:styleLbl>
+  <dgm:styleLbl name="fgAccFollowNode1">
+    <dgm:fillClrLst meth="repeat">
+      <a:schemeClr val="accent1">
+        <a:alpha val="90000"/>
+        <a:tint val="40000"/>
+      </a:schemeClr>
+    </dgm:fillClrLst>
+    <dgm:linClrLst meth="repeat">
+      <a:schemeClr val="accent1">
+        <a:alpha val="90000"/>
+        <a:tint val="40000"/>
+      </a:schemeClr>
+    </dgm:linClrLst>
+    <dgm:effectClrLst/>
+    <dgm:txLinClrLst/>
+    <dgm:txFillClrLst meth="repeat">
+      <a:schemeClr val="dk1"/>
+    </dgm:txFillClrLst>
+    <dgm:txEffectClrLst/>
+  </dgm:styleLbl>
+  <dgm:styleLbl name="alignAccFollowNode1">
+    <dgm:fillClrLst meth="repeat">
+      <a:schemeClr val="accent1">
+        <a:alpha val="90000"/>
+        <a:tint val="40000"/>
+      </a:schemeClr>
+    </dgm:fillClrLst>
+    <dgm:linClrLst meth="repeat">
+      <a:schemeClr val="accent1">
+        <a:alpha val="90000"/>
+        <a:tint val="40000"/>
+      </a:schemeClr>
+    </dgm:linClrLst>
+    <dgm:effectClrLst/>
+    <dgm:txLinClrLst/>
+    <dgm:txFillClrLst meth="repeat">
+      <a:schemeClr val="dk1"/>
+    </dgm:txFillClrLst>
+    <dgm:txEffectClrLst/>
+  </dgm:styleLbl>
+  <dgm:styleLbl name="bgAccFollowNode1">
+    <dgm:fillClrLst meth="repeat">
+      <a:schemeClr val="accent1">
+        <a:alpha val="90000"/>
+        <a:tint val="40000"/>
+      </a:schemeClr>
+    </dgm:fillClrLst>
+    <dgm:linClrLst meth="repeat">
+      <a:schemeClr val="accent1">
+        <a:alpha val="90000"/>
+        <a:tint val="40000"/>
+      </a:schemeClr>
+    </dgm:linClrLst>
+    <dgm:effectClrLst/>
+    <dgm:txLinClrLst/>
+    <dgm:txFillClrLst meth="repeat">
+      <a:schemeClr val="dk1"/>
+    </dgm:txFillClrLst>
+    <dgm:txEffectClrLst/>
+  </dgm:styleLbl>
+  <dgm:styleLbl name="fgAcc0">
+    <dgm:fillClrLst meth="repeat">
+      <a:schemeClr val="lt1">
+        <a:alpha val="90000"/>
+      </a:schemeClr>
+    </dgm:fillClrLst>
+    <dgm:linClrLst meth="repeat">
+      <a:schemeClr val="accent1"/>
+    </dgm:linClrLst>
+    <dgm:effectClrLst/>
+    <dgm:txLinClrLst/>
+    <dgm:txFillClrLst meth="repeat">
+      <a:schemeClr val="dk1"/>
+    </dgm:txFillClrLst>
+    <dgm:txEffectClrLst/>
+  </dgm:styleLbl>
+  <dgm:styleLbl name="fgAcc2">
+    <dgm:fillClrLst meth="repeat">
+      <a:schemeClr val="lt1">
+        <a:alpha val="90000"/>
+      </a:schemeClr>
+    </dgm:fillClrLst>
+    <dgm:linClrLst meth="repeat">
+      <a:schemeClr val="accent1"/>
+    </dgm:linClrLst>
+    <dgm:effectClrLst/>
+    <dgm:txLinClrLst/>
+    <dgm:txFillClrLst meth="repeat">
+      <a:schemeClr val="dk1"/>
+    </dgm:txFillClrLst>
+    <dgm:txEffectClrLst/>
+  </dgm:styleLbl>
+  <dgm:styleLbl name="fgAcc3">
+    <dgm:fillClrLst meth="repeat">
+      <a:schemeClr val="lt1">
+        <a:alpha val="90000"/>
+      </a:schemeClr>
+    </dgm:fillClrLst>
+    <dgm:linClrLst meth="repeat">
+      <a:schemeClr val="accent1"/>
+    </dgm:linClrLst>
+    <dgm:effectClrLst/>
+    <dgm:txLinClrLst/>
+    <dgm:txFillClrLst meth="repeat">
+      <a:schemeClr val="dk1"/>
+    </dgm:txFillClrLst>
+    <dgm:txEffectClrLst/>
+  </dgm:styleLbl>
+  <dgm:styleLbl name="fgAcc4">
+    <dgm:fillClrLst meth="repeat">
+      <a:schemeClr val="lt1">
+        <a:alpha val="90000"/>
+      </a:schemeClr>
+    </dgm:fillClrLst>
+    <dgm:linClrLst meth="repeat">
+      <a:schemeClr val="accent1"/>
+    </dgm:linClrLst>
+    <dgm:effectClrLst/>
+    <dgm:txLinClrLst/>
+    <dgm:txFillClrLst meth="repeat">
+      <a:schemeClr val="dk1"/>
+    </dgm:txFillClrLst>
+    <dgm:txEffectClrLst/>
+  </dgm:styleLbl>
+  <dgm:styleLbl name="bgShp">
+    <dgm:fillClrLst meth="repeat">
+      <a:schemeClr val="accent1">
+        <a:tint val="40000"/>
+      </a:schemeClr>
+    </dgm:fillClrLst>
+    <dgm:linClrLst meth="repeat">
+      <a:schemeClr val="accent1"/>
+    </dgm:linClrLst>
+    <dgm:effectClrLst/>
+    <dgm:txLinClrLst/>
+    <dgm:txFillClrLst meth="repeat">
+      <a:schemeClr val="dk1"/>
+    </dgm:txFillClrLst>
+    <dgm:txEffectClrLst/>
+  </dgm:styleLbl>
+  <dgm:styleLbl name="dkBgShp">
+    <dgm:fillClrLst meth="repeat">
+      <a:schemeClr val="accent1">
+        <a:shade val="80000"/>
+      </a:schemeClr>
+    </dgm:fillClrLst>
+    <dgm:linClrLst meth="repeat">
+      <a:schemeClr val="accent1"/>
+    </dgm:linClrLst>
+    <dgm:effectClrLst/>
+    <dgm:txLinClrLst/>
+    <dgm:txFillClrLst meth="repeat">
+      <a:schemeClr val="lt1"/>
+    </dgm:txFillClrLst>
+    <dgm:txEffectClrLst/>
+  </dgm:styleLbl>
+  <dgm:styleLbl name="trBgShp">
+    <dgm:fillClrLst meth="repeat">
+      <a:schemeClr val="accent1">
+        <a:tint val="50000"/>
+        <a:alpha val="40000"/>
+      </a:schemeClr>
+    </dgm:fillClrLst>
+    <dgm:linClrLst meth="repeat">
+      <a:schemeClr val="accent1"/>
+    </dgm:linClrLst>
+    <dgm:effectClrLst/>
+    <dgm:txLinClrLst/>
+    <dgm:txFillClrLst meth="repeat">
+      <a:schemeClr val="lt1"/>
+    </dgm:txFillClrLst>
+    <dgm:txEffectClrLst/>
+  </dgm:styleLbl>
+  <dgm:styleLbl name="fgShp">
+    <dgm:fillClrLst meth="repeat">
+      <a:schemeClr val="accent1">
+        <a:tint val="60000"/>
+      </a:schemeClr>
+    </dgm:fillClrLst>
+    <dgm:linClrLst meth="repeat">
+      <a:schemeClr val="lt1"/>
+    </dgm:linClrLst>
+    <dgm:effectClrLst/>
+    <dgm:txLinClrLst/>
+    <dgm:txFillClrLst meth="repeat">
+      <a:schemeClr val="dk1"/>
+    </dgm:txFillClrLst>
+    <dgm:txEffectClrLst/>
+  </dgm:styleLbl>
+  <dgm:styleLbl name="revTx">
+    <dgm:fillClrLst meth="repeat">
+      <a:schemeClr val="lt1">
+        <a:alpha val="0"/>
+      </a:schemeClr>
+    </dgm:fillClrLst>
+    <dgm:linClrLst meth="repeat">
+      <a:schemeClr val="dk1">
+        <a:alpha val="0"/>
+      </a:schemeClr>
+    </dgm:linClrLst>
+    <dgm:effectClrLst/>
+    <dgm:txLinClrLst/>
+    <dgm:txFillClrLst meth="repeat">
+      <a:schemeClr val="tx1"/>
+    </dgm:txFillClrLst>
+    <dgm:txEffectClrLst/>
+  </dgm:styleLbl>
+</dgm:colorsDef>
+</file>
+
+<file path=ppt/diagrams/colors2.xml><?xml version="1.0" encoding="utf-8"?>
+<dgm:colorsDef xmlns:dgm="http://schemas.openxmlformats.org/drawingml/2006/diagram" xmlns:a="http://schemas.openxmlformats.org/drawingml/2006/main" uniqueId="urn:microsoft.com/office/officeart/2005/8/colors/accent1_2">
+  <dgm:title val=""/>
+  <dgm:desc val=""/>
+  <dgm:catLst>
+    <dgm:cat type="accent1" pri="11200"/>
+  </dgm:catLst>
+  <dgm:styleLbl name="node0">
+    <dgm:fillClrLst meth="repeat">
+      <a:schemeClr val="accent1"/>
+    </dgm:fillClrLst>
+    <dgm:linClrLst meth="repeat">
+      <a:schemeClr val="lt1"/>
+    </dgm:linClrLst>
+    <dgm:effectClrLst/>
+    <dgm:txLinClrLst/>
+    <dgm:txFillClrLst/>
+    <dgm:txEffectClrLst/>
+  </dgm:styleLbl>
+  <dgm:styleLbl name="alignNode1">
+    <dgm:fillClrLst meth="repeat">
+      <a:schemeClr val="accent1"/>
+    </dgm:fillClrLst>
+    <dgm:linClrLst meth="repeat">
+      <a:schemeClr val="accent1"/>
+    </dgm:linClrLst>
+    <dgm:effectClrLst/>
+    <dgm:txLinClrLst/>
+    <dgm:txFillClrLst/>
+    <dgm:txEffectClrLst/>
+  </dgm:styleLbl>
+  <dgm:styleLbl name="node1">
+    <dgm:fillClrLst meth="repeat">
+      <a:schemeClr val="accent1"/>
+    </dgm:fillClrLst>
+    <dgm:linClrLst meth="repeat">
+      <a:schemeClr val="lt1"/>
+    </dgm:linClrLst>
+    <dgm:effectClrLst/>
+    <dgm:txLinClrLst/>
+    <dgm:txFillClrLst/>
+    <dgm:txEffectClrLst/>
+  </dgm:styleLbl>
+  <dgm:styleLbl name="lnNode1">
+    <dgm:fillClrLst meth="repeat">
+      <a:schemeClr val="accent1"/>
+    </dgm:fillClrLst>
+    <dgm:linClrLst meth="repeat">
+      <a:schemeClr val="lt1"/>
+    </dgm:linClrLst>
+    <dgm:effectClrLst/>
+    <dgm:txLinClrLst/>
+    <dgm:txFillClrLst/>
+    <dgm:txEffectClrLst/>
+  </dgm:styleLbl>
+  <dgm:styleLbl name="vennNode1">
+    <dgm:fillClrLst meth="repeat">
+      <a:schemeClr val="accent1">
+        <a:alpha val="50000"/>
+      </a:schemeClr>
+    </dgm:fillClrLst>
+    <dgm:linClrLst meth="repeat">
+      <a:schemeClr val="lt1"/>
+    </dgm:linClrLst>
+    <dgm:effectClrLst/>
+    <dgm:txLinClrLst/>
+    <dgm:txFillClrLst/>
+    <dgm:txEffectClrLst/>
+  </dgm:styleLbl>
+  <dgm:styleLbl name="node2">
+    <dgm:fillClrLst meth="repeat">
+      <a:schemeClr val="accent1"/>
+    </dgm:fillClrLst>
+    <dgm:linClrLst meth="repeat">
+      <a:schemeClr val="lt1"/>
+    </dgm:linClrLst>
+    <dgm:effectClrLst/>
+    <dgm:txLinClrLst/>
+    <dgm:txFillClrLst/>
+    <dgm:txEffectClrLst/>
+  </dgm:styleLbl>
+  <dgm:styleLbl name="node3">
+    <dgm:fillClrLst meth="repeat">
+      <a:schemeClr val="accent1"/>
+    </dgm:fillClrLst>
+    <dgm:linClrLst meth="repeat">
+      <a:schemeClr val="lt1"/>
+    </dgm:linClrLst>
+    <dgm:effectClrLst/>
+    <dgm:txLinClrLst/>
+    <dgm:txFillClrLst/>
+    <dgm:txEffectClrLst/>
+  </dgm:styleLbl>
+  <dgm:styleLbl name="node4">
+    <dgm:fillClrLst meth="repeat">
+      <a:schemeClr val="accent1"/>
+    </dgm:fillClrLst>
+    <dgm:linClrLst meth="repeat">
+      <a:schemeClr val="lt1"/>
+    </dgm:linClrLst>
+    <dgm:effectClrLst/>
+    <dgm:txLinClrLst/>
+    <dgm:txFillClrLst/>
+    <dgm:txEffectClrLst/>
+  </dgm:styleLbl>
+  <dgm:styleLbl name="fgImgPlace1">
+    <dgm:fillClrLst meth="repeat">
+      <a:schemeClr val="accent1">
+        <a:tint val="50000"/>
+      </a:schemeClr>
+    </dgm:fillClrLst>
+    <dgm:linClrLst meth="repeat">
+      <a:schemeClr val="lt1"/>
+    </dgm:linClrLst>
+    <dgm:effectClrLst/>
+    <dgm:txLinClrLst/>
+    <dgm:txFillClrLst meth="repeat">
+      <a:schemeClr val="lt1"/>
+    </dgm:txFillClrLst>
+    <dgm:txEffectClrLst/>
+  </dgm:styleLbl>
+  <dgm:styleLbl name="alignImgPlace1">
+    <dgm:fillClrLst meth="repeat">
+      <a:schemeClr val="accent1">
+        <a:tint val="50000"/>
+      </a:schemeClr>
+    </dgm:fillClrLst>
+    <dgm:linClrLst meth="repeat">
+      <a:schemeClr val="lt1"/>
+    </dgm:linClrLst>
+    <dgm:effectClrLst/>
+    <dgm:txLinClrLst/>
+    <dgm:txFillClrLst meth="repeat">
+      <a:schemeClr val="lt1"/>
+    </dgm:txFillClrLst>
+    <dgm:txEffectClrLst/>
+  </dgm:styleLbl>
+  <dgm:styleLbl name="bgImgPlace1">
+    <dgm:fillClrLst meth="repeat">
+      <a:schemeClr val="accent1">
+        <a:tint val="50000"/>
+      </a:schemeClr>
+    </dgm:fillClrLst>
+    <dgm:linClrLst meth="repeat">
+      <a:schemeClr val="lt1"/>
+    </dgm:linClrLst>
+    <dgm:effectClrLst/>
+    <dgm:txLinClrLst/>
+    <dgm:txFillClrLst meth="repeat">
+      <a:schemeClr val="lt1"/>
+    </dgm:txFillClrLst>
+    <dgm:txEffectClrLst/>
+  </dgm:styleLbl>
+  <dgm:styleLbl name="sibTrans2D1">
+    <dgm:fillClrLst meth="repeat">
+      <a:schemeClr val="accent1">
+        <a:tint val="60000"/>
+      </a:schemeClr>
+    </dgm:fillClrLst>
+    <dgm:linClrLst meth="repeat">
+      <a:schemeClr val="accent1">
+        <a:tint val="60000"/>
+      </a:schemeClr>
+    </dgm:linClrLst>
+    <dgm:effectClrLst/>
+    <dgm:txLinClrLst/>
+    <dgm:txFillClrLst/>
+    <dgm:txEffectClrLst/>
+  </dgm:styleLbl>
+  <dgm:styleLbl name="fgSibTrans2D1">
+    <dgm:fillClrLst meth="repeat">
+      <a:schemeClr val="accent1">
+        <a:tint val="60000"/>
+      </a:schemeClr>
+    </dgm:fillClrLst>
+    <dgm:linClrLst meth="repeat">
+      <a:schemeClr val="accent1">
+        <a:tint val="60000"/>
+      </a:schemeClr>
+    </dgm:linClrLst>
+    <dgm:effectClrLst/>
+    <dgm:txLinClrLst/>
+    <dgm:txFillClrLst/>
+    <dgm:txEffectClrLst/>
+  </dgm:styleLbl>
+  <dgm:styleLbl name="bgSibTrans2D1">
+    <dgm:fillClrLst meth="repeat">
+      <a:schemeClr val="accent1">
+        <a:tint val="60000"/>
+      </a:schemeClr>
+    </dgm:fillClrLst>
+    <dgm:linClrLst meth="repeat">
+      <a:schemeClr val="accent1">
+        <a:tint val="60000"/>
+      </a:schemeClr>
+    </dgm:linClrLst>
+    <dgm:effectClrLst/>
+    <dgm:txLinClrLst/>
+    <dgm:txFillClrLst/>
+    <dgm:txEffectClrLst/>
+  </dgm:styleLbl>
+  <dgm:styleLbl name="sibTrans1D1">
+    <dgm:fillClrLst meth="repeat">
+      <a:schemeClr val="accent1"/>
+    </dgm:fillClrLst>
+    <dgm:linClrLst meth="repeat">
+      <a:schemeClr val="accent1"/>
+    </dgm:linClrLst>
+    <dgm:effectClrLst/>
+    <dgm:txLinClrLst/>
+    <dgm:txFillClrLst meth="repeat">
+      <a:schemeClr val="tx1"/>
+    </dgm:txFillClrLst>
+    <dgm:txEffectClrLst/>
+  </dgm:styleLbl>
+  <dgm:styleLbl name="callout">
+    <dgm:fillClrLst meth="repeat">
+      <a:schemeClr val="accent1"/>
+    </dgm:fillClrLst>
+    <dgm:linClrLst meth="repeat">
+      <a:schemeClr val="accent1">
+        <a:tint val="50000"/>
+      </a:schemeClr>
+    </dgm:linClrLst>
+    <dgm:effectClrLst/>
+    <dgm:txLinClrLst/>
+    <dgm:txFillClrLst meth="repeat">
+      <a:schemeClr val="tx1"/>
+    </dgm:txFillClrLst>
+    <dgm:txEffectClrLst/>
+  </dgm:styleLbl>
+  <dgm:styleLbl name="asst0">
+    <dgm:fillClrLst meth="repeat">
+      <a:schemeClr val="accent1"/>
+    </dgm:fillClrLst>
+    <dgm:linClrLst meth="repeat">
+      <a:schemeClr val="lt1"/>
+    </dgm:linClrLst>
+    <dgm:effectClrLst/>
+    <dgm:txLinClrLst/>
+    <dgm:txFillClrLst/>
+    <dgm:txEffectClrLst/>
+  </dgm:styleLbl>
+  <dgm:styleLbl name="asst1">
+    <dgm:fillClrLst meth="repeat">
+      <a:schemeClr val="accent1"/>
+    </dgm:fillClrLst>
+    <dgm:linClrLst meth="repeat">
+      <a:schemeClr val="lt1"/>
+    </dgm:linClrLst>
+    <dgm:effectClrLst/>
+    <dgm:txLinClrLst/>
+    <dgm:txFillClrLst/>
+    <dgm:txEffectClrLst/>
+  </dgm:styleLbl>
+  <dgm:styleLbl name="asst2">
+    <dgm:fillClrLst meth="repeat">
+      <a:schemeClr val="accent1"/>
+    </dgm:fillClrLst>
+    <dgm:linClrLst meth="repeat">
+      <a:schemeClr val="lt1"/>
+    </dgm:linClrLst>
+    <dgm:effectClrLst/>
+    <dgm:txLinClrLst/>
+    <dgm:txFillClrLst/>
+    <dgm:txEffectClrLst/>
+  </dgm:styleLbl>
+  <dgm:styleLbl name="asst3">
+    <dgm:fillClrLst meth="repeat">
+      <a:schemeClr val="accent1"/>
+    </dgm:fillClrLst>
+    <dgm:linClrLst meth="repeat">
+      <a:schemeClr val="lt1"/>
+    </dgm:linClrLst>
+    <dgm:effectClrLst/>
+    <dgm:txLinClrLst/>
+    <dgm:txFillClrLst/>
+    <dgm:txEffectClrLst/>
+  </dgm:styleLbl>
+  <dgm:styleLbl name="asst4">
+    <dgm:fillClrLst meth="repeat">
+      <a:schemeClr val="accent1"/>
+    </dgm:fillClrLst>
+    <dgm:linClrLst meth="repeat">
+      <a:schemeClr val="lt1"/>
+    </dgm:linClrLst>
+    <dgm:effectClrLst/>
+    <dgm:txLinClrLst/>
+    <dgm:txFillClrLst/>
+    <dgm:txEffectClrLst/>
+  </dgm:styleLbl>
+  <dgm:styleLbl name="parChTrans2D1">
+    <dgm:fillClrLst meth="repeat">
+      <a:schemeClr val="accent1">
+        <a:tint val="60000"/>
+      </a:schemeClr>
+    </dgm:fillClrLst>
+    <dgm:linClrLst meth="repeat">
+      <a:schemeClr val="accent1">
+        <a:tint val="60000"/>
+      </a:schemeClr>
+    </dgm:linClrLst>
+    <dgm:effectClrLst/>
+    <dgm:txLinClrLst/>
+    <dgm:txFillClrLst meth="repeat">
+      <a:schemeClr val="lt1"/>
+    </dgm:txFillClrLst>
+    <dgm:txEffectClrLst/>
+  </dgm:styleLbl>
+  <dgm:styleLbl name="parChTrans2D2">
+    <dgm:fillClrLst meth="repeat">
+      <a:schemeClr val="accent1"/>
+    </dgm:fillClrLst>
+    <dgm:linClrLst meth="repeat">
+      <a:schemeClr val="accent1"/>
+    </dgm:linClrLst>
+    <dgm:effectClrLst/>
+    <dgm:txLinClrLst/>
+    <dgm:txFillClrLst meth="repeat">
+      <a:schemeClr val="lt1"/>
+    </dgm:txFillClrLst>
+    <dgm:txEffectClrLst/>
+  </dgm:styleLbl>
+  <dgm:styleLbl name="parChTrans2D3">
+    <dgm:fillClrLst meth="repeat">
+      <a:schemeClr val="accent1"/>
+    </dgm:fillClrLst>
+    <dgm:linClrLst meth="repeat">
+      <a:schemeClr val="accent1"/>
+    </dgm:linClrLst>
+    <dgm:effectClrLst/>
+    <dgm:txLinClrLst/>
+    <dgm:txFillClrLst meth="repeat">
+      <a:schemeClr val="lt1"/>
+    </dgm:txFillClrLst>
+    <dgm:txEffectClrLst/>
+  </dgm:styleLbl>
+  <dgm:styleLbl name="parChTrans2D4">
+    <dgm:fillClrLst meth="repeat">
+      <a:schemeClr val="accent1"/>
+    </dgm:fillClrLst>
+    <dgm:linClrLst meth="repeat">
+      <a:schemeClr val="accent1"/>
+    </dgm:linClrLst>
+    <dgm:effectClrLst/>
+    <dgm:txLinClrLst/>
+    <dgm:txFillClrLst meth="repeat">
+      <a:schemeClr val="lt1"/>
+    </dgm:txFillClrLst>
+    <dgm:txEffectClrLst/>
+  </dgm:styleLbl>
+  <dgm:styleLbl name="parChTrans1D1">
+    <dgm:fillClrLst meth="repeat">
+      <a:schemeClr val="accent1"/>
+    </dgm:fillClrLst>
+    <dgm:linClrLst meth="repeat">
+      <a:schemeClr val="accent1">
+        <a:shade val="60000"/>
+      </a:schemeClr>
+    </dgm:linClrLst>
+    <dgm:effectClrLst/>
+    <dgm:txLinClrLst/>
+    <dgm:txFillClrLst meth="repeat">
+      <a:schemeClr val="tx1"/>
+    </dgm:txFillClrLst>
+    <dgm:txEffectClrLst/>
+  </dgm:styleLbl>
+  <dgm:styleLbl name="parChTrans1D2">
+    <dgm:fillClrLst meth="repeat">
+      <a:schemeClr val="accent1"/>
+    </dgm:fillClrLst>
+    <dgm:linClrLst meth="repeat">
+      <a:schemeClr val="accent1">
+        <a:shade val="60000"/>
+      </a:schemeClr>
+    </dgm:linClrLst>
+    <dgm:effectClrLst/>
+    <dgm:txLinClrLst/>
+    <dgm:txFillClrLst meth="repeat">
+      <a:schemeClr val="tx1"/>
+    </dgm:txFillClrLst>
+    <dgm:txEffectClrLst/>
+  </dgm:styleLbl>
+  <dgm:styleLbl name="parChTrans1D3">
+    <dgm:fillClrLst meth="repeat">
+      <a:schemeClr val="accent1"/>
+    </dgm:fillClrLst>
+    <dgm:linClrLst meth="repeat">
+      <a:schemeClr val="accent1">
+        <a:shade val="80000"/>
+      </a:schemeClr>
+    </dgm:linClrLst>
+    <dgm:effectClrLst/>
+    <dgm:txLinClrLst/>
+    <dgm:txFillClrLst meth="repeat">
+      <a:schemeClr val="tx1"/>
+    </dgm:txFillClrLst>
+    <dgm:txEffectClrLst/>
+  </dgm:styleLbl>
+  <dgm:styleLbl name="parChTrans1D4">
+    <dgm:fillClrLst meth="repeat">
+      <a:schemeClr val="accent1"/>
+    </dgm:fillClrLst>
+    <dgm:linClrLst meth="repeat">
+      <a:schemeClr val="accent1">
+        <a:shade val="80000"/>
+      </a:schemeClr>
+    </dgm:linClrLst>
+    <dgm:effectClrLst/>
+    <dgm:txLinClrLst/>
+    <dgm:txFillClrLst meth="repeat">
+      <a:schemeClr val="tx1"/>
+    </dgm:txFillClrLst>
+    <dgm:txEffectClrLst/>
+  </dgm:styleLbl>
+  <dgm:styleLbl name="fgAcc1">
+    <dgm:fillClrLst meth="repeat">
+      <a:schemeClr val="lt1">
+        <a:alpha val="90000"/>
+      </a:schemeClr>
+    </dgm:fillClrLst>
+    <dgm:linClrLst meth="repeat">
+      <a:schemeClr val="accent1"/>
+    </dgm:linClrLst>
+    <dgm:effectClrLst/>
+    <dgm:txLinClrLst/>
+    <dgm:txFillClrLst meth="repeat">
+      <a:schemeClr val="dk1"/>
+    </dgm:txFillClrLst>
+    <dgm:txEffectClrLst/>
+  </dgm:styleLbl>
+  <dgm:styleLbl name="conFgAcc1">
+    <dgm:fillClrLst meth="repeat">
+      <a:schemeClr val="lt1">
+        <a:alpha val="90000"/>
+      </a:schemeClr>
+    </dgm:fillClrLst>
+    <dgm:linClrLst meth="repeat">
+      <a:schemeClr val="accent1"/>
+    </dgm:linClrLst>
+    <dgm:effectClrLst/>
+    <dgm:txLinClrLst/>
+    <dgm:txFillClrLst meth="repeat">
+      <a:schemeClr val="dk1"/>
+    </dgm:txFillClrLst>
+    <dgm:txEffectClrLst/>
+  </dgm:styleLbl>
+  <dgm:styleLbl name="alignAcc1">
+    <dgm:fillClrLst meth="repeat">
+      <a:schemeClr val="lt1">
+        <a:alpha val="90000"/>
+      </a:schemeClr>
+    </dgm:fillClrLst>
+    <dgm:linClrLst meth="repeat">
+      <a:schemeClr val="accent1"/>
+    </dgm:linClrLst>
+    <dgm:effectClrLst/>
+    <dgm:txLinClrLst/>
+    <dgm:txFillClrLst meth="repeat">
+      <a:schemeClr val="dk1"/>
+    </dgm:txFillClrLst>
+    <dgm:txEffectClrLst/>
+  </dgm:styleLbl>
+  <dgm:styleLbl name="trAlignAcc1">
+    <dgm:fillClrLst meth="repeat">
+      <a:schemeClr val="lt1">
+        <a:alpha val="40000"/>
+      </a:schemeClr>
+    </dgm:fillClrLst>
+    <dgm:linClrLst meth="repeat">
+      <a:schemeClr val="accent1"/>
+    </dgm:linClrLst>
+    <dgm:effectClrLst/>
+    <dgm:txLinClrLst/>
+    <dgm:txFillClrLst meth="repeat">
+      <a:schemeClr val="dk1"/>
+    </dgm:txFillClrLst>
+    <dgm:txEffectClrLst/>
+  </dgm:styleLbl>
+  <dgm:styleLbl name="bgAcc1">
+    <dgm:fillClrLst meth="repeat">
+      <a:schemeClr val="lt1">
+        <a:alpha val="90000"/>
+      </a:schemeClr>
+    </dgm:fillClrLst>
+    <dgm:linClrLst meth="repeat">
+      <a:schemeClr val="accent1"/>
+    </dgm:linClrLst>
+    <dgm:effectClrLst/>
+    <dgm:txLinClrLst/>
+    <dgm:txFillClrLst meth="repeat">
+      <a:schemeClr val="dk1"/>
+    </dgm:txFillClrLst>
+    <dgm:txEffectClrLst/>
+  </dgm:styleLbl>
+  <dgm:styleLbl name="solidFgAcc1">
+    <dgm:fillClrLst meth="repeat">
+      <a:schemeClr val="lt1"/>
+    </dgm:fillClrLst>
+    <dgm:linClrLst meth="repeat">
+      <a:schemeClr val="accent1"/>
+    </dgm:linClrLst>
+    <dgm:effectClrLst/>
+    <dgm:txLinClrLst/>
+    <dgm:txFillClrLst meth="repeat">
+      <a:schemeClr val="dk1"/>
+    </dgm:txFillClrLst>
+    <dgm:txEffectClrLst/>
+  </dgm:styleLbl>
+  <dgm:styleLbl name="solidAlignAcc1">
+    <dgm:fillClrLst meth="repeat">
+      <a:schemeClr val="lt1"/>
+    </dgm:fillClrLst>
+    <dgm:linClrLst meth="repeat">
+      <a:schemeClr val="accent1"/>
+    </dgm:linClrLst>
+    <dgm:effectClrLst/>
+    <dgm:txLinClrLst/>
+    <dgm:txFillClrLst meth="repeat">
+      <a:schemeClr val="dk1"/>
+    </dgm:txFillClrLst>
+    <dgm:txEffectClrLst/>
+  </dgm:styleLbl>
+  <dgm:styleLbl name="solidBgAcc1">
+    <dgm:fillClrLst meth="repeat">
+      <a:schemeClr val="lt1"/>
+    </dgm:fillClrLst>
+    <dgm:linClrLst meth="repeat">
+      <a:schemeClr val="accent1"/>
+    </dgm:linClrLst>
+    <dgm:effectClrLst/>
+    <dgm:txLinClrLst/>
+    <dgm:txFillClrLst meth="repeat">
+      <a:schemeClr val="dk1"/>
+    </dgm:txFillClrLst>
+    <dgm:txEffectClrLst/>
+  </dgm:styleLbl>
+  <dgm:styleLbl name="fgAccFollowNode1">
+    <dgm:fillClrLst meth="repeat">
+      <a:schemeClr val="accent1">
+        <a:alpha val="90000"/>
+        <a:tint val="40000"/>
+      </a:schemeClr>
+    </dgm:fillClrLst>
+    <dgm:linClrLst meth="repeat">
+      <a:schemeClr val="accent1">
+        <a:alpha val="90000"/>
+        <a:tint val="40000"/>
+      </a:schemeClr>
+    </dgm:linClrLst>
+    <dgm:effectClrLst/>
+    <dgm:txLinClrLst/>
+    <dgm:txFillClrLst meth="repeat">
+      <a:schemeClr val="dk1"/>
+    </dgm:txFillClrLst>
+    <dgm:txEffectClrLst/>
+  </dgm:styleLbl>
+  <dgm:styleLbl name="alignAccFollowNode1">
+    <dgm:fillClrLst meth="repeat">
+      <a:schemeClr val="accent1">
+        <a:alpha val="90000"/>
+        <a:tint val="40000"/>
+      </a:schemeClr>
+    </dgm:fillClrLst>
+    <dgm:linClrLst meth="repeat">
+      <a:schemeClr val="accent1">
+        <a:alpha val="90000"/>
+        <a:tint val="40000"/>
+      </a:schemeClr>
+    </dgm:linClrLst>
+    <dgm:effectClrLst/>
+    <dgm:txLinClrLst/>
+    <dgm:txFillClrLst meth="repeat">
+      <a:schemeClr val="dk1"/>
+    </dgm:txFillClrLst>
+    <dgm:txEffectClrLst/>
+  </dgm:styleLbl>
+  <dgm:styleLbl name="bgAccFollowNode1">
+    <dgm:fillClrLst meth="repeat">
+      <a:schemeClr val="accent1">
+        <a:alpha val="90000"/>
+        <a:tint val="40000"/>
+      </a:schemeClr>
+    </dgm:fillClrLst>
+    <dgm:linClrLst meth="repeat">
+      <a:schemeClr val="accent1">
+        <a:alpha val="90000"/>
+        <a:tint val="40000"/>
+      </a:schemeClr>
+    </dgm:linClrLst>
+    <dgm:effectClrLst/>
+    <dgm:txLinClrLst/>
+    <dgm:txFillClrLst meth="repeat">
+      <a:schemeClr val="dk1"/>
+    </dgm:txFillClrLst>
+    <dgm:txEffectClrLst/>
+  </dgm:styleLbl>
+  <dgm:styleLbl name="fgAcc0">
+    <dgm:fillClrLst meth="repeat">
+      <a:schemeClr val="lt1">
+        <a:alpha val="90000"/>
+      </a:schemeClr>
+    </dgm:fillClrLst>
+    <dgm:linClrLst meth="repeat">
+      <a:schemeClr val="accent1"/>
+    </dgm:linClrLst>
+    <dgm:effectClrLst/>
+    <dgm:txLinClrLst/>
+    <dgm:txFillClrLst meth="repeat">
+      <a:schemeClr val="dk1"/>
+    </dgm:txFillClrLst>
+    <dgm:txEffectClrLst/>
+  </dgm:styleLbl>
+  <dgm:styleLbl name="fgAcc2">
+    <dgm:fillClrLst meth="repeat">
+      <a:schemeClr val="lt1">
+        <a:alpha val="90000"/>
+      </a:schemeClr>
+    </dgm:fillClrLst>
+    <dgm:linClrLst meth="repeat">
+      <a:schemeClr val="accent1"/>
+    </dgm:linClrLst>
+    <dgm:effectClrLst/>
+    <dgm:txLinClrLst/>
+    <dgm:txFillClrLst meth="repeat">
+      <a:schemeClr val="dk1"/>
+    </dgm:txFillClrLst>
+    <dgm:txEffectClrLst/>
+  </dgm:styleLbl>
+  <dgm:styleLbl name="fgAcc3">
+    <dgm:fillClrLst meth="repeat">
+      <a:schemeClr val="lt1">
+        <a:alpha val="90000"/>
+      </a:schemeClr>
+    </dgm:fillClrLst>
+    <dgm:linClrLst meth="repeat">
+      <a:schemeClr val="accent1"/>
+    </dgm:linClrLst>
+    <dgm:effectClrLst/>
+    <dgm:txLinClrLst/>
+    <dgm:txFillClrLst meth="repeat">
+      <a:schemeClr val="dk1"/>
+    </dgm:txFillClrLst>
+    <dgm:txEffectClrLst/>
+  </dgm:styleLbl>
+  <dgm:styleLbl name="fgAcc4">
+    <dgm:fillClrLst meth="repeat">
+      <a:schemeClr val="lt1">
+        <a:alpha val="90000"/>
+      </a:schemeClr>
+    </dgm:fillClrLst>
+    <dgm:linClrLst meth="repeat">
+      <a:schemeClr val="accent1"/>
+    </dgm:linClrLst>
+    <dgm:effectClrLst/>
+    <dgm:txLinClrLst/>
+    <dgm:txFillClrLst meth="repeat">
+      <a:schemeClr val="dk1"/>
+    </dgm:txFillClrLst>
+    <dgm:txEffectClrLst/>
+  </dgm:styleLbl>
+  <dgm:styleLbl name="bgShp">
+    <dgm:fillClrLst meth="repeat">
+      <a:schemeClr val="accent1">
+        <a:tint val="40000"/>
+      </a:schemeClr>
+    </dgm:fillClrLst>
+    <dgm:linClrLst meth="repeat">
+      <a:schemeClr val="accent1"/>
+    </dgm:linClrLst>
+    <dgm:effectClrLst/>
+    <dgm:txLinClrLst/>
+    <dgm:txFillClrLst meth="repeat">
+      <a:schemeClr val="dk1"/>
+    </dgm:txFillClrLst>
+    <dgm:txEffectClrLst/>
+  </dgm:styleLbl>
+  <dgm:styleLbl name="dkBgShp">
+    <dgm:fillClrLst meth="repeat">
+      <a:schemeClr val="accent1">
+        <a:shade val="80000"/>
+      </a:schemeClr>
+    </dgm:fillClrLst>
+    <dgm:linClrLst meth="repeat">
+      <a:schemeClr val="accent1"/>
+    </dgm:linClrLst>
+    <dgm:effectClrLst/>
+    <dgm:txLinClrLst/>
+    <dgm:txFillClrLst meth="repeat">
+      <a:schemeClr val="lt1"/>
+    </dgm:txFillClrLst>
+    <dgm:txEffectClrLst/>
+  </dgm:styleLbl>
+  <dgm:styleLbl name="trBgShp">
+    <dgm:fillClrLst meth="repeat">
+      <a:schemeClr val="accent1">
+        <a:tint val="50000"/>
+        <a:alpha val="40000"/>
+      </a:schemeClr>
+    </dgm:fillClrLst>
+    <dgm:linClrLst meth="repeat">
+      <a:schemeClr val="accent1"/>
+    </dgm:linClrLst>
+    <dgm:effectClrLst/>
+    <dgm:txLinClrLst/>
+    <dgm:txFillClrLst meth="repeat">
+      <a:schemeClr val="lt1"/>
+    </dgm:txFillClrLst>
+    <dgm:txEffectClrLst/>
+  </dgm:styleLbl>
+  <dgm:styleLbl name="fgShp">
+    <dgm:fillClrLst meth="repeat">
+      <a:schemeClr val="accent1">
+        <a:tint val="60000"/>
+      </a:schemeClr>
+    </dgm:fillClrLst>
+    <dgm:linClrLst meth="repeat">
+      <a:schemeClr val="lt1"/>
+    </dgm:linClrLst>
+    <dgm:effectClrLst/>
+    <dgm:txLinClrLst/>
+    <dgm:txFillClrLst meth="repeat">
+      <a:schemeClr val="dk1"/>
+    </dgm:txFillClrLst>
+    <dgm:txEffectClrLst/>
+  </dgm:styleLbl>
+  <dgm:styleLbl name="revTx">
+    <dgm:fillClrLst meth="repeat">
+      <a:schemeClr val="lt1">
+        <a:alpha val="0"/>
+      </a:schemeClr>
+    </dgm:fillClrLst>
+    <dgm:linClrLst meth="repeat">
+      <a:schemeClr val="dk1">
+        <a:alpha val="0"/>
+      </a:schemeClr>
+    </dgm:linClrLst>
+    <dgm:effectClrLst/>
+    <dgm:txLinClrLst/>
+    <dgm:txFillClrLst meth="repeat">
+      <a:schemeClr val="tx1"/>
+    </dgm:txFillClrLst>
+    <dgm:txEffectClrLst/>
+  </dgm:styleLbl>
+</dgm:colorsDef>
+</file>
+
+<file path=ppt/diagrams/data1.xml><?xml version="1.0" encoding="utf-8"?>
+<dgm:dataModel xmlns:dgm="http://schemas.openxmlformats.org/drawingml/2006/diagram" xmlns:a="http://schemas.openxmlformats.org/drawingml/2006/main">
+  <dgm:ptLst>
+    <dgm:pt modelId="{796EE492-9BC4-4DBC-86C5-3F4DC73E76CD}" type="doc">
+      <dgm:prSet loTypeId="urn:microsoft.com/office/officeart/2005/8/layout/hList1" loCatId="list" qsTypeId="urn:microsoft.com/office/officeart/2005/8/quickstyle/simple1" qsCatId="simple" csTypeId="urn:microsoft.com/office/officeart/2005/8/colors/accent1_2" csCatId="accent1" phldr="1"/>
+      <dgm:spPr/>
+      <dgm:t>
+        <a:bodyPr/>
+        <a:lstStyle/>
+        <a:p>
+          <a:pPr rtl="1"/>
+          <a:endParaRPr lang="fa-IR"/>
+        </a:p>
+      </dgm:t>
+    </dgm:pt>
+    <dgm:pt modelId="{8C82D35F-D421-4C99-B1DC-9C4A4D381E7D}">
+      <dgm:prSet/>
+      <dgm:spPr/>
+      <dgm:t>
+        <a:bodyPr/>
+        <a:lstStyle/>
+        <a:p>
+          <a:pPr rtl="1"/>
+          <a:r>
+            <a:rPr lang="en-US" dirty="0"/>
+            <a:t>git config --global user.name “FirstName </a:t>
+          </a:r>
+          <a:r>
+            <a:rPr lang="en-US" dirty="0" err="1"/>
+            <a:t>LastName</a:t>
+          </a:r>
+          <a:r>
+            <a:rPr lang="en-US" dirty="0"/>
+            <a:t>“</a:t>
+          </a:r>
+          <a:endParaRPr lang="fa-IR" dirty="0"/>
+        </a:p>
+      </dgm:t>
+    </dgm:pt>
+    <dgm:pt modelId="{FF2995CD-2AB2-4B78-ADE9-B191FC9F0CEB}" type="parTrans" cxnId="{BD14950A-57AF-4B77-B525-A72181914B11}">
+      <dgm:prSet/>
+      <dgm:spPr/>
+      <dgm:t>
+        <a:bodyPr/>
+        <a:lstStyle/>
+        <a:p>
+          <a:pPr rtl="1"/>
+          <a:endParaRPr lang="fa-IR"/>
+        </a:p>
+      </dgm:t>
+    </dgm:pt>
+    <dgm:pt modelId="{274F5ADC-EB1E-4B4C-BB36-7FAB202BB288}" type="sibTrans" cxnId="{BD14950A-57AF-4B77-B525-A72181914B11}">
+      <dgm:prSet/>
+      <dgm:spPr/>
+      <dgm:t>
+        <a:bodyPr/>
+        <a:lstStyle/>
+        <a:p>
+          <a:pPr rtl="1"/>
+          <a:endParaRPr lang="fa-IR"/>
+        </a:p>
+      </dgm:t>
+    </dgm:pt>
+    <dgm:pt modelId="{15EAF842-240E-469D-BA3B-4AA0BF9F8061}">
+      <dgm:prSet/>
+      <dgm:spPr/>
+      <dgm:t>
+        <a:bodyPr/>
+        <a:lstStyle/>
+        <a:p>
+          <a:pPr rtl="1"/>
+          <a:r>
+            <a:rPr lang="en-US"/>
+            <a:t>git config --global user.email “your email address"</a:t>
+          </a:r>
+          <a:endParaRPr lang="fa-IR"/>
+        </a:p>
+      </dgm:t>
+    </dgm:pt>
+    <dgm:pt modelId="{B0523FF3-95C7-4DAD-9BA2-8160D3755825}" type="parTrans" cxnId="{CBA4CAE4-BB68-4A5A-8F25-FA1138916FA1}">
+      <dgm:prSet/>
+      <dgm:spPr/>
+      <dgm:t>
+        <a:bodyPr/>
+        <a:lstStyle/>
+        <a:p>
+          <a:pPr rtl="1"/>
+          <a:endParaRPr lang="fa-IR"/>
+        </a:p>
+      </dgm:t>
+    </dgm:pt>
+    <dgm:pt modelId="{840F5EF3-0232-4549-943F-CC17A03C02BB}" type="sibTrans" cxnId="{CBA4CAE4-BB68-4A5A-8F25-FA1138916FA1}">
+      <dgm:prSet/>
+      <dgm:spPr/>
+      <dgm:t>
+        <a:bodyPr/>
+        <a:lstStyle/>
+        <a:p>
+          <a:pPr rtl="1"/>
+          <a:endParaRPr lang="fa-IR"/>
+        </a:p>
+      </dgm:t>
+    </dgm:pt>
+    <dgm:pt modelId="{05A9AA09-4A58-48E4-859B-1D9C23574306}">
+      <dgm:prSet/>
+      <dgm:spPr/>
+      <dgm:t>
+        <a:bodyPr/>
+        <a:lstStyle/>
+        <a:p>
+          <a:pPr rtl="1"/>
+          <a:r>
+            <a:rPr lang="en-US" dirty="0"/>
+            <a:t>git config --global </a:t>
+          </a:r>
+          <a:r>
+            <a:rPr lang="en-US" dirty="0" err="1"/>
+            <a:t>core.editor</a:t>
+          </a:r>
+          <a:r>
+            <a:rPr lang="en-US" dirty="0"/>
+            <a:t> "notepad"</a:t>
+          </a:r>
+          <a:endParaRPr lang="fa-IR" dirty="0"/>
+        </a:p>
+      </dgm:t>
+    </dgm:pt>
+    <dgm:pt modelId="{E27522D7-CFD0-4B35-A21B-5EB24CCC6B51}" type="parTrans" cxnId="{8C1203D5-EEBE-4F18-9779-4FA28A267CE7}">
+      <dgm:prSet/>
+      <dgm:spPr/>
+      <dgm:t>
+        <a:bodyPr/>
+        <a:lstStyle/>
+        <a:p>
+          <a:pPr rtl="1"/>
+          <a:endParaRPr lang="fa-IR"/>
+        </a:p>
+      </dgm:t>
+    </dgm:pt>
+    <dgm:pt modelId="{7460D530-2369-4B22-AE5A-9722BAF39538}" type="sibTrans" cxnId="{8C1203D5-EEBE-4F18-9779-4FA28A267CE7}">
+      <dgm:prSet/>
+      <dgm:spPr/>
+      <dgm:t>
+        <a:bodyPr/>
+        <a:lstStyle/>
+        <a:p>
+          <a:pPr rtl="1"/>
+          <a:endParaRPr lang="fa-IR"/>
+        </a:p>
+      </dgm:t>
+    </dgm:pt>
+    <dgm:pt modelId="{A86E4B89-62BE-489C-9141-DDEC0BCA41BE}">
+      <dgm:prSet/>
+      <dgm:spPr/>
+      <dgm:t>
+        <a:bodyPr/>
+        <a:lstStyle/>
+        <a:p>
+          <a:pPr algn="ctr" rtl="0">
+            <a:buNone/>
+          </a:pPr>
+          <a:r>
+            <a:rPr lang="en-US" dirty="0"/>
+            <a:t>To set your Name</a:t>
+          </a:r>
+          <a:endParaRPr lang="fa-IR" dirty="0"/>
+        </a:p>
+      </dgm:t>
+    </dgm:pt>
+    <dgm:pt modelId="{D28107CF-0954-4D4C-830E-FB939BF049F2}" type="parTrans" cxnId="{457A4EC8-4F21-4E23-A72A-A81C3FFC0F4A}">
+      <dgm:prSet/>
+      <dgm:spPr/>
+      <dgm:t>
+        <a:bodyPr/>
+        <a:lstStyle/>
+        <a:p>
+          <a:pPr rtl="1"/>
+          <a:endParaRPr lang="fa-IR"/>
+        </a:p>
+      </dgm:t>
+    </dgm:pt>
+    <dgm:pt modelId="{7A1E41AD-75C2-4BDE-9C3E-5777E5DEB8F9}" type="sibTrans" cxnId="{457A4EC8-4F21-4E23-A72A-A81C3FFC0F4A}">
+      <dgm:prSet/>
+      <dgm:spPr/>
+      <dgm:t>
+        <a:bodyPr/>
+        <a:lstStyle/>
+        <a:p>
+          <a:pPr rtl="1"/>
+          <a:endParaRPr lang="fa-IR"/>
+        </a:p>
+      </dgm:t>
+    </dgm:pt>
+    <dgm:pt modelId="{F68C801E-310F-48DE-8BA1-B6B007D2E99E}">
+      <dgm:prSet/>
+      <dgm:spPr/>
+      <dgm:t>
+        <a:bodyPr/>
+        <a:lstStyle/>
+        <a:p>
+          <a:pPr algn="ctr" rtl="0">
+            <a:buNone/>
+          </a:pPr>
+          <a:r>
+            <a:rPr lang="en-US" dirty="0"/>
+            <a:t>Set the email same as your email you used in GitHub.com</a:t>
+          </a:r>
+          <a:endParaRPr lang="fa-IR" dirty="0"/>
+        </a:p>
+      </dgm:t>
+    </dgm:pt>
+    <dgm:pt modelId="{E70F3130-D382-4BFD-8C60-EBDDE0B3FB93}" type="parTrans" cxnId="{B738D733-031F-4393-9111-06B1E203B217}">
+      <dgm:prSet/>
+      <dgm:spPr/>
+      <dgm:t>
+        <a:bodyPr/>
+        <a:lstStyle/>
+        <a:p>
+          <a:pPr rtl="1"/>
+          <a:endParaRPr lang="fa-IR"/>
+        </a:p>
+      </dgm:t>
+    </dgm:pt>
+    <dgm:pt modelId="{2BEFEB09-3E63-47E3-926D-8DE8F74441B0}" type="sibTrans" cxnId="{B738D733-031F-4393-9111-06B1E203B217}">
+      <dgm:prSet/>
+      <dgm:spPr/>
+      <dgm:t>
+        <a:bodyPr/>
+        <a:lstStyle/>
+        <a:p>
+          <a:pPr rtl="1"/>
+          <a:endParaRPr lang="fa-IR"/>
+        </a:p>
+      </dgm:t>
+    </dgm:pt>
+    <dgm:pt modelId="{02369394-0982-4F9A-A9D8-2FE2D1444253}">
+      <dgm:prSet/>
+      <dgm:spPr/>
+      <dgm:t>
+        <a:bodyPr/>
+        <a:lstStyle/>
+        <a:p>
+          <a:pPr algn="ctr" rtl="0">
+            <a:buNone/>
+          </a:pPr>
+          <a:r>
+            <a:rPr lang="en-US"/>
+            <a:t>To set your default editor to notepad</a:t>
+          </a:r>
+          <a:endParaRPr lang="fa-IR" dirty="0"/>
+        </a:p>
+      </dgm:t>
+    </dgm:pt>
+    <dgm:pt modelId="{7865B0E4-3824-4A89-8303-ACF7C6CC36E1}" type="parTrans" cxnId="{F6736210-B917-4E85-AC71-FD2576C0E85A}">
+      <dgm:prSet/>
+      <dgm:spPr/>
+      <dgm:t>
+        <a:bodyPr/>
+        <a:lstStyle/>
+        <a:p>
+          <a:pPr rtl="1"/>
+          <a:endParaRPr lang="fa-IR"/>
+        </a:p>
+      </dgm:t>
+    </dgm:pt>
+    <dgm:pt modelId="{A1C4DEEA-C7C7-4618-B521-FAB771C478BB}" type="sibTrans" cxnId="{F6736210-B917-4E85-AC71-FD2576C0E85A}">
+      <dgm:prSet/>
+      <dgm:spPr/>
+      <dgm:t>
+        <a:bodyPr/>
+        <a:lstStyle/>
+        <a:p>
+          <a:pPr rtl="1"/>
+          <a:endParaRPr lang="fa-IR"/>
+        </a:p>
+      </dgm:t>
+    </dgm:pt>
+    <dgm:pt modelId="{13B74EAA-5C06-4F87-8160-1EE4FDD184DA}" type="pres">
+      <dgm:prSet presAssocID="{796EE492-9BC4-4DBC-86C5-3F4DC73E76CD}" presName="Name0" presStyleCnt="0">
+        <dgm:presLayoutVars>
+          <dgm:dir/>
+          <dgm:animLvl val="lvl"/>
+          <dgm:resizeHandles val="exact"/>
+        </dgm:presLayoutVars>
+      </dgm:prSet>
+      <dgm:spPr/>
+    </dgm:pt>
+    <dgm:pt modelId="{B4FC94F7-FCA6-412F-8DC9-EF9241C3C1D5}" type="pres">
+      <dgm:prSet presAssocID="{8C82D35F-D421-4C99-B1DC-9C4A4D381E7D}" presName="composite" presStyleCnt="0"/>
+      <dgm:spPr/>
+    </dgm:pt>
+    <dgm:pt modelId="{0CF25A31-FB7A-4947-9E0D-A8E47FC47F6D}" type="pres">
+      <dgm:prSet presAssocID="{8C82D35F-D421-4C99-B1DC-9C4A4D381E7D}" presName="parTx" presStyleLbl="alignNode1" presStyleIdx="0" presStyleCnt="3">
+        <dgm:presLayoutVars>
+          <dgm:chMax val="0"/>
+          <dgm:chPref val="0"/>
+          <dgm:bulletEnabled val="1"/>
+        </dgm:presLayoutVars>
+      </dgm:prSet>
+      <dgm:spPr/>
+    </dgm:pt>
+    <dgm:pt modelId="{98295CB2-4389-48D4-B3A8-E54C20BD00FD}" type="pres">
+      <dgm:prSet presAssocID="{8C82D35F-D421-4C99-B1DC-9C4A4D381E7D}" presName="desTx" presStyleLbl="alignAccFollowNode1" presStyleIdx="0" presStyleCnt="3">
+        <dgm:presLayoutVars>
+          <dgm:bulletEnabled val="1"/>
+        </dgm:presLayoutVars>
+      </dgm:prSet>
+      <dgm:spPr/>
+    </dgm:pt>
+    <dgm:pt modelId="{9E3B5E76-4A6A-473A-870B-356E3E766DDA}" type="pres">
+      <dgm:prSet presAssocID="{274F5ADC-EB1E-4B4C-BB36-7FAB202BB288}" presName="space" presStyleCnt="0"/>
+      <dgm:spPr/>
+    </dgm:pt>
+    <dgm:pt modelId="{F541A63F-8F44-4FCD-BA6B-FE0084247F75}" type="pres">
+      <dgm:prSet presAssocID="{15EAF842-240E-469D-BA3B-4AA0BF9F8061}" presName="composite" presStyleCnt="0"/>
+      <dgm:spPr/>
+    </dgm:pt>
+    <dgm:pt modelId="{3142FB3B-BAD4-4C78-909B-98B671762282}" type="pres">
+      <dgm:prSet presAssocID="{15EAF842-240E-469D-BA3B-4AA0BF9F8061}" presName="parTx" presStyleLbl="alignNode1" presStyleIdx="1" presStyleCnt="3">
+        <dgm:presLayoutVars>
+          <dgm:chMax val="0"/>
+          <dgm:chPref val="0"/>
+          <dgm:bulletEnabled val="1"/>
+        </dgm:presLayoutVars>
+      </dgm:prSet>
+      <dgm:spPr/>
+    </dgm:pt>
+    <dgm:pt modelId="{F9A5A7F8-2974-4ECA-80D7-5C78FBE53482}" type="pres">
+      <dgm:prSet presAssocID="{15EAF842-240E-469D-BA3B-4AA0BF9F8061}" presName="desTx" presStyleLbl="alignAccFollowNode1" presStyleIdx="1" presStyleCnt="3">
+        <dgm:presLayoutVars>
+          <dgm:bulletEnabled val="1"/>
+        </dgm:presLayoutVars>
+      </dgm:prSet>
+      <dgm:spPr/>
+    </dgm:pt>
+    <dgm:pt modelId="{DC5ABF85-7AA6-4AE6-9E19-5C8A89248ACB}" type="pres">
+      <dgm:prSet presAssocID="{840F5EF3-0232-4549-943F-CC17A03C02BB}" presName="space" presStyleCnt="0"/>
+      <dgm:spPr/>
+    </dgm:pt>
+    <dgm:pt modelId="{EA8B35F0-51DC-40A6-A005-615FFB4EF456}" type="pres">
+      <dgm:prSet presAssocID="{05A9AA09-4A58-48E4-859B-1D9C23574306}" presName="composite" presStyleCnt="0"/>
+      <dgm:spPr/>
+    </dgm:pt>
+    <dgm:pt modelId="{8308B325-C000-4D9D-BEE3-2853FA863AD9}" type="pres">
+      <dgm:prSet presAssocID="{05A9AA09-4A58-48E4-859B-1D9C23574306}" presName="parTx" presStyleLbl="alignNode1" presStyleIdx="2" presStyleCnt="3">
+        <dgm:presLayoutVars>
+          <dgm:chMax val="0"/>
+          <dgm:chPref val="0"/>
+          <dgm:bulletEnabled val="1"/>
+        </dgm:presLayoutVars>
+      </dgm:prSet>
+      <dgm:spPr/>
+    </dgm:pt>
+    <dgm:pt modelId="{D7CD3C1B-DAE8-42DD-9A3F-450C84F4E2EE}" type="pres">
+      <dgm:prSet presAssocID="{05A9AA09-4A58-48E4-859B-1D9C23574306}" presName="desTx" presStyleLbl="alignAccFollowNode1" presStyleIdx="2" presStyleCnt="3">
+        <dgm:presLayoutVars>
+          <dgm:bulletEnabled val="1"/>
+        </dgm:presLayoutVars>
+      </dgm:prSet>
+      <dgm:spPr/>
+    </dgm:pt>
+  </dgm:ptLst>
+  <dgm:cxnLst>
+    <dgm:cxn modelId="{3679190A-D3FD-452D-9542-ABA44F387B8E}" type="presOf" srcId="{05A9AA09-4A58-48E4-859B-1D9C23574306}" destId="{8308B325-C000-4D9D-BEE3-2853FA863AD9}" srcOrd="0" destOrd="0" presId="urn:microsoft.com/office/officeart/2005/8/layout/hList1"/>
+    <dgm:cxn modelId="{BD14950A-57AF-4B77-B525-A72181914B11}" srcId="{796EE492-9BC4-4DBC-86C5-3F4DC73E76CD}" destId="{8C82D35F-D421-4C99-B1DC-9C4A4D381E7D}" srcOrd="0" destOrd="0" parTransId="{FF2995CD-2AB2-4B78-ADE9-B191FC9F0CEB}" sibTransId="{274F5ADC-EB1E-4B4C-BB36-7FAB202BB288}"/>
+    <dgm:cxn modelId="{F6736210-B917-4E85-AC71-FD2576C0E85A}" srcId="{05A9AA09-4A58-48E4-859B-1D9C23574306}" destId="{02369394-0982-4F9A-A9D8-2FE2D1444253}" srcOrd="0" destOrd="0" parTransId="{7865B0E4-3824-4A89-8303-ACF7C6CC36E1}" sibTransId="{A1C4DEEA-C7C7-4618-B521-FAB771C478BB}"/>
+    <dgm:cxn modelId="{B738D733-031F-4393-9111-06B1E203B217}" srcId="{15EAF842-240E-469D-BA3B-4AA0BF9F8061}" destId="{F68C801E-310F-48DE-8BA1-B6B007D2E99E}" srcOrd="0" destOrd="0" parTransId="{E70F3130-D382-4BFD-8C60-EBDDE0B3FB93}" sibTransId="{2BEFEB09-3E63-47E3-926D-8DE8F74441B0}"/>
+    <dgm:cxn modelId="{14C1444A-7884-4887-9A05-74294290701A}" type="presOf" srcId="{8C82D35F-D421-4C99-B1DC-9C4A4D381E7D}" destId="{0CF25A31-FB7A-4947-9E0D-A8E47FC47F6D}" srcOrd="0" destOrd="0" presId="urn:microsoft.com/office/officeart/2005/8/layout/hList1"/>
+    <dgm:cxn modelId="{CCF8624D-5651-47E0-929C-98F9B075E8A8}" type="presOf" srcId="{796EE492-9BC4-4DBC-86C5-3F4DC73E76CD}" destId="{13B74EAA-5C06-4F87-8160-1EE4FDD184DA}" srcOrd="0" destOrd="0" presId="urn:microsoft.com/office/officeart/2005/8/layout/hList1"/>
+    <dgm:cxn modelId="{6E27F074-13E4-46A1-8618-37C6325615B8}" type="presOf" srcId="{02369394-0982-4F9A-A9D8-2FE2D1444253}" destId="{D7CD3C1B-DAE8-42DD-9A3F-450C84F4E2EE}" srcOrd="0" destOrd="0" presId="urn:microsoft.com/office/officeart/2005/8/layout/hList1"/>
+    <dgm:cxn modelId="{8BFF0687-9B9D-4F3A-86E1-5DCDCB860639}" type="presOf" srcId="{15EAF842-240E-469D-BA3B-4AA0BF9F8061}" destId="{3142FB3B-BAD4-4C78-909B-98B671762282}" srcOrd="0" destOrd="0" presId="urn:microsoft.com/office/officeart/2005/8/layout/hList1"/>
+    <dgm:cxn modelId="{457A4EC8-4F21-4E23-A72A-A81C3FFC0F4A}" srcId="{8C82D35F-D421-4C99-B1DC-9C4A4D381E7D}" destId="{A86E4B89-62BE-489C-9141-DDEC0BCA41BE}" srcOrd="0" destOrd="0" parTransId="{D28107CF-0954-4D4C-830E-FB939BF049F2}" sibTransId="{7A1E41AD-75C2-4BDE-9C3E-5777E5DEB8F9}"/>
+    <dgm:cxn modelId="{8C1203D5-EEBE-4F18-9779-4FA28A267CE7}" srcId="{796EE492-9BC4-4DBC-86C5-3F4DC73E76CD}" destId="{05A9AA09-4A58-48E4-859B-1D9C23574306}" srcOrd="2" destOrd="0" parTransId="{E27522D7-CFD0-4B35-A21B-5EB24CCC6B51}" sibTransId="{7460D530-2369-4B22-AE5A-9722BAF39538}"/>
+    <dgm:cxn modelId="{30F02AD8-E963-4CCA-82C5-6F19FBCE5873}" type="presOf" srcId="{F68C801E-310F-48DE-8BA1-B6B007D2E99E}" destId="{F9A5A7F8-2974-4ECA-80D7-5C78FBE53482}" srcOrd="0" destOrd="0" presId="urn:microsoft.com/office/officeart/2005/8/layout/hList1"/>
+    <dgm:cxn modelId="{CBA4CAE4-BB68-4A5A-8F25-FA1138916FA1}" srcId="{796EE492-9BC4-4DBC-86C5-3F4DC73E76CD}" destId="{15EAF842-240E-469D-BA3B-4AA0BF9F8061}" srcOrd="1" destOrd="0" parTransId="{B0523FF3-95C7-4DAD-9BA2-8160D3755825}" sibTransId="{840F5EF3-0232-4549-943F-CC17A03C02BB}"/>
+    <dgm:cxn modelId="{944393F0-D2AF-44EA-98DD-C1A634A947D1}" type="presOf" srcId="{A86E4B89-62BE-489C-9141-DDEC0BCA41BE}" destId="{98295CB2-4389-48D4-B3A8-E54C20BD00FD}" srcOrd="0" destOrd="0" presId="urn:microsoft.com/office/officeart/2005/8/layout/hList1"/>
+    <dgm:cxn modelId="{4EE4087F-2E9A-4962-8F3D-08CA578834AE}" type="presParOf" srcId="{13B74EAA-5C06-4F87-8160-1EE4FDD184DA}" destId="{B4FC94F7-FCA6-412F-8DC9-EF9241C3C1D5}" srcOrd="0" destOrd="0" presId="urn:microsoft.com/office/officeart/2005/8/layout/hList1"/>
+    <dgm:cxn modelId="{F19FC44F-1504-4165-8EDB-A98BC619FB5B}" type="presParOf" srcId="{B4FC94F7-FCA6-412F-8DC9-EF9241C3C1D5}" destId="{0CF25A31-FB7A-4947-9E0D-A8E47FC47F6D}" srcOrd="0" destOrd="0" presId="urn:microsoft.com/office/officeart/2005/8/layout/hList1"/>
+    <dgm:cxn modelId="{CE1B4DFB-81C2-4FC0-93F8-0C6067D88BEC}" type="presParOf" srcId="{B4FC94F7-FCA6-412F-8DC9-EF9241C3C1D5}" destId="{98295CB2-4389-48D4-B3A8-E54C20BD00FD}" srcOrd="1" destOrd="0" presId="urn:microsoft.com/office/officeart/2005/8/layout/hList1"/>
+    <dgm:cxn modelId="{B2CE9FA0-903D-4FF2-9664-35E4C0C4CB7D}" type="presParOf" srcId="{13B74EAA-5C06-4F87-8160-1EE4FDD184DA}" destId="{9E3B5E76-4A6A-473A-870B-356E3E766DDA}" srcOrd="1" destOrd="0" presId="urn:microsoft.com/office/officeart/2005/8/layout/hList1"/>
+    <dgm:cxn modelId="{BD699925-D8C2-4990-895D-07E467CC6A60}" type="presParOf" srcId="{13B74EAA-5C06-4F87-8160-1EE4FDD184DA}" destId="{F541A63F-8F44-4FCD-BA6B-FE0084247F75}" srcOrd="2" destOrd="0" presId="urn:microsoft.com/office/officeart/2005/8/layout/hList1"/>
+    <dgm:cxn modelId="{C64A3035-0890-4664-A648-2A8D000DA035}" type="presParOf" srcId="{F541A63F-8F44-4FCD-BA6B-FE0084247F75}" destId="{3142FB3B-BAD4-4C78-909B-98B671762282}" srcOrd="0" destOrd="0" presId="urn:microsoft.com/office/officeart/2005/8/layout/hList1"/>
+    <dgm:cxn modelId="{6069BE00-32FD-4D20-A11F-40E66A9F108F}" type="presParOf" srcId="{F541A63F-8F44-4FCD-BA6B-FE0084247F75}" destId="{F9A5A7F8-2974-4ECA-80D7-5C78FBE53482}" srcOrd="1" destOrd="0" presId="urn:microsoft.com/office/officeart/2005/8/layout/hList1"/>
+    <dgm:cxn modelId="{74C151BF-279D-45FA-BB4F-463A47E3765E}" type="presParOf" srcId="{13B74EAA-5C06-4F87-8160-1EE4FDD184DA}" destId="{DC5ABF85-7AA6-4AE6-9E19-5C8A89248ACB}" srcOrd="3" destOrd="0" presId="urn:microsoft.com/office/officeart/2005/8/layout/hList1"/>
+    <dgm:cxn modelId="{02621033-DD90-45FF-ACAC-60C5ACE281C4}" type="presParOf" srcId="{13B74EAA-5C06-4F87-8160-1EE4FDD184DA}" destId="{EA8B35F0-51DC-40A6-A005-615FFB4EF456}" srcOrd="4" destOrd="0" presId="urn:microsoft.com/office/officeart/2005/8/layout/hList1"/>
+    <dgm:cxn modelId="{428BAB41-998D-4B15-8BE7-34B1EBC4DED1}" type="presParOf" srcId="{EA8B35F0-51DC-40A6-A005-615FFB4EF456}" destId="{8308B325-C000-4D9D-BEE3-2853FA863AD9}" srcOrd="0" destOrd="0" presId="urn:microsoft.com/office/officeart/2005/8/layout/hList1"/>
+    <dgm:cxn modelId="{C043A186-E0BE-46E2-BF29-83621BD78F2A}" type="presParOf" srcId="{EA8B35F0-51DC-40A6-A005-615FFB4EF456}" destId="{D7CD3C1B-DAE8-42DD-9A3F-450C84F4E2EE}" srcOrd="1" destOrd="0" presId="urn:microsoft.com/office/officeart/2005/8/layout/hList1"/>
+  </dgm:cxnLst>
+  <dgm:bg/>
+  <dgm:whole/>
+  <dgm:extLst>
+    <a:ext uri="http://schemas.microsoft.com/office/drawing/2008/diagram">
+      <dsp:dataModelExt xmlns:dsp="http://schemas.microsoft.com/office/drawing/2008/diagram" relId="rId7" minVer="http://schemas.openxmlformats.org/drawingml/2006/diagram"/>
+    </a:ext>
+  </dgm:extLst>
+</dgm:dataModel>
+</file>
+
+<file path=ppt/diagrams/data2.xml><?xml version="1.0" encoding="utf-8"?>
+<dgm:dataModel xmlns:dgm="http://schemas.openxmlformats.org/drawingml/2006/diagram" xmlns:a="http://schemas.openxmlformats.org/drawingml/2006/main">
+  <dgm:ptLst>
+    <dgm:pt modelId="{209645E5-5FCC-467D-908B-47F3AB7BE249}" type="doc">
+      <dgm:prSet loTypeId="urn:microsoft.com/office/officeart/2005/8/layout/vList2" loCatId="list" qsTypeId="urn:microsoft.com/office/officeart/2005/8/quickstyle/simple1" qsCatId="simple" csTypeId="urn:microsoft.com/office/officeart/2005/8/colors/accent1_2" csCatId="accent1"/>
+      <dgm:spPr/>
+      <dgm:t>
+        <a:bodyPr/>
+        <a:lstStyle/>
+        <a:p>
+          <a:pPr rtl="1"/>
+          <a:endParaRPr lang="fa-IR"/>
+        </a:p>
+      </dgm:t>
+    </dgm:pt>
+    <dgm:pt modelId="{BF689BD2-5E5D-43C7-86FA-F98A2B1200E9}">
+      <dgm:prSet/>
+      <dgm:spPr/>
+      <dgm:t>
+        <a:bodyPr/>
+        <a:lstStyle/>
+        <a:p>
+          <a:pPr rtl="1"/>
+          <a:r>
+            <a:rPr lang="en-US" dirty="0"/>
+            <a:t>Go to your repository </a:t>
+          </a:r>
+          <a:endParaRPr lang="fa-IR" dirty="0"/>
+        </a:p>
+      </dgm:t>
+    </dgm:pt>
+    <dgm:pt modelId="{4E69E857-5229-4862-B9F0-A63D5FC85461}" type="parTrans" cxnId="{647DFC49-A480-4CF9-A251-166541F6ADC7}">
+      <dgm:prSet/>
+      <dgm:spPr/>
+      <dgm:t>
+        <a:bodyPr/>
+        <a:lstStyle/>
+        <a:p>
+          <a:pPr rtl="1"/>
+          <a:endParaRPr lang="fa-IR"/>
+        </a:p>
+      </dgm:t>
+    </dgm:pt>
+    <dgm:pt modelId="{49E98305-C9E7-42A6-BF60-505031481E92}" type="sibTrans" cxnId="{647DFC49-A480-4CF9-A251-166541F6ADC7}">
+      <dgm:prSet/>
+      <dgm:spPr/>
+      <dgm:t>
+        <a:bodyPr/>
+        <a:lstStyle/>
+        <a:p>
+          <a:pPr rtl="1"/>
+          <a:endParaRPr lang="fa-IR"/>
+        </a:p>
+      </dgm:t>
+    </dgm:pt>
+    <dgm:pt modelId="{DA3869C0-1FC2-4E8D-BCA7-9D1077A56528}">
+      <dgm:prSet/>
+      <dgm:spPr/>
+      <dgm:t>
+        <a:bodyPr/>
+        <a:lstStyle/>
+        <a:p>
+          <a:pPr algn="l" rtl="1"/>
+          <a:r>
+            <a:rPr lang="en-US" dirty="0"/>
+            <a:t>Copy the address</a:t>
+          </a:r>
+          <a:endParaRPr lang="fa-IR" dirty="0"/>
+        </a:p>
+      </dgm:t>
+    </dgm:pt>
+    <dgm:pt modelId="{1AA6820F-4774-4186-B657-C12C0C72C9FF}" type="parTrans" cxnId="{3DF5C417-F282-4F96-BF53-AFFAE6663DA7}">
+      <dgm:prSet/>
+      <dgm:spPr/>
+      <dgm:t>
+        <a:bodyPr/>
+        <a:lstStyle/>
+        <a:p>
+          <a:pPr rtl="1"/>
+          <a:endParaRPr lang="fa-IR"/>
+        </a:p>
+      </dgm:t>
+    </dgm:pt>
+    <dgm:pt modelId="{C25ED0EA-8AFF-459D-87D5-81BAA8ED4B33}" type="sibTrans" cxnId="{3DF5C417-F282-4F96-BF53-AFFAE6663DA7}">
+      <dgm:prSet/>
+      <dgm:spPr/>
+      <dgm:t>
+        <a:bodyPr/>
+        <a:lstStyle/>
+        <a:p>
+          <a:pPr rtl="1"/>
+          <a:endParaRPr lang="fa-IR"/>
+        </a:p>
+      </dgm:t>
+    </dgm:pt>
+    <dgm:pt modelId="{9FA5ECD1-6C14-4059-A9FB-556DE043F7B1}" type="pres">
+      <dgm:prSet presAssocID="{209645E5-5FCC-467D-908B-47F3AB7BE249}" presName="linear" presStyleCnt="0">
+        <dgm:presLayoutVars>
+          <dgm:animLvl val="lvl"/>
+          <dgm:resizeHandles val="exact"/>
+        </dgm:presLayoutVars>
+      </dgm:prSet>
+      <dgm:spPr/>
+    </dgm:pt>
+    <dgm:pt modelId="{2DAA3514-39DE-446C-A402-8FC8D77C6FCA}" type="pres">
+      <dgm:prSet presAssocID="{BF689BD2-5E5D-43C7-86FA-F98A2B1200E9}" presName="parentText" presStyleLbl="node1" presStyleIdx="0" presStyleCnt="2">
+        <dgm:presLayoutVars>
+          <dgm:chMax val="0"/>
+          <dgm:bulletEnabled val="1"/>
+        </dgm:presLayoutVars>
+      </dgm:prSet>
+      <dgm:spPr/>
+    </dgm:pt>
+    <dgm:pt modelId="{C9A015A3-FB30-4333-B825-11BD186F5295}" type="pres">
+      <dgm:prSet presAssocID="{49E98305-C9E7-42A6-BF60-505031481E92}" presName="spacer" presStyleCnt="0"/>
+      <dgm:spPr/>
+    </dgm:pt>
+    <dgm:pt modelId="{C639ECDE-D017-4F15-ADD7-53D1ADAF39D2}" type="pres">
+      <dgm:prSet presAssocID="{DA3869C0-1FC2-4E8D-BCA7-9D1077A56528}" presName="parentText" presStyleLbl="node1" presStyleIdx="1" presStyleCnt="2">
+        <dgm:presLayoutVars>
+          <dgm:chMax val="0"/>
+          <dgm:bulletEnabled val="1"/>
+        </dgm:presLayoutVars>
+      </dgm:prSet>
+      <dgm:spPr/>
+    </dgm:pt>
+  </dgm:ptLst>
+  <dgm:cxnLst>
+    <dgm:cxn modelId="{3DF5C417-F282-4F96-BF53-AFFAE6663DA7}" srcId="{209645E5-5FCC-467D-908B-47F3AB7BE249}" destId="{DA3869C0-1FC2-4E8D-BCA7-9D1077A56528}" srcOrd="1" destOrd="0" parTransId="{1AA6820F-4774-4186-B657-C12C0C72C9FF}" sibTransId="{C25ED0EA-8AFF-459D-87D5-81BAA8ED4B33}"/>
+    <dgm:cxn modelId="{647DFC49-A480-4CF9-A251-166541F6ADC7}" srcId="{209645E5-5FCC-467D-908B-47F3AB7BE249}" destId="{BF689BD2-5E5D-43C7-86FA-F98A2B1200E9}" srcOrd="0" destOrd="0" parTransId="{4E69E857-5229-4862-B9F0-A63D5FC85461}" sibTransId="{49E98305-C9E7-42A6-BF60-505031481E92}"/>
+    <dgm:cxn modelId="{D0990BA5-3D26-4D33-963D-63FFD4A8ED03}" type="presOf" srcId="{DA3869C0-1FC2-4E8D-BCA7-9D1077A56528}" destId="{C639ECDE-D017-4F15-ADD7-53D1ADAF39D2}" srcOrd="0" destOrd="0" presId="urn:microsoft.com/office/officeart/2005/8/layout/vList2"/>
+    <dgm:cxn modelId="{BC8F41C1-8774-49A5-8578-38F668A2D98B}" type="presOf" srcId="{BF689BD2-5E5D-43C7-86FA-F98A2B1200E9}" destId="{2DAA3514-39DE-446C-A402-8FC8D77C6FCA}" srcOrd="0" destOrd="0" presId="urn:microsoft.com/office/officeart/2005/8/layout/vList2"/>
+    <dgm:cxn modelId="{E921D6F1-1FA0-4382-A2E3-E1F35B957338}" type="presOf" srcId="{209645E5-5FCC-467D-908B-47F3AB7BE249}" destId="{9FA5ECD1-6C14-4059-A9FB-556DE043F7B1}" srcOrd="0" destOrd="0" presId="urn:microsoft.com/office/officeart/2005/8/layout/vList2"/>
+    <dgm:cxn modelId="{3A60461E-63A6-4992-8403-7230D12CE49C}" type="presParOf" srcId="{9FA5ECD1-6C14-4059-A9FB-556DE043F7B1}" destId="{2DAA3514-39DE-446C-A402-8FC8D77C6FCA}" srcOrd="0" destOrd="0" presId="urn:microsoft.com/office/officeart/2005/8/layout/vList2"/>
+    <dgm:cxn modelId="{6E9190C1-7045-4C2D-9248-BB49440A618E}" type="presParOf" srcId="{9FA5ECD1-6C14-4059-A9FB-556DE043F7B1}" destId="{C9A015A3-FB30-4333-B825-11BD186F5295}" srcOrd="1" destOrd="0" presId="urn:microsoft.com/office/officeart/2005/8/layout/vList2"/>
+    <dgm:cxn modelId="{97A7B24F-2ABD-4E07-BDA9-BAE8C7D86CA5}" type="presParOf" srcId="{9FA5ECD1-6C14-4059-A9FB-556DE043F7B1}" destId="{C639ECDE-D017-4F15-ADD7-53D1ADAF39D2}" srcOrd="2" destOrd="0" presId="urn:microsoft.com/office/officeart/2005/8/layout/vList2"/>
+  </dgm:cxnLst>
+  <dgm:bg/>
+  <dgm:whole/>
+  <dgm:extLst>
+    <a:ext uri="http://schemas.microsoft.com/office/drawing/2008/diagram">
+      <dsp:dataModelExt xmlns:dsp="http://schemas.microsoft.com/office/drawing/2008/diagram" relId="rId7" minVer="http://schemas.openxmlformats.org/drawingml/2006/diagram"/>
+    </a:ext>
+  </dgm:extLst>
+</dgm:dataModel>
+</file>
+
+<file path=ppt/diagrams/drawing1.xml><?xml version="1.0" encoding="utf-8"?>
+<dsp:drawing xmlns:dgm="http://schemas.openxmlformats.org/drawingml/2006/diagram" xmlns:dsp="http://schemas.microsoft.com/office/drawing/2008/diagram" xmlns:a="http://schemas.openxmlformats.org/drawingml/2006/main">
+  <dsp:spTree>
+    <dsp:nvGrpSpPr>
+      <dsp:cNvPr id="0" name=""/>
+      <dsp:cNvGrpSpPr/>
+    </dsp:nvGrpSpPr>
+    <dsp:grpSpPr/>
+    <dsp:sp modelId="{0CF25A31-FB7A-4947-9E0D-A8E47FC47F6D}">
+      <dsp:nvSpPr>
+        <dsp:cNvPr id="0" name=""/>
+        <dsp:cNvSpPr/>
+      </dsp:nvSpPr>
+      <dsp:spPr>
+        <a:xfrm>
+          <a:off x="3286" y="61705"/>
+          <a:ext cx="3203971" cy="316800"/>
+        </a:xfrm>
+        <a:prstGeom prst="rect">
+          <a:avLst/>
+        </a:prstGeom>
+        <a:solidFill>
+          <a:schemeClr val="accent1">
+            <a:hueOff val="0"/>
+            <a:satOff val="0"/>
+            <a:lumOff val="0"/>
+            <a:alphaOff val="0"/>
+          </a:schemeClr>
+        </a:solidFill>
+        <a:ln w="12700" cap="flat" cmpd="sng" algn="ctr">
+          <a:solidFill>
+            <a:schemeClr val="accent1">
+              <a:hueOff val="0"/>
+              <a:satOff val="0"/>
+              <a:lumOff val="0"/>
+              <a:alphaOff val="0"/>
+            </a:schemeClr>
+          </a:solidFill>
+          <a:prstDash val="solid"/>
+          <a:miter lim="800000"/>
+        </a:ln>
+        <a:effectLst/>
+      </dsp:spPr>
+      <dsp:style>
+        <a:lnRef idx="2">
+          <a:scrgbClr r="0" g="0" b="0"/>
+        </a:lnRef>
+        <a:fillRef idx="1">
+          <a:scrgbClr r="0" g="0" b="0"/>
+        </a:fillRef>
+        <a:effectRef idx="0">
+          <a:scrgbClr r="0" g="0" b="0"/>
+        </a:effectRef>
+        <a:fontRef idx="minor">
+          <a:schemeClr val="lt1"/>
+        </a:fontRef>
+      </dsp:style>
+      <dsp:txBody>
+        <a:bodyPr spcFirstLastPara="0" vert="horz" wrap="square" lIns="78232" tIns="44704" rIns="78232" bIns="44704" numCol="1" spcCol="1270" anchor="ctr" anchorCtr="0">
+          <a:noAutofit/>
+        </a:bodyPr>
+        <a:lstStyle/>
+        <a:p>
+          <a:pPr marL="0" lvl="0" indent="0" algn="ctr" defTabSz="488950" rtl="1">
+            <a:lnSpc>
+              <a:spcPct val="90000"/>
+            </a:lnSpc>
+            <a:spcBef>
+              <a:spcPct val="0"/>
+            </a:spcBef>
+            <a:spcAft>
+              <a:spcPct val="35000"/>
+            </a:spcAft>
+            <a:buNone/>
+          </a:pPr>
+          <a:r>
+            <a:rPr lang="en-US" sz="1100" kern="1200" dirty="0"/>
+            <a:t>git config --global user.name “FirstName </a:t>
+          </a:r>
+          <a:r>
+            <a:rPr lang="en-US" sz="1100" kern="1200" dirty="0" err="1"/>
+            <a:t>LastName</a:t>
+          </a:r>
+          <a:r>
+            <a:rPr lang="en-US" sz="1100" kern="1200" dirty="0"/>
+            <a:t>“</a:t>
+          </a:r>
+          <a:endParaRPr lang="fa-IR" sz="1100" kern="1200" dirty="0"/>
+        </a:p>
+      </dsp:txBody>
+      <dsp:txXfrm>
+        <a:off x="3286" y="61705"/>
+        <a:ext cx="3203971" cy="316800"/>
+      </dsp:txXfrm>
+    </dsp:sp>
+    <dsp:sp modelId="{98295CB2-4389-48D4-B3A8-E54C20BD00FD}">
+      <dsp:nvSpPr>
+        <dsp:cNvPr id="0" name=""/>
+        <dsp:cNvSpPr/>
+      </dsp:nvSpPr>
+      <dsp:spPr>
+        <a:xfrm>
+          <a:off x="3286" y="378505"/>
+          <a:ext cx="3203971" cy="483120"/>
+        </a:xfrm>
+        <a:prstGeom prst="rect">
+          <a:avLst/>
+        </a:prstGeom>
+        <a:solidFill>
+          <a:schemeClr val="accent1">
+            <a:alpha val="90000"/>
+            <a:tint val="40000"/>
+            <a:hueOff val="0"/>
+            <a:satOff val="0"/>
+            <a:lumOff val="0"/>
+            <a:alphaOff val="0"/>
+          </a:schemeClr>
+        </a:solidFill>
+        <a:ln w="12700" cap="flat" cmpd="sng" algn="ctr">
+          <a:solidFill>
+            <a:schemeClr val="accent1">
+              <a:alpha val="90000"/>
+              <a:tint val="40000"/>
+              <a:hueOff val="0"/>
+              <a:satOff val="0"/>
+              <a:lumOff val="0"/>
+              <a:alphaOff val="0"/>
+            </a:schemeClr>
+          </a:solidFill>
+          <a:prstDash val="solid"/>
+          <a:miter lim="800000"/>
+        </a:ln>
+        <a:effectLst/>
+      </dsp:spPr>
+      <dsp:style>
+        <a:lnRef idx="2">
+          <a:scrgbClr r="0" g="0" b="0"/>
+        </a:lnRef>
+        <a:fillRef idx="1">
+          <a:scrgbClr r="0" g="0" b="0"/>
+        </a:fillRef>
+        <a:effectRef idx="0">
+          <a:scrgbClr r="0" g="0" b="0"/>
+        </a:effectRef>
+        <a:fontRef idx="minor"/>
+      </dsp:style>
+      <dsp:txBody>
+        <a:bodyPr spcFirstLastPara="0" vert="horz" wrap="square" lIns="58674" tIns="58674" rIns="78232" bIns="88011" numCol="1" spcCol="1270" anchor="t" anchorCtr="0">
+          <a:noAutofit/>
+        </a:bodyPr>
+        <a:lstStyle/>
+        <a:p>
+          <a:pPr marL="57150" lvl="1" indent="-57150" algn="ctr" defTabSz="488950" rtl="0">
+            <a:lnSpc>
+              <a:spcPct val="90000"/>
+            </a:lnSpc>
+            <a:spcBef>
+              <a:spcPct val="0"/>
+            </a:spcBef>
+            <a:spcAft>
+              <a:spcPct val="15000"/>
+            </a:spcAft>
+            <a:buNone/>
+          </a:pPr>
+          <a:r>
+            <a:rPr lang="en-US" sz="1100" kern="1200" dirty="0"/>
+            <a:t>To set your Name</a:t>
+          </a:r>
+          <a:endParaRPr lang="fa-IR" sz="1100" kern="1200" dirty="0"/>
+        </a:p>
+      </dsp:txBody>
+      <dsp:txXfrm>
+        <a:off x="3286" y="378505"/>
+        <a:ext cx="3203971" cy="483120"/>
+      </dsp:txXfrm>
+    </dsp:sp>
+    <dsp:sp modelId="{3142FB3B-BAD4-4C78-909B-98B671762282}">
+      <dsp:nvSpPr>
+        <dsp:cNvPr id="0" name=""/>
+        <dsp:cNvSpPr/>
+      </dsp:nvSpPr>
+      <dsp:spPr>
+        <a:xfrm>
+          <a:off x="3655814" y="61705"/>
+          <a:ext cx="3203971" cy="316800"/>
+        </a:xfrm>
+        <a:prstGeom prst="rect">
+          <a:avLst/>
+        </a:prstGeom>
+        <a:solidFill>
+          <a:schemeClr val="accent1">
+            <a:hueOff val="0"/>
+            <a:satOff val="0"/>
+            <a:lumOff val="0"/>
+            <a:alphaOff val="0"/>
+          </a:schemeClr>
+        </a:solidFill>
+        <a:ln w="12700" cap="flat" cmpd="sng" algn="ctr">
+          <a:solidFill>
+            <a:schemeClr val="accent1">
+              <a:hueOff val="0"/>
+              <a:satOff val="0"/>
+              <a:lumOff val="0"/>
+              <a:alphaOff val="0"/>
+            </a:schemeClr>
+          </a:solidFill>
+          <a:prstDash val="solid"/>
+          <a:miter lim="800000"/>
+        </a:ln>
+        <a:effectLst/>
+      </dsp:spPr>
+      <dsp:style>
+        <a:lnRef idx="2">
+          <a:scrgbClr r="0" g="0" b="0"/>
+        </a:lnRef>
+        <a:fillRef idx="1">
+          <a:scrgbClr r="0" g="0" b="0"/>
+        </a:fillRef>
+        <a:effectRef idx="0">
+          <a:scrgbClr r="0" g="0" b="0"/>
+        </a:effectRef>
+        <a:fontRef idx="minor">
+          <a:schemeClr val="lt1"/>
+        </a:fontRef>
+      </dsp:style>
+      <dsp:txBody>
+        <a:bodyPr spcFirstLastPara="0" vert="horz" wrap="square" lIns="78232" tIns="44704" rIns="78232" bIns="44704" numCol="1" spcCol="1270" anchor="ctr" anchorCtr="0">
+          <a:noAutofit/>
+        </a:bodyPr>
+        <a:lstStyle/>
+        <a:p>
+          <a:pPr marL="0" lvl="0" indent="0" algn="ctr" defTabSz="488950" rtl="1">
+            <a:lnSpc>
+              <a:spcPct val="90000"/>
+            </a:lnSpc>
+            <a:spcBef>
+              <a:spcPct val="0"/>
+            </a:spcBef>
+            <a:spcAft>
+              <a:spcPct val="35000"/>
+            </a:spcAft>
+            <a:buNone/>
+          </a:pPr>
+          <a:r>
+            <a:rPr lang="en-US" sz="1100" kern="1200"/>
+            <a:t>git config --global user.email “your email address"</a:t>
+          </a:r>
+          <a:endParaRPr lang="fa-IR" sz="1100" kern="1200"/>
+        </a:p>
+      </dsp:txBody>
+      <dsp:txXfrm>
+        <a:off x="3655814" y="61705"/>
+        <a:ext cx="3203971" cy="316800"/>
+      </dsp:txXfrm>
+    </dsp:sp>
+    <dsp:sp modelId="{F9A5A7F8-2974-4ECA-80D7-5C78FBE53482}">
+      <dsp:nvSpPr>
+        <dsp:cNvPr id="0" name=""/>
+        <dsp:cNvSpPr/>
+      </dsp:nvSpPr>
+      <dsp:spPr>
+        <a:xfrm>
+          <a:off x="3655814" y="378505"/>
+          <a:ext cx="3203971" cy="483120"/>
+        </a:xfrm>
+        <a:prstGeom prst="rect">
+          <a:avLst/>
+        </a:prstGeom>
+        <a:solidFill>
+          <a:schemeClr val="accent1">
+            <a:alpha val="90000"/>
+            <a:tint val="40000"/>
+            <a:hueOff val="0"/>
+            <a:satOff val="0"/>
+            <a:lumOff val="0"/>
+            <a:alphaOff val="0"/>
+          </a:schemeClr>
+        </a:solidFill>
+        <a:ln w="12700" cap="flat" cmpd="sng" algn="ctr">
+          <a:solidFill>
+            <a:schemeClr val="accent1">
+              <a:alpha val="90000"/>
+              <a:tint val="40000"/>
+              <a:hueOff val="0"/>
+              <a:satOff val="0"/>
+              <a:lumOff val="0"/>
+              <a:alphaOff val="0"/>
+            </a:schemeClr>
+          </a:solidFill>
+          <a:prstDash val="solid"/>
+          <a:miter lim="800000"/>
+        </a:ln>
+        <a:effectLst/>
+      </dsp:spPr>
+      <dsp:style>
+        <a:lnRef idx="2">
+          <a:scrgbClr r="0" g="0" b="0"/>
+        </a:lnRef>
+        <a:fillRef idx="1">
+          <a:scrgbClr r="0" g="0" b="0"/>
+        </a:fillRef>
+        <a:effectRef idx="0">
+          <a:scrgbClr r="0" g="0" b="0"/>
+        </a:effectRef>
+        <a:fontRef idx="minor"/>
+      </dsp:style>
+      <dsp:txBody>
+        <a:bodyPr spcFirstLastPara="0" vert="horz" wrap="square" lIns="58674" tIns="58674" rIns="78232" bIns="88011" numCol="1" spcCol="1270" anchor="t" anchorCtr="0">
+          <a:noAutofit/>
+        </a:bodyPr>
+        <a:lstStyle/>
+        <a:p>
+          <a:pPr marL="57150" lvl="1" indent="-57150" algn="ctr" defTabSz="488950" rtl="0">
+            <a:lnSpc>
+              <a:spcPct val="90000"/>
+            </a:lnSpc>
+            <a:spcBef>
+              <a:spcPct val="0"/>
+            </a:spcBef>
+            <a:spcAft>
+              <a:spcPct val="15000"/>
+            </a:spcAft>
+            <a:buNone/>
+          </a:pPr>
+          <a:r>
+            <a:rPr lang="en-US" sz="1100" kern="1200" dirty="0"/>
+            <a:t>Set the email same as your email you used in GitHub.com</a:t>
+          </a:r>
+          <a:endParaRPr lang="fa-IR" sz="1100" kern="1200" dirty="0"/>
+        </a:p>
+      </dsp:txBody>
+      <dsp:txXfrm>
+        <a:off x="3655814" y="378505"/>
+        <a:ext cx="3203971" cy="483120"/>
+      </dsp:txXfrm>
+    </dsp:sp>
+    <dsp:sp modelId="{8308B325-C000-4D9D-BEE3-2853FA863AD9}">
+      <dsp:nvSpPr>
+        <dsp:cNvPr id="0" name=""/>
+        <dsp:cNvSpPr/>
+      </dsp:nvSpPr>
+      <dsp:spPr>
+        <a:xfrm>
+          <a:off x="7308342" y="61705"/>
+          <a:ext cx="3203971" cy="316800"/>
+        </a:xfrm>
+        <a:prstGeom prst="rect">
+          <a:avLst/>
+        </a:prstGeom>
+        <a:solidFill>
+          <a:schemeClr val="accent1">
+            <a:hueOff val="0"/>
+            <a:satOff val="0"/>
+            <a:lumOff val="0"/>
+            <a:alphaOff val="0"/>
+          </a:schemeClr>
+        </a:solidFill>
+        <a:ln w="12700" cap="flat" cmpd="sng" algn="ctr">
+          <a:solidFill>
+            <a:schemeClr val="accent1">
+              <a:hueOff val="0"/>
+              <a:satOff val="0"/>
+              <a:lumOff val="0"/>
+              <a:alphaOff val="0"/>
+            </a:schemeClr>
+          </a:solidFill>
+          <a:prstDash val="solid"/>
+          <a:miter lim="800000"/>
+        </a:ln>
+        <a:effectLst/>
+      </dsp:spPr>
+      <dsp:style>
+        <a:lnRef idx="2">
+          <a:scrgbClr r="0" g="0" b="0"/>
+        </a:lnRef>
+        <a:fillRef idx="1">
+          <a:scrgbClr r="0" g="0" b="0"/>
+        </a:fillRef>
+        <a:effectRef idx="0">
+          <a:scrgbClr r="0" g="0" b="0"/>
+        </a:effectRef>
+        <a:fontRef idx="minor">
+          <a:schemeClr val="lt1"/>
+        </a:fontRef>
+      </dsp:style>
+      <dsp:txBody>
+        <a:bodyPr spcFirstLastPara="0" vert="horz" wrap="square" lIns="78232" tIns="44704" rIns="78232" bIns="44704" numCol="1" spcCol="1270" anchor="ctr" anchorCtr="0">
+          <a:noAutofit/>
+        </a:bodyPr>
+        <a:lstStyle/>
+        <a:p>
+          <a:pPr marL="0" lvl="0" indent="0" algn="ctr" defTabSz="488950" rtl="1">
+            <a:lnSpc>
+              <a:spcPct val="90000"/>
+            </a:lnSpc>
+            <a:spcBef>
+              <a:spcPct val="0"/>
+            </a:spcBef>
+            <a:spcAft>
+              <a:spcPct val="35000"/>
+            </a:spcAft>
+            <a:buNone/>
+          </a:pPr>
+          <a:r>
+            <a:rPr lang="en-US" sz="1100" kern="1200" dirty="0"/>
+            <a:t>git config --global </a:t>
+          </a:r>
+          <a:r>
+            <a:rPr lang="en-US" sz="1100" kern="1200" dirty="0" err="1"/>
+            <a:t>core.editor</a:t>
+          </a:r>
+          <a:r>
+            <a:rPr lang="en-US" sz="1100" kern="1200" dirty="0"/>
+            <a:t> "notepad"</a:t>
+          </a:r>
+          <a:endParaRPr lang="fa-IR" sz="1100" kern="1200" dirty="0"/>
+        </a:p>
+      </dsp:txBody>
+      <dsp:txXfrm>
+        <a:off x="7308342" y="61705"/>
+        <a:ext cx="3203971" cy="316800"/>
+      </dsp:txXfrm>
+    </dsp:sp>
+    <dsp:sp modelId="{D7CD3C1B-DAE8-42DD-9A3F-450C84F4E2EE}">
+      <dsp:nvSpPr>
+        <dsp:cNvPr id="0" name=""/>
+        <dsp:cNvSpPr/>
+      </dsp:nvSpPr>
+      <dsp:spPr>
+        <a:xfrm>
+          <a:off x="7308342" y="378505"/>
+          <a:ext cx="3203971" cy="483120"/>
+        </a:xfrm>
+        <a:prstGeom prst="rect">
+          <a:avLst/>
+        </a:prstGeom>
+        <a:solidFill>
+          <a:schemeClr val="accent1">
+            <a:alpha val="90000"/>
+            <a:tint val="40000"/>
+            <a:hueOff val="0"/>
+            <a:satOff val="0"/>
+            <a:lumOff val="0"/>
+            <a:alphaOff val="0"/>
+          </a:schemeClr>
+        </a:solidFill>
+        <a:ln w="12700" cap="flat" cmpd="sng" algn="ctr">
+          <a:solidFill>
+            <a:schemeClr val="accent1">
+              <a:alpha val="90000"/>
+              <a:tint val="40000"/>
+              <a:hueOff val="0"/>
+              <a:satOff val="0"/>
+              <a:lumOff val="0"/>
+              <a:alphaOff val="0"/>
+            </a:schemeClr>
+          </a:solidFill>
+          <a:prstDash val="solid"/>
+          <a:miter lim="800000"/>
+        </a:ln>
+        <a:effectLst/>
+      </dsp:spPr>
+      <dsp:style>
+        <a:lnRef idx="2">
+          <a:scrgbClr r="0" g="0" b="0"/>
+        </a:lnRef>
+        <a:fillRef idx="1">
+          <a:scrgbClr r="0" g="0" b="0"/>
+        </a:fillRef>
+        <a:effectRef idx="0">
+          <a:scrgbClr r="0" g="0" b="0"/>
+        </a:effectRef>
+        <a:fontRef idx="minor"/>
+      </dsp:style>
+      <dsp:txBody>
+        <a:bodyPr spcFirstLastPara="0" vert="horz" wrap="square" lIns="58674" tIns="58674" rIns="78232" bIns="88011" numCol="1" spcCol="1270" anchor="t" anchorCtr="0">
+          <a:noAutofit/>
+        </a:bodyPr>
+        <a:lstStyle/>
+        <a:p>
+          <a:pPr marL="57150" lvl="1" indent="-57150" algn="ctr" defTabSz="488950" rtl="0">
+            <a:lnSpc>
+              <a:spcPct val="90000"/>
+            </a:lnSpc>
+            <a:spcBef>
+              <a:spcPct val="0"/>
+            </a:spcBef>
+            <a:spcAft>
+              <a:spcPct val="15000"/>
+            </a:spcAft>
+            <a:buNone/>
+          </a:pPr>
+          <a:r>
+            <a:rPr lang="en-US" sz="1100" kern="1200"/>
+            <a:t>To set your default editor to notepad</a:t>
+          </a:r>
+          <a:endParaRPr lang="fa-IR" sz="1100" kern="1200" dirty="0"/>
+        </a:p>
+      </dsp:txBody>
+      <dsp:txXfrm>
+        <a:off x="7308342" y="378505"/>
+        <a:ext cx="3203971" cy="483120"/>
+      </dsp:txXfrm>
+    </dsp:sp>
+  </dsp:spTree>
+</dsp:drawing>
+</file>
+
+<file path=ppt/diagrams/drawing2.xml><?xml version="1.0" encoding="utf-8"?>
+<dsp:drawing xmlns:dgm="http://schemas.openxmlformats.org/drawingml/2006/diagram" xmlns:dsp="http://schemas.microsoft.com/office/drawing/2008/diagram" xmlns:a="http://schemas.openxmlformats.org/drawingml/2006/main">
+  <dsp:spTree>
+    <dsp:nvGrpSpPr>
+      <dsp:cNvPr id="0" name=""/>
+      <dsp:cNvGrpSpPr/>
+    </dsp:nvGrpSpPr>
+    <dsp:grpSpPr/>
+    <dsp:sp modelId="{2DAA3514-39DE-446C-A402-8FC8D77C6FCA}">
+      <dsp:nvSpPr>
+        <dsp:cNvPr id="0" name=""/>
+        <dsp:cNvSpPr/>
+      </dsp:nvSpPr>
+      <dsp:spPr>
+        <a:xfrm>
+          <a:off x="0" y="64185"/>
+          <a:ext cx="3668889" cy="695565"/>
+        </a:xfrm>
+        <a:prstGeom prst="roundRect">
+          <a:avLst/>
+        </a:prstGeom>
+        <a:solidFill>
+          <a:schemeClr val="accent1">
+            <a:hueOff val="0"/>
+            <a:satOff val="0"/>
+            <a:lumOff val="0"/>
+            <a:alphaOff val="0"/>
+          </a:schemeClr>
+        </a:solidFill>
+        <a:ln w="12700" cap="flat" cmpd="sng" algn="ctr">
+          <a:solidFill>
+            <a:schemeClr val="lt1">
+              <a:hueOff val="0"/>
+              <a:satOff val="0"/>
+              <a:lumOff val="0"/>
+              <a:alphaOff val="0"/>
+            </a:schemeClr>
+          </a:solidFill>
+          <a:prstDash val="solid"/>
+          <a:miter lim="800000"/>
+        </a:ln>
+        <a:effectLst/>
+      </dsp:spPr>
+      <dsp:style>
+        <a:lnRef idx="2">
+          <a:scrgbClr r="0" g="0" b="0"/>
+        </a:lnRef>
+        <a:fillRef idx="1">
+          <a:scrgbClr r="0" g="0" b="0"/>
+        </a:fillRef>
+        <a:effectRef idx="0">
+          <a:scrgbClr r="0" g="0" b="0"/>
+        </a:effectRef>
+        <a:fontRef idx="minor">
+          <a:schemeClr val="lt1"/>
+        </a:fontRef>
+      </dsp:style>
+      <dsp:txBody>
+        <a:bodyPr spcFirstLastPara="0" vert="horz" wrap="square" lIns="110490" tIns="110490" rIns="110490" bIns="110490" numCol="1" spcCol="1270" anchor="ctr" anchorCtr="0">
+          <a:noAutofit/>
+        </a:bodyPr>
+        <a:lstStyle/>
+        <a:p>
+          <a:pPr marL="0" lvl="0" indent="0" algn="r" defTabSz="1289050" rtl="1">
+            <a:lnSpc>
+              <a:spcPct val="90000"/>
+            </a:lnSpc>
+            <a:spcBef>
+              <a:spcPct val="0"/>
+            </a:spcBef>
+            <a:spcAft>
+              <a:spcPct val="35000"/>
+            </a:spcAft>
+            <a:buNone/>
+          </a:pPr>
+          <a:r>
+            <a:rPr lang="en-US" sz="2900" kern="1200" dirty="0"/>
+            <a:t>Go to your repository </a:t>
+          </a:r>
+          <a:endParaRPr lang="fa-IR" sz="2900" kern="1200" dirty="0"/>
+        </a:p>
+      </dsp:txBody>
+      <dsp:txXfrm>
+        <a:off x="33955" y="98140"/>
+        <a:ext cx="3600979" cy="627655"/>
+      </dsp:txXfrm>
+    </dsp:sp>
+    <dsp:sp modelId="{C639ECDE-D017-4F15-ADD7-53D1ADAF39D2}">
+      <dsp:nvSpPr>
+        <dsp:cNvPr id="0" name=""/>
+        <dsp:cNvSpPr/>
+      </dsp:nvSpPr>
+      <dsp:spPr>
+        <a:xfrm>
+          <a:off x="0" y="843271"/>
+          <a:ext cx="3668889" cy="695565"/>
+        </a:xfrm>
+        <a:prstGeom prst="roundRect">
+          <a:avLst/>
+        </a:prstGeom>
+        <a:solidFill>
+          <a:schemeClr val="accent1">
+            <a:hueOff val="0"/>
+            <a:satOff val="0"/>
+            <a:lumOff val="0"/>
+            <a:alphaOff val="0"/>
+          </a:schemeClr>
+        </a:solidFill>
+        <a:ln w="12700" cap="flat" cmpd="sng" algn="ctr">
+          <a:solidFill>
+            <a:schemeClr val="lt1">
+              <a:hueOff val="0"/>
+              <a:satOff val="0"/>
+              <a:lumOff val="0"/>
+              <a:alphaOff val="0"/>
+            </a:schemeClr>
+          </a:solidFill>
+          <a:prstDash val="solid"/>
+          <a:miter lim="800000"/>
+        </a:ln>
+        <a:effectLst/>
+      </dsp:spPr>
+      <dsp:style>
+        <a:lnRef idx="2">
+          <a:scrgbClr r="0" g="0" b="0"/>
+        </a:lnRef>
+        <a:fillRef idx="1">
+          <a:scrgbClr r="0" g="0" b="0"/>
+        </a:fillRef>
+        <a:effectRef idx="0">
+          <a:scrgbClr r="0" g="0" b="0"/>
+        </a:effectRef>
+        <a:fontRef idx="minor">
+          <a:schemeClr val="lt1"/>
+        </a:fontRef>
+      </dsp:style>
+      <dsp:txBody>
+        <a:bodyPr spcFirstLastPara="0" vert="horz" wrap="square" lIns="110490" tIns="110490" rIns="110490" bIns="110490" numCol="1" spcCol="1270" anchor="ctr" anchorCtr="0">
+          <a:noAutofit/>
+        </a:bodyPr>
+        <a:lstStyle/>
+        <a:p>
+          <a:pPr marL="0" lvl="0" indent="0" algn="l" defTabSz="1289050" rtl="1">
+            <a:lnSpc>
+              <a:spcPct val="90000"/>
+            </a:lnSpc>
+            <a:spcBef>
+              <a:spcPct val="0"/>
+            </a:spcBef>
+            <a:spcAft>
+              <a:spcPct val="35000"/>
+            </a:spcAft>
+            <a:buNone/>
+          </a:pPr>
+          <a:r>
+            <a:rPr lang="en-US" sz="2900" kern="1200" dirty="0"/>
+            <a:t>Copy the address</a:t>
+          </a:r>
+          <a:endParaRPr lang="fa-IR" sz="2900" kern="1200" dirty="0"/>
+        </a:p>
+      </dsp:txBody>
+      <dsp:txXfrm>
+        <a:off x="33955" y="877226"/>
+        <a:ext cx="3600979" cy="627655"/>
+      </dsp:txXfrm>
+    </dsp:sp>
+  </dsp:spTree>
+</dsp:drawing>
+</file>
+
+<file path=ppt/diagrams/layout1.xml><?xml version="1.0" encoding="utf-8"?>
+<dgm:layoutDef xmlns:dgm="http://schemas.openxmlformats.org/drawingml/2006/diagram" xmlns:a="http://schemas.openxmlformats.org/drawingml/2006/main" uniqueId="urn:microsoft.com/office/officeart/2005/8/layout/hList1">
+  <dgm:title val=""/>
+  <dgm:desc val=""/>
+  <dgm:catLst>
+    <dgm:cat type="list" pri="5000"/>
+    <dgm:cat type="convert" pri="5000"/>
+  </dgm:catLst>
+  <dgm:sampData>
+    <dgm:dataModel>
+      <dgm:ptLst>
+        <dgm:pt modelId="0" type="doc"/>
+        <dgm:pt modelId="1">
+          <dgm:prSet phldr="1"/>
+        </dgm:pt>
+        <dgm:pt modelId="11">
+          <dgm:prSet phldr="1"/>
+        </dgm:pt>
+        <dgm:pt modelId="12">
+          <dgm:prSet phldr="1"/>
+        </dgm:pt>
+        <dgm:pt modelId="2">
+          <dgm:prSet phldr="1"/>
+        </dgm:pt>
+        <dgm:pt modelId="21">
+          <dgm:prSet phldr="1"/>
+        </dgm:pt>
+        <dgm:pt modelId="22">
+          <dgm:prSet phldr="1"/>
+        </dgm:pt>
+        <dgm:pt modelId="3">
+          <dgm:prSet phldr="1"/>
+        </dgm:pt>
+        <dgm:pt modelId="31">
+          <dgm:prSet phldr="1"/>
+        </dgm:pt>
+        <dgm:pt modelId="32">
+          <dgm:prSet phldr="1"/>
+        </dgm:pt>
+      </dgm:ptLst>
+      <dgm:cxnLst>
+        <dgm:cxn modelId="4" srcId="0" destId="1" srcOrd="0" destOrd="0"/>
+        <dgm:cxn modelId="5" srcId="0" destId="2" srcOrd="1" destOrd="0"/>
+        <dgm:cxn modelId="6" srcId="0" destId="3" srcOrd="2" destOrd="0"/>
+        <dgm:cxn modelId="13" srcId="1" destId="11" srcOrd="0" destOrd="0"/>
+        <dgm:cxn modelId="14" srcId="1" destId="12" srcOrd="1" destOrd="0"/>
+        <dgm:cxn modelId="23" srcId="2" destId="21" srcOrd="0" destOrd="0"/>
+        <dgm:cxn modelId="24" srcId="2" destId="22" srcOrd="1" destOrd="0"/>
+        <dgm:cxn modelId="33" srcId="3" destId="31" srcOrd="0" destOrd="0"/>
+        <dgm:cxn modelId="34" srcId="3" destId="32" srcOrd="1" destOrd="0"/>
+      </dgm:cxnLst>
+      <dgm:bg/>
+      <dgm:whole/>
+    </dgm:dataModel>
+  </dgm:sampData>
+  <dgm:styleData>
+    <dgm:dataModel>
+      <dgm:ptLst>
+        <dgm:pt modelId="0" type="doc"/>
+        <dgm:pt modelId="1">
+          <dgm:prSet phldr="1"/>
+        </dgm:pt>
+        <dgm:pt modelId="2">
+          <dgm:prSet phldr="1"/>
+        </dgm:pt>
+      </dgm:ptLst>
+      <dgm:cxnLst>
+        <dgm:cxn modelId="3" srcId="0" destId="1" srcOrd="0" destOrd="0"/>
+        <dgm:cxn modelId="4" srcId="0" destId="2" srcOrd="1" destOrd="0"/>
+      </dgm:cxnLst>
+      <dgm:bg/>
+      <dgm:whole/>
+    </dgm:dataModel>
+  </dgm:styleData>
+  <dgm:clrData>
+    <dgm:dataModel>
+      <dgm:ptLst>
+        <dgm:pt modelId="0" type="doc"/>
+        <dgm:pt modelId="1">
+          <dgm:prSet phldr="1"/>
+        </dgm:pt>
+        <dgm:pt modelId="2">
+          <dgm:prSet phldr="1"/>
+        </dgm:pt>
+        <dgm:pt modelId="3">
+          <dgm:prSet phldr="1"/>
+        </dgm:pt>
+        <dgm:pt modelId="4">
+          <dgm:prSet phldr="1"/>
+        </dgm:pt>
+      </dgm:ptLst>
+      <dgm:cxnLst>
+        <dgm:cxn modelId="5" srcId="0" destId="1" srcOrd="0" destOrd="0"/>
+        <dgm:cxn modelId="6" srcId="0" destId="2" srcOrd="1" destOrd="0"/>
+        <dgm:cxn modelId="7" srcId="0" destId="3" srcOrd="2" destOrd="0"/>
+        <dgm:cxn modelId="8" srcId="0" destId="4" srcOrd="3" destOrd="0"/>
+      </dgm:cxnLst>
+      <dgm:bg/>
+      <dgm:whole/>
+    </dgm:dataModel>
+  </dgm:clrData>
+  <dgm:layoutNode name="Name0">
+    <dgm:varLst>
+      <dgm:dir/>
+      <dgm:animLvl val="lvl"/>
+      <dgm:resizeHandles val="exact"/>
+    </dgm:varLst>
+    <dgm:choose name="Name1">
+      <dgm:if name="Name2" func="var" arg="dir" op="equ" val="norm">
+        <dgm:alg type="lin"/>
+      </dgm:if>
+      <dgm:else name="Name3">
+        <dgm:alg type="lin">
+          <dgm:param type="linDir" val="fromR"/>
+        </dgm:alg>
+      </dgm:else>
+    </dgm:choose>
+    <dgm:shape xmlns:r="http://schemas.openxmlformats.org/officeDocument/2006/relationships" r:blip="">
+      <dgm:adjLst/>
+    </dgm:shape>
+    <dgm:presOf/>
+    <dgm:constrLst>
+      <dgm:constr type="h" for="ch" forName="composite" refType="h"/>
+      <dgm:constr type="w" for="ch" forName="composite" refType="w"/>
+      <dgm:constr type="w" for="des" forName="parTx"/>
+      <dgm:constr type="h" for="des" forName="parTx" op="equ"/>
+      <dgm:constr type="w" for="des" forName="desTx"/>
+      <dgm:constr type="h" for="des" forName="desTx" op="equ"/>
+      <dgm:constr type="primFontSz" for="des" forName="parTx" val="65"/>
+      <dgm:constr type="secFontSz" for="des" forName="desTx" refType="primFontSz" refFor="des" refForName="parTx" op="equ"/>
+      <dgm:constr type="h" for="des" forName="parTx" refType="primFontSz" refFor="des" refForName="parTx" fact="0.8"/>
+      <dgm:constr type="h" for="des" forName="desTx" refType="primFontSz" refFor="des" refForName="parTx" fact="1.22"/>
+      <dgm:constr type="w" for="ch" forName="space" refType="w" refFor="ch" refForName="composite" op="equ" fact="0.14"/>
+    </dgm:constrLst>
+    <dgm:ruleLst>
+      <dgm:rule type="w" for="ch" forName="composite" val="0" fact="NaN" max="NaN"/>
+      <dgm:rule type="primFontSz" for="des" forName="parTx" val="5" fact="NaN" max="NaN"/>
+    </dgm:ruleLst>
+    <dgm:forEach name="Name4" axis="ch" ptType="node">
+      <dgm:layoutNode name="composite">
+        <dgm:alg type="composite"/>
+        <dgm:shape xmlns:r="http://schemas.openxmlformats.org/officeDocument/2006/relationships" r:blip="">
+          <dgm:adjLst/>
+        </dgm:shape>
+        <dgm:presOf/>
+        <dgm:constrLst>
+          <dgm:constr type="l" for="ch" forName="parTx"/>
+          <dgm:constr type="w" for="ch" forName="parTx" refType="w"/>
+          <dgm:constr type="t" for="ch" forName="parTx"/>
+          <dgm:constr type="l" for="ch" forName="desTx"/>
+          <dgm:constr type="w" for="ch" forName="desTx" refType="w" refFor="ch" refForName="parTx"/>
+          <dgm:constr type="t" for="ch" forName="desTx" refType="h" refFor="ch" refForName="parTx"/>
+        </dgm:constrLst>
+        <dgm:ruleLst>
+          <dgm:rule type="h" val="INF" fact="NaN" max="NaN"/>
+        </dgm:ruleLst>
+        <dgm:layoutNode name="parTx" styleLbl="alignNode1">
+          <dgm:varLst>
+            <dgm:chMax val="0"/>
+            <dgm:chPref val="0"/>
+            <dgm:bulletEnabled val="1"/>
+          </dgm:varLst>
+          <dgm:alg type="tx"/>
+          <dgm:shape xmlns:r="http://schemas.openxmlformats.org/officeDocument/2006/relationships" type="rect" r:blip="">
+            <dgm:adjLst/>
+          </dgm:shape>
+          <dgm:presOf axis="self" ptType="node"/>
+          <dgm:constrLst>
+            <dgm:constr type="h" refType="w" op="lte" fact="0.4"/>
+            <dgm:constr type="h"/>
+            <dgm:constr type="tMarg" refType="primFontSz" fact="0.32"/>
+            <dgm:constr type="bMarg" refType="primFontSz" fact="0.32"/>
+          </dgm:constrLst>
+          <dgm:ruleLst>
+            <dgm:rule type="h" val="INF" fact="NaN" max="NaN"/>
+          </dgm:ruleLst>
+        </dgm:layoutNode>
+        <dgm:layoutNode name="desTx" styleLbl="alignAccFollowNode1">
+          <dgm:varLst>
+            <dgm:bulletEnabled val="1"/>
+          </dgm:varLst>
+          <dgm:alg type="tx">
+            <dgm:param type="stBulletLvl" val="1"/>
+          </dgm:alg>
+          <dgm:shape xmlns:r="http://schemas.openxmlformats.org/officeDocument/2006/relationships" type="rect" r:blip="">
+            <dgm:adjLst/>
+          </dgm:shape>
+          <dgm:presOf axis="des" ptType="node"/>
+          <dgm:constrLst>
+            <dgm:constr type="secFontSz" val="65"/>
+            <dgm:constr type="primFontSz" refType="secFontSz"/>
+            <dgm:constr type="h"/>
+            <dgm:constr type="lMarg" refType="primFontSz" fact="0.42"/>
+            <dgm:constr type="tMarg" refType="primFontSz" fact="0.42"/>
+            <dgm:constr type="bMarg" refType="primFontSz" fact="0.63"/>
+          </dgm:constrLst>
+          <dgm:ruleLst>
+            <dgm:rule type="h" val="INF" fact="NaN" max="NaN"/>
+          </dgm:ruleLst>
+        </dgm:layoutNode>
+      </dgm:layoutNode>
+      <dgm:forEach name="Name5" axis="followSib" ptType="sibTrans" cnt="1">
+        <dgm:layoutNode name="space">
+          <dgm:alg type="sp"/>
+          <dgm:shape xmlns:r="http://schemas.openxmlformats.org/officeDocument/2006/relationships" r:blip="">
+            <dgm:adjLst/>
+          </dgm:shape>
+          <dgm:presOf/>
+          <dgm:constrLst/>
+          <dgm:ruleLst/>
+        </dgm:layoutNode>
+      </dgm:forEach>
+    </dgm:forEach>
+  </dgm:layoutNode>
+</dgm:layoutDef>
+</file>
+
+<file path=ppt/diagrams/layout2.xml><?xml version="1.0" encoding="utf-8"?>
+<dgm:layoutDef xmlns:dgm="http://schemas.openxmlformats.org/drawingml/2006/diagram" xmlns:a="http://schemas.openxmlformats.org/drawingml/2006/main" uniqueId="urn:microsoft.com/office/officeart/2005/8/layout/vList2">
+  <dgm:title val=""/>
+  <dgm:desc val=""/>
+  <dgm:catLst>
+    <dgm:cat type="list" pri="3000"/>
+    <dgm:cat type="convert" pri="1000"/>
+  </dgm:catLst>
+  <dgm:sampData>
+    <dgm:dataModel>
+      <dgm:ptLst>
+        <dgm:pt modelId="0" type="doc"/>
+        <dgm:pt modelId="1">
+          <dgm:prSet phldr="1"/>
+        </dgm:pt>
+        <dgm:pt modelId="11">
+          <dgm:prSet phldr="1"/>
+        </dgm:pt>
+        <dgm:pt modelId="2">
+          <dgm:prSet phldr="1"/>
+        </dgm:pt>
+        <dgm:pt modelId="21">
+          <dgm:prSet phldr="1"/>
+        </dgm:pt>
+      </dgm:ptLst>
+      <dgm:cxnLst>
+        <dgm:cxn modelId="4" srcId="0" destId="1" srcOrd="0" destOrd="0"/>
+        <dgm:cxn modelId="5" srcId="0" destId="2" srcOrd="1" destOrd="0"/>
+        <dgm:cxn modelId="12" srcId="1" destId="11" srcOrd="0" destOrd="0"/>
+        <dgm:cxn modelId="23" srcId="2" destId="21" srcOrd="0" destOrd="0"/>
+      </dgm:cxnLst>
+      <dgm:bg/>
+      <dgm:whole/>
+    </dgm:dataModel>
+  </dgm:sampData>
+  <dgm:styleData>
+    <dgm:dataModel>
+      <dgm:ptLst>
+        <dgm:pt modelId="0" type="doc"/>
+        <dgm:pt modelId="1"/>
+        <dgm:pt modelId="2"/>
+      </dgm:ptLst>
+      <dgm:cxnLst>
+        <dgm:cxn modelId="3" srcId="0" destId="1" srcOrd="0" destOrd="0"/>
+        <dgm:cxn modelId="4" srcId="0" destId="2" srcOrd="1" destOrd="0"/>
+      </dgm:cxnLst>
+      <dgm:bg/>
+      <dgm:whole/>
+    </dgm:dataModel>
+  </dgm:styleData>
+  <dgm:clrData>
+    <dgm:dataModel>
+      <dgm:ptLst>
+        <dgm:pt modelId="0" type="doc"/>
+        <dgm:pt modelId="1"/>
+        <dgm:pt modelId="2"/>
+        <dgm:pt modelId="3"/>
+        <dgm:pt modelId="4"/>
+      </dgm:ptLst>
+      <dgm:cxnLst>
+        <dgm:cxn modelId="5" srcId="0" destId="1" srcOrd="0" destOrd="0"/>
+        <dgm:cxn modelId="6" srcId="0" destId="2" srcOrd="1" destOrd="0"/>
+        <dgm:cxn modelId="7" srcId="0" destId="3" srcOrd="2" destOrd="0"/>
+        <dgm:cxn modelId="8" srcId="0" destId="4" srcOrd="3" destOrd="0"/>
+      </dgm:cxnLst>
+      <dgm:bg/>
+      <dgm:whole/>
+    </dgm:dataModel>
+  </dgm:clrData>
+  <dgm:layoutNode name="linear">
+    <dgm:varLst>
+      <dgm:animLvl val="lvl"/>
+      <dgm:resizeHandles val="exact"/>
+    </dgm:varLst>
+    <dgm:alg type="lin">
+      <dgm:param type="linDir" val="fromT"/>
+      <dgm:param type="vertAlign" val="mid"/>
+    </dgm:alg>
+    <dgm:shape xmlns:r="http://schemas.openxmlformats.org/officeDocument/2006/relationships" r:blip="">
+      <dgm:adjLst/>
+    </dgm:shape>
+    <dgm:presOf/>
+    <dgm:constrLst>
+      <dgm:constr type="w" for="ch" forName="parentText" refType="w"/>
+      <dgm:constr type="h" for="ch" forName="parentText" refType="primFontSz" refFor="ch" refForName="parentText" fact="0.52"/>
+      <dgm:constr type="w" for="ch" forName="childText" refType="w"/>
+      <dgm:constr type="h" for="ch" forName="childText" refType="primFontSz" refFor="ch" refForName="parentText" fact="0.46"/>
+      <dgm:constr type="h" for="ch" forName="parentText" op="equ"/>
+      <dgm:constr type="primFontSz" for="ch" forName="parentText" op="equ" val="65"/>
+      <dgm:constr type="primFontSz" for="ch" forName="childText" refType="primFontSz" refFor="ch" refForName="parentText" op="equ"/>
+      <dgm:constr type="h" for="ch" forName="spacer" refType="primFontSz" refFor="ch" refForName="parentText" fact="0.08"/>
+    </dgm:constrLst>
+    <dgm:ruleLst>
+      <dgm:rule type="primFontSz" for="ch" forName="parentText" val="5" fact="NaN" max="NaN"/>
+    </dgm:ruleLst>
+    <dgm:forEach name="Name0" axis="ch" ptType="node">
+      <dgm:layoutNode name="parentText" styleLbl="node1">
+        <dgm:varLst>
+          <dgm:chMax val="0"/>
+          <dgm:bulletEnabled val="1"/>
+        </dgm:varLst>
+        <dgm:alg type="tx">
+          <dgm:param type="parTxLTRAlign" val="l"/>
+          <dgm:param type="parTxRTLAlign" val="r"/>
+        </dgm:alg>
+        <dgm:shape xmlns:r="http://schemas.openxmlformats.org/officeDocument/2006/relationships" type="roundRect" r:blip="">
+          <dgm:adjLst/>
+        </dgm:shape>
+        <dgm:presOf axis="self"/>
+        <dgm:constrLst>
+          <dgm:constr type="tMarg" refType="primFontSz" fact="0.3"/>
+          <dgm:constr type="bMarg" refType="primFontSz" fact="0.3"/>
+          <dgm:constr type="lMarg" refType="primFontSz" fact="0.3"/>
+          <dgm:constr type="rMarg" refType="primFontSz" fact="0.3"/>
+        </dgm:constrLst>
+        <dgm:ruleLst>
+          <dgm:rule type="h" val="INF" fact="NaN" max="NaN"/>
+        </dgm:ruleLst>
+      </dgm:layoutNode>
+      <dgm:choose name="Name1">
+        <dgm:if name="Name2" axis="ch" ptType="node" func="cnt" op="gte" val="1">
+          <dgm:layoutNode name="childText" styleLbl="revTx">
+            <dgm:varLst>
+              <dgm:bulletEnabled val="1"/>
+            </dgm:varLst>
+            <dgm:alg type="tx">
+              <dgm:param type="stBulletLvl" val="1"/>
+              <dgm:param type="lnSpAfChP" val="20"/>
+            </dgm:alg>
+            <dgm:shape xmlns:r="http://schemas.openxmlformats.org/officeDocument/2006/relationships" type="rect" r:blip="">
+              <dgm:adjLst/>
+            </dgm:shape>
+            <dgm:presOf axis="des" ptType="node"/>
+            <dgm:constrLst>
+              <dgm:constr type="tMarg" refType="primFontSz" fact="0.1"/>
+              <dgm:constr type="bMarg" refType="primFontSz" fact="0.1"/>
+              <dgm:constr type="lMarg" refType="w" fact="0.09"/>
+            </dgm:constrLst>
+            <dgm:ruleLst>
+              <dgm:rule type="h" val="INF" fact="NaN" max="NaN"/>
+            </dgm:ruleLst>
+          </dgm:layoutNode>
+        </dgm:if>
+        <dgm:else name="Name3">
+          <dgm:choose name="Name4">
+            <dgm:if name="Name5" axis="par ch" ptType="doc node" func="cnt" op="gte" val="2">
+              <dgm:forEach name="Name6" axis="followSib" ptType="sibTrans" cnt="1">
+                <dgm:layoutNode name="spacer">
+                  <dgm:alg type="sp"/>
+                  <dgm:shape xmlns:r="http://schemas.openxmlformats.org/officeDocument/2006/relationships" r:blip="">
+                    <dgm:adjLst/>
+                  </dgm:shape>
+                  <dgm:presOf/>
+                  <dgm:constrLst/>
+                  <dgm:ruleLst/>
+                </dgm:layoutNode>
+              </dgm:forEach>
+            </dgm:if>
+            <dgm:else name="Name7"/>
+          </dgm:choose>
+        </dgm:else>
+      </dgm:choose>
+    </dgm:forEach>
+  </dgm:layoutNode>
+</dgm:layoutDef>
+</file>
+
+<file path=ppt/diagrams/quickStyle1.xml><?xml version="1.0" encoding="utf-8"?>
+<dgm:styleDef xmlns:dgm="http://schemas.openxmlformats.org/drawingml/2006/diagram" xmlns:a="http://schemas.openxmlformats.org/drawingml/2006/main" uniqueId="urn:microsoft.com/office/officeart/2005/8/quickstyle/simple1">
+  <dgm:title val=""/>
+  <dgm:desc val=""/>
+  <dgm:catLst>
+    <dgm:cat type="simple" pri="10100"/>
+  </dgm:catLst>
+  <dgm:scene3d>
+    <a:camera prst="orthographicFront"/>
+    <a:lightRig rig="threePt" dir="t"/>
+  </dgm:scene3d>
+  <dgm:styleLbl name="node0">
+    <dgm:scene3d>
+      <a:camera prst="orthographicFront"/>
+      <a:lightRig rig="threePt" dir="t"/>
+    </dgm:scene3d>
+    <dgm:sp3d/>
+    <dgm:txPr/>
+    <dgm:style>
+      <a:lnRef idx="2">
+        <a:scrgbClr r="0" g="0" b="0"/>
+      </a:lnRef>
+      <a:fillRef idx="1">
+        <a:scrgbClr r="0" g="0" b="0"/>
+      </a:fillRef>
+      <a:effectRef idx="0">
+        <a:scrgbClr r="0" g="0" b="0"/>
+      </a:effectRef>
+      <a:fontRef idx="minor">
+        <a:schemeClr val="lt1"/>
+      </a:fontRef>
+    </dgm:style>
+  </dgm:styleLbl>
+  <dgm:styleLbl name="lnNode1">
+    <dgm:scene3d>
+      <a:camera prst="orthographicFront"/>
+      <a:lightRig rig="threePt" dir="t"/>
+    </dgm:scene3d>
+    <dgm:sp3d/>
+    <dgm:txPr/>
+    <dgm:style>
+      <a:lnRef idx="2">
+        <a:scrgbClr r="0" g="0" b="0"/>
+      </a:lnRef>
+      <a:fillRef idx="1">
+        <a:scrgbClr r="0" g="0" b="0"/>
+      </a:fillRef>
+      <a:effectRef idx="0">
+        <a:scrgbClr r="0" g="0" b="0"/>
+      </a:effectRef>
+      <a:fontRef idx="minor">
+        <a:schemeClr val="lt1"/>
+      </a:fontRef>
+    </dgm:style>
+  </dgm:styleLbl>
+  <dgm:styleLbl name="vennNode1">
+    <dgm:scene3d>
+      <a:camera prst="orthographicFront"/>
+      <a:lightRig rig="threePt" dir="t"/>
+    </dgm:scene3d>
+    <dgm:sp3d/>
+    <dgm:txPr/>
+    <dgm:style>
+      <a:lnRef idx="2">
+        <a:scrgbClr r="0" g="0" b="0"/>
+      </a:lnRef>
+      <a:fillRef idx="1">
+        <a:scrgbClr r="0" g="0" b="0"/>
+      </a:fillRef>
+      <a:effectRef idx="0">
+        <a:scrgbClr r="0" g="0" b="0"/>
+      </a:effectRef>
+      <a:fontRef idx="minor">
+        <a:schemeClr val="tx1"/>
+      </a:fontRef>
+    </dgm:style>
+  </dgm:styleLbl>
+  <dgm:styleLbl name="alignNode1">
+    <dgm:scene3d>
+      <a:camera prst="orthographicFront"/>
+      <a:lightRig rig="threePt" dir="t"/>
+    </dgm:scene3d>
+    <dgm:sp3d/>
+    <dgm:txPr/>
+    <dgm:style>
+      <a:lnRef idx="2">
+        <a:scrgbClr r="0" g="0" b="0"/>
+      </a:lnRef>
+      <a:fillRef idx="1">
+        <a:scrgbClr r="0" g="0" b="0"/>
+      </a:fillRef>
+      <a:effectRef idx="0">
+        <a:scrgbClr r="0" g="0" b="0"/>
+      </a:effectRef>
+      <a:fontRef idx="minor">
+        <a:schemeClr val="lt1"/>
+      </a:fontRef>
+    </dgm:style>
+  </dgm:styleLbl>
+  <dgm:styleLbl name="node1">
+    <dgm:scene3d>
+      <a:camera prst="orthographicFront"/>
+      <a:lightRig rig="threePt" dir="t"/>
+    </dgm:scene3d>
+    <dgm:sp3d/>
+    <dgm:txPr/>
+    <dgm:style>
+      <a:lnRef idx="2">
+        <a:scrgbClr r="0" g="0" b="0"/>
+      </a:lnRef>
+      <a:fillRef idx="1">
+        <a:scrgbClr r="0" g="0" b="0"/>
+      </a:fillRef>
+      <a:effectRef idx="0">
+        <a:scrgbClr r="0" g="0" b="0"/>
+      </a:effectRef>
+      <a:fontRef idx="minor">
+        <a:schemeClr val="lt1"/>
+      </a:fontRef>
+    </dgm:style>
+  </dgm:styleLbl>
+  <dgm:styleLbl name="node2">
+    <dgm:scene3d>
+      <a:camera prst="orthographicFront"/>
+      <a:lightRig rig="threePt" dir="t"/>
+    </dgm:scene3d>
+    <dgm:sp3d/>
+    <dgm:txPr/>
+    <dgm:style>
+      <a:lnRef idx="2">
+        <a:scrgbClr r="0" g="0" b="0"/>
+      </a:lnRef>
+      <a:fillRef idx="1">
+        <a:scrgbClr r="0" g="0" b="0"/>
+      </a:fillRef>
+      <a:effectRef idx="0">
+        <a:scrgbClr r="0" g="0" b="0"/>
+      </a:effectRef>
+      <a:fontRef idx="minor">
+        <a:schemeClr val="lt1"/>
+      </a:fontRef>
+    </dgm:style>
+  </dgm:styleLbl>
+  <dgm:styleLbl name="node3">
+    <dgm:scene3d>
+      <a:camera prst="orthographicFront"/>
+      <a:lightRig rig="threePt" dir="t"/>
+    </dgm:scene3d>
+    <dgm:sp3d/>
+    <dgm:txPr/>
+    <dgm:style>
+      <a:lnRef idx="2">
+        <a:scrgbClr r="0" g="0" b="0"/>
+      </a:lnRef>
+      <a:fillRef idx="1">
+        <a:scrgbClr r="0" g="0" b="0"/>
+      </a:fillRef>
+      <a:effectRef idx="0">
+        <a:scrgbClr r="0" g="0" b="0"/>
+      </a:effectRef>
+      <a:fontRef idx="minor">
+        <a:schemeClr val="lt1"/>
+      </a:fontRef>
+    </dgm:style>
+  </dgm:styleLbl>
+  <dgm:styleLbl name="node4">
+    <dgm:scene3d>
+      <a:camera prst="orthographicFront"/>
+      <a:lightRig rig="threePt" dir="t"/>
+    </dgm:scene3d>
+    <dgm:sp3d/>
+    <dgm:txPr/>
+    <dgm:style>
+      <a:lnRef idx="2">
+        <a:scrgbClr r="0" g="0" b="0"/>
+      </a:lnRef>
+      <a:fillRef idx="1">
+        <a:scrgbClr r="0" g="0" b="0"/>
+      </a:fillRef>
+      <a:effectRef idx="0">
+        <a:scrgbClr r="0" g="0" b="0"/>
+      </a:effectRef>
+      <a:fontRef idx="minor">
+        <a:schemeClr val="lt1"/>
+      </a:fontRef>
+    </dgm:style>
+  </dgm:styleLbl>
+  <dgm:styleLbl name="fgImgPlace1">
+    <dgm:scene3d>
+      <a:camera prst="orthographicFront"/>
+      <a:lightRig rig="threePt" dir="t"/>
+    </dgm:scene3d>
+    <dgm:sp3d/>
+    <dgm:txPr/>
+    <dgm:style>
+      <a:lnRef idx="2">
+        <a:scrgbClr r="0" g="0" b="0"/>
+      </a:lnRef>
+      <a:fillRef idx="1">
+        <a:scrgbClr r="0" g="0" b="0"/>
+      </a:fillRef>
+      <a:effectRef idx="0">
+        <a:scrgbClr r="0" g="0" b="0"/>
+      </a:effectRef>
+      <a:fontRef idx="minor"/>
+    </dgm:style>
+  </dgm:styleLbl>
+  <dgm:styleLbl name="alignImgPlace1">
+    <dgm:scene3d>
+      <a:camera prst="orthographicFront"/>
+      <a:lightRig rig="threePt" dir="t"/>
+    </dgm:scene3d>
+    <dgm:sp3d/>
+    <dgm:txPr/>
+    <dgm:style>
+      <a:lnRef idx="2">
+        <a:scrgbClr r="0" g="0" b="0"/>
+      </a:lnRef>
+      <a:fillRef idx="1">
+        <a:scrgbClr r="0" g="0" b="0"/>
+      </a:fillRef>
+      <a:effectRef idx="0">
+        <a:scrgbClr r="0" g="0" b="0"/>
+      </a:effectRef>
+      <a:fontRef idx="minor"/>
+    </dgm:style>
+  </dgm:styleLbl>
+  <dgm:styleLbl name="bgImgPlace1">
+    <dgm:scene3d>
+      <a:camera prst="orthographicFront"/>
+      <a:lightRig rig="threePt" dir="t"/>
+    </dgm:scene3d>
+    <dgm:sp3d/>
+    <dgm:txPr/>
+    <dgm:style>
+      <a:lnRef idx="2">
+        <a:scrgbClr r="0" g="0" b="0"/>
+      </a:lnRef>
+      <a:fillRef idx="1">
+        <a:scrgbClr r="0" g="0" b="0"/>
+      </a:fillRef>
+      <a:effectRef idx="0">
+        <a:scrgbClr r="0" g="0" b="0"/>
+      </a:effectRef>
+      <a:fontRef idx="minor"/>
+    </dgm:style>
+  </dgm:styleLbl>
+  <dgm:styleLbl name="sibTrans2D1">
+    <dgm:scene3d>
+      <a:camera prst="orthographicFront"/>
+      <a:lightRig rig="threePt" dir="t"/>
+    </dgm:scene3d>
+    <dgm:sp3d/>
+    <dgm:txPr/>
+    <dgm:style>
+      <a:lnRef idx="0">
+        <a:scrgbClr r="0" g="0" b="0"/>
+      </a:lnRef>
+      <a:fillRef idx="1">
+        <a:scrgbClr r="0" g="0" b="0"/>
+      </a:fillRef>
+      <a:effectRef idx="0">
+        <a:scrgbClr r="0" g="0" b="0"/>
+      </a:effectRef>
+      <a:fontRef idx="minor">
+        <a:schemeClr val="lt1"/>
+      </a:fontRef>
+    </dgm:style>
+  </dgm:styleLbl>
+  <dgm:styleLbl name="fgSibTrans2D1">
+    <dgm:scene3d>
+      <a:camera prst="orthographicFront"/>
+      <a:lightRig rig="threePt" dir="t"/>
+    </dgm:scene3d>
+    <dgm:sp3d/>
+    <dgm:txPr/>
+    <dgm:style>
+      <a:lnRef idx="0">
+        <a:scrgbClr r="0" g="0" b="0"/>
+      </a:lnRef>
+      <a:fillRef idx="1">
+        <a:scrgbClr r="0" g="0" b="0"/>
+      </a:fillRef>
+      <a:effectRef idx="0">
+        <a:scrgbClr r="0" g="0" b="0"/>
+      </a:effectRef>
+      <a:fontRef idx="minor">
+        <a:schemeClr val="lt1"/>
+      </a:fontRef>
+    </dgm:style>
+  </dgm:styleLbl>
+  <dgm:styleLbl name="bgSibTrans2D1">
+    <dgm:scene3d>
+      <a:camera prst="orthographicFront"/>
+      <a:lightRig rig="threePt" dir="t"/>
+    </dgm:scene3d>
+    <dgm:sp3d/>
+    <dgm:txPr/>
+    <dgm:style>
+      <a:lnRef idx="0">
+        <a:scrgbClr r="0" g="0" b="0"/>
+      </a:lnRef>
+      <a:fillRef idx="1">
+        <a:scrgbClr r="0" g="0" b="0"/>
+      </a:fillRef>
+      <a:effectRef idx="0">
+        <a:scrgbClr r="0" g="0" b="0"/>
+      </a:effectRef>
+      <a:fontRef idx="minor">
+        <a:schemeClr val="lt1"/>
+      </a:fontRef>
+    </dgm:style>
+  </dgm:styleLbl>
+  <dgm:styleLbl name="sibTrans1D1">
+    <dgm:scene3d>
+      <a:camera prst="orthographicFront"/>
+      <a:lightRig rig="threePt" dir="t"/>
+    </dgm:scene3d>
+    <dgm:sp3d/>
+    <dgm:txPr/>
+    <dgm:style>
+      <a:lnRef idx="1">
+        <a:scrgbClr r="0" g="0" b="0"/>
+      </a:lnRef>
+      <a:fillRef idx="0">
+        <a:scrgbClr r="0" g="0" b="0"/>
+      </a:fillRef>
+      <a:effectRef idx="0">
+        <a:scrgbClr r="0" g="0" b="0"/>
+      </a:effectRef>
+      <a:fontRef idx="minor"/>
+    </dgm:style>
+  </dgm:styleLbl>
+  <dgm:styleLbl name="callout">
+    <dgm:scene3d>
+      <a:camera prst="orthographicFront"/>
+      <a:lightRig rig="threePt" dir="t"/>
+    </dgm:scene3d>
+    <dgm:sp3d/>
+    <dgm:txPr/>
+    <dgm:style>
+      <a:lnRef idx="2">
+        <a:scrgbClr r="0" g="0" b="0"/>
+      </a:lnRef>
+      <a:fillRef idx="1">
+        <a:scrgbClr r="0" g="0" b="0"/>
+      </a:fillRef>
+      <a:effectRef idx="0">
+        <a:scrgbClr r="0" g="0" b="0"/>
+      </a:effectRef>
+      <a:fontRef idx="minor"/>
+    </dgm:style>
+  </dgm:styleLbl>
+  <dgm:styleLbl name="asst0">
+    <dgm:scene3d>
+      <a:camera prst="orthographicFront"/>
+      <a:lightRig rig="threePt" dir="t"/>
+    </dgm:scene3d>
+    <dgm:sp3d/>
+    <dgm:txPr/>
+    <dgm:style>
+      <a:lnRef idx="2">
+        <a:scrgbClr r="0" g="0" b="0"/>
+      </a:lnRef>
+      <a:fillRef idx="1">
+        <a:scrgbClr r="0" g="0" b="0"/>
+      </a:fillRef>
+      <a:effectRef idx="0">
+        <a:scrgbClr r="0" g="0" b="0"/>
+      </a:effectRef>
+      <a:fontRef idx="minor">
+        <a:schemeClr val="lt1"/>
+      </a:fontRef>
+    </dgm:style>
+  </dgm:styleLbl>
+  <dgm:styleLbl name="asst1">
+    <dgm:scene3d>
+      <a:camera prst="orthographicFront"/>
+      <a:lightRig rig="threePt" dir="t"/>
+    </dgm:scene3d>
+    <dgm:sp3d/>
+    <dgm:txPr/>
+    <dgm:style>
+      <a:lnRef idx="2">
+        <a:scrgbClr r="0" g="0" b="0"/>
+      </a:lnRef>
+      <a:fillRef idx="1">
+        <a:scrgbClr r="0" g="0" b="0"/>
+      </a:fillRef>
+      <a:effectRef idx="0">
+        <a:scrgbClr r="0" g="0" b="0"/>
+      </a:effectRef>
+      <a:fontRef idx="minor">
+        <a:schemeClr val="lt1"/>
+      </a:fontRef>
+    </dgm:style>
+  </dgm:styleLbl>
+  <dgm:styleLbl name="asst2">
+    <dgm:scene3d>
+      <a:camera prst="orthographicFront"/>
+      <a:lightRig rig="threePt" dir="t"/>
+    </dgm:scene3d>
+    <dgm:sp3d/>
+    <dgm:txPr/>
+    <dgm:style>
+      <a:lnRef idx="2">
+        <a:scrgbClr r="0" g="0" b="0"/>
+      </a:lnRef>
+      <a:fillRef idx="1">
+        <a:scrgbClr r="0" g="0" b="0"/>
+      </a:fillRef>
+      <a:effectRef idx="0">
+        <a:scrgbClr r="0" g="0" b="0"/>
+      </a:effectRef>
+      <a:fontRef idx="minor">
+        <a:schemeClr val="lt1"/>
+      </a:fontRef>
+    </dgm:style>
+  </dgm:styleLbl>
+  <dgm:styleLbl name="asst3">
+    <dgm:scene3d>
+      <a:camera prst="orthographicFront"/>
+      <a:lightRig rig="threePt" dir="t"/>
+    </dgm:scene3d>
+    <dgm:sp3d/>
+    <dgm:txPr/>
+    <dgm:style>
+      <a:lnRef idx="2">
+        <a:scrgbClr r="0" g="0" b="0"/>
+      </a:lnRef>
+      <a:fillRef idx="1">
+        <a:scrgbClr r="0" g="0" b="0"/>
+      </a:fillRef>
+      <a:effectRef idx="0">
+        <a:scrgbClr r="0" g="0" b="0"/>
+      </a:effectRef>
+      <a:fontRef idx="minor">
+        <a:schemeClr val="lt1"/>
+      </a:fontRef>
+    </dgm:style>
+  </dgm:styleLbl>
+  <dgm:styleLbl name="asst4">
+    <dgm:scene3d>
+      <a:camera prst="orthographicFront"/>
+      <a:lightRig rig="threePt" dir="t"/>
+    </dgm:scene3d>
+    <dgm:sp3d/>
+    <dgm:txPr/>
+    <dgm:style>
+      <a:lnRef idx="2">
+        <a:scrgbClr r="0" g="0" b="0"/>
+      </a:lnRef>
+      <a:fillRef idx="1">
+        <a:scrgbClr r="0" g="0" b="0"/>
+      </a:fillRef>
+      <a:effectRef idx="0">
+        <a:scrgbClr r="0" g="0" b="0"/>
+      </a:effectRef>
+      <a:fontRef idx="minor">
+        <a:schemeClr val="lt1"/>
+      </a:fontRef>
+    </dgm:style>
+  </dgm:styleLbl>
+  <dgm:styleLbl name="parChTrans2D1">
+    <dgm:scene3d>
+      <a:camera prst="orthographicFront"/>
+      <a:lightRig rig="threePt" dir="t"/>
+    </dgm:scene3d>
+    <dgm:sp3d/>
+    <dgm:txPr/>
+    <dgm:style>
+      <a:lnRef idx="2">
+        <a:scrgbClr r="0" g="0" b="0"/>
+      </a:lnRef>
+      <a:fillRef idx="1">
+        <a:scrgbClr r="0" g="0" b="0"/>
+      </a:fillRef>
+      <a:effectRef idx="0">
+        <a:scrgbClr r="0" g="0" b="0"/>
+      </a:effectRef>
+      <a:fontRef idx="minor">
+        <a:schemeClr val="lt1"/>
+      </a:fontRef>
+    </dgm:style>
+  </dgm:styleLbl>
+  <dgm:styleLbl name="parChTrans2D2">
+    <dgm:scene3d>
+      <a:camera prst="orthographicFront"/>
+      <a:lightRig rig="threePt" dir="t"/>
+    </dgm:scene3d>
+    <dgm:sp3d/>
+    <dgm:txPr/>
+    <dgm:style>
+      <a:lnRef idx="2">
+        <a:scrgbClr r="0" g="0" b="0"/>
+      </a:lnRef>
+      <a:fillRef idx="1">
+        <a:scrgbClr r="0" g="0" b="0"/>
+      </a:fillRef>
+      <a:effectRef idx="0">
+        <a:scrgbClr r="0" g="0" b="0"/>
+      </a:effectRef>
+      <a:fontRef idx="minor">
+        <a:schemeClr val="lt1"/>
+      </a:fontRef>
+    </dgm:style>
+  </dgm:styleLbl>
+  <dgm:styleLbl name="parChTrans2D3">
+    <dgm:scene3d>
+      <a:camera prst="orthographicFront"/>
+      <a:lightRig rig="threePt" dir="t"/>
+    </dgm:scene3d>
+    <dgm:sp3d/>
+    <dgm:txPr/>
+    <dgm:style>
+      <a:lnRef idx="2">
+        <a:scrgbClr r="0" g="0" b="0"/>
+      </a:lnRef>
+      <a:fillRef idx="1">
+        <a:scrgbClr r="0" g="0" b="0"/>
+      </a:fillRef>
+      <a:effectRef idx="0">
+        <a:scrgbClr r="0" g="0" b="0"/>
+      </a:effectRef>
+      <a:fontRef idx="minor">
+        <a:schemeClr val="lt1"/>
+      </a:fontRef>
+    </dgm:style>
+  </dgm:styleLbl>
+  <dgm:styleLbl name="parChTrans2D4">
+    <dgm:scene3d>
+      <a:camera prst="orthographicFront"/>
+      <a:lightRig rig="threePt" dir="t"/>
+    </dgm:scene3d>
+    <dgm:sp3d/>
+    <dgm:txPr/>
+    <dgm:style>
+      <a:lnRef idx="2">
+        <a:scrgbClr r="0" g="0" b="0"/>
+      </a:lnRef>
+      <a:fillRef idx="1">
+        <a:scrgbClr r="0" g="0" b="0"/>
+      </a:fillRef>
+      <a:effectRef idx="0">
+        <a:scrgbClr r="0" g="0" b="0"/>
+      </a:effectRef>
+      <a:fontRef idx="minor">
+        <a:schemeClr val="lt1"/>
+      </a:fontRef>
+    </dgm:style>
+  </dgm:styleLbl>
+  <dgm:styleLbl name="parChTrans1D1">
+    <dgm:scene3d>
+      <a:camera prst="orthographicFront"/>
+      <a:lightRig rig="threePt" dir="t"/>
+    </dgm:scene3d>
+    <dgm:sp3d/>
+    <dgm:txPr/>
+    <dgm:style>
+      <a:lnRef idx="2">
+        <a:scrgbClr r="0" g="0" b="0"/>
+      </a:lnRef>
+      <a:fillRef idx="0">
+        <a:scrgbClr r="0" g="0" b="0"/>
+      </a:fillRef>
+      <a:effectRef idx="0">
+        <a:scrgbClr r="0" g="0" b="0"/>
+      </a:effectRef>
+      <a:fontRef idx="minor"/>
+    </dgm:style>
+  </dgm:styleLbl>
+  <dgm:styleLbl name="parChTrans1D2">
+    <dgm:scene3d>
+      <a:camera prst="orthographicFront"/>
+      <a:lightRig rig="threePt" dir="t"/>
+    </dgm:scene3d>
+    <dgm:sp3d/>
+    <dgm:txPr/>
+    <dgm:style>
+      <a:lnRef idx="2">
+        <a:scrgbClr r="0" g="0" b="0"/>
+      </a:lnRef>
+      <a:fillRef idx="0">
+        <a:scrgbClr r="0" g="0" b="0"/>
+      </a:fillRef>
+      <a:effectRef idx="0">
+        <a:scrgbClr r="0" g="0" b="0"/>
+      </a:effectRef>
+      <a:fontRef idx="minor"/>
+    </dgm:style>
+  </dgm:styleLbl>
+  <dgm:styleLbl name="parChTrans1D3">
+    <dgm:scene3d>
+      <a:camera prst="orthographicFront"/>
+      <a:lightRig rig="threePt" dir="t"/>
+    </dgm:scene3d>
+    <dgm:sp3d/>
+    <dgm:txPr/>
+    <dgm:style>
+      <a:lnRef idx="2">
+        <a:scrgbClr r="0" g="0" b="0"/>
+      </a:lnRef>
+      <a:fillRef idx="0">
+        <a:scrgbClr r="0" g="0" b="0"/>
+      </a:fillRef>
+      <a:effectRef idx="0">
+        <a:scrgbClr r="0" g="0" b="0"/>
+      </a:effectRef>
+      <a:fontRef idx="minor"/>
+    </dgm:style>
+  </dgm:styleLbl>
+  <dgm:styleLbl name="parChTrans1D4">
+    <dgm:scene3d>
+      <a:camera prst="orthographicFront"/>
+      <a:lightRig rig="threePt" dir="t"/>
+    </dgm:scene3d>
+    <dgm:sp3d/>
+    <dgm:txPr/>
+    <dgm:style>
+      <a:lnRef idx="2">
+        <a:scrgbClr r="0" g="0" b="0"/>
+      </a:lnRef>
+      <a:fillRef idx="0">
+        <a:scrgbClr r="0" g="0" b="0"/>
+      </a:fillRef>
+      <a:effectRef idx="0">
+        <a:scrgbClr r="0" g="0" b="0"/>
+      </a:effectRef>
+      <a:fontRef idx="minor"/>
+    </dgm:style>
+  </dgm:styleLbl>
+  <dgm:styleLbl name="fgAcc1">
+    <dgm:scene3d>
+      <a:camera prst="orthographicFront"/>
+      <a:lightRig rig="threePt" dir="t"/>
+    </dgm:scene3d>
+    <dgm:sp3d/>
+    <dgm:txPr/>
+    <dgm:style>
+      <a:lnRef idx="2">
+        <a:scrgbClr r="0" g="0" b="0"/>
+      </a:lnRef>
+      <a:fillRef idx="1">
+        <a:scrgbClr r="0" g="0" b="0"/>
+      </a:fillRef>
+      <a:effectRef idx="0">
+        <a:scrgbClr r="0" g="0" b="0"/>
+      </a:effectRef>
+      <a:fontRef idx="minor"/>
+    </dgm:style>
+  </dgm:styleLbl>
+  <dgm:styleLbl name="conFgAcc1">
+    <dgm:scene3d>
+      <a:camera prst="orthographicFront"/>
+      <a:lightRig rig="threePt" dir="t"/>
+    </dgm:scene3d>
+    <dgm:sp3d/>
+    <dgm:txPr/>
+    <dgm:style>
+      <a:lnRef idx="2">
+        <a:scrgbClr r="0" g="0" b="0"/>
+      </a:lnRef>
+      <a:fillRef idx="1">
+        <a:scrgbClr r="0" g="0" b="0"/>
+      </a:fillRef>
+      <a:effectRef idx="0">
+        <a:scrgbClr r="0" g="0" b="0"/>
+      </a:effectRef>
+      <a:fontRef idx="minor"/>
+    </dgm:style>
+  </dgm:styleLbl>
+  <dgm:styleLbl name="alignAcc1">
+    <dgm:scene3d>
+      <a:camera prst="orthographicFront"/>
+      <a:lightRig rig="threePt" dir="t"/>
+    </dgm:scene3d>
+    <dgm:sp3d/>
+    <dgm:txPr/>
+    <dgm:style>
+      <a:lnRef idx="2">
+        <a:scrgbClr r="0" g="0" b="0"/>
+      </a:lnRef>
+      <a:fillRef idx="1">
+        <a:scrgbClr r="0" g="0" b="0"/>
+      </a:fillRef>
+      <a:effectRef idx="0">
+        <a:scrgbClr r="0" g="0" b="0"/>
+      </a:effectRef>
+      <a:fontRef idx="minor"/>
+    </dgm:style>
+  </dgm:styleLbl>
+  <dgm:styleLbl name="trAlignAcc1">
+    <dgm:scene3d>
+      <a:camera prst="orthographicFront"/>
+      <a:lightRig rig="threePt" dir="t"/>
+    </dgm:scene3d>
+    <dgm:sp3d/>
+    <dgm:txPr/>
+    <dgm:style>
+      <a:lnRef idx="1">
+        <a:scrgbClr r="0" g="0" b="0"/>
+      </a:lnRef>
+      <a:fillRef idx="1">
+        <a:scrgbClr r="0" g="0" b="0"/>
+      </a:fillRef>
+      <a:effectRef idx="0">
+        <a:scrgbClr r="0" g="0" b="0"/>
+      </a:effectRef>
+      <a:fontRef idx="minor"/>
+    </dgm:style>
+  </dgm:styleLbl>
+  <dgm:styleLbl name="bgAcc1">
+    <dgm:scene3d>
+      <a:camera prst="orthographicFront"/>
+      <a:lightRig rig="threePt" dir="t"/>
+    </dgm:scene3d>
+    <dgm:sp3d/>
+    <dgm:txPr/>
+    <dgm:style>
+      <a:lnRef idx="2">
+        <a:scrgbClr r="0" g="0" b="0"/>
+      </a:lnRef>
+      <a:fillRef idx="1">
+        <a:scrgbClr r="0" g="0" b="0"/>
+      </a:fillRef>
+      <a:effectRef idx="0">
+        <a:scrgbClr r="0" g="0" b="0"/>
+      </a:effectRef>
+      <a:fontRef idx="minor"/>
+    </dgm:style>
+  </dgm:styleLbl>
+  <dgm:styleLbl name="solidFgAcc1">
+    <dgm:scene3d>
+      <a:camera prst="orthographicFront"/>
+      <a:lightRig rig="threePt" dir="t"/>
+    </dgm:scene3d>
+    <dgm:sp3d/>
+    <dgm:txPr/>
+    <dgm:style>
+      <a:lnRef idx="2">
+        <a:scrgbClr r="0" g="0" b="0"/>
+      </a:lnRef>
+      <a:fillRef idx="1">
+        <a:scrgbClr r="0" g="0" b="0"/>
+      </a:fillRef>
+      <a:effectRef idx="0">
+        <a:scrgbClr r="0" g="0" b="0"/>
+      </a:effectRef>
+      <a:fontRef idx="minor"/>
+    </dgm:style>
+  </dgm:styleLbl>
+  <dgm:styleLbl name="solidAlignAcc1">
+    <dgm:scene3d>
+      <a:camera prst="orthographicFront"/>
+      <a:lightRig rig="threePt" dir="t"/>
+    </dgm:scene3d>
+    <dgm:sp3d/>
+    <dgm:txPr/>
+    <dgm:style>
+      <a:lnRef idx="2">
+        <a:scrgbClr r="0" g="0" b="0"/>
+      </a:lnRef>
+      <a:fillRef idx="1">
+        <a:scrgbClr r="0" g="0" b="0"/>
+      </a:fillRef>
+      <a:effectRef idx="0">
+        <a:scrgbClr r="0" g="0" b="0"/>
+      </a:effectRef>
+      <a:fontRef idx="minor"/>
+    </dgm:style>
+  </dgm:styleLbl>
+  <dgm:styleLbl name="solidBgAcc1">
+    <dgm:scene3d>
+      <a:camera prst="orthographicFront"/>
+      <a:lightRig rig="threePt" dir="t"/>
+    </dgm:scene3d>
+    <dgm:sp3d/>
+    <dgm:txPr/>
+    <dgm:style>
+      <a:lnRef idx="2">
+        <a:scrgbClr r="0" g="0" b="0"/>
+      </a:lnRef>
+      <a:fillRef idx="1">
+        <a:scrgbClr r="0" g="0" b="0"/>
+      </a:fillRef>
+      <a:effectRef idx="0">
+        <a:scrgbClr r="0" g="0" b="0"/>
+      </a:effectRef>
+      <a:fontRef idx="minor"/>
+    </dgm:style>
+  </dgm:styleLbl>
+  <dgm:styleLbl name="fgAccFollowNode1">
+    <dgm:scene3d>
+      <a:camera prst="orthographicFront"/>
+      <a:lightRig rig="threePt" dir="t"/>
+    </dgm:scene3d>
+    <dgm:sp3d/>
+    <dgm:txPr/>
+    <dgm:style>
+      <a:lnRef idx="2">
+        <a:scrgbClr r="0" g="0" b="0"/>
+      </a:lnRef>
+      <a:fillRef idx="1">
+        <a:scrgbClr r="0" g="0" b="0"/>
+      </a:fillRef>
+      <a:effectRef idx="0">
+        <a:scrgbClr r="0" g="0" b="0"/>
+      </a:effectRef>
+      <a:fontRef idx="minor"/>
+    </dgm:style>
+  </dgm:styleLbl>
+  <dgm:styleLbl name="alignAccFollowNode1">
+    <dgm:scene3d>
+      <a:camera prst="orthographicFront"/>
+      <a:lightRig rig="threePt" dir="t"/>
+    </dgm:scene3d>
+    <dgm:sp3d/>
+    <dgm:txPr/>
+    <dgm:style>
+      <a:lnRef idx="2">
+        <a:scrgbClr r="0" g="0" b="0"/>
+      </a:lnRef>
+      <a:fillRef idx="1">
+        <a:scrgbClr r="0" g="0" b="0"/>
+      </a:fillRef>
+      <a:effectRef idx="0">
+        <a:scrgbClr r="0" g="0" b="0"/>
+      </a:effectRef>
+      <a:fontRef idx="minor"/>
+    </dgm:style>
+  </dgm:styleLbl>
+  <dgm:styleLbl name="bgAccFollowNode1">
+    <dgm:scene3d>
+      <a:camera prst="orthographicFront"/>
+      <a:lightRig rig="threePt" dir="t"/>
+    </dgm:scene3d>
+    <dgm:sp3d/>
+    <dgm:txPr/>
+    <dgm:style>
+      <a:lnRef idx="2">
+        <a:scrgbClr r="0" g="0" b="0"/>
+      </a:lnRef>
+      <a:fillRef idx="1">
+        <a:scrgbClr r="0" g="0" b="0"/>
+      </a:fillRef>
+      <a:effectRef idx="0">
+        <a:scrgbClr r="0" g="0" b="0"/>
+      </a:effectRef>
+      <a:fontRef idx="minor"/>
+    </dgm:style>
+  </dgm:styleLbl>
+  <dgm:styleLbl name="fgAcc0">
+    <dgm:scene3d>
+      <a:camera prst="orthographicFront"/>
+      <a:lightRig rig="threePt" dir="t"/>
+    </dgm:scene3d>
+    <dgm:sp3d/>
+    <dgm:txPr/>
+    <dgm:style>
+      <a:lnRef idx="2">
+        <a:scrgbClr r="0" g="0" b="0"/>
+      </a:lnRef>
+      <a:fillRef idx="1">
+        <a:scrgbClr r="0" g="0" b="0"/>
+      </a:fillRef>
+      <a:effectRef idx="0">
+        <a:scrgbClr r="0" g="0" b="0"/>
+      </a:effectRef>
+      <a:fontRef idx="minor"/>
+    </dgm:style>
+  </dgm:styleLbl>
+  <dgm:styleLbl name="fgAcc2">
+    <dgm:scene3d>
+      <a:camera prst="orthographicFront"/>
+      <a:lightRig rig="threePt" dir="t"/>
+    </dgm:scene3d>
+    <dgm:sp3d/>
+    <dgm:txPr/>
+    <dgm:style>
+      <a:lnRef idx="2">
+        <a:scrgbClr r="0" g="0" b="0"/>
+      </a:lnRef>
+      <a:fillRef idx="1">
+        <a:scrgbClr r="0" g="0" b="0"/>
+      </a:fillRef>
+      <a:effectRef idx="0">
+        <a:scrgbClr r="0" g="0" b="0"/>
+      </a:effectRef>
+      <a:fontRef idx="minor"/>
+    </dgm:style>
+  </dgm:styleLbl>
+  <dgm:styleLbl name="fgAcc3">
+    <dgm:scene3d>
+      <a:camera prst="orthographicFront"/>
+      <a:lightRig rig="threePt" dir="t"/>
+    </dgm:scene3d>
+    <dgm:sp3d/>
+    <dgm:txPr/>
+    <dgm:style>
+      <a:lnRef idx="2">
+        <a:scrgbClr r="0" g="0" b="0"/>
+      </a:lnRef>
+      <a:fillRef idx="1">
+        <a:scrgbClr r="0" g="0" b="0"/>
+      </a:fillRef>
+      <a:effectRef idx="0">
+        <a:scrgbClr r="0" g="0" b="0"/>
+      </a:effectRef>
+      <a:fontRef idx="minor"/>
+    </dgm:style>
+  </dgm:styleLbl>
+  <dgm:styleLbl name="fgAcc4">
+    <dgm:scene3d>
+      <a:camera prst="orthographicFront"/>
+      <a:lightRig rig="threePt" dir="t"/>
+    </dgm:scene3d>
+    <dgm:sp3d/>
+    <dgm:txPr/>
+    <dgm:style>
+      <a:lnRef idx="2">
+        <a:scrgbClr r="0" g="0" b="0"/>
+      </a:lnRef>
+      <a:fillRef idx="1">
+        <a:scrgbClr r="0" g="0" b="0"/>
+      </a:fillRef>
+      <a:effectRef idx="0">
+        <a:scrgbClr r="0" g="0" b="0"/>
+      </a:effectRef>
+      <a:fontRef idx="minor"/>
+    </dgm:style>
+  </dgm:styleLbl>
+  <dgm:styleLbl name="bgShp">
+    <dgm:scene3d>
+      <a:camera prst="orthographicFront"/>
+      <a:lightRig rig="threePt" dir="t"/>
+    </dgm:scene3d>
+    <dgm:sp3d/>
+    <dgm:txPr/>
+    <dgm:style>
+      <a:lnRef idx="0">
+        <a:scrgbClr r="0" g="0" b="0"/>
+      </a:lnRef>
+      <a:fillRef idx="1">
+        <a:scrgbClr r="0" g="0" b="0"/>
+      </a:fillRef>
+      <a:effectRef idx="0">
+        <a:scrgbClr r="0" g="0" b="0"/>
+      </a:effectRef>
+      <a:fontRef idx="minor"/>
+    </dgm:style>
+  </dgm:styleLbl>
+  <dgm:styleLbl name="dkBgShp">
+    <dgm:scene3d>
+      <a:camera prst="orthographicFront"/>
+      <a:lightRig rig="threePt" dir="t"/>
+    </dgm:scene3d>
+    <dgm:sp3d/>
+    <dgm:txPr/>
+    <dgm:style>
+      <a:lnRef idx="0">
+        <a:scrgbClr r="0" g="0" b="0"/>
+      </a:lnRef>
+      <a:fillRef idx="1">
+        <a:scrgbClr r="0" g="0" b="0"/>
+      </a:fillRef>
+      <a:effectRef idx="0">
+        <a:scrgbClr r="0" g="0" b="0"/>
+      </a:effectRef>
+      <a:fontRef idx="minor"/>
+    </dgm:style>
+  </dgm:styleLbl>
+  <dgm:styleLbl name="trBgShp">
+    <dgm:scene3d>
+      <a:camera prst="orthographicFront"/>
+      <a:lightRig rig="threePt" dir="t"/>
+    </dgm:scene3d>
+    <dgm:sp3d/>
+    <dgm:txPr/>
+    <dgm:style>
+      <a:lnRef idx="0">
+        <a:scrgbClr r="0" g="0" b="0"/>
+      </a:lnRef>
+      <a:fillRef idx="1">
+        <a:scrgbClr r="0" g="0" b="0"/>
+      </a:fillRef>
+      <a:effectRef idx="0">
+        <a:scrgbClr r="0" g="0" b="0"/>
+      </a:effectRef>
+      <a:fontRef idx="minor"/>
+    </dgm:style>
+  </dgm:styleLbl>
+  <dgm:styleLbl name="fgShp">
+    <dgm:scene3d>
+      <a:camera prst="orthographicFront"/>
+      <a:lightRig rig="threePt" dir="t"/>
+    </dgm:scene3d>
+    <dgm:sp3d/>
+    <dgm:txPr/>
+    <dgm:style>
+      <a:lnRef idx="2">
+        <a:scrgbClr r="0" g="0" b="0"/>
+      </a:lnRef>
+      <a:fillRef idx="1">
+        <a:scrgbClr r="0" g="0" b="0"/>
+      </a:fillRef>
+      <a:effectRef idx="0">
+        <a:scrgbClr r="0" g="0" b="0"/>
+      </a:effectRef>
+      <a:fontRef idx="minor"/>
+    </dgm:style>
+  </dgm:styleLbl>
+  <dgm:styleLbl name="revTx">
+    <dgm:scene3d>
+      <a:camera prst="orthographicFront"/>
+      <a:lightRig rig="threePt" dir="t"/>
+    </dgm:scene3d>
+    <dgm:sp3d/>
+    <dgm:txPr/>
+    <dgm:style>
+      <a:lnRef idx="0">
+        <a:scrgbClr r="0" g="0" b="0"/>
+      </a:lnRef>
+      <a:fillRef idx="0">
+        <a:scrgbClr r="0" g="0" b="0"/>
+      </a:fillRef>
+      <a:effectRef idx="0">
+        <a:scrgbClr r="0" g="0" b="0"/>
+      </a:effectRef>
+      <a:fontRef idx="minor"/>
+    </dgm:style>
+  </dgm:styleLbl>
+</dgm:styleDef>
+</file>
+
+<file path=ppt/diagrams/quickStyle2.xml><?xml version="1.0" encoding="utf-8"?>
+<dgm:styleDef xmlns:dgm="http://schemas.openxmlformats.org/drawingml/2006/diagram" xmlns:a="http://schemas.openxmlformats.org/drawingml/2006/main" uniqueId="urn:microsoft.com/office/officeart/2005/8/quickstyle/simple1">
+  <dgm:title val=""/>
+  <dgm:desc val=""/>
+  <dgm:catLst>
+    <dgm:cat type="simple" pri="10100"/>
+  </dgm:catLst>
+  <dgm:scene3d>
+    <a:camera prst="orthographicFront"/>
+    <a:lightRig rig="threePt" dir="t"/>
+  </dgm:scene3d>
+  <dgm:styleLbl name="node0">
+    <dgm:scene3d>
+      <a:camera prst="orthographicFront"/>
+      <a:lightRig rig="threePt" dir="t"/>
+    </dgm:scene3d>
+    <dgm:sp3d/>
+    <dgm:txPr/>
+    <dgm:style>
+      <a:lnRef idx="2">
+        <a:scrgbClr r="0" g="0" b="0"/>
+      </a:lnRef>
+      <a:fillRef idx="1">
+        <a:scrgbClr r="0" g="0" b="0"/>
+      </a:fillRef>
+      <a:effectRef idx="0">
+        <a:scrgbClr r="0" g="0" b="0"/>
+      </a:effectRef>
+      <a:fontRef idx="minor">
+        <a:schemeClr val="lt1"/>
+      </a:fontRef>
+    </dgm:style>
+  </dgm:styleLbl>
+  <dgm:styleLbl name="lnNode1">
+    <dgm:scene3d>
+      <a:camera prst="orthographicFront"/>
+      <a:lightRig rig="threePt" dir="t"/>
+    </dgm:scene3d>
+    <dgm:sp3d/>
+    <dgm:txPr/>
+    <dgm:style>
+      <a:lnRef idx="2">
+        <a:scrgbClr r="0" g="0" b="0"/>
+      </a:lnRef>
+      <a:fillRef idx="1">
+        <a:scrgbClr r="0" g="0" b="0"/>
+      </a:fillRef>
+      <a:effectRef idx="0">
+        <a:scrgbClr r="0" g="0" b="0"/>
+      </a:effectRef>
+      <a:fontRef idx="minor">
+        <a:schemeClr val="lt1"/>
+      </a:fontRef>
+    </dgm:style>
+  </dgm:styleLbl>
+  <dgm:styleLbl name="vennNode1">
+    <dgm:scene3d>
+      <a:camera prst="orthographicFront"/>
+      <a:lightRig rig="threePt" dir="t"/>
+    </dgm:scene3d>
+    <dgm:sp3d/>
+    <dgm:txPr/>
+    <dgm:style>
+      <a:lnRef idx="2">
+        <a:scrgbClr r="0" g="0" b="0"/>
+      </a:lnRef>
+      <a:fillRef idx="1">
+        <a:scrgbClr r="0" g="0" b="0"/>
+      </a:fillRef>
+      <a:effectRef idx="0">
+        <a:scrgbClr r="0" g="0" b="0"/>
+      </a:effectRef>
+      <a:fontRef idx="minor">
+        <a:schemeClr val="tx1"/>
+      </a:fontRef>
+    </dgm:style>
+  </dgm:styleLbl>
+  <dgm:styleLbl name="alignNode1">
+    <dgm:scene3d>
+      <a:camera prst="orthographicFront"/>
+      <a:lightRig rig="threePt" dir="t"/>
+    </dgm:scene3d>
+    <dgm:sp3d/>
+    <dgm:txPr/>
+    <dgm:style>
+      <a:lnRef idx="2">
+        <a:scrgbClr r="0" g="0" b="0"/>
+      </a:lnRef>
+      <a:fillRef idx="1">
+        <a:scrgbClr r="0" g="0" b="0"/>
+      </a:fillRef>
+      <a:effectRef idx="0">
+        <a:scrgbClr r="0" g="0" b="0"/>
+      </a:effectRef>
+      <a:fontRef idx="minor">
+        <a:schemeClr val="lt1"/>
+      </a:fontRef>
+    </dgm:style>
+  </dgm:styleLbl>
+  <dgm:styleLbl name="node1">
+    <dgm:scene3d>
+      <a:camera prst="orthographicFront"/>
+      <a:lightRig rig="threePt" dir="t"/>
+    </dgm:scene3d>
+    <dgm:sp3d/>
+    <dgm:txPr/>
+    <dgm:style>
+      <a:lnRef idx="2">
+        <a:scrgbClr r="0" g="0" b="0"/>
+      </a:lnRef>
+      <a:fillRef idx="1">
+        <a:scrgbClr r="0" g="0" b="0"/>
+      </a:fillRef>
+      <a:effectRef idx="0">
+        <a:scrgbClr r="0" g="0" b="0"/>
+      </a:effectRef>
+      <a:fontRef idx="minor">
+        <a:schemeClr val="lt1"/>
+      </a:fontRef>
+    </dgm:style>
+  </dgm:styleLbl>
+  <dgm:styleLbl name="node2">
+    <dgm:scene3d>
+      <a:camera prst="orthographicFront"/>
+      <a:lightRig rig="threePt" dir="t"/>
+    </dgm:scene3d>
+    <dgm:sp3d/>
+    <dgm:txPr/>
+    <dgm:style>
+      <a:lnRef idx="2">
+        <a:scrgbClr r="0" g="0" b="0"/>
+      </a:lnRef>
+      <a:fillRef idx="1">
+        <a:scrgbClr r="0" g="0" b="0"/>
+      </a:fillRef>
+      <a:effectRef idx="0">
+        <a:scrgbClr r="0" g="0" b="0"/>
+      </a:effectRef>
+      <a:fontRef idx="minor">
+        <a:schemeClr val="lt1"/>
+      </a:fontRef>
+    </dgm:style>
+  </dgm:styleLbl>
+  <dgm:styleLbl name="node3">
+    <dgm:scene3d>
+      <a:camera prst="orthographicFront"/>
+      <a:lightRig rig="threePt" dir="t"/>
+    </dgm:scene3d>
+    <dgm:sp3d/>
+    <dgm:txPr/>
+    <dgm:style>
+      <a:lnRef idx="2">
+        <a:scrgbClr r="0" g="0" b="0"/>
+      </a:lnRef>
+      <a:fillRef idx="1">
+        <a:scrgbClr r="0" g="0" b="0"/>
+      </a:fillRef>
+      <a:effectRef idx="0">
+        <a:scrgbClr r="0" g="0" b="0"/>
+      </a:effectRef>
+      <a:fontRef idx="minor">
+        <a:schemeClr val="lt1"/>
+      </a:fontRef>
+    </dgm:style>
+  </dgm:styleLbl>
+  <dgm:styleLbl name="node4">
+    <dgm:scene3d>
+      <a:camera prst="orthographicFront"/>
+      <a:lightRig rig="threePt" dir="t"/>
+    </dgm:scene3d>
+    <dgm:sp3d/>
+    <dgm:txPr/>
+    <dgm:style>
+      <a:lnRef idx="2">
+        <a:scrgbClr r="0" g="0" b="0"/>
+      </a:lnRef>
+      <a:fillRef idx="1">
+        <a:scrgbClr r="0" g="0" b="0"/>
+      </a:fillRef>
+      <a:effectRef idx="0">
+        <a:scrgbClr r="0" g="0" b="0"/>
+      </a:effectRef>
+      <a:fontRef idx="minor">
+        <a:schemeClr val="lt1"/>
+      </a:fontRef>
+    </dgm:style>
+  </dgm:styleLbl>
+  <dgm:styleLbl name="fgImgPlace1">
+    <dgm:scene3d>
+      <a:camera prst="orthographicFront"/>
+      <a:lightRig rig="threePt" dir="t"/>
+    </dgm:scene3d>
+    <dgm:sp3d/>
+    <dgm:txPr/>
+    <dgm:style>
+      <a:lnRef idx="2">
+        <a:scrgbClr r="0" g="0" b="0"/>
+      </a:lnRef>
+      <a:fillRef idx="1">
+        <a:scrgbClr r="0" g="0" b="0"/>
+      </a:fillRef>
+      <a:effectRef idx="0">
+        <a:scrgbClr r="0" g="0" b="0"/>
+      </a:effectRef>
+      <a:fontRef idx="minor"/>
+    </dgm:style>
+  </dgm:styleLbl>
+  <dgm:styleLbl name="alignImgPlace1">
+    <dgm:scene3d>
+      <a:camera prst="orthographicFront"/>
+      <a:lightRig rig="threePt" dir="t"/>
+    </dgm:scene3d>
+    <dgm:sp3d/>
+    <dgm:txPr/>
+    <dgm:style>
+      <a:lnRef idx="2">
+        <a:scrgbClr r="0" g="0" b="0"/>
+      </a:lnRef>
+      <a:fillRef idx="1">
+        <a:scrgbClr r="0" g="0" b="0"/>
+      </a:fillRef>
+      <a:effectRef idx="0">
+        <a:scrgbClr r="0" g="0" b="0"/>
+      </a:effectRef>
+      <a:fontRef idx="minor"/>
+    </dgm:style>
+  </dgm:styleLbl>
+  <dgm:styleLbl name="bgImgPlace1">
+    <dgm:scene3d>
+      <a:camera prst="orthographicFront"/>
+      <a:lightRig rig="threePt" dir="t"/>
+    </dgm:scene3d>
+    <dgm:sp3d/>
+    <dgm:txPr/>
+    <dgm:style>
+      <a:lnRef idx="2">
+        <a:scrgbClr r="0" g="0" b="0"/>
+      </a:lnRef>
+      <a:fillRef idx="1">
+        <a:scrgbClr r="0" g="0" b="0"/>
+      </a:fillRef>
+      <a:effectRef idx="0">
+        <a:scrgbClr r="0" g="0" b="0"/>
+      </a:effectRef>
+      <a:fontRef idx="minor"/>
+    </dgm:style>
+  </dgm:styleLbl>
+  <dgm:styleLbl name="sibTrans2D1">
+    <dgm:scene3d>
+      <a:camera prst="orthographicFront"/>
+      <a:lightRig rig="threePt" dir="t"/>
+    </dgm:scene3d>
+    <dgm:sp3d/>
+    <dgm:txPr/>
+    <dgm:style>
+      <a:lnRef idx="0">
+        <a:scrgbClr r="0" g="0" b="0"/>
+      </a:lnRef>
+      <a:fillRef idx="1">
+        <a:scrgbClr r="0" g="0" b="0"/>
+      </a:fillRef>
+      <a:effectRef idx="0">
+        <a:scrgbClr r="0" g="0" b="0"/>
+      </a:effectRef>
+      <a:fontRef idx="minor">
+        <a:schemeClr val="lt1"/>
+      </a:fontRef>
+    </dgm:style>
+  </dgm:styleLbl>
+  <dgm:styleLbl name="fgSibTrans2D1">
+    <dgm:scene3d>
+      <a:camera prst="orthographicFront"/>
+      <a:lightRig rig="threePt" dir="t"/>
+    </dgm:scene3d>
+    <dgm:sp3d/>
+    <dgm:txPr/>
+    <dgm:style>
+      <a:lnRef idx="0">
+        <a:scrgbClr r="0" g="0" b="0"/>
+      </a:lnRef>
+      <a:fillRef idx="1">
+        <a:scrgbClr r="0" g="0" b="0"/>
+      </a:fillRef>
+      <a:effectRef idx="0">
+        <a:scrgbClr r="0" g="0" b="0"/>
+      </a:effectRef>
+      <a:fontRef idx="minor">
+        <a:schemeClr val="lt1"/>
+      </a:fontRef>
+    </dgm:style>
+  </dgm:styleLbl>
+  <dgm:styleLbl name="bgSibTrans2D1">
+    <dgm:scene3d>
+      <a:camera prst="orthographicFront"/>
+      <a:lightRig rig="threePt" dir="t"/>
+    </dgm:scene3d>
+    <dgm:sp3d/>
+    <dgm:txPr/>
+    <dgm:style>
+      <a:lnRef idx="0">
+        <a:scrgbClr r="0" g="0" b="0"/>
+      </a:lnRef>
+      <a:fillRef idx="1">
+        <a:scrgbClr r="0" g="0" b="0"/>
+      </a:fillRef>
+      <a:effectRef idx="0">
+        <a:scrgbClr r="0" g="0" b="0"/>
+      </a:effectRef>
+      <a:fontRef idx="minor">
+        <a:schemeClr val="lt1"/>
+      </a:fontRef>
+    </dgm:style>
+  </dgm:styleLbl>
+  <dgm:styleLbl name="sibTrans1D1">
+    <dgm:scene3d>
+      <a:camera prst="orthographicFront"/>
+      <a:lightRig rig="threePt" dir="t"/>
+    </dgm:scene3d>
+    <dgm:sp3d/>
+    <dgm:txPr/>
+    <dgm:style>
+      <a:lnRef idx="1">
+        <a:scrgbClr r="0" g="0" b="0"/>
+      </a:lnRef>
+      <a:fillRef idx="0">
+        <a:scrgbClr r="0" g="0" b="0"/>
+      </a:fillRef>
+      <a:effectRef idx="0">
+        <a:scrgbClr r="0" g="0" b="0"/>
+      </a:effectRef>
+      <a:fontRef idx="minor"/>
+    </dgm:style>
+  </dgm:styleLbl>
+  <dgm:styleLbl name="callout">
+    <dgm:scene3d>
+      <a:camera prst="orthographicFront"/>
+      <a:lightRig rig="threePt" dir="t"/>
+    </dgm:scene3d>
+    <dgm:sp3d/>
+    <dgm:txPr/>
+    <dgm:style>
+      <a:lnRef idx="2">
+        <a:scrgbClr r="0" g="0" b="0"/>
+      </a:lnRef>
+      <a:fillRef idx="1">
+        <a:scrgbClr r="0" g="0" b="0"/>
+      </a:fillRef>
+      <a:effectRef idx="0">
+        <a:scrgbClr r="0" g="0" b="0"/>
+      </a:effectRef>
+      <a:fontRef idx="minor"/>
+    </dgm:style>
+  </dgm:styleLbl>
+  <dgm:styleLbl name="asst0">
+    <dgm:scene3d>
+      <a:camera prst="orthographicFront"/>
+      <a:lightRig rig="threePt" dir="t"/>
+    </dgm:scene3d>
+    <dgm:sp3d/>
+    <dgm:txPr/>
+    <dgm:style>
+      <a:lnRef idx="2">
+        <a:scrgbClr r="0" g="0" b="0"/>
+      </a:lnRef>
+      <a:fillRef idx="1">
+        <a:scrgbClr r="0" g="0" b="0"/>
+      </a:fillRef>
+      <a:effectRef idx="0">
+        <a:scrgbClr r="0" g="0" b="0"/>
+      </a:effectRef>
+      <a:fontRef idx="minor">
+        <a:schemeClr val="lt1"/>
+      </a:fontRef>
+    </dgm:style>
+  </dgm:styleLbl>
+  <dgm:styleLbl name="asst1">
+    <dgm:scene3d>
+      <a:camera prst="orthographicFront"/>
+      <a:lightRig rig="threePt" dir="t"/>
+    </dgm:scene3d>
+    <dgm:sp3d/>
+    <dgm:txPr/>
+    <dgm:style>
+      <a:lnRef idx="2">
+        <a:scrgbClr r="0" g="0" b="0"/>
+      </a:lnRef>
+      <a:fillRef idx="1">
+        <a:scrgbClr r="0" g="0" b="0"/>
+      </a:fillRef>
+      <a:effectRef idx="0">
+        <a:scrgbClr r="0" g="0" b="0"/>
+      </a:effectRef>
+      <a:fontRef idx="minor">
+        <a:schemeClr val="lt1"/>
+      </a:fontRef>
+    </dgm:style>
+  </dgm:styleLbl>
+  <dgm:styleLbl name="asst2">
+    <dgm:scene3d>
+      <a:camera prst="orthographicFront"/>
+      <a:lightRig rig="threePt" dir="t"/>
+    </dgm:scene3d>
+    <dgm:sp3d/>
+    <dgm:txPr/>
+    <dgm:style>
+      <a:lnRef idx="2">
+        <a:scrgbClr r="0" g="0" b="0"/>
+      </a:lnRef>
+      <a:fillRef idx="1">
+        <a:scrgbClr r="0" g="0" b="0"/>
+      </a:fillRef>
+      <a:effectRef idx="0">
+        <a:scrgbClr r="0" g="0" b="0"/>
+      </a:effectRef>
+      <a:fontRef idx="minor">
+        <a:schemeClr val="lt1"/>
+      </a:fontRef>
+    </dgm:style>
+  </dgm:styleLbl>
+  <dgm:styleLbl name="asst3">
+    <dgm:scene3d>
+      <a:camera prst="orthographicFront"/>
+      <a:lightRig rig="threePt" dir="t"/>
+    </dgm:scene3d>
+    <dgm:sp3d/>
+    <dgm:txPr/>
+    <dgm:style>
+      <a:lnRef idx="2">
+        <a:scrgbClr r="0" g="0" b="0"/>
+      </a:lnRef>
+      <a:fillRef idx="1">
+        <a:scrgbClr r="0" g="0" b="0"/>
+      </a:fillRef>
+      <a:effectRef idx="0">
+        <a:scrgbClr r="0" g="0" b="0"/>
+      </a:effectRef>
+      <a:fontRef idx="minor">
+        <a:schemeClr val="lt1"/>
+      </a:fontRef>
+    </dgm:style>
+  </dgm:styleLbl>
+  <dgm:styleLbl name="asst4">
+    <dgm:scene3d>
+      <a:camera prst="orthographicFront"/>
+      <a:lightRig rig="threePt" dir="t"/>
+    </dgm:scene3d>
+    <dgm:sp3d/>
+    <dgm:txPr/>
+    <dgm:style>
+      <a:lnRef idx="2">
+        <a:scrgbClr r="0" g="0" b="0"/>
+      </a:lnRef>
+      <a:fillRef idx="1">
+        <a:scrgbClr r="0" g="0" b="0"/>
+      </a:fillRef>
+      <a:effectRef idx="0">
+        <a:scrgbClr r="0" g="0" b="0"/>
+      </a:effectRef>
+      <a:fontRef idx="minor">
+        <a:schemeClr val="lt1"/>
+      </a:fontRef>
+    </dgm:style>
+  </dgm:styleLbl>
+  <dgm:styleLbl name="parChTrans2D1">
+    <dgm:scene3d>
+      <a:camera prst="orthographicFront"/>
+      <a:lightRig rig="threePt" dir="t"/>
+    </dgm:scene3d>
+    <dgm:sp3d/>
+    <dgm:txPr/>
+    <dgm:style>
+      <a:lnRef idx="2">
+        <a:scrgbClr r="0" g="0" b="0"/>
+      </a:lnRef>
+      <a:fillRef idx="1">
+        <a:scrgbClr r="0" g="0" b="0"/>
+      </a:fillRef>
+      <a:effectRef idx="0">
+        <a:scrgbClr r="0" g="0" b="0"/>
+      </a:effectRef>
+      <a:fontRef idx="minor">
+        <a:schemeClr val="lt1"/>
+      </a:fontRef>
+    </dgm:style>
+  </dgm:styleLbl>
+  <dgm:styleLbl name="parChTrans2D2">
+    <dgm:scene3d>
+      <a:camera prst="orthographicFront"/>
+      <a:lightRig rig="threePt" dir="t"/>
+    </dgm:scene3d>
+    <dgm:sp3d/>
+    <dgm:txPr/>
+    <dgm:style>
+      <a:lnRef idx="2">
+        <a:scrgbClr r="0" g="0" b="0"/>
+      </a:lnRef>
+      <a:fillRef idx="1">
+        <a:scrgbClr r="0" g="0" b="0"/>
+      </a:fillRef>
+      <a:effectRef idx="0">
+        <a:scrgbClr r="0" g="0" b="0"/>
+      </a:effectRef>
+      <a:fontRef idx="minor">
+        <a:schemeClr val="lt1"/>
+      </a:fontRef>
+    </dgm:style>
+  </dgm:styleLbl>
+  <dgm:styleLbl name="parChTrans2D3">
+    <dgm:scene3d>
+      <a:camera prst="orthographicFront"/>
+      <a:lightRig rig="threePt" dir="t"/>
+    </dgm:scene3d>
+    <dgm:sp3d/>
+    <dgm:txPr/>
+    <dgm:style>
+      <a:lnRef idx="2">
+        <a:scrgbClr r="0" g="0" b="0"/>
+      </a:lnRef>
+      <a:fillRef idx="1">
+        <a:scrgbClr r="0" g="0" b="0"/>
+      </a:fillRef>
+      <a:effectRef idx="0">
+        <a:scrgbClr r="0" g="0" b="0"/>
+      </a:effectRef>
+      <a:fontRef idx="minor">
+        <a:schemeClr val="lt1"/>
+      </a:fontRef>
+    </dgm:style>
+  </dgm:styleLbl>
+  <dgm:styleLbl name="parChTrans2D4">
+    <dgm:scene3d>
+      <a:camera prst="orthographicFront"/>
+      <a:lightRig rig="threePt" dir="t"/>
+    </dgm:scene3d>
+    <dgm:sp3d/>
+    <dgm:txPr/>
+    <dgm:style>
+      <a:lnRef idx="2">
+        <a:scrgbClr r="0" g="0" b="0"/>
+      </a:lnRef>
+      <a:fillRef idx="1">
+        <a:scrgbClr r="0" g="0" b="0"/>
+      </a:fillRef>
+      <a:effectRef idx="0">
+        <a:scrgbClr r="0" g="0" b="0"/>
+      </a:effectRef>
+      <a:fontRef idx="minor">
+        <a:schemeClr val="lt1"/>
+      </a:fontRef>
+    </dgm:style>
+  </dgm:styleLbl>
+  <dgm:styleLbl name="parChTrans1D1">
+    <dgm:scene3d>
+      <a:camera prst="orthographicFront"/>
+      <a:lightRig rig="threePt" dir="t"/>
+    </dgm:scene3d>
+    <dgm:sp3d/>
+    <dgm:txPr/>
+    <dgm:style>
+      <a:lnRef idx="2">
+        <a:scrgbClr r="0" g="0" b="0"/>
+      </a:lnRef>
+      <a:fillRef idx="0">
+        <a:scrgbClr r="0" g="0" b="0"/>
+      </a:fillRef>
+      <a:effectRef idx="0">
+        <a:scrgbClr r="0" g="0" b="0"/>
+      </a:effectRef>
+      <a:fontRef idx="minor"/>
+    </dgm:style>
+  </dgm:styleLbl>
+  <dgm:styleLbl name="parChTrans1D2">
+    <dgm:scene3d>
+      <a:camera prst="orthographicFront"/>
+      <a:lightRig rig="threePt" dir="t"/>
+    </dgm:scene3d>
+    <dgm:sp3d/>
+    <dgm:txPr/>
+    <dgm:style>
+      <a:lnRef idx="2">
+        <a:scrgbClr r="0" g="0" b="0"/>
+      </a:lnRef>
+      <a:fillRef idx="0">
+        <a:scrgbClr r="0" g="0" b="0"/>
+      </a:fillRef>
+      <a:effectRef idx="0">
+        <a:scrgbClr r="0" g="0" b="0"/>
+      </a:effectRef>
+      <a:fontRef idx="minor"/>
+    </dgm:style>
+  </dgm:styleLbl>
+  <dgm:styleLbl name="parChTrans1D3">
+    <dgm:scene3d>
+      <a:camera prst="orthographicFront"/>
+      <a:lightRig rig="threePt" dir="t"/>
+    </dgm:scene3d>
+    <dgm:sp3d/>
+    <dgm:txPr/>
+    <dgm:style>
+      <a:lnRef idx="2">
+        <a:scrgbClr r="0" g="0" b="0"/>
+      </a:lnRef>
+      <a:fillRef idx="0">
+        <a:scrgbClr r="0" g="0" b="0"/>
+      </a:fillRef>
+      <a:effectRef idx="0">
+        <a:scrgbClr r="0" g="0" b="0"/>
+      </a:effectRef>
+      <a:fontRef idx="minor"/>
+    </dgm:style>
+  </dgm:styleLbl>
+  <dgm:styleLbl name="parChTrans1D4">
+    <dgm:scene3d>
+      <a:camera prst="orthographicFront"/>
+      <a:lightRig rig="threePt" dir="t"/>
+    </dgm:scene3d>
+    <dgm:sp3d/>
+    <dgm:txPr/>
+    <dgm:style>
+      <a:lnRef idx="2">
+        <a:scrgbClr r="0" g="0" b="0"/>
+      </a:lnRef>
+      <a:fillRef idx="0">
+        <a:scrgbClr r="0" g="0" b="0"/>
+      </a:fillRef>
+      <a:effectRef idx="0">
+        <a:scrgbClr r="0" g="0" b="0"/>
+      </a:effectRef>
+      <a:fontRef idx="minor"/>
+    </dgm:style>
+  </dgm:styleLbl>
+  <dgm:styleLbl name="fgAcc1">
+    <dgm:scene3d>
+      <a:camera prst="orthographicFront"/>
+      <a:lightRig rig="threePt" dir="t"/>
+    </dgm:scene3d>
+    <dgm:sp3d/>
+    <dgm:txPr/>
+    <dgm:style>
+      <a:lnRef idx="2">
+        <a:scrgbClr r="0" g="0" b="0"/>
+      </a:lnRef>
+      <a:fillRef idx="1">
+        <a:scrgbClr r="0" g="0" b="0"/>
+      </a:fillRef>
+      <a:effectRef idx="0">
+        <a:scrgbClr r="0" g="0" b="0"/>
+      </a:effectRef>
+      <a:fontRef idx="minor"/>
+    </dgm:style>
+  </dgm:styleLbl>
+  <dgm:styleLbl name="conFgAcc1">
+    <dgm:scene3d>
+      <a:camera prst="orthographicFront"/>
+      <a:lightRig rig="threePt" dir="t"/>
+    </dgm:scene3d>
+    <dgm:sp3d/>
+    <dgm:txPr/>
+    <dgm:style>
+      <a:lnRef idx="2">
+        <a:scrgbClr r="0" g="0" b="0"/>
+      </a:lnRef>
+      <a:fillRef idx="1">
+        <a:scrgbClr r="0" g="0" b="0"/>
+      </a:fillRef>
+      <a:effectRef idx="0">
+        <a:scrgbClr r="0" g="0" b="0"/>
+      </a:effectRef>
+      <a:fontRef idx="minor"/>
+    </dgm:style>
+  </dgm:styleLbl>
+  <dgm:styleLbl name="alignAcc1">
+    <dgm:scene3d>
+      <a:camera prst="orthographicFront"/>
+      <a:lightRig rig="threePt" dir="t"/>
+    </dgm:scene3d>
+    <dgm:sp3d/>
+    <dgm:txPr/>
+    <dgm:style>
+      <a:lnRef idx="2">
+        <a:scrgbClr r="0" g="0" b="0"/>
+      </a:lnRef>
+      <a:fillRef idx="1">
+        <a:scrgbClr r="0" g="0" b="0"/>
+      </a:fillRef>
+      <a:effectRef idx="0">
+        <a:scrgbClr r="0" g="0" b="0"/>
+      </a:effectRef>
+      <a:fontRef idx="minor"/>
+    </dgm:style>
+  </dgm:styleLbl>
+  <dgm:styleLbl name="trAlignAcc1">
+    <dgm:scene3d>
+      <a:camera prst="orthographicFront"/>
+      <a:lightRig rig="threePt" dir="t"/>
+    </dgm:scene3d>
+    <dgm:sp3d/>
+    <dgm:txPr/>
+    <dgm:style>
+      <a:lnRef idx="1">
+        <a:scrgbClr r="0" g="0" b="0"/>
+      </a:lnRef>
+      <a:fillRef idx="1">
+        <a:scrgbClr r="0" g="0" b="0"/>
+      </a:fillRef>
+      <a:effectRef idx="0">
+        <a:scrgbClr r="0" g="0" b="0"/>
+      </a:effectRef>
+      <a:fontRef idx="minor"/>
+    </dgm:style>
+  </dgm:styleLbl>
+  <dgm:styleLbl name="bgAcc1">
+    <dgm:scene3d>
+      <a:camera prst="orthographicFront"/>
+      <a:lightRig rig="threePt" dir="t"/>
+    </dgm:scene3d>
+    <dgm:sp3d/>
+    <dgm:txPr/>
+    <dgm:style>
+      <a:lnRef idx="2">
+        <a:scrgbClr r="0" g="0" b="0"/>
+      </a:lnRef>
+      <a:fillRef idx="1">
+        <a:scrgbClr r="0" g="0" b="0"/>
+      </a:fillRef>
+      <a:effectRef idx="0">
+        <a:scrgbClr r="0" g="0" b="0"/>
+      </a:effectRef>
+      <a:fontRef idx="minor"/>
+    </dgm:style>
+  </dgm:styleLbl>
+  <dgm:styleLbl name="solidFgAcc1">
+    <dgm:scene3d>
+      <a:camera prst="orthographicFront"/>
+      <a:lightRig rig="threePt" dir="t"/>
+    </dgm:scene3d>
+    <dgm:sp3d/>
+    <dgm:txPr/>
+    <dgm:style>
+      <a:lnRef idx="2">
+        <a:scrgbClr r="0" g="0" b="0"/>
+      </a:lnRef>
+      <a:fillRef idx="1">
+        <a:scrgbClr r="0" g="0" b="0"/>
+      </a:fillRef>
+      <a:effectRef idx="0">
+        <a:scrgbClr r="0" g="0" b="0"/>
+      </a:effectRef>
+      <a:fontRef idx="minor"/>
+    </dgm:style>
+  </dgm:styleLbl>
+  <dgm:styleLbl name="solidAlignAcc1">
+    <dgm:scene3d>
+      <a:camera prst="orthographicFront"/>
+      <a:lightRig rig="threePt" dir="t"/>
+    </dgm:scene3d>
+    <dgm:sp3d/>
+    <dgm:txPr/>
+    <dgm:style>
+      <a:lnRef idx="2">
+        <a:scrgbClr r="0" g="0" b="0"/>
+      </a:lnRef>
+      <a:fillRef idx="1">
+        <a:scrgbClr r="0" g="0" b="0"/>
+      </a:fillRef>
+      <a:effectRef idx="0">
+        <a:scrgbClr r="0" g="0" b="0"/>
+      </a:effectRef>
+      <a:fontRef idx="minor"/>
+    </dgm:style>
+  </dgm:styleLbl>
+  <dgm:styleLbl name="solidBgAcc1">
+    <dgm:scene3d>
+      <a:camera prst="orthographicFront"/>
+      <a:lightRig rig="threePt" dir="t"/>
+    </dgm:scene3d>
+    <dgm:sp3d/>
+    <dgm:txPr/>
+    <dgm:style>
+      <a:lnRef idx="2">
+        <a:scrgbClr r="0" g="0" b="0"/>
+      </a:lnRef>
+      <a:fillRef idx="1">
+        <a:scrgbClr r="0" g="0" b="0"/>
+      </a:fillRef>
+      <a:effectRef idx="0">
+        <a:scrgbClr r="0" g="0" b="0"/>
+      </a:effectRef>
+      <a:fontRef idx="minor"/>
+    </dgm:style>
+  </dgm:styleLbl>
+  <dgm:styleLbl name="fgAccFollowNode1">
+    <dgm:scene3d>
+      <a:camera prst="orthographicFront"/>
+      <a:lightRig rig="threePt" dir="t"/>
+    </dgm:scene3d>
+    <dgm:sp3d/>
+    <dgm:txPr/>
+    <dgm:style>
+      <a:lnRef idx="2">
+        <a:scrgbClr r="0" g="0" b="0"/>
+      </a:lnRef>
+      <a:fillRef idx="1">
+        <a:scrgbClr r="0" g="0" b="0"/>
+      </a:fillRef>
+      <a:effectRef idx="0">
+        <a:scrgbClr r="0" g="0" b="0"/>
+      </a:effectRef>
+      <a:fontRef idx="minor"/>
+    </dgm:style>
+  </dgm:styleLbl>
+  <dgm:styleLbl name="alignAccFollowNode1">
+    <dgm:scene3d>
+      <a:camera prst="orthographicFront"/>
+      <a:lightRig rig="threePt" dir="t"/>
+    </dgm:scene3d>
+    <dgm:sp3d/>
+    <dgm:txPr/>
+    <dgm:style>
+      <a:lnRef idx="2">
+        <a:scrgbClr r="0" g="0" b="0"/>
+      </a:lnRef>
+      <a:fillRef idx="1">
+        <a:scrgbClr r="0" g="0" b="0"/>
+      </a:fillRef>
+      <a:effectRef idx="0">
+        <a:scrgbClr r="0" g="0" b="0"/>
+      </a:effectRef>
+      <a:fontRef idx="minor"/>
+    </dgm:style>
+  </dgm:styleLbl>
+  <dgm:styleLbl name="bgAccFollowNode1">
+    <dgm:scene3d>
+      <a:camera prst="orthographicFront"/>
+      <a:lightRig rig="threePt" dir="t"/>
+    </dgm:scene3d>
+    <dgm:sp3d/>
+    <dgm:txPr/>
+    <dgm:style>
+      <a:lnRef idx="2">
+        <a:scrgbClr r="0" g="0" b="0"/>
+      </a:lnRef>
+      <a:fillRef idx="1">
+        <a:scrgbClr r="0" g="0" b="0"/>
+      </a:fillRef>
+      <a:effectRef idx="0">
+        <a:scrgbClr r="0" g="0" b="0"/>
+      </a:effectRef>
+      <a:fontRef idx="minor"/>
+    </dgm:style>
+  </dgm:styleLbl>
+  <dgm:styleLbl name="fgAcc0">
+    <dgm:scene3d>
+      <a:camera prst="orthographicFront"/>
+      <a:lightRig rig="threePt" dir="t"/>
+    </dgm:scene3d>
+    <dgm:sp3d/>
+    <dgm:txPr/>
+    <dgm:style>
+      <a:lnRef idx="2">
+        <a:scrgbClr r="0" g="0" b="0"/>
+      </a:lnRef>
+      <a:fillRef idx="1">
+        <a:scrgbClr r="0" g="0" b="0"/>
+      </a:fillRef>
+      <a:effectRef idx="0">
+        <a:scrgbClr r="0" g="0" b="0"/>
+      </a:effectRef>
+      <a:fontRef idx="minor"/>
+    </dgm:style>
+  </dgm:styleLbl>
+  <dgm:styleLbl name="fgAcc2">
+    <dgm:scene3d>
+      <a:camera prst="orthographicFront"/>
+      <a:lightRig rig="threePt" dir="t"/>
+    </dgm:scene3d>
+    <dgm:sp3d/>
+    <dgm:txPr/>
+    <dgm:style>
+      <a:lnRef idx="2">
+        <a:scrgbClr r="0" g="0" b="0"/>
+      </a:lnRef>
+      <a:fillRef idx="1">
+        <a:scrgbClr r="0" g="0" b="0"/>
+      </a:fillRef>
+      <a:effectRef idx="0">
+        <a:scrgbClr r="0" g="0" b="0"/>
+      </a:effectRef>
+      <a:fontRef idx="minor"/>
+    </dgm:style>
+  </dgm:styleLbl>
+  <dgm:styleLbl name="fgAcc3">
+    <dgm:scene3d>
+      <a:camera prst="orthographicFront"/>
+      <a:lightRig rig="threePt" dir="t"/>
+    </dgm:scene3d>
+    <dgm:sp3d/>
+    <dgm:txPr/>
+    <dgm:style>
+      <a:lnRef idx="2">
+        <a:scrgbClr r="0" g="0" b="0"/>
+      </a:lnRef>
+      <a:fillRef idx="1">
+        <a:scrgbClr r="0" g="0" b="0"/>
+      </a:fillRef>
+      <a:effectRef idx="0">
+        <a:scrgbClr r="0" g="0" b="0"/>
+      </a:effectRef>
+      <a:fontRef idx="minor"/>
+    </dgm:style>
+  </dgm:styleLbl>
+  <dgm:styleLbl name="fgAcc4">
+    <dgm:scene3d>
+      <a:camera prst="orthographicFront"/>
+      <a:lightRig rig="threePt" dir="t"/>
+    </dgm:scene3d>
+    <dgm:sp3d/>
+    <dgm:txPr/>
+    <dgm:style>
+      <a:lnRef idx="2">
+        <a:scrgbClr r="0" g="0" b="0"/>
+      </a:lnRef>
+      <a:fillRef idx="1">
+        <a:scrgbClr r="0" g="0" b="0"/>
+      </a:fillRef>
+      <a:effectRef idx="0">
+        <a:scrgbClr r="0" g="0" b="0"/>
+      </a:effectRef>
+      <a:fontRef idx="minor"/>
+    </dgm:style>
+  </dgm:styleLbl>
+  <dgm:styleLbl name="bgShp">
+    <dgm:scene3d>
+      <a:camera prst="orthographicFront"/>
+      <a:lightRig rig="threePt" dir="t"/>
+    </dgm:scene3d>
+    <dgm:sp3d/>
+    <dgm:txPr/>
+    <dgm:style>
+      <a:lnRef idx="0">
+        <a:scrgbClr r="0" g="0" b="0"/>
+      </a:lnRef>
+      <a:fillRef idx="1">
+        <a:scrgbClr r="0" g="0" b="0"/>
+      </a:fillRef>
+      <a:effectRef idx="0">
+        <a:scrgbClr r="0" g="0" b="0"/>
+      </a:effectRef>
+      <a:fontRef idx="minor"/>
+    </dgm:style>
+  </dgm:styleLbl>
+  <dgm:styleLbl name="dkBgShp">
+    <dgm:scene3d>
+      <a:camera prst="orthographicFront"/>
+      <a:lightRig rig="threePt" dir="t"/>
+    </dgm:scene3d>
+    <dgm:sp3d/>
+    <dgm:txPr/>
+    <dgm:style>
+      <a:lnRef idx="0">
+        <a:scrgbClr r="0" g="0" b="0"/>
+      </a:lnRef>
+      <a:fillRef idx="1">
+        <a:scrgbClr r="0" g="0" b="0"/>
+      </a:fillRef>
+      <a:effectRef idx="0">
+        <a:scrgbClr r="0" g="0" b="0"/>
+      </a:effectRef>
+      <a:fontRef idx="minor"/>
+    </dgm:style>
+  </dgm:styleLbl>
+  <dgm:styleLbl name="trBgShp">
+    <dgm:scene3d>
+      <a:camera prst="orthographicFront"/>
+      <a:lightRig rig="threePt" dir="t"/>
+    </dgm:scene3d>
+    <dgm:sp3d/>
+    <dgm:txPr/>
+    <dgm:style>
+      <a:lnRef idx="0">
+        <a:scrgbClr r="0" g="0" b="0"/>
+      </a:lnRef>
+      <a:fillRef idx="1">
+        <a:scrgbClr r="0" g="0" b="0"/>
+      </a:fillRef>
+      <a:effectRef idx="0">
+        <a:scrgbClr r="0" g="0" b="0"/>
+      </a:effectRef>
+      <a:fontRef idx="minor"/>
+    </dgm:style>
+  </dgm:styleLbl>
+  <dgm:styleLbl name="fgShp">
+    <dgm:scene3d>
+      <a:camera prst="orthographicFront"/>
+      <a:lightRig rig="threePt" dir="t"/>
+    </dgm:scene3d>
+    <dgm:sp3d/>
+    <dgm:txPr/>
+    <dgm:style>
+      <a:lnRef idx="2">
+        <a:scrgbClr r="0" g="0" b="0"/>
+      </a:lnRef>
+      <a:fillRef idx="1">
+        <a:scrgbClr r="0" g="0" b="0"/>
+      </a:fillRef>
+      <a:effectRef idx="0">
+        <a:scrgbClr r="0" g="0" b="0"/>
+      </a:effectRef>
+      <a:fontRef idx="minor"/>
+    </dgm:style>
+  </dgm:styleLbl>
+  <dgm:styleLbl name="revTx">
+    <dgm:scene3d>
+      <a:camera prst="orthographicFront"/>
+      <a:lightRig rig="threePt" dir="t"/>
+    </dgm:scene3d>
+    <dgm:sp3d/>
+    <dgm:txPr/>
+    <dgm:style>
+      <a:lnRef idx="0">
+        <a:scrgbClr r="0" g="0" b="0"/>
+      </a:lnRef>
+      <a:fillRef idx="0">
+        <a:scrgbClr r="0" g="0" b="0"/>
+      </a:fillRef>
+      <a:effectRef idx="0">
+        <a:scrgbClr r="0" g="0" b="0"/>
+      </a:effectRef>
+      <a:fontRef idx="minor"/>
+    </dgm:style>
+  </dgm:styleLbl>
+</dgm:styleDef>
 </file>
 
 <file path=ppt/slideLayouts/slideLayout1.xml><?xml version="1.0" encoding="utf-8"?>
@@ -4354,57 +9523,6 @@
           </a:p>
         </p:txBody>
       </p:sp>
-      <p:sp>
-        <p:nvSpPr>
-          <p:cNvPr id="3" name="Content Placeholder 2">
-            <a:extLst>
-              <a:ext uri="{FF2B5EF4-FFF2-40B4-BE49-F238E27FC236}">
-                <a16:creationId xmlns:a16="http://schemas.microsoft.com/office/drawing/2014/main" id="{021DD6B5-B2D7-4E10-A08A-49EF37CE14FC}"/>
-              </a:ext>
-            </a:extLst>
-          </p:cNvPr>
-          <p:cNvSpPr>
-            <a:spLocks noGrp="1"/>
-          </p:cNvSpPr>
-          <p:nvPr>
-            <p:ph idx="1"/>
-          </p:nvPr>
-        </p:nvSpPr>
-        <p:spPr/>
-        <p:txBody>
-          <a:bodyPr/>
-          <a:lstStyle/>
-          <a:p>
-            <a:r>
-              <a:rPr lang="en-US" dirty="0"/>
-              <a:t>git config --global user.name “FirstName </a:t>
-            </a:r>
-            <a:r>
-              <a:rPr lang="en-US" dirty="0" err="1"/>
-              <a:t>LastName</a:t>
-            </a:r>
-            <a:r>
-              <a:rPr lang="en-US" dirty="0"/>
-              <a:t>“</a:t>
-            </a:r>
-          </a:p>
-          <a:p>
-            <a:r>
-              <a:rPr lang="en-US" dirty="0"/>
-              <a:t>git config --global </a:t>
-            </a:r>
-            <a:r>
-              <a:rPr lang="en-US" dirty="0" err="1"/>
-              <a:t>user.email</a:t>
-            </a:r>
-            <a:r>
-              <a:rPr lang="en-US" dirty="0"/>
-              <a:t> “your email address"</a:t>
-            </a:r>
-            <a:endParaRPr lang="fa-IR" dirty="0"/>
-          </a:p>
-        </p:txBody>
-      </p:sp>
       <p:pic>
         <p:nvPicPr>
           <p:cNvPr id="5" name="Picture 4">
@@ -4433,7 +9551,7 @@
         </p:blipFill>
         <p:spPr>
           <a:xfrm>
-            <a:off x="3156656" y="3799240"/>
+            <a:off x="3619500" y="4103798"/>
             <a:ext cx="4953000" cy="1743075"/>
           </a:xfrm>
           <a:prstGeom prst="rect">
@@ -4441,6 +9559,34 @@
           </a:prstGeom>
         </p:spPr>
       </p:pic>
+      <p:graphicFrame>
+        <p:nvGraphicFramePr>
+          <p:cNvPr id="6" name="Diagram 5">
+            <a:extLst>
+              <a:ext uri="{FF2B5EF4-FFF2-40B4-BE49-F238E27FC236}">
+                <a16:creationId xmlns:a16="http://schemas.microsoft.com/office/drawing/2014/main" id="{953157E4-9AE7-4BD6-B0F7-94BC8FB22C69}"/>
+              </a:ext>
+            </a:extLst>
+          </p:cNvPr>
+          <p:cNvGraphicFramePr/>
+          <p:nvPr>
+            <p:extLst>
+              <p:ext uri="{D42A27DB-BD31-4B8C-83A1-F6EECF244321}">
+                <p14:modId xmlns:p14="http://schemas.microsoft.com/office/powerpoint/2010/main" val="1940171074"/>
+              </p:ext>
+            </p:extLst>
+          </p:nvPr>
+        </p:nvGraphicFramePr>
+        <p:xfrm>
+          <a:off x="838200" y="2051756"/>
+          <a:ext cx="10515600" cy="923330"/>
+        </p:xfrm>
+        <a:graphic>
+          <a:graphicData uri="http://schemas.openxmlformats.org/drawingml/2006/diagram">
+            <dgm:relIds xmlns:dgm="http://schemas.openxmlformats.org/drawingml/2006/diagram" xmlns:r="http://schemas.openxmlformats.org/officeDocument/2006/relationships" r:dm="rId3" r:lo="rId4" r:qs="rId5" r:cs="rId6"/>
+          </a:graphicData>
+        </a:graphic>
+      </p:graphicFrame>
     </p:spTree>
     <p:extLst>
       <p:ext uri="{BB962C8B-B14F-4D97-AF65-F5344CB8AC3E}">
@@ -4654,44 +9800,10 @@
           <a:bodyPr/>
           <a:lstStyle/>
           <a:p>
+            <a:pPr algn="ctr"/>
             <a:r>
               <a:rPr lang="en-US" dirty="0"/>
               <a:t>Clone your repository</a:t>
-            </a:r>
-            <a:endParaRPr lang="fa-IR" dirty="0"/>
-          </a:p>
-        </p:txBody>
-      </p:sp>
-      <p:sp>
-        <p:nvSpPr>
-          <p:cNvPr id="3" name="Content Placeholder 2">
-            <a:extLst>
-              <a:ext uri="{FF2B5EF4-FFF2-40B4-BE49-F238E27FC236}">
-                <a16:creationId xmlns:a16="http://schemas.microsoft.com/office/drawing/2014/main" id="{8D1D2C92-FD86-48CC-8F8D-D93706691CCC}"/>
-              </a:ext>
-            </a:extLst>
-          </p:cNvPr>
-          <p:cNvSpPr>
-            <a:spLocks noGrp="1"/>
-          </p:cNvSpPr>
-          <p:nvPr>
-            <p:ph idx="1"/>
-          </p:nvPr>
-        </p:nvSpPr>
-        <p:spPr/>
-        <p:txBody>
-          <a:bodyPr/>
-          <a:lstStyle/>
-          <a:p>
-            <a:r>
-              <a:rPr lang="en-US" dirty="0"/>
-              <a:t>Go to your repository </a:t>
-            </a:r>
-          </a:p>
-          <a:p>
-            <a:r>
-              <a:rPr lang="en-US" dirty="0"/>
-              <a:t>Copy the address</a:t>
             </a:r>
             <a:endParaRPr lang="fa-IR" dirty="0"/>
           </a:p>
@@ -4733,6 +9845,34 @@
           </a:prstGeom>
         </p:spPr>
       </p:pic>
+      <p:graphicFrame>
+        <p:nvGraphicFramePr>
+          <p:cNvPr id="11" name="Diagram 10">
+            <a:extLst>
+              <a:ext uri="{FF2B5EF4-FFF2-40B4-BE49-F238E27FC236}">
+                <a16:creationId xmlns:a16="http://schemas.microsoft.com/office/drawing/2014/main" id="{94E3F07D-CE02-47DF-8CF4-DD5A4A9208A9}"/>
+              </a:ext>
+            </a:extLst>
+          </p:cNvPr>
+          <p:cNvGraphicFramePr/>
+          <p:nvPr>
+            <p:extLst>
+              <p:ext uri="{D42A27DB-BD31-4B8C-83A1-F6EECF244321}">
+                <p14:modId xmlns:p14="http://schemas.microsoft.com/office/powerpoint/2010/main" val="424559428"/>
+              </p:ext>
+            </p:extLst>
+          </p:nvPr>
+        </p:nvGraphicFramePr>
+        <p:xfrm>
+          <a:off x="838200" y="1690688"/>
+          <a:ext cx="3668889" cy="1603022"/>
+        </p:xfrm>
+        <a:graphic>
+          <a:graphicData uri="http://schemas.openxmlformats.org/drawingml/2006/diagram">
+            <dgm:relIds xmlns:dgm="http://schemas.openxmlformats.org/drawingml/2006/diagram" xmlns:r="http://schemas.openxmlformats.org/officeDocument/2006/relationships" r:dm="rId3" r:lo="rId4" r:qs="rId5" r:cs="rId6"/>
+          </a:graphicData>
+        </a:graphic>
+      </p:graphicFrame>
     </p:spTree>
     <p:extLst>
       <p:ext uri="{BB962C8B-B14F-4D97-AF65-F5344CB8AC3E}">
@@ -4795,613 +9935,592 @@
           </a:p>
         </p:txBody>
       </p:sp>
-      <p:grpSp>
-        <p:nvGrpSpPr>
-          <p:cNvPr id="14" name="Group 13">
+      <p:sp>
+        <p:nvSpPr>
+          <p:cNvPr id="10" name="Arrow: Right 9">
             <a:extLst>
               <a:ext uri="{FF2B5EF4-FFF2-40B4-BE49-F238E27FC236}">
-                <a16:creationId xmlns:a16="http://schemas.microsoft.com/office/drawing/2014/main" id="{0246F5A0-4CC1-4812-BA66-3F122D37B26E}"/>
+                <a16:creationId xmlns:a16="http://schemas.microsoft.com/office/drawing/2014/main" id="{3D1024DC-3712-4392-B41C-4D562EB7994C}"/>
               </a:ext>
             </a:extLst>
           </p:cNvPr>
-          <p:cNvGrpSpPr/>
+          <p:cNvSpPr/>
           <p:nvPr/>
-        </p:nvGrpSpPr>
-        <p:grpSpPr>
+        </p:nvSpPr>
+        <p:spPr>
           <a:xfrm>
-            <a:off x="1664827" y="1964268"/>
-            <a:ext cx="8562905" cy="3262488"/>
-            <a:chOff x="1664827" y="1964268"/>
-            <a:chExt cx="8562905" cy="3262488"/>
+            <a:off x="1964268" y="1972621"/>
+            <a:ext cx="7817840" cy="3262488"/>
           </a:xfrm>
-        </p:grpSpPr>
-        <p:sp>
-          <p:nvSpPr>
-            <p:cNvPr id="10" name="Arrow: Right 9">
-              <a:extLst>
-                <a:ext uri="{FF2B5EF4-FFF2-40B4-BE49-F238E27FC236}">
-                  <a16:creationId xmlns:a16="http://schemas.microsoft.com/office/drawing/2014/main" id="{3D1024DC-3712-4392-B41C-4D562EB7994C}"/>
-                </a:ext>
-              </a:extLst>
-            </p:cNvPr>
-            <p:cNvSpPr/>
-            <p:nvPr/>
-          </p:nvSpPr>
-          <p:spPr>
-            <a:xfrm>
-              <a:off x="1664827" y="1964268"/>
-              <a:ext cx="8562905" cy="3262488"/>
-            </a:xfrm>
-            <a:prstGeom prst="rightArrow">
-              <a:avLst/>
-            </a:prstGeom>
-          </p:spPr>
-          <p:style>
-            <a:lnRef idx="0">
-              <a:schemeClr val="accent1">
-                <a:hueOff val="0"/>
-                <a:satOff val="0"/>
-                <a:lumOff val="0"/>
-                <a:alphaOff val="0"/>
-              </a:schemeClr>
-            </a:lnRef>
-            <a:fillRef idx="1">
-              <a:schemeClr val="accent1">
-                <a:tint val="40000"/>
-                <a:hueOff val="0"/>
-                <a:satOff val="0"/>
-                <a:lumOff val="0"/>
-                <a:alphaOff val="0"/>
-              </a:schemeClr>
-            </a:fillRef>
-            <a:effectRef idx="0">
-              <a:schemeClr val="accent1">
-                <a:tint val="40000"/>
-                <a:hueOff val="0"/>
-                <a:satOff val="0"/>
-                <a:lumOff val="0"/>
-                <a:alphaOff val="0"/>
-              </a:schemeClr>
-            </a:effectRef>
-            <a:fontRef idx="minor">
-              <a:schemeClr val="dk1">
-                <a:hueOff val="0"/>
-                <a:satOff val="0"/>
-                <a:lumOff val="0"/>
-                <a:alphaOff val="0"/>
-              </a:schemeClr>
-            </a:fontRef>
-          </p:style>
-        </p:sp>
-        <p:sp>
-          <p:nvSpPr>
-            <p:cNvPr id="11" name="Freeform: Shape 10">
-              <a:extLst>
-                <a:ext uri="{FF2B5EF4-FFF2-40B4-BE49-F238E27FC236}">
-                  <a16:creationId xmlns:a16="http://schemas.microsoft.com/office/drawing/2014/main" id="{763852DA-944F-44CB-88A3-E12796DD5232}"/>
-                </a:ext>
-              </a:extLst>
-            </p:cNvPr>
-            <p:cNvSpPr/>
-            <p:nvPr/>
-          </p:nvSpPr>
-          <p:spPr>
-            <a:xfrm>
-              <a:off x="1964268" y="3096318"/>
-              <a:ext cx="2247694" cy="1015094"/>
-            </a:xfrm>
-            <a:custGeom>
-              <a:avLst/>
-              <a:gdLst>
-                <a:gd name="connsiteX0" fmla="*/ 0 w 2300075"/>
-                <a:gd name="connsiteY0" fmla="*/ 207720 h 1246293"/>
-                <a:gd name="connsiteX1" fmla="*/ 207720 w 2300075"/>
-                <a:gd name="connsiteY1" fmla="*/ 0 h 1246293"/>
-                <a:gd name="connsiteX2" fmla="*/ 2092355 w 2300075"/>
-                <a:gd name="connsiteY2" fmla="*/ 0 h 1246293"/>
-                <a:gd name="connsiteX3" fmla="*/ 2300075 w 2300075"/>
-                <a:gd name="connsiteY3" fmla="*/ 207720 h 1246293"/>
-                <a:gd name="connsiteX4" fmla="*/ 2300075 w 2300075"/>
-                <a:gd name="connsiteY4" fmla="*/ 1038573 h 1246293"/>
-                <a:gd name="connsiteX5" fmla="*/ 2092355 w 2300075"/>
-                <a:gd name="connsiteY5" fmla="*/ 1246293 h 1246293"/>
-                <a:gd name="connsiteX6" fmla="*/ 207720 w 2300075"/>
-                <a:gd name="connsiteY6" fmla="*/ 1246293 h 1246293"/>
-                <a:gd name="connsiteX7" fmla="*/ 0 w 2300075"/>
-                <a:gd name="connsiteY7" fmla="*/ 1038573 h 1246293"/>
-                <a:gd name="connsiteX8" fmla="*/ 0 w 2300075"/>
-                <a:gd name="connsiteY8" fmla="*/ 207720 h 1246293"/>
-              </a:gdLst>
-              <a:ahLst/>
-              <a:cxnLst>
-                <a:cxn ang="0">
-                  <a:pos x="connsiteX0" y="connsiteY0"/>
-                </a:cxn>
-                <a:cxn ang="0">
-                  <a:pos x="connsiteX1" y="connsiteY1"/>
-                </a:cxn>
-                <a:cxn ang="0">
-                  <a:pos x="connsiteX2" y="connsiteY2"/>
-                </a:cxn>
-                <a:cxn ang="0">
-                  <a:pos x="connsiteX3" y="connsiteY3"/>
-                </a:cxn>
-                <a:cxn ang="0">
-                  <a:pos x="connsiteX4" y="connsiteY4"/>
-                </a:cxn>
-                <a:cxn ang="0">
-                  <a:pos x="connsiteX5" y="connsiteY5"/>
-                </a:cxn>
-                <a:cxn ang="0">
-                  <a:pos x="connsiteX6" y="connsiteY6"/>
-                </a:cxn>
-                <a:cxn ang="0">
-                  <a:pos x="connsiteX7" y="connsiteY7"/>
-                </a:cxn>
-                <a:cxn ang="0">
-                  <a:pos x="connsiteX8" y="connsiteY8"/>
-                </a:cxn>
-              </a:cxnLst>
-              <a:rect l="l" t="t" r="r" b="b"/>
-              <a:pathLst>
-                <a:path w="2300075" h="1246293">
-                  <a:moveTo>
-                    <a:pt x="0" y="207720"/>
-                  </a:moveTo>
-                  <a:cubicBezTo>
-                    <a:pt x="0" y="92999"/>
-                    <a:pt x="92999" y="0"/>
-                    <a:pt x="207720" y="0"/>
-                  </a:cubicBezTo>
-                  <a:lnTo>
-                    <a:pt x="2092355" y="0"/>
-                  </a:lnTo>
-                  <a:cubicBezTo>
-                    <a:pt x="2207076" y="0"/>
-                    <a:pt x="2300075" y="92999"/>
-                    <a:pt x="2300075" y="207720"/>
-                  </a:cubicBezTo>
-                  <a:lnTo>
-                    <a:pt x="2300075" y="1038573"/>
-                  </a:lnTo>
-                  <a:cubicBezTo>
-                    <a:pt x="2300075" y="1153294"/>
-                    <a:pt x="2207076" y="1246293"/>
-                    <a:pt x="2092355" y="1246293"/>
-                  </a:cubicBezTo>
-                  <a:lnTo>
-                    <a:pt x="207720" y="1246293"/>
-                  </a:lnTo>
-                  <a:cubicBezTo>
-                    <a:pt x="92999" y="1246293"/>
-                    <a:pt x="0" y="1153294"/>
-                    <a:pt x="0" y="1038573"/>
-                  </a:cubicBezTo>
-                  <a:lnTo>
-                    <a:pt x="0" y="207720"/>
-                  </a:lnTo>
-                  <a:close/>
-                </a:path>
-              </a:pathLst>
-            </a:custGeom>
-          </p:spPr>
-          <p:style>
-            <a:lnRef idx="2">
-              <a:schemeClr val="lt1">
-                <a:hueOff val="0"/>
-                <a:satOff val="0"/>
-                <a:lumOff val="0"/>
-                <a:alphaOff val="0"/>
-              </a:schemeClr>
-            </a:lnRef>
-            <a:fillRef idx="1">
-              <a:schemeClr val="accent1">
-                <a:hueOff val="0"/>
-                <a:satOff val="0"/>
-                <a:lumOff val="0"/>
-                <a:alphaOff val="0"/>
-              </a:schemeClr>
-            </a:fillRef>
-            <a:effectRef idx="0">
-              <a:schemeClr val="accent1">
-                <a:hueOff val="0"/>
-                <a:satOff val="0"/>
-                <a:lumOff val="0"/>
-                <a:alphaOff val="0"/>
-              </a:schemeClr>
-            </a:effectRef>
-            <a:fontRef idx="minor">
-              <a:schemeClr val="lt1"/>
-            </a:fontRef>
-          </p:style>
-          <p:txBody>
-            <a:bodyPr spcFirstLastPara="0" vert="horz" wrap="square" lIns="140849" tIns="140849" rIns="140849" bIns="140849" numCol="1" spcCol="1270" anchor="ctr" anchorCtr="0">
-              <a:noAutofit/>
-            </a:bodyPr>
-            <a:lstStyle/>
-            <a:p>
-              <a:pPr marL="0" lvl="0" indent="0" algn="ctr" defTabSz="933450" rtl="1">
-                <a:lnSpc>
-                  <a:spcPct val="90000"/>
-                </a:lnSpc>
-                <a:spcBef>
-                  <a:spcPct val="0"/>
-                </a:spcBef>
-                <a:spcAft>
-                  <a:spcPct val="35000"/>
-                </a:spcAft>
-                <a:buNone/>
-              </a:pPr>
-              <a:r>
-                <a:rPr lang="en-US" sz="2100" kern="1200" dirty="0"/>
-                <a:t>Go to </a:t>
-              </a:r>
-              <a:r>
-                <a:rPr lang="en-US" sz="2100" kern="1200" dirty="0">
-                  <a:solidFill>
-                    <a:srgbClr val="FFC000"/>
-                  </a:solidFill>
-                  <a:hlinkClick r:id="rId2">
-                    <a:extLst>
-                      <a:ext uri="{A12FA001-AC4F-418D-AE19-62706E023703}">
-                        <ahyp:hlinkClr xmlns:ahyp="http://schemas.microsoft.com/office/drawing/2018/hyperlinkcolor" val="tx"/>
-                      </a:ext>
-                    </a:extLst>
-                  </a:hlinkClick>
-                </a:rPr>
-                <a:t>www.Github.com</a:t>
-              </a:r>
-              <a:r>
-                <a:rPr lang="en-US" sz="2100" kern="1200" dirty="0">
-                  <a:solidFill>
-                    <a:srgbClr val="FFC000"/>
-                  </a:solidFill>
-                </a:rPr>
-                <a:t> </a:t>
-              </a:r>
-              <a:endParaRPr lang="fa-IR" sz="2100" kern="1200" dirty="0">
+          <a:prstGeom prst="rightArrow">
+            <a:avLst/>
+          </a:prstGeom>
+        </p:spPr>
+        <p:style>
+          <a:lnRef idx="0">
+            <a:schemeClr val="accent1">
+              <a:hueOff val="0"/>
+              <a:satOff val="0"/>
+              <a:lumOff val="0"/>
+              <a:alphaOff val="0"/>
+            </a:schemeClr>
+          </a:lnRef>
+          <a:fillRef idx="1">
+            <a:schemeClr val="accent1">
+              <a:tint val="40000"/>
+              <a:hueOff val="0"/>
+              <a:satOff val="0"/>
+              <a:lumOff val="0"/>
+              <a:alphaOff val="0"/>
+            </a:schemeClr>
+          </a:fillRef>
+          <a:effectRef idx="0">
+            <a:schemeClr val="accent1">
+              <a:tint val="40000"/>
+              <a:hueOff val="0"/>
+              <a:satOff val="0"/>
+              <a:lumOff val="0"/>
+              <a:alphaOff val="0"/>
+            </a:schemeClr>
+          </a:effectRef>
+          <a:fontRef idx="minor">
+            <a:schemeClr val="dk1">
+              <a:hueOff val="0"/>
+              <a:satOff val="0"/>
+              <a:lumOff val="0"/>
+              <a:alphaOff val="0"/>
+            </a:schemeClr>
+          </a:fontRef>
+        </p:style>
+      </p:sp>
+      <p:sp>
+        <p:nvSpPr>
+          <p:cNvPr id="11" name="Freeform: Shape 10">
+            <a:extLst>
+              <a:ext uri="{FF2B5EF4-FFF2-40B4-BE49-F238E27FC236}">
+                <a16:creationId xmlns:a16="http://schemas.microsoft.com/office/drawing/2014/main" id="{763852DA-944F-44CB-88A3-E12796DD5232}"/>
+              </a:ext>
+            </a:extLst>
+          </p:cNvPr>
+          <p:cNvSpPr/>
+          <p:nvPr/>
+        </p:nvSpPr>
+        <p:spPr>
+          <a:xfrm>
+            <a:off x="1964268" y="3096318"/>
+            <a:ext cx="2247694" cy="1015094"/>
+          </a:xfrm>
+          <a:custGeom>
+            <a:avLst/>
+            <a:gdLst>
+              <a:gd name="connsiteX0" fmla="*/ 0 w 2300075"/>
+              <a:gd name="connsiteY0" fmla="*/ 207720 h 1246293"/>
+              <a:gd name="connsiteX1" fmla="*/ 207720 w 2300075"/>
+              <a:gd name="connsiteY1" fmla="*/ 0 h 1246293"/>
+              <a:gd name="connsiteX2" fmla="*/ 2092355 w 2300075"/>
+              <a:gd name="connsiteY2" fmla="*/ 0 h 1246293"/>
+              <a:gd name="connsiteX3" fmla="*/ 2300075 w 2300075"/>
+              <a:gd name="connsiteY3" fmla="*/ 207720 h 1246293"/>
+              <a:gd name="connsiteX4" fmla="*/ 2300075 w 2300075"/>
+              <a:gd name="connsiteY4" fmla="*/ 1038573 h 1246293"/>
+              <a:gd name="connsiteX5" fmla="*/ 2092355 w 2300075"/>
+              <a:gd name="connsiteY5" fmla="*/ 1246293 h 1246293"/>
+              <a:gd name="connsiteX6" fmla="*/ 207720 w 2300075"/>
+              <a:gd name="connsiteY6" fmla="*/ 1246293 h 1246293"/>
+              <a:gd name="connsiteX7" fmla="*/ 0 w 2300075"/>
+              <a:gd name="connsiteY7" fmla="*/ 1038573 h 1246293"/>
+              <a:gd name="connsiteX8" fmla="*/ 0 w 2300075"/>
+              <a:gd name="connsiteY8" fmla="*/ 207720 h 1246293"/>
+            </a:gdLst>
+            <a:ahLst/>
+            <a:cxnLst>
+              <a:cxn ang="0">
+                <a:pos x="connsiteX0" y="connsiteY0"/>
+              </a:cxn>
+              <a:cxn ang="0">
+                <a:pos x="connsiteX1" y="connsiteY1"/>
+              </a:cxn>
+              <a:cxn ang="0">
+                <a:pos x="connsiteX2" y="connsiteY2"/>
+              </a:cxn>
+              <a:cxn ang="0">
+                <a:pos x="connsiteX3" y="connsiteY3"/>
+              </a:cxn>
+              <a:cxn ang="0">
+                <a:pos x="connsiteX4" y="connsiteY4"/>
+              </a:cxn>
+              <a:cxn ang="0">
+                <a:pos x="connsiteX5" y="connsiteY5"/>
+              </a:cxn>
+              <a:cxn ang="0">
+                <a:pos x="connsiteX6" y="connsiteY6"/>
+              </a:cxn>
+              <a:cxn ang="0">
+                <a:pos x="connsiteX7" y="connsiteY7"/>
+              </a:cxn>
+              <a:cxn ang="0">
+                <a:pos x="connsiteX8" y="connsiteY8"/>
+              </a:cxn>
+            </a:cxnLst>
+            <a:rect l="l" t="t" r="r" b="b"/>
+            <a:pathLst>
+              <a:path w="2300075" h="1246293">
+                <a:moveTo>
+                  <a:pt x="0" y="207720"/>
+                </a:moveTo>
+                <a:cubicBezTo>
+                  <a:pt x="0" y="92999"/>
+                  <a:pt x="92999" y="0"/>
+                  <a:pt x="207720" y="0"/>
+                </a:cubicBezTo>
+                <a:lnTo>
+                  <a:pt x="2092355" y="0"/>
+                </a:lnTo>
+                <a:cubicBezTo>
+                  <a:pt x="2207076" y="0"/>
+                  <a:pt x="2300075" y="92999"/>
+                  <a:pt x="2300075" y="207720"/>
+                </a:cubicBezTo>
+                <a:lnTo>
+                  <a:pt x="2300075" y="1038573"/>
+                </a:lnTo>
+                <a:cubicBezTo>
+                  <a:pt x="2300075" y="1153294"/>
+                  <a:pt x="2207076" y="1246293"/>
+                  <a:pt x="2092355" y="1246293"/>
+                </a:cubicBezTo>
+                <a:lnTo>
+                  <a:pt x="207720" y="1246293"/>
+                </a:lnTo>
+                <a:cubicBezTo>
+                  <a:pt x="92999" y="1246293"/>
+                  <a:pt x="0" y="1153294"/>
+                  <a:pt x="0" y="1038573"/>
+                </a:cubicBezTo>
+                <a:lnTo>
+                  <a:pt x="0" y="207720"/>
+                </a:lnTo>
+                <a:close/>
+              </a:path>
+            </a:pathLst>
+          </a:custGeom>
+        </p:spPr>
+        <p:style>
+          <a:lnRef idx="2">
+            <a:schemeClr val="lt1">
+              <a:hueOff val="0"/>
+              <a:satOff val="0"/>
+              <a:lumOff val="0"/>
+              <a:alphaOff val="0"/>
+            </a:schemeClr>
+          </a:lnRef>
+          <a:fillRef idx="1">
+            <a:schemeClr val="accent1">
+              <a:hueOff val="0"/>
+              <a:satOff val="0"/>
+              <a:lumOff val="0"/>
+              <a:alphaOff val="0"/>
+            </a:schemeClr>
+          </a:fillRef>
+          <a:effectRef idx="0">
+            <a:schemeClr val="accent1">
+              <a:hueOff val="0"/>
+              <a:satOff val="0"/>
+              <a:lumOff val="0"/>
+              <a:alphaOff val="0"/>
+            </a:schemeClr>
+          </a:effectRef>
+          <a:fontRef idx="minor">
+            <a:schemeClr val="lt1"/>
+          </a:fontRef>
+        </p:style>
+        <p:txBody>
+          <a:bodyPr spcFirstLastPara="0" vert="horz" wrap="square" lIns="140849" tIns="140849" rIns="140849" bIns="140849" numCol="1" spcCol="1270" anchor="ctr" anchorCtr="0">
+            <a:noAutofit/>
+          </a:bodyPr>
+          <a:lstStyle/>
+          <a:p>
+            <a:pPr marL="0" lvl="0" indent="0" algn="ctr" defTabSz="933450">
+              <a:lnSpc>
+                <a:spcPct val="90000"/>
+              </a:lnSpc>
+              <a:spcBef>
+                <a:spcPct val="0"/>
+              </a:spcBef>
+              <a:spcAft>
+                <a:spcPct val="35000"/>
+              </a:spcAft>
+              <a:buNone/>
+            </a:pPr>
+            <a:r>
+              <a:rPr lang="en-US" sz="2100" kern="1200" dirty="0"/>
+              <a:t>Go to </a:t>
+            </a:r>
+            <a:r>
+              <a:rPr lang="en-US" sz="2100" kern="1200" dirty="0">
                 <a:solidFill>
                   <a:srgbClr val="FFC000"/>
                 </a:solidFill>
-              </a:endParaRPr>
-            </a:p>
-          </p:txBody>
-        </p:sp>
-        <p:sp>
-          <p:nvSpPr>
-            <p:cNvPr id="12" name="Freeform: Shape 11">
-              <a:extLst>
-                <a:ext uri="{FF2B5EF4-FFF2-40B4-BE49-F238E27FC236}">
-                  <a16:creationId xmlns:a16="http://schemas.microsoft.com/office/drawing/2014/main" id="{4AF93A93-B95D-47D9-A507-6296CCEA583C}"/>
-                </a:ext>
-              </a:extLst>
-            </p:cNvPr>
-            <p:cNvSpPr/>
-            <p:nvPr/>
-          </p:nvSpPr>
-          <p:spPr>
-            <a:xfrm>
-              <a:off x="4511403" y="3096318"/>
-              <a:ext cx="2247694" cy="1015094"/>
-            </a:xfrm>
-            <a:custGeom>
-              <a:avLst/>
-              <a:gdLst>
-                <a:gd name="connsiteX0" fmla="*/ 0 w 2300075"/>
-                <a:gd name="connsiteY0" fmla="*/ 207720 h 1246293"/>
-                <a:gd name="connsiteX1" fmla="*/ 207720 w 2300075"/>
-                <a:gd name="connsiteY1" fmla="*/ 0 h 1246293"/>
-                <a:gd name="connsiteX2" fmla="*/ 2092355 w 2300075"/>
-                <a:gd name="connsiteY2" fmla="*/ 0 h 1246293"/>
-                <a:gd name="connsiteX3" fmla="*/ 2300075 w 2300075"/>
-                <a:gd name="connsiteY3" fmla="*/ 207720 h 1246293"/>
-                <a:gd name="connsiteX4" fmla="*/ 2300075 w 2300075"/>
-                <a:gd name="connsiteY4" fmla="*/ 1038573 h 1246293"/>
-                <a:gd name="connsiteX5" fmla="*/ 2092355 w 2300075"/>
-                <a:gd name="connsiteY5" fmla="*/ 1246293 h 1246293"/>
-                <a:gd name="connsiteX6" fmla="*/ 207720 w 2300075"/>
-                <a:gd name="connsiteY6" fmla="*/ 1246293 h 1246293"/>
-                <a:gd name="connsiteX7" fmla="*/ 0 w 2300075"/>
-                <a:gd name="connsiteY7" fmla="*/ 1038573 h 1246293"/>
-                <a:gd name="connsiteX8" fmla="*/ 0 w 2300075"/>
-                <a:gd name="connsiteY8" fmla="*/ 207720 h 1246293"/>
-              </a:gdLst>
-              <a:ahLst/>
-              <a:cxnLst>
-                <a:cxn ang="0">
-                  <a:pos x="connsiteX0" y="connsiteY0"/>
-                </a:cxn>
-                <a:cxn ang="0">
-                  <a:pos x="connsiteX1" y="connsiteY1"/>
-                </a:cxn>
-                <a:cxn ang="0">
-                  <a:pos x="connsiteX2" y="connsiteY2"/>
-                </a:cxn>
-                <a:cxn ang="0">
-                  <a:pos x="connsiteX3" y="connsiteY3"/>
-                </a:cxn>
-                <a:cxn ang="0">
-                  <a:pos x="connsiteX4" y="connsiteY4"/>
-                </a:cxn>
-                <a:cxn ang="0">
-                  <a:pos x="connsiteX5" y="connsiteY5"/>
-                </a:cxn>
-                <a:cxn ang="0">
-                  <a:pos x="connsiteX6" y="connsiteY6"/>
-                </a:cxn>
-                <a:cxn ang="0">
-                  <a:pos x="connsiteX7" y="connsiteY7"/>
-                </a:cxn>
-                <a:cxn ang="0">
-                  <a:pos x="connsiteX8" y="connsiteY8"/>
-                </a:cxn>
-              </a:cxnLst>
-              <a:rect l="l" t="t" r="r" b="b"/>
-              <a:pathLst>
-                <a:path w="2300075" h="1246293">
-                  <a:moveTo>
-                    <a:pt x="0" y="207720"/>
-                  </a:moveTo>
-                  <a:cubicBezTo>
-                    <a:pt x="0" y="92999"/>
-                    <a:pt x="92999" y="0"/>
-                    <a:pt x="207720" y="0"/>
-                  </a:cubicBezTo>
-                  <a:lnTo>
-                    <a:pt x="2092355" y="0"/>
-                  </a:lnTo>
-                  <a:cubicBezTo>
-                    <a:pt x="2207076" y="0"/>
-                    <a:pt x="2300075" y="92999"/>
-                    <a:pt x="2300075" y="207720"/>
-                  </a:cubicBezTo>
-                  <a:lnTo>
-                    <a:pt x="2300075" y="1038573"/>
-                  </a:lnTo>
-                  <a:cubicBezTo>
-                    <a:pt x="2300075" y="1153294"/>
-                    <a:pt x="2207076" y="1246293"/>
-                    <a:pt x="2092355" y="1246293"/>
-                  </a:cubicBezTo>
-                  <a:lnTo>
-                    <a:pt x="207720" y="1246293"/>
-                  </a:lnTo>
-                  <a:cubicBezTo>
-                    <a:pt x="92999" y="1246293"/>
-                    <a:pt x="0" y="1153294"/>
-                    <a:pt x="0" y="1038573"/>
-                  </a:cubicBezTo>
-                  <a:lnTo>
-                    <a:pt x="0" y="207720"/>
-                  </a:lnTo>
-                  <a:close/>
-                </a:path>
-              </a:pathLst>
-            </a:custGeom>
-          </p:spPr>
-          <p:style>
-            <a:lnRef idx="2">
-              <a:schemeClr val="lt1">
-                <a:hueOff val="0"/>
-                <a:satOff val="0"/>
-                <a:lumOff val="0"/>
-                <a:alphaOff val="0"/>
-              </a:schemeClr>
-            </a:lnRef>
-            <a:fillRef idx="1">
-              <a:schemeClr val="accent1">
-                <a:hueOff val="0"/>
-                <a:satOff val="0"/>
-                <a:lumOff val="0"/>
-                <a:alphaOff val="0"/>
-              </a:schemeClr>
-            </a:fillRef>
-            <a:effectRef idx="0">
-              <a:schemeClr val="accent1">
-                <a:hueOff val="0"/>
-                <a:satOff val="0"/>
-                <a:lumOff val="0"/>
-                <a:alphaOff val="0"/>
-              </a:schemeClr>
-            </a:effectRef>
-            <a:fontRef idx="minor">
-              <a:schemeClr val="lt1"/>
-            </a:fontRef>
-          </p:style>
-          <p:txBody>
-            <a:bodyPr spcFirstLastPara="0" vert="horz" wrap="square" lIns="140849" tIns="140849" rIns="140849" bIns="140849" numCol="1" spcCol="1270" anchor="ctr" anchorCtr="0">
-              <a:noAutofit/>
-            </a:bodyPr>
-            <a:lstStyle/>
-            <a:p>
-              <a:pPr marL="0" lvl="0" indent="0" algn="ctr" defTabSz="933450" rtl="1">
-                <a:lnSpc>
-                  <a:spcPct val="90000"/>
-                </a:lnSpc>
-                <a:spcBef>
-                  <a:spcPct val="0"/>
-                </a:spcBef>
-                <a:spcAft>
-                  <a:spcPct val="35000"/>
-                </a:spcAft>
-                <a:buNone/>
-              </a:pPr>
-              <a:r>
-                <a:rPr lang="en-US" sz="2100" kern="1200"/>
-                <a:t>Sign Up </a:t>
-              </a:r>
-              <a:endParaRPr lang="fa-IR" sz="2100" kern="1200"/>
-            </a:p>
-          </p:txBody>
-        </p:sp>
-        <p:sp>
-          <p:nvSpPr>
-            <p:cNvPr id="13" name="Freeform: Shape 12">
-              <a:extLst>
-                <a:ext uri="{FF2B5EF4-FFF2-40B4-BE49-F238E27FC236}">
-                  <a16:creationId xmlns:a16="http://schemas.microsoft.com/office/drawing/2014/main" id="{4D98F471-1FA0-4B05-BC28-01C87E4A9AB8}"/>
-                </a:ext>
-              </a:extLst>
-            </p:cNvPr>
-            <p:cNvSpPr/>
-            <p:nvPr/>
-          </p:nvSpPr>
-          <p:spPr>
-            <a:xfrm>
-              <a:off x="7031773" y="3096318"/>
-              <a:ext cx="2247694" cy="1015094"/>
-            </a:xfrm>
-            <a:custGeom>
-              <a:avLst/>
-              <a:gdLst>
-                <a:gd name="connsiteX0" fmla="*/ 0 w 2300075"/>
-                <a:gd name="connsiteY0" fmla="*/ 207720 h 1246293"/>
-                <a:gd name="connsiteX1" fmla="*/ 207720 w 2300075"/>
-                <a:gd name="connsiteY1" fmla="*/ 0 h 1246293"/>
-                <a:gd name="connsiteX2" fmla="*/ 2092355 w 2300075"/>
-                <a:gd name="connsiteY2" fmla="*/ 0 h 1246293"/>
-                <a:gd name="connsiteX3" fmla="*/ 2300075 w 2300075"/>
-                <a:gd name="connsiteY3" fmla="*/ 207720 h 1246293"/>
-                <a:gd name="connsiteX4" fmla="*/ 2300075 w 2300075"/>
-                <a:gd name="connsiteY4" fmla="*/ 1038573 h 1246293"/>
-                <a:gd name="connsiteX5" fmla="*/ 2092355 w 2300075"/>
-                <a:gd name="connsiteY5" fmla="*/ 1246293 h 1246293"/>
-                <a:gd name="connsiteX6" fmla="*/ 207720 w 2300075"/>
-                <a:gd name="connsiteY6" fmla="*/ 1246293 h 1246293"/>
-                <a:gd name="connsiteX7" fmla="*/ 0 w 2300075"/>
-                <a:gd name="connsiteY7" fmla="*/ 1038573 h 1246293"/>
-                <a:gd name="connsiteX8" fmla="*/ 0 w 2300075"/>
-                <a:gd name="connsiteY8" fmla="*/ 207720 h 1246293"/>
-              </a:gdLst>
-              <a:ahLst/>
-              <a:cxnLst>
-                <a:cxn ang="0">
-                  <a:pos x="connsiteX0" y="connsiteY0"/>
-                </a:cxn>
-                <a:cxn ang="0">
-                  <a:pos x="connsiteX1" y="connsiteY1"/>
-                </a:cxn>
-                <a:cxn ang="0">
-                  <a:pos x="connsiteX2" y="connsiteY2"/>
-                </a:cxn>
-                <a:cxn ang="0">
-                  <a:pos x="connsiteX3" y="connsiteY3"/>
-                </a:cxn>
-                <a:cxn ang="0">
-                  <a:pos x="connsiteX4" y="connsiteY4"/>
-                </a:cxn>
-                <a:cxn ang="0">
-                  <a:pos x="connsiteX5" y="connsiteY5"/>
-                </a:cxn>
-                <a:cxn ang="0">
-                  <a:pos x="connsiteX6" y="connsiteY6"/>
-                </a:cxn>
-                <a:cxn ang="0">
-                  <a:pos x="connsiteX7" y="connsiteY7"/>
-                </a:cxn>
-                <a:cxn ang="0">
-                  <a:pos x="connsiteX8" y="connsiteY8"/>
-                </a:cxn>
-              </a:cxnLst>
-              <a:rect l="l" t="t" r="r" b="b"/>
-              <a:pathLst>
-                <a:path w="2300075" h="1246293">
-                  <a:moveTo>
-                    <a:pt x="0" y="207720"/>
-                  </a:moveTo>
-                  <a:cubicBezTo>
-                    <a:pt x="0" y="92999"/>
-                    <a:pt x="92999" y="0"/>
-                    <a:pt x="207720" y="0"/>
-                  </a:cubicBezTo>
-                  <a:lnTo>
-                    <a:pt x="2092355" y="0"/>
-                  </a:lnTo>
-                  <a:cubicBezTo>
-                    <a:pt x="2207076" y="0"/>
-                    <a:pt x="2300075" y="92999"/>
-                    <a:pt x="2300075" y="207720"/>
-                  </a:cubicBezTo>
-                  <a:lnTo>
-                    <a:pt x="2300075" y="1038573"/>
-                  </a:lnTo>
-                  <a:cubicBezTo>
-                    <a:pt x="2300075" y="1153294"/>
-                    <a:pt x="2207076" y="1246293"/>
-                    <a:pt x="2092355" y="1246293"/>
-                  </a:cubicBezTo>
-                  <a:lnTo>
-                    <a:pt x="207720" y="1246293"/>
-                  </a:lnTo>
-                  <a:cubicBezTo>
-                    <a:pt x="92999" y="1246293"/>
-                    <a:pt x="0" y="1153294"/>
-                    <a:pt x="0" y="1038573"/>
-                  </a:cubicBezTo>
-                  <a:lnTo>
-                    <a:pt x="0" y="207720"/>
-                  </a:lnTo>
-                  <a:close/>
-                </a:path>
-              </a:pathLst>
-            </a:custGeom>
-          </p:spPr>
-          <p:style>
-            <a:lnRef idx="2">
-              <a:schemeClr val="lt1">
-                <a:hueOff val="0"/>
-                <a:satOff val="0"/>
-                <a:lumOff val="0"/>
-                <a:alphaOff val="0"/>
-              </a:schemeClr>
-            </a:lnRef>
-            <a:fillRef idx="1">
-              <a:schemeClr val="accent1">
-                <a:hueOff val="0"/>
-                <a:satOff val="0"/>
-                <a:lumOff val="0"/>
-                <a:alphaOff val="0"/>
-              </a:schemeClr>
-            </a:fillRef>
-            <a:effectRef idx="0">
-              <a:schemeClr val="accent1">
-                <a:hueOff val="0"/>
-                <a:satOff val="0"/>
-                <a:lumOff val="0"/>
-                <a:alphaOff val="0"/>
-              </a:schemeClr>
-            </a:effectRef>
-            <a:fontRef idx="minor">
-              <a:schemeClr val="lt1"/>
-            </a:fontRef>
-          </p:style>
-          <p:txBody>
-            <a:bodyPr spcFirstLastPara="0" vert="horz" wrap="square" lIns="140849" tIns="140849" rIns="140849" bIns="140849" numCol="1" spcCol="1270" anchor="ctr" anchorCtr="0">
-              <a:noAutofit/>
-            </a:bodyPr>
-            <a:lstStyle/>
-            <a:p>
-              <a:pPr marL="0" lvl="0" indent="0" algn="ctr" defTabSz="933450" rtl="1">
-                <a:lnSpc>
-                  <a:spcPct val="90000"/>
-                </a:lnSpc>
-                <a:spcBef>
-                  <a:spcPct val="0"/>
-                </a:spcBef>
-                <a:spcAft>
-                  <a:spcPct val="35000"/>
-                </a:spcAft>
-                <a:buNone/>
-              </a:pPr>
-              <a:r>
-                <a:rPr lang="en-US" sz="2100" kern="1200"/>
-                <a:t>Sign in</a:t>
-              </a:r>
-              <a:endParaRPr lang="fa-IR" sz="2100" kern="1200"/>
-            </a:p>
-          </p:txBody>
-        </p:sp>
-      </p:grpSp>
+                <a:hlinkClick r:id="rId2">
+                  <a:extLst>
+                    <a:ext uri="{A12FA001-AC4F-418D-AE19-62706E023703}">
+                      <ahyp:hlinkClr xmlns:ahyp="http://schemas.microsoft.com/office/drawing/2018/hyperlinkcolor" val="tx"/>
+                    </a:ext>
+                  </a:extLst>
+                </a:hlinkClick>
+              </a:rPr>
+              <a:t>www.Github.com</a:t>
+            </a:r>
+            <a:r>
+              <a:rPr lang="en-US" sz="2100" kern="1200" dirty="0">
+                <a:solidFill>
+                  <a:srgbClr val="FFC000"/>
+                </a:solidFill>
+              </a:rPr>
+              <a:t> </a:t>
+            </a:r>
+            <a:endParaRPr lang="fa-IR" sz="2100" kern="1200" dirty="0">
+              <a:solidFill>
+                <a:srgbClr val="FFC000"/>
+              </a:solidFill>
+            </a:endParaRPr>
+          </a:p>
+        </p:txBody>
+      </p:sp>
+      <p:sp>
+        <p:nvSpPr>
+          <p:cNvPr id="12" name="Freeform: Shape 11">
+            <a:extLst>
+              <a:ext uri="{FF2B5EF4-FFF2-40B4-BE49-F238E27FC236}">
+                <a16:creationId xmlns:a16="http://schemas.microsoft.com/office/drawing/2014/main" id="{4AF93A93-B95D-47D9-A507-6296CCEA583C}"/>
+              </a:ext>
+            </a:extLst>
+          </p:cNvPr>
+          <p:cNvSpPr/>
+          <p:nvPr/>
+        </p:nvSpPr>
+        <p:spPr>
+          <a:xfrm>
+            <a:off x="4511403" y="3096318"/>
+            <a:ext cx="2247694" cy="1015094"/>
+          </a:xfrm>
+          <a:custGeom>
+            <a:avLst/>
+            <a:gdLst>
+              <a:gd name="connsiteX0" fmla="*/ 0 w 2300075"/>
+              <a:gd name="connsiteY0" fmla="*/ 207720 h 1246293"/>
+              <a:gd name="connsiteX1" fmla="*/ 207720 w 2300075"/>
+              <a:gd name="connsiteY1" fmla="*/ 0 h 1246293"/>
+              <a:gd name="connsiteX2" fmla="*/ 2092355 w 2300075"/>
+              <a:gd name="connsiteY2" fmla="*/ 0 h 1246293"/>
+              <a:gd name="connsiteX3" fmla="*/ 2300075 w 2300075"/>
+              <a:gd name="connsiteY3" fmla="*/ 207720 h 1246293"/>
+              <a:gd name="connsiteX4" fmla="*/ 2300075 w 2300075"/>
+              <a:gd name="connsiteY4" fmla="*/ 1038573 h 1246293"/>
+              <a:gd name="connsiteX5" fmla="*/ 2092355 w 2300075"/>
+              <a:gd name="connsiteY5" fmla="*/ 1246293 h 1246293"/>
+              <a:gd name="connsiteX6" fmla="*/ 207720 w 2300075"/>
+              <a:gd name="connsiteY6" fmla="*/ 1246293 h 1246293"/>
+              <a:gd name="connsiteX7" fmla="*/ 0 w 2300075"/>
+              <a:gd name="connsiteY7" fmla="*/ 1038573 h 1246293"/>
+              <a:gd name="connsiteX8" fmla="*/ 0 w 2300075"/>
+              <a:gd name="connsiteY8" fmla="*/ 207720 h 1246293"/>
+            </a:gdLst>
+            <a:ahLst/>
+            <a:cxnLst>
+              <a:cxn ang="0">
+                <a:pos x="connsiteX0" y="connsiteY0"/>
+              </a:cxn>
+              <a:cxn ang="0">
+                <a:pos x="connsiteX1" y="connsiteY1"/>
+              </a:cxn>
+              <a:cxn ang="0">
+                <a:pos x="connsiteX2" y="connsiteY2"/>
+              </a:cxn>
+              <a:cxn ang="0">
+                <a:pos x="connsiteX3" y="connsiteY3"/>
+              </a:cxn>
+              <a:cxn ang="0">
+                <a:pos x="connsiteX4" y="connsiteY4"/>
+              </a:cxn>
+              <a:cxn ang="0">
+                <a:pos x="connsiteX5" y="connsiteY5"/>
+              </a:cxn>
+              <a:cxn ang="0">
+                <a:pos x="connsiteX6" y="connsiteY6"/>
+              </a:cxn>
+              <a:cxn ang="0">
+                <a:pos x="connsiteX7" y="connsiteY7"/>
+              </a:cxn>
+              <a:cxn ang="0">
+                <a:pos x="connsiteX8" y="connsiteY8"/>
+              </a:cxn>
+            </a:cxnLst>
+            <a:rect l="l" t="t" r="r" b="b"/>
+            <a:pathLst>
+              <a:path w="2300075" h="1246293">
+                <a:moveTo>
+                  <a:pt x="0" y="207720"/>
+                </a:moveTo>
+                <a:cubicBezTo>
+                  <a:pt x="0" y="92999"/>
+                  <a:pt x="92999" y="0"/>
+                  <a:pt x="207720" y="0"/>
+                </a:cubicBezTo>
+                <a:lnTo>
+                  <a:pt x="2092355" y="0"/>
+                </a:lnTo>
+                <a:cubicBezTo>
+                  <a:pt x="2207076" y="0"/>
+                  <a:pt x="2300075" y="92999"/>
+                  <a:pt x="2300075" y="207720"/>
+                </a:cubicBezTo>
+                <a:lnTo>
+                  <a:pt x="2300075" y="1038573"/>
+                </a:lnTo>
+                <a:cubicBezTo>
+                  <a:pt x="2300075" y="1153294"/>
+                  <a:pt x="2207076" y="1246293"/>
+                  <a:pt x="2092355" y="1246293"/>
+                </a:cubicBezTo>
+                <a:lnTo>
+                  <a:pt x="207720" y="1246293"/>
+                </a:lnTo>
+                <a:cubicBezTo>
+                  <a:pt x="92999" y="1246293"/>
+                  <a:pt x="0" y="1153294"/>
+                  <a:pt x="0" y="1038573"/>
+                </a:cubicBezTo>
+                <a:lnTo>
+                  <a:pt x="0" y="207720"/>
+                </a:lnTo>
+                <a:close/>
+              </a:path>
+            </a:pathLst>
+          </a:custGeom>
+        </p:spPr>
+        <p:style>
+          <a:lnRef idx="2">
+            <a:schemeClr val="lt1">
+              <a:hueOff val="0"/>
+              <a:satOff val="0"/>
+              <a:lumOff val="0"/>
+              <a:alphaOff val="0"/>
+            </a:schemeClr>
+          </a:lnRef>
+          <a:fillRef idx="1">
+            <a:schemeClr val="accent1">
+              <a:hueOff val="0"/>
+              <a:satOff val="0"/>
+              <a:lumOff val="0"/>
+              <a:alphaOff val="0"/>
+            </a:schemeClr>
+          </a:fillRef>
+          <a:effectRef idx="0">
+            <a:schemeClr val="accent1">
+              <a:hueOff val="0"/>
+              <a:satOff val="0"/>
+              <a:lumOff val="0"/>
+              <a:alphaOff val="0"/>
+            </a:schemeClr>
+          </a:effectRef>
+          <a:fontRef idx="minor">
+            <a:schemeClr val="lt1"/>
+          </a:fontRef>
+        </p:style>
+        <p:txBody>
+          <a:bodyPr spcFirstLastPara="0" vert="horz" wrap="square" lIns="140849" tIns="140849" rIns="140849" bIns="140849" numCol="1" spcCol="1270" anchor="ctr" anchorCtr="0">
+            <a:noAutofit/>
+          </a:bodyPr>
+          <a:lstStyle/>
+          <a:p>
+            <a:pPr marL="0" lvl="0" indent="0" algn="ctr" defTabSz="933450">
+              <a:lnSpc>
+                <a:spcPct val="90000"/>
+              </a:lnSpc>
+              <a:spcBef>
+                <a:spcPct val="0"/>
+              </a:spcBef>
+              <a:spcAft>
+                <a:spcPct val="35000"/>
+              </a:spcAft>
+              <a:buNone/>
+            </a:pPr>
+            <a:r>
+              <a:rPr lang="en-US" sz="2100" kern="1200"/>
+              <a:t>Sign Up </a:t>
+            </a:r>
+            <a:endParaRPr lang="fa-IR" sz="2100" kern="1200"/>
+          </a:p>
+        </p:txBody>
+      </p:sp>
+      <p:sp>
+        <p:nvSpPr>
+          <p:cNvPr id="13" name="Freeform: Shape 12">
+            <a:extLst>
+              <a:ext uri="{FF2B5EF4-FFF2-40B4-BE49-F238E27FC236}">
+                <a16:creationId xmlns:a16="http://schemas.microsoft.com/office/drawing/2014/main" id="{4D98F471-1FA0-4B05-BC28-01C87E4A9AB8}"/>
+              </a:ext>
+            </a:extLst>
+          </p:cNvPr>
+          <p:cNvSpPr/>
+          <p:nvPr/>
+        </p:nvSpPr>
+        <p:spPr>
+          <a:xfrm>
+            <a:off x="7031773" y="3096318"/>
+            <a:ext cx="2247694" cy="1015094"/>
+          </a:xfrm>
+          <a:custGeom>
+            <a:avLst/>
+            <a:gdLst>
+              <a:gd name="connsiteX0" fmla="*/ 0 w 2300075"/>
+              <a:gd name="connsiteY0" fmla="*/ 207720 h 1246293"/>
+              <a:gd name="connsiteX1" fmla="*/ 207720 w 2300075"/>
+              <a:gd name="connsiteY1" fmla="*/ 0 h 1246293"/>
+              <a:gd name="connsiteX2" fmla="*/ 2092355 w 2300075"/>
+              <a:gd name="connsiteY2" fmla="*/ 0 h 1246293"/>
+              <a:gd name="connsiteX3" fmla="*/ 2300075 w 2300075"/>
+              <a:gd name="connsiteY3" fmla="*/ 207720 h 1246293"/>
+              <a:gd name="connsiteX4" fmla="*/ 2300075 w 2300075"/>
+              <a:gd name="connsiteY4" fmla="*/ 1038573 h 1246293"/>
+              <a:gd name="connsiteX5" fmla="*/ 2092355 w 2300075"/>
+              <a:gd name="connsiteY5" fmla="*/ 1246293 h 1246293"/>
+              <a:gd name="connsiteX6" fmla="*/ 207720 w 2300075"/>
+              <a:gd name="connsiteY6" fmla="*/ 1246293 h 1246293"/>
+              <a:gd name="connsiteX7" fmla="*/ 0 w 2300075"/>
+              <a:gd name="connsiteY7" fmla="*/ 1038573 h 1246293"/>
+              <a:gd name="connsiteX8" fmla="*/ 0 w 2300075"/>
+              <a:gd name="connsiteY8" fmla="*/ 207720 h 1246293"/>
+            </a:gdLst>
+            <a:ahLst/>
+            <a:cxnLst>
+              <a:cxn ang="0">
+                <a:pos x="connsiteX0" y="connsiteY0"/>
+              </a:cxn>
+              <a:cxn ang="0">
+                <a:pos x="connsiteX1" y="connsiteY1"/>
+              </a:cxn>
+              <a:cxn ang="0">
+                <a:pos x="connsiteX2" y="connsiteY2"/>
+              </a:cxn>
+              <a:cxn ang="0">
+                <a:pos x="connsiteX3" y="connsiteY3"/>
+              </a:cxn>
+              <a:cxn ang="0">
+                <a:pos x="connsiteX4" y="connsiteY4"/>
+              </a:cxn>
+              <a:cxn ang="0">
+                <a:pos x="connsiteX5" y="connsiteY5"/>
+              </a:cxn>
+              <a:cxn ang="0">
+                <a:pos x="connsiteX6" y="connsiteY6"/>
+              </a:cxn>
+              <a:cxn ang="0">
+                <a:pos x="connsiteX7" y="connsiteY7"/>
+              </a:cxn>
+              <a:cxn ang="0">
+                <a:pos x="connsiteX8" y="connsiteY8"/>
+              </a:cxn>
+            </a:cxnLst>
+            <a:rect l="l" t="t" r="r" b="b"/>
+            <a:pathLst>
+              <a:path w="2300075" h="1246293">
+                <a:moveTo>
+                  <a:pt x="0" y="207720"/>
+                </a:moveTo>
+                <a:cubicBezTo>
+                  <a:pt x="0" y="92999"/>
+                  <a:pt x="92999" y="0"/>
+                  <a:pt x="207720" y="0"/>
+                </a:cubicBezTo>
+                <a:lnTo>
+                  <a:pt x="2092355" y="0"/>
+                </a:lnTo>
+                <a:cubicBezTo>
+                  <a:pt x="2207076" y="0"/>
+                  <a:pt x="2300075" y="92999"/>
+                  <a:pt x="2300075" y="207720"/>
+                </a:cubicBezTo>
+                <a:lnTo>
+                  <a:pt x="2300075" y="1038573"/>
+                </a:lnTo>
+                <a:cubicBezTo>
+                  <a:pt x="2300075" y="1153294"/>
+                  <a:pt x="2207076" y="1246293"/>
+                  <a:pt x="2092355" y="1246293"/>
+                </a:cubicBezTo>
+                <a:lnTo>
+                  <a:pt x="207720" y="1246293"/>
+                </a:lnTo>
+                <a:cubicBezTo>
+                  <a:pt x="92999" y="1246293"/>
+                  <a:pt x="0" y="1153294"/>
+                  <a:pt x="0" y="1038573"/>
+                </a:cubicBezTo>
+                <a:lnTo>
+                  <a:pt x="0" y="207720"/>
+                </a:lnTo>
+                <a:close/>
+              </a:path>
+            </a:pathLst>
+          </a:custGeom>
+        </p:spPr>
+        <p:style>
+          <a:lnRef idx="2">
+            <a:schemeClr val="lt1">
+              <a:hueOff val="0"/>
+              <a:satOff val="0"/>
+              <a:lumOff val="0"/>
+              <a:alphaOff val="0"/>
+            </a:schemeClr>
+          </a:lnRef>
+          <a:fillRef idx="1">
+            <a:schemeClr val="accent1">
+              <a:hueOff val="0"/>
+              <a:satOff val="0"/>
+              <a:lumOff val="0"/>
+              <a:alphaOff val="0"/>
+            </a:schemeClr>
+          </a:fillRef>
+          <a:effectRef idx="0">
+            <a:schemeClr val="accent1">
+              <a:hueOff val="0"/>
+              <a:satOff val="0"/>
+              <a:lumOff val="0"/>
+              <a:alphaOff val="0"/>
+            </a:schemeClr>
+          </a:effectRef>
+          <a:fontRef idx="minor">
+            <a:schemeClr val="lt1"/>
+          </a:fontRef>
+        </p:style>
+        <p:txBody>
+          <a:bodyPr spcFirstLastPara="0" vert="horz" wrap="square" lIns="140849" tIns="140849" rIns="140849" bIns="140849" numCol="1" spcCol="1270" anchor="ctr" anchorCtr="0">
+            <a:noAutofit/>
+          </a:bodyPr>
+          <a:lstStyle/>
+          <a:p>
+            <a:pPr marL="0" lvl="0" indent="0" algn="ctr" defTabSz="933450">
+              <a:lnSpc>
+                <a:spcPct val="90000"/>
+              </a:lnSpc>
+              <a:spcBef>
+                <a:spcPct val="0"/>
+              </a:spcBef>
+              <a:spcAft>
+                <a:spcPct val="35000"/>
+              </a:spcAft>
+              <a:buNone/>
+            </a:pPr>
+            <a:r>
+              <a:rPr lang="en-US" sz="2100" kern="1200" dirty="0"/>
+              <a:t>Sign in</a:t>
+            </a:r>
+            <a:endParaRPr lang="fa-IR" sz="2100" kern="1200" dirty="0"/>
+          </a:p>
+        </p:txBody>
+      </p:sp>
     </p:spTree>
     <p:extLst>
       <p:ext uri="{BB962C8B-B14F-4D97-AF65-F5344CB8AC3E}">
@@ -5412,6 +10531,221 @@
   <p:clrMapOvr>
     <a:masterClrMapping/>
   </p:clrMapOvr>
+  <p:timing>
+    <p:tnLst>
+      <p:par>
+        <p:cTn id="1" dur="indefinite" restart="never" nodeType="tmRoot">
+          <p:childTnLst>
+            <p:seq concurrent="1" nextAc="seek">
+              <p:cTn id="2" dur="indefinite" nodeType="mainSeq">
+                <p:childTnLst>
+                  <p:par>
+                    <p:cTn id="3" fill="hold">
+                      <p:stCondLst>
+                        <p:cond delay="indefinite"/>
+                      </p:stCondLst>
+                      <p:childTnLst>
+                        <p:par>
+                          <p:cTn id="4" fill="hold">
+                            <p:stCondLst>
+                              <p:cond delay="0"/>
+                            </p:stCondLst>
+                            <p:childTnLst>
+                              <p:par>
+                                <p:cTn id="5" presetID="1" presetClass="entr" presetSubtype="0" fill="hold" nodeType="clickEffect">
+                                  <p:stCondLst>
+                                    <p:cond delay="0"/>
+                                  </p:stCondLst>
+                                  <p:childTnLst>
+                                    <p:set>
+                                      <p:cBhvr>
+                                        <p:cTn id="6" dur="1" fill="hold">
+                                          <p:stCondLst>
+                                            <p:cond delay="0"/>
+                                          </p:stCondLst>
+                                        </p:cTn>
+                                        <p:tgtEl>
+                                          <p:spTgt spid="10"/>
+                                        </p:tgtEl>
+                                        <p:attrNameLst>
+                                          <p:attrName>style.visibility</p:attrName>
+                                        </p:attrNameLst>
+                                      </p:cBhvr>
+                                      <p:to>
+                                        <p:strVal val="visible"/>
+                                      </p:to>
+                                    </p:set>
+                                  </p:childTnLst>
+                                </p:cTn>
+                              </p:par>
+                            </p:childTnLst>
+                          </p:cTn>
+                        </p:par>
+                      </p:childTnLst>
+                    </p:cTn>
+                  </p:par>
+                  <p:par>
+                    <p:cTn id="7" fill="hold">
+                      <p:stCondLst>
+                        <p:cond delay="indefinite"/>
+                      </p:stCondLst>
+                      <p:childTnLst>
+                        <p:par>
+                          <p:cTn id="8" fill="hold">
+                            <p:stCondLst>
+                              <p:cond delay="0"/>
+                            </p:stCondLst>
+                            <p:childTnLst>
+                              <p:par>
+                                <p:cTn id="9" presetID="1" presetClass="entr" presetSubtype="0" fill="hold" grpId="0" nodeType="clickEffect">
+                                  <p:stCondLst>
+                                    <p:cond delay="0"/>
+                                  </p:stCondLst>
+                                  <p:childTnLst>
+                                    <p:set>
+                                      <p:cBhvr>
+                                        <p:cTn id="10" dur="1" fill="hold">
+                                          <p:stCondLst>
+                                            <p:cond delay="0"/>
+                                          </p:stCondLst>
+                                        </p:cTn>
+                                        <p:tgtEl>
+                                          <p:spTgt spid="11"/>
+                                        </p:tgtEl>
+                                        <p:attrNameLst>
+                                          <p:attrName>style.visibility</p:attrName>
+                                        </p:attrNameLst>
+                                      </p:cBhvr>
+                                      <p:to>
+                                        <p:strVal val="visible"/>
+                                      </p:to>
+                                    </p:set>
+                                  </p:childTnLst>
+                                </p:cTn>
+                              </p:par>
+                            </p:childTnLst>
+                          </p:cTn>
+                        </p:par>
+                      </p:childTnLst>
+                    </p:cTn>
+                  </p:par>
+                  <p:par>
+                    <p:cTn id="11" fill="hold">
+                      <p:stCondLst>
+                        <p:cond delay="indefinite"/>
+                      </p:stCondLst>
+                      <p:childTnLst>
+                        <p:par>
+                          <p:cTn id="12" fill="hold">
+                            <p:stCondLst>
+                              <p:cond delay="0"/>
+                            </p:stCondLst>
+                            <p:childTnLst>
+                              <p:par>
+                                <p:cTn id="13" presetID="1" presetClass="entr" presetSubtype="0" fill="hold" grpId="0" nodeType="clickEffect">
+                                  <p:stCondLst>
+                                    <p:cond delay="0"/>
+                                  </p:stCondLst>
+                                  <p:childTnLst>
+                                    <p:set>
+                                      <p:cBhvr>
+                                        <p:cTn id="14" dur="1" fill="hold">
+                                          <p:stCondLst>
+                                            <p:cond delay="0"/>
+                                          </p:stCondLst>
+                                        </p:cTn>
+                                        <p:tgtEl>
+                                          <p:spTgt spid="12"/>
+                                        </p:tgtEl>
+                                        <p:attrNameLst>
+                                          <p:attrName>style.visibility</p:attrName>
+                                        </p:attrNameLst>
+                                      </p:cBhvr>
+                                      <p:to>
+                                        <p:strVal val="visible"/>
+                                      </p:to>
+                                    </p:set>
+                                  </p:childTnLst>
+                                </p:cTn>
+                              </p:par>
+                            </p:childTnLst>
+                          </p:cTn>
+                        </p:par>
+                      </p:childTnLst>
+                    </p:cTn>
+                  </p:par>
+                  <p:par>
+                    <p:cTn id="15" fill="hold">
+                      <p:stCondLst>
+                        <p:cond delay="indefinite"/>
+                      </p:stCondLst>
+                      <p:childTnLst>
+                        <p:par>
+                          <p:cTn id="16" fill="hold">
+                            <p:stCondLst>
+                              <p:cond delay="0"/>
+                            </p:stCondLst>
+                            <p:childTnLst>
+                              <p:par>
+                                <p:cTn id="17" presetID="1" presetClass="entr" presetSubtype="0" fill="hold" grpId="0" nodeType="clickEffect">
+                                  <p:stCondLst>
+                                    <p:cond delay="0"/>
+                                  </p:stCondLst>
+                                  <p:childTnLst>
+                                    <p:set>
+                                      <p:cBhvr>
+                                        <p:cTn id="18" dur="1" fill="hold">
+                                          <p:stCondLst>
+                                            <p:cond delay="0"/>
+                                          </p:stCondLst>
+                                        </p:cTn>
+                                        <p:tgtEl>
+                                          <p:spTgt spid="13"/>
+                                        </p:tgtEl>
+                                        <p:attrNameLst>
+                                          <p:attrName>style.visibility</p:attrName>
+                                        </p:attrNameLst>
+                                      </p:cBhvr>
+                                      <p:to>
+                                        <p:strVal val="visible"/>
+                                      </p:to>
+                                    </p:set>
+                                  </p:childTnLst>
+                                </p:cTn>
+                              </p:par>
+                            </p:childTnLst>
+                          </p:cTn>
+                        </p:par>
+                      </p:childTnLst>
+                    </p:cTn>
+                  </p:par>
+                </p:childTnLst>
+              </p:cTn>
+              <p:prevCondLst>
+                <p:cond evt="onPrev" delay="0">
+                  <p:tgtEl>
+                    <p:sldTgt/>
+                  </p:tgtEl>
+                </p:cond>
+              </p:prevCondLst>
+              <p:nextCondLst>
+                <p:cond evt="onNext" delay="0">
+                  <p:tgtEl>
+                    <p:sldTgt/>
+                  </p:tgtEl>
+                </p:cond>
+              </p:nextCondLst>
+            </p:seq>
+          </p:childTnLst>
+        </p:cTn>
+      </p:par>
+    </p:tnLst>
+    <p:bldLst>
+      <p:bldP spid="11" grpId="0" animBg="1"/>
+      <p:bldP spid="12" grpId="0" animBg="1"/>
+      <p:bldP spid="13" grpId="0" animBg="1"/>
+    </p:bldLst>
+  </p:timing>
 </p:sld>
 </file>
 
@@ -6544,6 +11878,42 @@
           <a:chExt cx="0" cy="0"/>
         </a:xfrm>
       </p:grpSpPr>
+      <p:pic>
+        <p:nvPicPr>
+          <p:cNvPr id="25" name="Picture 24">
+            <a:extLst>
+              <a:ext uri="{FF2B5EF4-FFF2-40B4-BE49-F238E27FC236}">
+                <a16:creationId xmlns:a16="http://schemas.microsoft.com/office/drawing/2014/main" id="{A7F73245-3240-42BF-B3EA-F0730BBB0767}"/>
+              </a:ext>
+            </a:extLst>
+          </p:cNvPr>
+          <p:cNvPicPr>
+            <a:picLocks noChangeAspect="1"/>
+          </p:cNvPicPr>
+          <p:nvPr/>
+        </p:nvPicPr>
+        <p:blipFill>
+          <a:blip r:embed="rId2">
+            <a:extLst>
+              <a:ext uri="{28A0092B-C50C-407E-A947-70E740481C1C}">
+                <a14:useLocalDpi xmlns:a14="http://schemas.microsoft.com/office/drawing/2010/main" val="0"/>
+              </a:ext>
+            </a:extLst>
+          </a:blip>
+          <a:stretch>
+            <a:fillRect/>
+          </a:stretch>
+        </p:blipFill>
+        <p:spPr>
+          <a:xfrm>
+            <a:off x="6246629" y="1856069"/>
+            <a:ext cx="5299605" cy="3145861"/>
+          </a:xfrm>
+          <a:prstGeom prst="rect">
+            <a:avLst/>
+          </a:prstGeom>
+        </p:spPr>
+      </p:pic>
       <p:sp>
         <p:nvSpPr>
           <p:cNvPr id="2" name="Title 1">
@@ -7459,6 +12829,48 @@
           </p:txBody>
         </p:sp>
       </p:grpSp>
+    </p:spTree>
+    <p:extLst>
+      <p:ext uri="{BB962C8B-B14F-4D97-AF65-F5344CB8AC3E}">
+        <p14:creationId xmlns:p14="http://schemas.microsoft.com/office/powerpoint/2010/main" val="1701820026"/>
+      </p:ext>
+    </p:extLst>
+  </p:cSld>
+  <p:clrMapOvr>
+    <a:masterClrMapping/>
+  </p:clrMapOvr>
+  <mc:AlternateContent xmlns:mc="http://schemas.openxmlformats.org/markup-compatibility/2006" xmlns:p159="http://schemas.microsoft.com/office/powerpoint/2015/09/main">
+    <mc:Choice Requires="p159">
+      <p:transition xmlns:p14="http://schemas.microsoft.com/office/powerpoint/2010/main" spd="slow" p14:dur="2000">
+        <p159:morph option="byObject"/>
+      </p:transition>
+    </mc:Choice>
+    <mc:Fallback xmlns="">
+      <p:transition spd="slow">
+        <p:fade/>
+      </p:transition>
+    </mc:Fallback>
+  </mc:AlternateContent>
+</p:sld>
+</file>
+
+<file path=ppt/slides/slide6.xml><?xml version="1.0" encoding="utf-8"?>
+<p:sld xmlns:a="http://schemas.openxmlformats.org/drawingml/2006/main" xmlns:r="http://schemas.openxmlformats.org/officeDocument/2006/relationships" xmlns:p="http://schemas.openxmlformats.org/presentationml/2006/main">
+  <p:cSld>
+    <p:spTree>
+      <p:nvGrpSpPr>
+        <p:cNvPr id="1" name=""/>
+        <p:cNvGrpSpPr/>
+        <p:nvPr/>
+      </p:nvGrpSpPr>
+      <p:grpSpPr>
+        <a:xfrm>
+          <a:off x="0" y="0"/>
+          <a:ext cx="0" cy="0"/>
+          <a:chOff x="0" y="0"/>
+          <a:chExt cx="0" cy="0"/>
+        </a:xfrm>
+      </p:grpSpPr>
       <p:pic>
         <p:nvPicPr>
           <p:cNvPr id="25" name="Picture 24">
@@ -7487,56 +12899,14 @@
         </p:blipFill>
         <p:spPr>
           <a:xfrm>
-            <a:off x="6246629" y="1856069"/>
-            <a:ext cx="5299605" cy="3145861"/>
+            <a:off x="1141169" y="-1712684"/>
+            <a:ext cx="10424177" cy="6187822"/>
           </a:xfrm>
           <a:prstGeom prst="rect">
             <a:avLst/>
           </a:prstGeom>
         </p:spPr>
       </p:pic>
-    </p:spTree>
-    <p:extLst>
-      <p:ext uri="{BB962C8B-B14F-4D97-AF65-F5344CB8AC3E}">
-        <p14:creationId xmlns:p14="http://schemas.microsoft.com/office/powerpoint/2010/main" val="1701820026"/>
-      </p:ext>
-    </p:extLst>
-  </p:cSld>
-  <p:clrMapOvr>
-    <a:masterClrMapping/>
-  </p:clrMapOvr>
-  <mc:AlternateContent xmlns:mc="http://schemas.openxmlformats.org/markup-compatibility/2006">
-    <mc:Choice xmlns:p159="http://schemas.microsoft.com/office/powerpoint/2015/09/main" Requires="p159">
-      <p:transition xmlns:p14="http://schemas.microsoft.com/office/powerpoint/2010/main" spd="slow" p14:dur="2000">
-        <p159:morph option="byObject"/>
-      </p:transition>
-    </mc:Choice>
-    <mc:Fallback>
-      <p:transition spd="slow">
-        <p:fade/>
-      </p:transition>
-    </mc:Fallback>
-  </mc:AlternateContent>
-</p:sld>
-</file>
-
-<file path=ppt/slides/slide6.xml><?xml version="1.0" encoding="utf-8"?>
-<p:sld xmlns:a="http://schemas.openxmlformats.org/drawingml/2006/main" xmlns:r="http://schemas.openxmlformats.org/officeDocument/2006/relationships" xmlns:p="http://schemas.openxmlformats.org/presentationml/2006/main">
-  <p:cSld>
-    <p:spTree>
-      <p:nvGrpSpPr>
-        <p:cNvPr id="1" name=""/>
-        <p:cNvGrpSpPr/>
-        <p:nvPr/>
-      </p:nvGrpSpPr>
-      <p:grpSpPr>
-        <a:xfrm>
-          <a:off x="0" y="0"/>
-          <a:ext cx="0" cy="0"/>
-          <a:chOff x="0" y="0"/>
-          <a:chExt cx="0" cy="0"/>
-        </a:xfrm>
-      </p:grpSpPr>
       <p:sp>
         <p:nvSpPr>
           <p:cNvPr id="2" name="Title 1">
@@ -8178,42 +13548,6 @@
           </p:txBody>
         </p:sp>
       </p:grpSp>
-      <p:pic>
-        <p:nvPicPr>
-          <p:cNvPr id="25" name="Picture 24">
-            <a:extLst>
-              <a:ext uri="{FF2B5EF4-FFF2-40B4-BE49-F238E27FC236}">
-                <a16:creationId xmlns:a16="http://schemas.microsoft.com/office/drawing/2014/main" id="{A7F73245-3240-42BF-B3EA-F0730BBB0767}"/>
-              </a:ext>
-            </a:extLst>
-          </p:cNvPr>
-          <p:cNvPicPr>
-            <a:picLocks noChangeAspect="1"/>
-          </p:cNvPicPr>
-          <p:nvPr/>
-        </p:nvPicPr>
-        <p:blipFill>
-          <a:blip r:embed="rId2">
-            <a:extLst>
-              <a:ext uri="{28A0092B-C50C-407E-A947-70E740481C1C}">
-                <a14:useLocalDpi xmlns:a14="http://schemas.microsoft.com/office/drawing/2010/main" val="0"/>
-              </a:ext>
-            </a:extLst>
-          </a:blip>
-          <a:stretch>
-            <a:fillRect/>
-          </a:stretch>
-        </p:blipFill>
-        <p:spPr>
-          <a:xfrm>
-            <a:off x="1141169" y="-1712684"/>
-            <a:ext cx="10424177" cy="6187822"/>
-          </a:xfrm>
-          <a:prstGeom prst="rect">
-            <a:avLst/>
-          </a:prstGeom>
-        </p:spPr>
-      </p:pic>
       <p:grpSp>
         <p:nvGrpSpPr>
           <p:cNvPr id="22" name="Group 21">
@@ -8498,13 +13832,13 @@
   <p:clrMapOvr>
     <a:masterClrMapping/>
   </p:clrMapOvr>
-  <mc:AlternateContent xmlns:mc="http://schemas.openxmlformats.org/markup-compatibility/2006">
-    <mc:Choice xmlns:p159="http://schemas.microsoft.com/office/powerpoint/2015/09/main" Requires="p159">
+  <mc:AlternateContent xmlns:mc="http://schemas.openxmlformats.org/markup-compatibility/2006" xmlns:p159="http://schemas.microsoft.com/office/powerpoint/2015/09/main">
+    <mc:Choice Requires="p159">
       <p:transition xmlns:p14="http://schemas.microsoft.com/office/powerpoint/2010/main" spd="slow" p14:dur="2000">
         <p159:morph option="byObject"/>
       </p:transition>
     </mc:Choice>
-    <mc:Fallback>
+    <mc:Fallback xmlns="">
       <p:transition spd="slow">
         <p:fade/>
       </p:transition>
@@ -9491,13 +14825,13 @@
   <p:clrMapOvr>
     <a:masterClrMapping/>
   </p:clrMapOvr>
-  <mc:AlternateContent xmlns:mc="http://schemas.openxmlformats.org/markup-compatibility/2006">
-    <mc:Choice xmlns:p159="http://schemas.microsoft.com/office/powerpoint/2015/09/main" Requires="p159">
+  <mc:AlternateContent xmlns:mc="http://schemas.openxmlformats.org/markup-compatibility/2006" xmlns:p159="http://schemas.microsoft.com/office/powerpoint/2015/09/main">
+    <mc:Choice Requires="p159">
       <p:transition xmlns:p14="http://schemas.microsoft.com/office/powerpoint/2010/main" spd="slow" p14:dur="2000">
         <p159:morph option="byObject"/>
       </p:transition>
     </mc:Choice>
-    <mc:Fallback>
+    <mc:Fallback xmlns="">
       <p:transition spd="slow">
         <p:fade/>
       </p:transition>
@@ -10484,13 +15818,13 @@
   <p:clrMapOvr>
     <a:masterClrMapping/>
   </p:clrMapOvr>
-  <mc:AlternateContent xmlns:mc="http://schemas.openxmlformats.org/markup-compatibility/2006">
-    <mc:Choice xmlns:p159="http://schemas.microsoft.com/office/powerpoint/2015/09/main" Requires="p159">
+  <mc:AlternateContent xmlns:mc="http://schemas.openxmlformats.org/markup-compatibility/2006" xmlns:p159="http://schemas.microsoft.com/office/powerpoint/2015/09/main">
+    <mc:Choice Requires="p159">
       <p:transition xmlns:p14="http://schemas.microsoft.com/office/powerpoint/2010/main" spd="slow" p14:dur="2000">
         <p159:morph option="byObject"/>
       </p:transition>
     </mc:Choice>
-    <mc:Fallback>
+    <mc:Fallback xmlns="">
       <p:transition spd="slow">
         <p:fade/>
       </p:transition>

--- a/GitTutorial.pptx
+++ b/GitTutorial.pptx
@@ -1909,7 +1909,7 @@
             <a:buNone/>
           </a:pPr>
           <a:r>
-            <a:rPr lang="en-US"/>
+            <a:rPr lang="en-US" dirty="0"/>
             <a:t>To set your default editor to notepad</a:t>
           </a:r>
           <a:endParaRPr lang="fa-IR" dirty="0"/>
@@ -2701,7 +2701,7 @@
             <a:buNone/>
           </a:pPr>
           <a:r>
-            <a:rPr lang="en-US" sz="1100" kern="1200"/>
+            <a:rPr lang="en-US" sz="1100" kern="1200" dirty="0"/>
             <a:t>To set your default editor to notepad</a:t>
           </a:r>
           <a:endParaRPr lang="fa-IR" sz="1100" kern="1200" dirty="0"/>
@@ -9551,7 +9551,7 @@
         </p:blipFill>
         <p:spPr>
           <a:xfrm>
-            <a:off x="3619500" y="4103798"/>
+            <a:off x="3619500" y="3753843"/>
             <a:ext cx="4953000" cy="1743075"/>
           </a:xfrm>
           <a:prstGeom prst="rect">
